--- a/NoSQL/The_Survey_On_OpenTSDB.pptx
+++ b/NoSQL/The_Survey_On_OpenTSDB.pptx
@@ -6,37 +6,41 @@
     <p:sldMasterId id="2147483782" r:id="rId5"/>
   </p:sldMasterIdLst>
   <p:notesMasterIdLst>
-    <p:notesMasterId r:id="rId31"/>
+    <p:notesMasterId r:id="rId35"/>
   </p:notesMasterIdLst>
   <p:handoutMasterIdLst>
-    <p:handoutMasterId r:id="rId32"/>
+    <p:handoutMasterId r:id="rId36"/>
   </p:handoutMasterIdLst>
   <p:sldIdLst>
     <p:sldId id="439" r:id="rId6"/>
     <p:sldId id="344" r:id="rId7"/>
     <p:sldId id="475" r:id="rId8"/>
-    <p:sldId id="471" r:id="rId9"/>
-    <p:sldId id="472" r:id="rId10"/>
-    <p:sldId id="416" r:id="rId11"/>
-    <p:sldId id="430" r:id="rId12"/>
-    <p:sldId id="429" r:id="rId13"/>
-    <p:sldId id="364" r:id="rId14"/>
-    <p:sldId id="448" r:id="rId15"/>
-    <p:sldId id="382" r:id="rId16"/>
-    <p:sldId id="441" r:id="rId17"/>
-    <p:sldId id="449" r:id="rId18"/>
-    <p:sldId id="374" r:id="rId19"/>
-    <p:sldId id="445" r:id="rId20"/>
-    <p:sldId id="380" r:id="rId21"/>
-    <p:sldId id="379" r:id="rId22"/>
-    <p:sldId id="423" r:id="rId23"/>
-    <p:sldId id="387" r:id="rId24"/>
-    <p:sldId id="390" r:id="rId25"/>
-    <p:sldId id="420" r:id="rId26"/>
-    <p:sldId id="421" r:id="rId27"/>
-    <p:sldId id="413" r:id="rId28"/>
-    <p:sldId id="265" r:id="rId29"/>
-    <p:sldId id="435" r:id="rId30"/>
+    <p:sldId id="476" r:id="rId9"/>
+    <p:sldId id="471" r:id="rId10"/>
+    <p:sldId id="472" r:id="rId11"/>
+    <p:sldId id="478" r:id="rId12"/>
+    <p:sldId id="477" r:id="rId13"/>
+    <p:sldId id="479" r:id="rId14"/>
+    <p:sldId id="416" r:id="rId15"/>
+    <p:sldId id="430" r:id="rId16"/>
+    <p:sldId id="429" r:id="rId17"/>
+    <p:sldId id="364" r:id="rId18"/>
+    <p:sldId id="448" r:id="rId19"/>
+    <p:sldId id="382" r:id="rId20"/>
+    <p:sldId id="441" r:id="rId21"/>
+    <p:sldId id="449" r:id="rId22"/>
+    <p:sldId id="374" r:id="rId23"/>
+    <p:sldId id="445" r:id="rId24"/>
+    <p:sldId id="380" r:id="rId25"/>
+    <p:sldId id="379" r:id="rId26"/>
+    <p:sldId id="423" r:id="rId27"/>
+    <p:sldId id="387" r:id="rId28"/>
+    <p:sldId id="390" r:id="rId29"/>
+    <p:sldId id="420" r:id="rId30"/>
+    <p:sldId id="421" r:id="rId31"/>
+    <p:sldId id="413" r:id="rId32"/>
+    <p:sldId id="265" r:id="rId33"/>
+    <p:sldId id="435" r:id="rId34"/>
   </p:sldIdLst>
   <p:sldSz cx="12195175" cy="6858000"/>
   <p:notesSz cx="6858000" cy="9144000"/>
@@ -763,7 +767,7 @@
             <a:fld id="{7D8C2C35-2B8A-446E-BEC0-FD36716C29AC}" type="slidenum">
               <a:rPr lang="de-DE" smtClean="0"/>
               <a:pPr/>
-              <a:t>6</a:t>
+              <a:t>10</a:t>
             </a:fld>
             <a:endParaRPr lang="de-DE" dirty="0"/>
           </a:p>
@@ -817,7 +821,7 @@
             <a:fld id="{7D8C2C35-2B8A-446E-BEC0-FD36716C29AC}" type="slidenum">
               <a:rPr lang="de-DE" smtClean="0"/>
               <a:pPr/>
-              <a:t>24</a:t>
+              <a:t>28</a:t>
             </a:fld>
             <a:endParaRPr lang="de-DE" dirty="0"/>
           </a:p>
@@ -8634,14 +8638,14 @@
           <a:p>
             <a:r>
               <a:rPr lang="en-US" dirty="0"/>
-              <a:t>Speaker’s Name, SAP</a:t>
+              <a:t>Keith Wang, SAP</a:t>
             </a:r>
           </a:p>
           <a:p>
             <a:pPr lvl="0"/>
             <a:r>
               <a:rPr lang="en-US" dirty="0"/>
-              <a:t>Month 00, 2020</a:t>
+              <a:t>Sep 00, 2020</a:t>
             </a:r>
           </a:p>
         </p:txBody>
@@ -8678,12 +8682,12 @@
               <a:rPr lang="en-US" dirty="0"/>
             </a:br>
             <a:r>
-              <a:rPr lang="en-US" dirty="0">
+              <a:rPr lang="en-US" altLang="zh-CN" dirty="0">
                 <a:solidFill>
                   <a:schemeClr val="accent1"/>
                 </a:solidFill>
               </a:rPr>
-              <a:t>and Here and Here</a:t>
+              <a:t>A Distributed, Scalable Monitoring System</a:t>
             </a:r>
             <a:endParaRPr lang="de-DE" dirty="0">
               <a:solidFill>
@@ -8809,6 +8813,292 @@
       </p:grpSpPr>
       <p:sp>
         <p:nvSpPr>
+          <p:cNvPr id="2" name="Divider"/>
+          <p:cNvSpPr>
+            <a:spLocks noGrp="1"/>
+          </p:cNvSpPr>
+          <p:nvPr>
+            <p:ph type="ctrTitle"/>
+          </p:nvPr>
+        </p:nvSpPr>
+        <p:spPr bwMode="gray"/>
+        <p:txBody>
+          <a:bodyPr/>
+          <a:lstStyle/>
+          <a:p>
+            <a:r>
+              <a:rPr lang="en-US" dirty="0"/>
+              <a:t>Divider </a:t>
+            </a:r>
+            <a:r>
+              <a:rPr lang="en-US" dirty="0">
+                <a:solidFill>
+                  <a:schemeClr val="accent1"/>
+                </a:solidFill>
+              </a:rPr>
+              <a:t>page</a:t>
+            </a:r>
+          </a:p>
+        </p:txBody>
+      </p:sp>
+    </p:spTree>
+    <p:extLst>
+      <p:ext uri="{BB962C8B-B14F-4D97-AF65-F5344CB8AC3E}">
+        <p14:creationId xmlns:p14="http://schemas.microsoft.com/office/powerpoint/2010/main" val="799205039"/>
+      </p:ext>
+    </p:extLst>
+  </p:cSld>
+  <p:clrMapOvr>
+    <a:masterClrMapping/>
+  </p:clrMapOvr>
+</p:sld>
+</file>
+
+<file path=ppt/slides/slide11.xml><?xml version="1.0" encoding="utf-8"?>
+<p:sld xmlns:a="http://schemas.openxmlformats.org/drawingml/2006/main" xmlns:r="http://schemas.openxmlformats.org/officeDocument/2006/relationships" xmlns:p="http://schemas.openxmlformats.org/presentationml/2006/main">
+  <p:cSld>
+    <p:spTree>
+      <p:nvGrpSpPr>
+        <p:cNvPr id="1" name=""/>
+        <p:cNvGrpSpPr/>
+        <p:nvPr/>
+      </p:nvGrpSpPr>
+      <p:grpSpPr>
+        <a:xfrm>
+          <a:off x="0" y="0"/>
+          <a:ext cx="0" cy="0"/>
+          <a:chOff x="0" y="0"/>
+          <a:chExt cx="0" cy="0"/>
+        </a:xfrm>
+      </p:grpSpPr>
+      <p:sp>
+        <p:nvSpPr>
+          <p:cNvPr id="3" name="Divider"/>
+          <p:cNvSpPr>
+            <a:spLocks noGrp="1"/>
+          </p:cNvSpPr>
+          <p:nvPr>
+            <p:ph type="ctrTitle"/>
+          </p:nvPr>
+        </p:nvSpPr>
+        <p:spPr bwMode="gray"/>
+        <p:txBody>
+          <a:bodyPr/>
+          <a:lstStyle/>
+          <a:p>
+            <a:r>
+              <a:rPr lang="en-US" dirty="0"/>
+              <a:t>Divider </a:t>
+            </a:r>
+            <a:r>
+              <a:rPr lang="en-US" dirty="0">
+                <a:solidFill>
+                  <a:schemeClr val="accent1"/>
+                </a:solidFill>
+              </a:rPr>
+              <a:t>page</a:t>
+            </a:r>
+            <a:endParaRPr lang="en-US" dirty="0"/>
+          </a:p>
+        </p:txBody>
+      </p:sp>
+      <p:pic>
+        <p:nvPicPr>
+          <p:cNvPr id="6" name="Illustration" descr="Example of an illustration " title="Illustration for divider page"/>
+          <p:cNvPicPr>
+            <a:picLocks noGrp="1" noChangeAspect="1"/>
+          </p:cNvPicPr>
+          <p:nvPr>
+            <p:ph type="pic" sz="quarter" idx="12"/>
+          </p:nvPr>
+        </p:nvPicPr>
+        <p:blipFill>
+          <a:blip r:embed="rId2"/>
+          <a:srcRect t="3112" b="3112"/>
+          <a:stretch>
+            <a:fillRect/>
+          </a:stretch>
+        </p:blipFill>
+        <p:spPr bwMode="gray"/>
+      </p:pic>
+    </p:spTree>
+    <p:extLst>
+      <p:ext uri="{BB962C8B-B14F-4D97-AF65-F5344CB8AC3E}">
+        <p14:creationId xmlns:p14="http://schemas.microsoft.com/office/powerpoint/2010/main" val="1515423877"/>
+      </p:ext>
+    </p:extLst>
+  </p:cSld>
+  <p:clrMapOvr>
+    <a:masterClrMapping/>
+  </p:clrMapOvr>
+</p:sld>
+</file>
+
+<file path=ppt/slides/slide12.xml><?xml version="1.0" encoding="utf-8"?>
+<p:sld xmlns:a="http://schemas.openxmlformats.org/drawingml/2006/main" xmlns:r="http://schemas.openxmlformats.org/officeDocument/2006/relationships" xmlns:p="http://schemas.openxmlformats.org/presentationml/2006/main">
+  <p:cSld>
+    <p:spTree>
+      <p:nvGrpSpPr>
+        <p:cNvPr id="1" name=""/>
+        <p:cNvGrpSpPr/>
+        <p:nvPr/>
+      </p:nvGrpSpPr>
+      <p:grpSpPr>
+        <a:xfrm>
+          <a:off x="0" y="0"/>
+          <a:ext cx="0" cy="0"/>
+          <a:chOff x="0" y="0"/>
+          <a:chExt cx="0" cy="0"/>
+        </a:xfrm>
+      </p:grpSpPr>
+      <p:sp>
+        <p:nvSpPr>
+          <p:cNvPr id="3" name="Divider"/>
+          <p:cNvSpPr>
+            <a:spLocks noGrp="1"/>
+          </p:cNvSpPr>
+          <p:nvPr>
+            <p:ph type="ctrTitle"/>
+          </p:nvPr>
+        </p:nvSpPr>
+        <p:spPr bwMode="gray"/>
+        <p:txBody>
+          <a:bodyPr/>
+          <a:lstStyle/>
+          <a:p>
+            <a:r>
+              <a:rPr lang="en-US" dirty="0"/>
+              <a:t>Divider </a:t>
+            </a:r>
+            <a:r>
+              <a:rPr lang="en-US" dirty="0">
+                <a:solidFill>
+                  <a:schemeClr val="accent1"/>
+                </a:solidFill>
+              </a:rPr>
+              <a:t>page</a:t>
+            </a:r>
+            <a:endParaRPr lang="en-US" dirty="0"/>
+          </a:p>
+        </p:txBody>
+      </p:sp>
+      <p:pic>
+        <p:nvPicPr>
+          <p:cNvPr id="7" name="Divider Image Placeholder">
+            <a:extLst>
+              <a:ext uri="{FF2B5EF4-FFF2-40B4-BE49-F238E27FC236}">
+                <a16:creationId xmlns:a16="http://schemas.microsoft.com/office/drawing/2014/main" id="{3FEADB84-4FA8-4F63-8117-D5AD2F9BF195}"/>
+              </a:ext>
+            </a:extLst>
+          </p:cNvPr>
+          <p:cNvPicPr>
+            <a:picLocks noGrp="1" noChangeAspect="1"/>
+          </p:cNvPicPr>
+          <p:nvPr>
+            <p:ph type="pic" sz="quarter" idx="12"/>
+          </p:nvPr>
+        </p:nvPicPr>
+        <p:blipFill rotWithShape="1">
+          <a:blip r:embed="rId2" cstate="screen">
+            <a:extLst>
+              <a:ext uri="{28A0092B-C50C-407E-A947-70E740481C1C}">
+                <a14:useLocalDpi xmlns:a14="http://schemas.microsoft.com/office/drawing/2010/main"/>
+              </a:ext>
+            </a:extLst>
+          </a:blip>
+          <a:srcRect/>
+          <a:stretch/>
+        </p:blipFill>
+        <p:spPr>
+          <a:prstGeom prst="rect">
+            <a:avLst/>
+          </a:prstGeom>
+        </p:spPr>
+      </p:pic>
+    </p:spTree>
+    <p:extLst>
+      <p:ext uri="{BB962C8B-B14F-4D97-AF65-F5344CB8AC3E}">
+        <p14:creationId xmlns:p14="http://schemas.microsoft.com/office/powerpoint/2010/main" val="1693693568"/>
+      </p:ext>
+    </p:extLst>
+  </p:cSld>
+  <p:clrMapOvr>
+    <a:masterClrMapping/>
+  </p:clrMapOvr>
+</p:sld>
+</file>
+
+<file path=ppt/slides/slide13.xml><?xml version="1.0" encoding="utf-8"?>
+<p:sld xmlns:a="http://schemas.openxmlformats.org/drawingml/2006/main" xmlns:r="http://schemas.openxmlformats.org/officeDocument/2006/relationships" xmlns:p="http://schemas.openxmlformats.org/presentationml/2006/main">
+  <p:cSld>
+    <p:spTree>
+      <p:nvGrpSpPr>
+        <p:cNvPr id="1" name=""/>
+        <p:cNvGrpSpPr/>
+        <p:nvPr/>
+      </p:nvGrpSpPr>
+      <p:grpSpPr>
+        <a:xfrm>
+          <a:off x="0" y="0"/>
+          <a:ext cx="0" cy="0"/>
+          <a:chOff x="0" y="0"/>
+          <a:chExt cx="0" cy="0"/>
+        </a:xfrm>
+      </p:grpSpPr>
+      <p:sp>
+        <p:nvSpPr>
+          <p:cNvPr id="24" name="Title"/>
+          <p:cNvSpPr>
+            <a:spLocks noGrp="1"/>
+          </p:cNvSpPr>
+          <p:nvPr>
+            <p:ph type="title"/>
+          </p:nvPr>
+        </p:nvSpPr>
+        <p:spPr bwMode="gray"/>
+        <p:txBody>
+          <a:bodyPr/>
+          <a:lstStyle/>
+          <a:p>
+            <a:r>
+              <a:rPr lang="en-US" dirty="0"/>
+              <a:t>Insert page title (sentence case)</a:t>
+            </a:r>
+          </a:p>
+        </p:txBody>
+      </p:sp>
+    </p:spTree>
+    <p:extLst>
+      <p:ext uri="{BB962C8B-B14F-4D97-AF65-F5344CB8AC3E}">
+        <p14:creationId xmlns:p14="http://schemas.microsoft.com/office/powerpoint/2010/main" val="3602749482"/>
+      </p:ext>
+    </p:extLst>
+  </p:cSld>
+  <p:clrMapOvr>
+    <a:masterClrMapping/>
+  </p:clrMapOvr>
+</p:sld>
+</file>
+
+<file path=ppt/slides/slide14.xml><?xml version="1.0" encoding="utf-8"?>
+<p:sld xmlns:a="http://schemas.openxmlformats.org/drawingml/2006/main" xmlns:r="http://schemas.openxmlformats.org/officeDocument/2006/relationships" xmlns:p="http://schemas.openxmlformats.org/presentationml/2006/main">
+  <p:cSld>
+    <p:spTree>
+      <p:nvGrpSpPr>
+        <p:cNvPr id="1" name=""/>
+        <p:cNvGrpSpPr/>
+        <p:nvPr/>
+      </p:nvGrpSpPr>
+      <p:grpSpPr>
+        <a:xfrm>
+          <a:off x="0" y="0"/>
+          <a:ext cx="0" cy="0"/>
+          <a:chOff x="0" y="0"/>
+          <a:chExt cx="0" cy="0"/>
+        </a:xfrm>
+      </p:grpSpPr>
+      <p:sp>
+        <p:nvSpPr>
           <p:cNvPr id="24" name="Title"/>
           <p:cNvSpPr>
             <a:spLocks noGrp="1"/>
@@ -8842,7 +9132,7 @@
 </p:sld>
 </file>
 
-<file path=ppt/slides/slide11.xml><?xml version="1.0" encoding="utf-8"?>
+<file path=ppt/slides/slide15.xml><?xml version="1.0" encoding="utf-8"?>
 <p:sld xmlns:a="http://schemas.openxmlformats.org/drawingml/2006/main" xmlns:r="http://schemas.openxmlformats.org/officeDocument/2006/relationships" xmlns:p="http://schemas.openxmlformats.org/presentationml/2006/main">
   <p:cSld>
     <p:spTree>
@@ -9310,353 +9600,6 @@
 </p:sld>
 </file>
 
-<file path=ppt/slides/slide12.xml><?xml version="1.0" encoding="utf-8"?>
-<p:sld xmlns:a="http://schemas.openxmlformats.org/drawingml/2006/main" xmlns:r="http://schemas.openxmlformats.org/officeDocument/2006/relationships" xmlns:p="http://schemas.openxmlformats.org/presentationml/2006/main">
-  <p:cSld>
-    <p:spTree>
-      <p:nvGrpSpPr>
-        <p:cNvPr id="1" name=""/>
-        <p:cNvGrpSpPr/>
-        <p:nvPr/>
-      </p:nvGrpSpPr>
-      <p:grpSpPr>
-        <a:xfrm>
-          <a:off x="0" y="0"/>
-          <a:ext cx="0" cy="0"/>
-          <a:chOff x="0" y="0"/>
-          <a:chExt cx="0" cy="0"/>
-        </a:xfrm>
-      </p:grpSpPr>
-      <p:sp>
-        <p:nvSpPr>
-          <p:cNvPr id="2" name="Text Placeholder">
-            <a:extLst>
-              <a:ext uri="{FF2B5EF4-FFF2-40B4-BE49-F238E27FC236}">
-                <a16:creationId xmlns:a16="http://schemas.microsoft.com/office/drawing/2014/main" id="{FD8B0406-B42D-4E48-A077-1006CEECE8B8}"/>
-              </a:ext>
-            </a:extLst>
-          </p:cNvPr>
-          <p:cNvSpPr>
-            <a:spLocks noGrp="1"/>
-          </p:cNvSpPr>
-          <p:nvPr>
-            <p:ph type="body" sz="quarter" idx="10"/>
-          </p:nvPr>
-        </p:nvSpPr>
-        <p:spPr/>
-        <p:txBody>
-          <a:bodyPr/>
-          <a:lstStyle/>
-          <a:p>
-            <a:pPr lvl="0"/>
-            <a:r>
-              <a:rPr lang="en-US" dirty="0"/>
-              <a:t>First level</a:t>
-            </a:r>
-          </a:p>
-          <a:p>
-            <a:pPr lvl="1"/>
-            <a:r>
-              <a:rPr lang="en-US" dirty="0"/>
-              <a:t>Second level</a:t>
-            </a:r>
-          </a:p>
-          <a:p>
-            <a:pPr lvl="2"/>
-            <a:r>
-              <a:rPr lang="en-US" dirty="0"/>
-              <a:t>Third level</a:t>
-            </a:r>
-          </a:p>
-        </p:txBody>
-      </p:sp>
-      <p:sp>
-        <p:nvSpPr>
-          <p:cNvPr id="3" name="Title">
-            <a:extLst>
-              <a:ext uri="{FF2B5EF4-FFF2-40B4-BE49-F238E27FC236}">
-                <a16:creationId xmlns:a16="http://schemas.microsoft.com/office/drawing/2014/main" id="{D36C6BFD-B684-44BB-8F4D-37456D097F1B}"/>
-              </a:ext>
-            </a:extLst>
-          </p:cNvPr>
-          <p:cNvSpPr>
-            <a:spLocks noGrp="1"/>
-          </p:cNvSpPr>
-          <p:nvPr>
-            <p:ph type="title"/>
-          </p:nvPr>
-        </p:nvSpPr>
-        <p:spPr/>
-        <p:txBody>
-          <a:bodyPr/>
-          <a:lstStyle/>
-          <a:p>
-            <a:r>
-              <a:rPr lang="en-US" dirty="0"/>
-              <a:t>Insert page title (sentence case)</a:t>
-            </a:r>
-          </a:p>
-        </p:txBody>
-      </p:sp>
-    </p:spTree>
-    <p:extLst>
-      <p:ext uri="{BB962C8B-B14F-4D97-AF65-F5344CB8AC3E}">
-        <p14:creationId xmlns:p14="http://schemas.microsoft.com/office/powerpoint/2010/main" val="4007524871"/>
-      </p:ext>
-    </p:extLst>
-  </p:cSld>
-  <p:clrMapOvr>
-    <a:masterClrMapping/>
-  </p:clrMapOvr>
-</p:sld>
-</file>
-
-<file path=ppt/slides/slide13.xml><?xml version="1.0" encoding="utf-8"?>
-<p:sld xmlns:a="http://schemas.openxmlformats.org/drawingml/2006/main" xmlns:r="http://schemas.openxmlformats.org/officeDocument/2006/relationships" xmlns:p="http://schemas.openxmlformats.org/presentationml/2006/main">
-  <p:cSld>
-    <p:spTree>
-      <p:nvGrpSpPr>
-        <p:cNvPr id="1" name=""/>
-        <p:cNvGrpSpPr/>
-        <p:nvPr/>
-      </p:nvGrpSpPr>
-      <p:grpSpPr>
-        <a:xfrm>
-          <a:off x="0" y="0"/>
-          <a:ext cx="0" cy="0"/>
-          <a:chOff x="0" y="0"/>
-          <a:chExt cx="0" cy="0"/>
-        </a:xfrm>
-      </p:grpSpPr>
-      <p:sp>
-        <p:nvSpPr>
-          <p:cNvPr id="11" name="Text Placeholder"/>
-          <p:cNvSpPr>
-            <a:spLocks noGrp="1"/>
-          </p:cNvSpPr>
-          <p:nvPr>
-            <p:ph type="body" sz="quarter" idx="10"/>
-          </p:nvPr>
-        </p:nvSpPr>
-        <p:spPr bwMode="gray"/>
-        <p:txBody>
-          <a:bodyPr/>
-          <a:lstStyle/>
-          <a:p>
-            <a:pPr lvl="0"/>
-            <a:r>
-              <a:rPr lang="en-US" dirty="0"/>
-              <a:t>First level</a:t>
-            </a:r>
-          </a:p>
-          <a:p>
-            <a:pPr lvl="1"/>
-            <a:r>
-              <a:rPr lang="en-US" dirty="0"/>
-              <a:t>Second level</a:t>
-            </a:r>
-          </a:p>
-          <a:p>
-            <a:pPr lvl="2"/>
-            <a:r>
-              <a:rPr lang="en-US" dirty="0"/>
-              <a:t>Third level</a:t>
-            </a:r>
-          </a:p>
-        </p:txBody>
-      </p:sp>
-      <p:sp>
-        <p:nvSpPr>
-          <p:cNvPr id="4" name="Title"/>
-          <p:cNvSpPr>
-            <a:spLocks noGrp="1"/>
-          </p:cNvSpPr>
-          <p:nvPr>
-            <p:ph type="title"/>
-          </p:nvPr>
-        </p:nvSpPr>
-        <p:spPr bwMode="gray">
-          <a:xfrm>
-            <a:off x="504001" y="504000"/>
-            <a:ext cx="11186476" cy="646331"/>
-          </a:xfrm>
-        </p:spPr>
-        <p:txBody>
-          <a:bodyPr/>
-          <a:lstStyle/>
-          <a:p>
-            <a:r>
-              <a:rPr lang="en-US" dirty="0"/>
-              <a:t>Insert page title (sentence case)</a:t>
-            </a:r>
-            <a:br>
-              <a:rPr lang="en-US" dirty="0"/>
-            </a:br>
-            <a:r>
-              <a:rPr lang="en-US" sz="1800" b="0" dirty="0" err="1"/>
-              <a:t>Subheadline</a:t>
-            </a:r>
-            <a:endParaRPr lang="en-US" b="0" dirty="0"/>
-          </a:p>
-        </p:txBody>
-      </p:sp>
-    </p:spTree>
-    <p:extLst>
-      <p:ext uri="{BB962C8B-B14F-4D97-AF65-F5344CB8AC3E}">
-        <p14:creationId xmlns:p14="http://schemas.microsoft.com/office/powerpoint/2010/main" val="1196408533"/>
-      </p:ext>
-    </p:extLst>
-  </p:cSld>
-  <p:clrMapOvr>
-    <a:masterClrMapping/>
-  </p:clrMapOvr>
-</p:sld>
-</file>
-
-<file path=ppt/slides/slide14.xml><?xml version="1.0" encoding="utf-8"?>
-<p:sld xmlns:a="http://schemas.openxmlformats.org/drawingml/2006/main" xmlns:r="http://schemas.openxmlformats.org/officeDocument/2006/relationships" xmlns:p="http://schemas.openxmlformats.org/presentationml/2006/main">
-  <p:cSld>
-    <p:spTree>
-      <p:nvGrpSpPr>
-        <p:cNvPr id="1" name=""/>
-        <p:cNvGrpSpPr/>
-        <p:nvPr/>
-      </p:nvGrpSpPr>
-      <p:grpSpPr>
-        <a:xfrm>
-          <a:off x="0" y="0"/>
-          <a:ext cx="0" cy="0"/>
-          <a:chOff x="0" y="0"/>
-          <a:chExt cx="0" cy="0"/>
-        </a:xfrm>
-      </p:grpSpPr>
-      <p:sp>
-        <p:nvSpPr>
-          <p:cNvPr id="11" name="Quote placeholder"/>
-          <p:cNvSpPr>
-            <a:spLocks noGrp="1"/>
-          </p:cNvSpPr>
-          <p:nvPr>
-            <p:ph type="body" sz="quarter" idx="10"/>
-          </p:nvPr>
-        </p:nvSpPr>
-        <p:spPr bwMode="gray"/>
-        <p:txBody>
-          <a:bodyPr/>
-          <a:lstStyle/>
-          <a:p>
-            <a:pPr lvl="0"/>
-            <a:r>
-              <a:rPr lang="en-US" dirty="0"/>
-              <a:t>“Quote goes here and here </a:t>
-            </a:r>
-            <a:r>
-              <a:rPr lang="en-US" dirty="0">
-                <a:solidFill>
-                  <a:schemeClr val="accent1"/>
-                </a:solidFill>
-              </a:rPr>
-              <a:t>and here</a:t>
-            </a:r>
-            <a:r>
-              <a:rPr lang="en-US" dirty="0"/>
-              <a:t>.”</a:t>
-            </a:r>
-          </a:p>
-          <a:p>
-            <a:pPr lvl="1"/>
-            <a:r>
-              <a:rPr lang="en-US" dirty="0"/>
-              <a:t>Source</a:t>
-            </a:r>
-          </a:p>
-        </p:txBody>
-      </p:sp>
-    </p:spTree>
-    <p:extLst>
-      <p:ext uri="{BB962C8B-B14F-4D97-AF65-F5344CB8AC3E}">
-        <p14:creationId xmlns:p14="http://schemas.microsoft.com/office/powerpoint/2010/main" val="3295641251"/>
-      </p:ext>
-    </p:extLst>
-  </p:cSld>
-  <p:clrMapOvr>
-    <a:masterClrMapping/>
-  </p:clrMapOvr>
-</p:sld>
-</file>
-
-<file path=ppt/slides/slide15.xml><?xml version="1.0" encoding="utf-8"?>
-<p:sld xmlns:a="http://schemas.openxmlformats.org/drawingml/2006/main" xmlns:r="http://schemas.openxmlformats.org/officeDocument/2006/relationships" xmlns:p="http://schemas.openxmlformats.org/presentationml/2006/main">
-  <p:cSld>
-    <p:spTree>
-      <p:nvGrpSpPr>
-        <p:cNvPr id="1" name=""/>
-        <p:cNvGrpSpPr/>
-        <p:nvPr/>
-      </p:nvGrpSpPr>
-      <p:grpSpPr>
-        <a:xfrm>
-          <a:off x="0" y="0"/>
-          <a:ext cx="0" cy="0"/>
-          <a:chOff x="0" y="0"/>
-          <a:chExt cx="0" cy="0"/>
-        </a:xfrm>
-      </p:grpSpPr>
-      <p:sp>
-        <p:nvSpPr>
-          <p:cNvPr id="11" name="Quote placeholder"/>
-          <p:cNvSpPr>
-            <a:spLocks noGrp="1"/>
-          </p:cNvSpPr>
-          <p:nvPr>
-            <p:ph type="body" sz="quarter" idx="10"/>
-          </p:nvPr>
-        </p:nvSpPr>
-        <p:spPr bwMode="gray"/>
-        <p:txBody>
-          <a:bodyPr/>
-          <a:lstStyle/>
-          <a:p>
-            <a:pPr lvl="0"/>
-            <a:r>
-              <a:rPr lang="en-US" dirty="0"/>
-              <a:t>“Quote goes here and here </a:t>
-            </a:r>
-            <a:r>
-              <a:rPr lang="en-US" dirty="0">
-                <a:solidFill>
-                  <a:schemeClr val="accent1"/>
-                </a:solidFill>
-              </a:rPr>
-              <a:t>and here</a:t>
-            </a:r>
-            <a:r>
-              <a:rPr lang="en-US" dirty="0"/>
-              <a:t>.”</a:t>
-            </a:r>
-          </a:p>
-          <a:p>
-            <a:pPr lvl="1"/>
-            <a:r>
-              <a:rPr lang="en-US" dirty="0"/>
-              <a:t>Source</a:t>
-            </a:r>
-          </a:p>
-        </p:txBody>
-      </p:sp>
-    </p:spTree>
-    <p:extLst>
-      <p:ext uri="{BB962C8B-B14F-4D97-AF65-F5344CB8AC3E}">
-        <p14:creationId xmlns:p14="http://schemas.microsoft.com/office/powerpoint/2010/main" val="2010228457"/>
-      </p:ext>
-    </p:extLst>
-  </p:cSld>
-  <p:clrMapOvr>
-    <a:masterClrMapping/>
-  </p:clrMapOvr>
-</p:sld>
-</file>
-
 <file path=ppt/slides/slide16.xml><?xml version="1.0" encoding="utf-8"?>
 <p:sld xmlns:a="http://schemas.openxmlformats.org/drawingml/2006/main" xmlns:r="http://schemas.openxmlformats.org/officeDocument/2006/relationships" xmlns:p="http://schemas.openxmlformats.org/presentationml/2006/main">
   <p:cSld>
@@ -9676,27 +9619,21 @@
       </p:grpSpPr>
       <p:sp>
         <p:nvSpPr>
-          <p:cNvPr id="6" name="Picture Placeholder" descr="Placeholder for an image" title="Image placeholder content slide"/>
+          <p:cNvPr id="2" name="Text Placeholder">
+            <a:extLst>
+              <a:ext uri="{FF2B5EF4-FFF2-40B4-BE49-F238E27FC236}">
+                <a16:creationId xmlns:a16="http://schemas.microsoft.com/office/drawing/2014/main" id="{FD8B0406-B42D-4E48-A077-1006CEECE8B8}"/>
+              </a:ext>
+            </a:extLst>
+          </p:cNvPr>
           <p:cNvSpPr>
             <a:spLocks noGrp="1"/>
           </p:cNvSpPr>
           <p:nvPr>
-            <p:ph type="pic" sz="quarter" idx="10"/>
+            <p:ph type="body" sz="quarter" idx="10"/>
           </p:nvPr>
         </p:nvSpPr>
-        <p:spPr bwMode="gray"/>
-      </p:sp>
-      <p:sp>
-        <p:nvSpPr>
-          <p:cNvPr id="4" name="Text Placeholder"/>
-          <p:cNvSpPr>
-            <a:spLocks noGrp="1"/>
-          </p:cNvSpPr>
-          <p:nvPr>
-            <p:ph type="body" sz="quarter" idx="11"/>
-          </p:nvPr>
-        </p:nvSpPr>
-        <p:spPr bwMode="gray"/>
+        <p:spPr/>
         <p:txBody>
           <a:bodyPr/>
           <a:lstStyle/>
@@ -9725,7 +9662,13 @@
       </p:sp>
       <p:sp>
         <p:nvSpPr>
-          <p:cNvPr id="2" name="Title"/>
+          <p:cNvPr id="3" name="Title">
+            <a:extLst>
+              <a:ext uri="{FF2B5EF4-FFF2-40B4-BE49-F238E27FC236}">
+                <a16:creationId xmlns:a16="http://schemas.microsoft.com/office/drawing/2014/main" id="{D36C6BFD-B684-44BB-8F4D-37456D097F1B}"/>
+              </a:ext>
+            </a:extLst>
+          </p:cNvPr>
           <p:cNvSpPr>
             <a:spLocks noGrp="1"/>
           </p:cNvSpPr>
@@ -9733,7 +9676,7 @@
             <p:ph type="title"/>
           </p:nvPr>
         </p:nvSpPr>
-        <p:spPr bwMode="gray"/>
+        <p:spPr/>
         <p:txBody>
           <a:bodyPr/>
           <a:lstStyle/>
@@ -9748,7 +9691,7 @@
     </p:spTree>
     <p:extLst>
       <p:ext uri="{BB962C8B-B14F-4D97-AF65-F5344CB8AC3E}">
-        <p14:creationId xmlns:p14="http://schemas.microsoft.com/office/powerpoint/2010/main" val="2468716513"/>
+        <p14:creationId xmlns:p14="http://schemas.microsoft.com/office/powerpoint/2010/main" val="4007524871"/>
       </p:ext>
     </p:extLst>
   </p:cSld>
@@ -9777,24 +9720,12 @@
       </p:grpSpPr>
       <p:sp>
         <p:nvSpPr>
-          <p:cNvPr id="6" name="Picture Placeholder" descr="Placeholder for an image" title="Image placeholder content slide"/>
+          <p:cNvPr id="11" name="Text Placeholder"/>
           <p:cNvSpPr>
             <a:spLocks noGrp="1"/>
           </p:cNvSpPr>
           <p:nvPr>
-            <p:ph type="pic" sz="quarter" idx="10"/>
-          </p:nvPr>
-        </p:nvSpPr>
-        <p:spPr bwMode="gray"/>
-      </p:sp>
-      <p:sp>
-        <p:nvSpPr>
-          <p:cNvPr id="4" name="Text Placeholder"/>
-          <p:cNvSpPr>
-            <a:spLocks noGrp="1"/>
-          </p:cNvSpPr>
-          <p:nvPr>
-            <p:ph type="body" sz="quarter" idx="11"/>
+            <p:ph type="body" sz="quarter" idx="10"/>
           </p:nvPr>
         </p:nvSpPr>
         <p:spPr bwMode="gray"/>
@@ -9804,30 +9735,29 @@
           <a:p>
             <a:pPr lvl="0"/>
             <a:r>
-              <a:rPr lang="en-US"/>
+              <a:rPr lang="en-US" dirty="0"/>
               <a:t>First level</a:t>
             </a:r>
           </a:p>
           <a:p>
             <a:pPr lvl="1"/>
             <a:r>
-              <a:rPr lang="en-US"/>
+              <a:rPr lang="en-US" dirty="0"/>
               <a:t>Second level</a:t>
             </a:r>
           </a:p>
           <a:p>
             <a:pPr lvl="2"/>
             <a:r>
-              <a:rPr lang="en-US"/>
+              <a:rPr lang="en-US" dirty="0"/>
               <a:t>Third level</a:t>
             </a:r>
-            <a:endParaRPr lang="en-US" dirty="0"/>
-          </a:p>
-        </p:txBody>
-      </p:sp>
-      <p:sp>
-        <p:nvSpPr>
-          <p:cNvPr id="2" name="Title"/>
+          </a:p>
+        </p:txBody>
+      </p:sp>
+      <p:sp>
+        <p:nvSpPr>
+          <p:cNvPr id="4" name="Title"/>
           <p:cNvSpPr>
             <a:spLocks noGrp="1"/>
           </p:cNvSpPr>
@@ -9835,7 +9765,12 @@
             <p:ph type="title"/>
           </p:nvPr>
         </p:nvSpPr>
-        <p:spPr bwMode="gray"/>
+        <p:spPr bwMode="gray">
+          <a:xfrm>
+            <a:off x="504001" y="504000"/>
+            <a:ext cx="11186476" cy="646331"/>
+          </a:xfrm>
+        </p:spPr>
         <p:txBody>
           <a:bodyPr/>
           <a:lstStyle/>
@@ -9844,13 +9779,21 @@
               <a:rPr lang="en-US" dirty="0"/>
               <a:t>Insert page title (sentence case)</a:t>
             </a:r>
+            <a:br>
+              <a:rPr lang="en-US" dirty="0"/>
+            </a:br>
+            <a:r>
+              <a:rPr lang="en-US" sz="1800" b="0" dirty="0" err="1"/>
+              <a:t>Subheadline</a:t>
+            </a:r>
+            <a:endParaRPr lang="en-US" b="0" dirty="0"/>
           </a:p>
         </p:txBody>
       </p:sp>
     </p:spTree>
     <p:extLst>
       <p:ext uri="{BB962C8B-B14F-4D97-AF65-F5344CB8AC3E}">
-        <p14:creationId xmlns:p14="http://schemas.microsoft.com/office/powerpoint/2010/main" val="4154867534"/>
+        <p14:creationId xmlns:p14="http://schemas.microsoft.com/office/powerpoint/2010/main" val="1196408533"/>
       </p:ext>
     </p:extLst>
   </p:cSld>
@@ -9879,20 +9822,50 @@
       </p:grpSpPr>
       <p:sp>
         <p:nvSpPr>
-          <p:cNvPr id="8" name="Picture Placeholder 7" descr="Image Placeholder" title="Image Placeholder"/>
+          <p:cNvPr id="11" name="Quote placeholder"/>
           <p:cNvSpPr>
             <a:spLocks noGrp="1"/>
           </p:cNvSpPr>
           <p:nvPr>
-            <p:ph type="pic" sz="quarter" idx="10"/>
+            <p:ph type="body" sz="quarter" idx="10"/>
           </p:nvPr>
         </p:nvSpPr>
         <p:spPr bwMode="gray"/>
+        <p:txBody>
+          <a:bodyPr/>
+          <a:lstStyle/>
+          <a:p>
+            <a:pPr lvl="0"/>
+            <a:r>
+              <a:rPr lang="en-US" dirty="0"/>
+              <a:t>“Quote goes here and here </a:t>
+            </a:r>
+            <a:r>
+              <a:rPr lang="en-US" dirty="0">
+                <a:solidFill>
+                  <a:schemeClr val="accent1"/>
+                </a:solidFill>
+              </a:rPr>
+              <a:t>and here</a:t>
+            </a:r>
+            <a:r>
+              <a:rPr lang="en-US" dirty="0"/>
+              <a:t>.”</a:t>
+            </a:r>
+          </a:p>
+          <a:p>
+            <a:pPr lvl="1"/>
+            <a:r>
+              <a:rPr lang="en-US" dirty="0"/>
+              <a:t>Source</a:t>
+            </a:r>
+          </a:p>
+        </p:txBody>
       </p:sp>
     </p:spTree>
     <p:extLst>
       <p:ext uri="{BB962C8B-B14F-4D97-AF65-F5344CB8AC3E}">
-        <p14:creationId xmlns:p14="http://schemas.microsoft.com/office/powerpoint/2010/main" val="1840057824"/>
+        <p14:creationId xmlns:p14="http://schemas.microsoft.com/office/powerpoint/2010/main" val="3295641251"/>
       </p:ext>
     </p:extLst>
   </p:cSld>
@@ -9921,45 +9894,7 @@
       </p:grpSpPr>
       <p:sp>
         <p:nvSpPr>
-          <p:cNvPr id="9" name="Text Placeholder column 2"/>
-          <p:cNvSpPr>
-            <a:spLocks noGrp="1"/>
-          </p:cNvSpPr>
-          <p:nvPr>
-            <p:ph type="body" sz="quarter" idx="11"/>
-          </p:nvPr>
-        </p:nvSpPr>
-        <p:spPr bwMode="gray"/>
-        <p:txBody>
-          <a:bodyPr/>
-          <a:lstStyle/>
-          <a:p>
-            <a:pPr lvl="0"/>
-            <a:r>
-              <a:rPr lang="en-US"/>
-              <a:t>First level</a:t>
-            </a:r>
-          </a:p>
-          <a:p>
-            <a:pPr lvl="1"/>
-            <a:r>
-              <a:rPr lang="en-US"/>
-              <a:t>Second level</a:t>
-            </a:r>
-          </a:p>
-          <a:p>
-            <a:pPr lvl="2"/>
-            <a:r>
-              <a:rPr lang="en-US"/>
-              <a:t>Third level</a:t>
-            </a:r>
-            <a:endParaRPr lang="en-US" dirty="0"/>
-          </a:p>
-        </p:txBody>
-      </p:sp>
-      <p:sp>
-        <p:nvSpPr>
-          <p:cNvPr id="8" name="Text Placeholder column 1"/>
+          <p:cNvPr id="11" name="Quote placeholder"/>
           <p:cNvSpPr>
             <a:spLocks noGrp="1"/>
           </p:cNvSpPr>
@@ -9974,45 +9909,27 @@
           <a:p>
             <a:pPr lvl="0"/>
             <a:r>
-              <a:rPr lang="en-US"/>
-              <a:t>First level</a:t>
+              <a:rPr lang="en-US" dirty="0"/>
+              <a:t>“Quote goes here and here </a:t>
+            </a:r>
+            <a:r>
+              <a:rPr lang="en-US" dirty="0">
+                <a:solidFill>
+                  <a:schemeClr val="accent1"/>
+                </a:solidFill>
+              </a:rPr>
+              <a:t>and here</a:t>
+            </a:r>
+            <a:r>
+              <a:rPr lang="en-US" dirty="0"/>
+              <a:t>.”</a:t>
             </a:r>
           </a:p>
           <a:p>
             <a:pPr lvl="1"/>
             <a:r>
-              <a:rPr lang="en-US"/>
-              <a:t>Second level</a:t>
-            </a:r>
-          </a:p>
-          <a:p>
-            <a:pPr lvl="2"/>
-            <a:r>
-              <a:rPr lang="en-US"/>
-              <a:t>Third level</a:t>
-            </a:r>
-            <a:endParaRPr lang="en-US" dirty="0"/>
-          </a:p>
-        </p:txBody>
-      </p:sp>
-      <p:sp>
-        <p:nvSpPr>
-          <p:cNvPr id="7" name="Title"/>
-          <p:cNvSpPr>
-            <a:spLocks noGrp="1"/>
-          </p:cNvSpPr>
-          <p:nvPr>
-            <p:ph type="title"/>
-          </p:nvPr>
-        </p:nvSpPr>
-        <p:spPr bwMode="gray"/>
-        <p:txBody>
-          <a:bodyPr/>
-          <a:lstStyle/>
-          <a:p>
-            <a:r>
-              <a:rPr lang="en-US" dirty="0"/>
-              <a:t>Insert page title (sentence case)</a:t>
+              <a:rPr lang="en-US" dirty="0"/>
+              <a:t>Source</a:t>
             </a:r>
           </a:p>
         </p:txBody>
@@ -10020,7 +9937,7 @@
     </p:spTree>
     <p:extLst>
       <p:ext uri="{BB962C8B-B14F-4D97-AF65-F5344CB8AC3E}">
-        <p14:creationId xmlns:p14="http://schemas.microsoft.com/office/powerpoint/2010/main" val="854015491"/>
+        <p14:creationId xmlns:p14="http://schemas.microsoft.com/office/powerpoint/2010/main" val="2010228457"/>
       </p:ext>
     </p:extLst>
   </p:cSld>
@@ -10063,9 +9980,14 @@
           <a:lstStyle/>
           <a:p>
             <a:r>
-              <a:rPr lang="en-US" dirty="0"/>
-              <a:t>Agenda item/divider headline</a:t>
-            </a:r>
+              <a:rPr lang="en-US" b="1" dirty="0"/>
+              <a:t>Overview of </a:t>
+            </a:r>
+            <a:r>
+              <a:rPr lang="en-US" b="1" dirty="0" err="1"/>
+              <a:t>OpenTSDB</a:t>
+            </a:r>
+            <a:endParaRPr lang="en-US" b="1" dirty="0"/>
           </a:p>
           <a:p>
             <a:pPr lvl="1"/>
@@ -10132,7 +10054,7 @@
           <a:p>
             <a:r>
               <a:rPr lang="en-US" dirty="0"/>
-              <a:t>Agenda</a:t>
+              <a:t>Content</a:t>
             </a:r>
           </a:p>
         </p:txBody>
@@ -10164,88 +10086,24 @@
       </p:grpSpPr>
       <p:sp>
         <p:nvSpPr>
-          <p:cNvPr id="5" name="Text Placeholder column 3"/>
+          <p:cNvPr id="6" name="Picture Placeholder" descr="Placeholder for an image" title="Image placeholder content slide"/>
           <p:cNvSpPr>
             <a:spLocks noGrp="1"/>
           </p:cNvSpPr>
           <p:nvPr>
-            <p:ph type="body" sz="quarter" idx="13"/>
+            <p:ph type="pic" sz="quarter" idx="10"/>
           </p:nvPr>
         </p:nvSpPr>
         <p:spPr bwMode="gray"/>
-        <p:txBody>
-          <a:bodyPr/>
-          <a:lstStyle/>
-          <a:p>
-            <a:pPr lvl="0"/>
-            <a:r>
-              <a:rPr lang="en-US"/>
-              <a:t>First level</a:t>
-            </a:r>
-          </a:p>
-          <a:p>
-            <a:pPr lvl="1"/>
-            <a:r>
-              <a:rPr lang="en-US"/>
-              <a:t>Second level</a:t>
-            </a:r>
-          </a:p>
-          <a:p>
-            <a:pPr lvl="2"/>
-            <a:r>
-              <a:rPr lang="en-US"/>
-              <a:t>Third level</a:t>
-            </a:r>
-            <a:endParaRPr lang="en-US" dirty="0"/>
-          </a:p>
-        </p:txBody>
-      </p:sp>
-      <p:sp>
-        <p:nvSpPr>
-          <p:cNvPr id="4" name="Text Placeholder column 2"/>
+      </p:sp>
+      <p:sp>
+        <p:nvSpPr>
+          <p:cNvPr id="4" name="Text Placeholder"/>
           <p:cNvSpPr>
             <a:spLocks noGrp="1"/>
           </p:cNvSpPr>
           <p:nvPr>
-            <p:ph type="body" sz="quarter" idx="12"/>
-          </p:nvPr>
-        </p:nvSpPr>
-        <p:spPr bwMode="gray"/>
-        <p:txBody>
-          <a:bodyPr/>
-          <a:lstStyle/>
-          <a:p>
-            <a:pPr lvl="0"/>
-            <a:r>
-              <a:rPr lang="en-US"/>
-              <a:t>First level</a:t>
-            </a:r>
-          </a:p>
-          <a:p>
-            <a:pPr lvl="1"/>
-            <a:r>
-              <a:rPr lang="en-US"/>
-              <a:t>Second level</a:t>
-            </a:r>
-          </a:p>
-          <a:p>
-            <a:pPr lvl="2"/>
-            <a:r>
-              <a:rPr lang="en-US"/>
-              <a:t>Third level</a:t>
-            </a:r>
-            <a:endParaRPr lang="en-US" dirty="0"/>
-          </a:p>
-        </p:txBody>
-      </p:sp>
-      <p:sp>
-        <p:nvSpPr>
-          <p:cNvPr id="3" name="Text Placeholder column 1"/>
-          <p:cNvSpPr>
-            <a:spLocks noGrp="1"/>
-          </p:cNvSpPr>
-          <p:nvPr>
-            <p:ph type="body" sz="quarter" idx="10"/>
+            <p:ph type="body" sz="quarter" idx="11"/>
           </p:nvPr>
         </p:nvSpPr>
         <p:spPr bwMode="gray"/>
@@ -10300,7 +10158,7 @@
     </p:spTree>
     <p:extLst>
       <p:ext uri="{BB962C8B-B14F-4D97-AF65-F5344CB8AC3E}">
-        <p14:creationId xmlns:p14="http://schemas.microsoft.com/office/powerpoint/2010/main" val="94846162"/>
+        <p14:creationId xmlns:p14="http://schemas.microsoft.com/office/powerpoint/2010/main" val="2468716513"/>
       </p:ext>
     </p:extLst>
   </p:cSld>
@@ -10329,54 +10187,24 @@
       </p:grpSpPr>
       <p:sp>
         <p:nvSpPr>
-          <p:cNvPr id="10" name="Text Placeholder column 2"/>
+          <p:cNvPr id="6" name="Picture Placeholder" descr="Placeholder for an image" title="Image placeholder content slide"/>
           <p:cNvSpPr>
             <a:spLocks noGrp="1"/>
           </p:cNvSpPr>
           <p:nvPr>
-            <p:ph type="body" sz="quarter" idx="13"/>
+            <p:ph type="pic" sz="quarter" idx="10"/>
           </p:nvPr>
         </p:nvSpPr>
         <p:spPr bwMode="gray"/>
-        <p:txBody>
-          <a:bodyPr/>
-          <a:lstStyle/>
-          <a:p>
-            <a:pPr lvl="0"/>
-            <a:r>
-              <a:rPr lang="en-US" dirty="0"/>
-              <a:t>First level</a:t>
-            </a:r>
-          </a:p>
-          <a:p>
-            <a:pPr lvl="1"/>
-            <a:r>
-              <a:rPr lang="en-US" dirty="0"/>
-              <a:t>Second level</a:t>
-            </a:r>
-          </a:p>
-        </p:txBody>
-      </p:sp>
-      <p:sp>
-        <p:nvSpPr>
-          <p:cNvPr id="16" name="Picture Placeholder 2" descr="Image placeholder right" title="Image placeholder"/>
+      </p:sp>
+      <p:sp>
+        <p:nvSpPr>
+          <p:cNvPr id="4" name="Text Placeholder"/>
           <p:cNvSpPr>
             <a:spLocks noGrp="1"/>
           </p:cNvSpPr>
           <p:nvPr>
-            <p:ph type="pic" sz="quarter" idx="14"/>
-          </p:nvPr>
-        </p:nvSpPr>
-        <p:spPr bwMode="gray"/>
-      </p:sp>
-      <p:sp>
-        <p:nvSpPr>
-          <p:cNvPr id="3" name="Text Placeholder column 1"/>
-          <p:cNvSpPr>
-            <a:spLocks noGrp="1"/>
-          </p:cNvSpPr>
-          <p:nvPr>
-            <p:ph type="body" sz="quarter" idx="10"/>
+            <p:ph type="body" sz="quarter" idx="11"/>
           </p:nvPr>
         </p:nvSpPr>
         <p:spPr bwMode="gray"/>
@@ -10386,34 +10214,30 @@
           <a:p>
             <a:pPr lvl="0"/>
             <a:r>
-              <a:rPr lang="en-US" dirty="0"/>
+              <a:rPr lang="en-US"/>
               <a:t>First level</a:t>
             </a:r>
           </a:p>
           <a:p>
             <a:pPr lvl="1"/>
             <a:r>
-              <a:rPr lang="en-US" dirty="0"/>
+              <a:rPr lang="en-US"/>
               <a:t>Second level</a:t>
             </a:r>
           </a:p>
-        </p:txBody>
-      </p:sp>
-      <p:sp>
-        <p:nvSpPr>
-          <p:cNvPr id="15" name="Picture Placeholder 1" descr="Image placeholder left" title="Image placeholde"/>
-          <p:cNvSpPr>
-            <a:spLocks noGrp="1"/>
-          </p:cNvSpPr>
-          <p:nvPr>
-            <p:ph type="pic" sz="quarter" idx="12"/>
-          </p:nvPr>
-        </p:nvSpPr>
-        <p:spPr bwMode="gray"/>
-      </p:sp>
-      <p:sp>
-        <p:nvSpPr>
-          <p:cNvPr id="8" name="Title"/>
+          <a:p>
+            <a:pPr lvl="2"/>
+            <a:r>
+              <a:rPr lang="en-US"/>
+              <a:t>Third level</a:t>
+            </a:r>
+            <a:endParaRPr lang="en-US" dirty="0"/>
+          </a:p>
+        </p:txBody>
+      </p:sp>
+      <p:sp>
+        <p:nvSpPr>
+          <p:cNvPr id="2" name="Title"/>
           <p:cNvSpPr>
             <a:spLocks noGrp="1"/>
           </p:cNvSpPr>
@@ -10436,7 +10260,7 @@
     </p:spTree>
     <p:extLst>
       <p:ext uri="{BB962C8B-B14F-4D97-AF65-F5344CB8AC3E}">
-        <p14:creationId xmlns:p14="http://schemas.microsoft.com/office/powerpoint/2010/main" val="1504049518"/>
+        <p14:creationId xmlns:p14="http://schemas.microsoft.com/office/powerpoint/2010/main" val="4154867534"/>
       </p:ext>
     </p:extLst>
   </p:cSld>
@@ -10465,156 +10289,20 @@
       </p:grpSpPr>
       <p:sp>
         <p:nvSpPr>
-          <p:cNvPr id="12" name="Text Placeholder column 3"/>
+          <p:cNvPr id="8" name="Picture Placeholder 7" descr="Image Placeholder" title="Image Placeholder"/>
           <p:cNvSpPr>
             <a:spLocks noGrp="1"/>
           </p:cNvSpPr>
           <p:nvPr>
-            <p:ph type="body" sz="quarter" idx="13"/>
+            <p:ph type="pic" sz="quarter" idx="10"/>
           </p:nvPr>
         </p:nvSpPr>
         <p:spPr bwMode="gray"/>
-        <p:txBody>
-          <a:bodyPr/>
-          <a:lstStyle/>
-          <a:p>
-            <a:pPr lvl="0"/>
-            <a:r>
-              <a:rPr lang="en-US" dirty="0"/>
-              <a:t>First level</a:t>
-            </a:r>
-          </a:p>
-          <a:p>
-            <a:pPr lvl="1"/>
-            <a:r>
-              <a:rPr lang="en-US" dirty="0"/>
-              <a:t>Second level</a:t>
-            </a:r>
-          </a:p>
-        </p:txBody>
-      </p:sp>
-      <p:sp>
-        <p:nvSpPr>
-          <p:cNvPr id="13" name="Picture Placeholder 3" descr="Image placeholder 3/3" title="Image placeholder 3/3"/>
-          <p:cNvSpPr>
-            <a:spLocks noGrp="1"/>
-          </p:cNvSpPr>
-          <p:nvPr>
-            <p:ph type="pic" sz="quarter" idx="14"/>
-          </p:nvPr>
-        </p:nvSpPr>
-        <p:spPr bwMode="gray"/>
-      </p:sp>
-      <p:sp>
-        <p:nvSpPr>
-          <p:cNvPr id="14" name="Text Placeholder column 2"/>
-          <p:cNvSpPr>
-            <a:spLocks noGrp="1"/>
-          </p:cNvSpPr>
-          <p:nvPr>
-            <p:ph type="body" sz="quarter" idx="15"/>
-          </p:nvPr>
-        </p:nvSpPr>
-        <p:spPr bwMode="gray"/>
-        <p:txBody>
-          <a:bodyPr/>
-          <a:lstStyle/>
-          <a:p>
-            <a:pPr lvl="0"/>
-            <a:r>
-              <a:rPr lang="en-US" dirty="0"/>
-              <a:t>First level</a:t>
-            </a:r>
-          </a:p>
-          <a:p>
-            <a:pPr lvl="1"/>
-            <a:r>
-              <a:rPr lang="en-US" dirty="0"/>
-              <a:t>Second level</a:t>
-            </a:r>
-          </a:p>
-        </p:txBody>
-      </p:sp>
-      <p:sp>
-        <p:nvSpPr>
-          <p:cNvPr id="15" name="Picture Placeholder 2" descr="Image placeholder 2/3" title="Image placeholder 2/3"/>
-          <p:cNvSpPr>
-            <a:spLocks noGrp="1"/>
-          </p:cNvSpPr>
-          <p:nvPr>
-            <p:ph type="pic" sz="quarter" idx="16"/>
-          </p:nvPr>
-        </p:nvSpPr>
-        <p:spPr bwMode="gray"/>
-      </p:sp>
-      <p:sp>
-        <p:nvSpPr>
-          <p:cNvPr id="10" name="Text Placeholder column 1"/>
-          <p:cNvSpPr>
-            <a:spLocks noGrp="1"/>
-          </p:cNvSpPr>
-          <p:nvPr>
-            <p:ph type="body" sz="quarter" idx="10"/>
-          </p:nvPr>
-        </p:nvSpPr>
-        <p:spPr bwMode="gray"/>
-        <p:txBody>
-          <a:bodyPr/>
-          <a:lstStyle/>
-          <a:p>
-            <a:pPr lvl="0"/>
-            <a:r>
-              <a:rPr lang="en-US" dirty="0"/>
-              <a:t>First level</a:t>
-            </a:r>
-          </a:p>
-          <a:p>
-            <a:pPr lvl="1"/>
-            <a:r>
-              <a:rPr lang="en-US" dirty="0"/>
-              <a:t>Second level</a:t>
-            </a:r>
-          </a:p>
-        </p:txBody>
-      </p:sp>
-      <p:sp>
-        <p:nvSpPr>
-          <p:cNvPr id="11" name="Picture Placeholder 1" descr="Image placeholder 1/3" title="Image placeholder 1/3"/>
-          <p:cNvSpPr>
-            <a:spLocks noGrp="1"/>
-          </p:cNvSpPr>
-          <p:nvPr>
-            <p:ph type="pic" sz="quarter" idx="12"/>
-          </p:nvPr>
-        </p:nvSpPr>
-        <p:spPr bwMode="gray"/>
-      </p:sp>
-      <p:sp>
-        <p:nvSpPr>
-          <p:cNvPr id="2" name="Title"/>
-          <p:cNvSpPr>
-            <a:spLocks noGrp="1"/>
-          </p:cNvSpPr>
-          <p:nvPr>
-            <p:ph type="title"/>
-          </p:nvPr>
-        </p:nvSpPr>
-        <p:spPr bwMode="gray"/>
-        <p:txBody>
-          <a:bodyPr/>
-          <a:lstStyle/>
-          <a:p>
-            <a:r>
-              <a:rPr lang="en-US" dirty="0"/>
-              <a:t>Insert page title (sentence case)</a:t>
-            </a:r>
-          </a:p>
-        </p:txBody>
       </p:sp>
     </p:spTree>
     <p:extLst>
       <p:ext uri="{BB962C8B-B14F-4D97-AF65-F5344CB8AC3E}">
-        <p14:creationId xmlns:p14="http://schemas.microsoft.com/office/powerpoint/2010/main" val="1175416068"/>
+        <p14:creationId xmlns:p14="http://schemas.microsoft.com/office/powerpoint/2010/main" val="1840057824"/>
       </p:ext>
     </p:extLst>
   </p:cSld>
@@ -10643,6 +10331,613 @@
       </p:grpSpPr>
       <p:sp>
         <p:nvSpPr>
+          <p:cNvPr id="9" name="Text Placeholder column 2"/>
+          <p:cNvSpPr>
+            <a:spLocks noGrp="1"/>
+          </p:cNvSpPr>
+          <p:nvPr>
+            <p:ph type="body" sz="quarter" idx="11"/>
+          </p:nvPr>
+        </p:nvSpPr>
+        <p:spPr bwMode="gray"/>
+        <p:txBody>
+          <a:bodyPr/>
+          <a:lstStyle/>
+          <a:p>
+            <a:pPr lvl="0"/>
+            <a:r>
+              <a:rPr lang="en-US"/>
+              <a:t>First level</a:t>
+            </a:r>
+          </a:p>
+          <a:p>
+            <a:pPr lvl="1"/>
+            <a:r>
+              <a:rPr lang="en-US"/>
+              <a:t>Second level</a:t>
+            </a:r>
+          </a:p>
+          <a:p>
+            <a:pPr lvl="2"/>
+            <a:r>
+              <a:rPr lang="en-US"/>
+              <a:t>Third level</a:t>
+            </a:r>
+            <a:endParaRPr lang="en-US" dirty="0"/>
+          </a:p>
+        </p:txBody>
+      </p:sp>
+      <p:sp>
+        <p:nvSpPr>
+          <p:cNvPr id="8" name="Text Placeholder column 1"/>
+          <p:cNvSpPr>
+            <a:spLocks noGrp="1"/>
+          </p:cNvSpPr>
+          <p:nvPr>
+            <p:ph type="body" sz="quarter" idx="10"/>
+          </p:nvPr>
+        </p:nvSpPr>
+        <p:spPr bwMode="gray"/>
+        <p:txBody>
+          <a:bodyPr/>
+          <a:lstStyle/>
+          <a:p>
+            <a:pPr lvl="0"/>
+            <a:r>
+              <a:rPr lang="en-US"/>
+              <a:t>First level</a:t>
+            </a:r>
+          </a:p>
+          <a:p>
+            <a:pPr lvl="1"/>
+            <a:r>
+              <a:rPr lang="en-US"/>
+              <a:t>Second level</a:t>
+            </a:r>
+          </a:p>
+          <a:p>
+            <a:pPr lvl="2"/>
+            <a:r>
+              <a:rPr lang="en-US"/>
+              <a:t>Third level</a:t>
+            </a:r>
+            <a:endParaRPr lang="en-US" dirty="0"/>
+          </a:p>
+        </p:txBody>
+      </p:sp>
+      <p:sp>
+        <p:nvSpPr>
+          <p:cNvPr id="7" name="Title"/>
+          <p:cNvSpPr>
+            <a:spLocks noGrp="1"/>
+          </p:cNvSpPr>
+          <p:nvPr>
+            <p:ph type="title"/>
+          </p:nvPr>
+        </p:nvSpPr>
+        <p:spPr bwMode="gray"/>
+        <p:txBody>
+          <a:bodyPr/>
+          <a:lstStyle/>
+          <a:p>
+            <a:r>
+              <a:rPr lang="en-US" dirty="0"/>
+              <a:t>Insert page title (sentence case)</a:t>
+            </a:r>
+          </a:p>
+        </p:txBody>
+      </p:sp>
+    </p:spTree>
+    <p:extLst>
+      <p:ext uri="{BB962C8B-B14F-4D97-AF65-F5344CB8AC3E}">
+        <p14:creationId xmlns:p14="http://schemas.microsoft.com/office/powerpoint/2010/main" val="854015491"/>
+      </p:ext>
+    </p:extLst>
+  </p:cSld>
+  <p:clrMapOvr>
+    <a:masterClrMapping/>
+  </p:clrMapOvr>
+</p:sld>
+</file>
+
+<file path=ppt/slides/slide24.xml><?xml version="1.0" encoding="utf-8"?>
+<p:sld xmlns:a="http://schemas.openxmlformats.org/drawingml/2006/main" xmlns:r="http://schemas.openxmlformats.org/officeDocument/2006/relationships" xmlns:p="http://schemas.openxmlformats.org/presentationml/2006/main">
+  <p:cSld>
+    <p:spTree>
+      <p:nvGrpSpPr>
+        <p:cNvPr id="1" name=""/>
+        <p:cNvGrpSpPr/>
+        <p:nvPr/>
+      </p:nvGrpSpPr>
+      <p:grpSpPr>
+        <a:xfrm>
+          <a:off x="0" y="0"/>
+          <a:ext cx="0" cy="0"/>
+          <a:chOff x="0" y="0"/>
+          <a:chExt cx="0" cy="0"/>
+        </a:xfrm>
+      </p:grpSpPr>
+      <p:sp>
+        <p:nvSpPr>
+          <p:cNvPr id="5" name="Text Placeholder column 3"/>
+          <p:cNvSpPr>
+            <a:spLocks noGrp="1"/>
+          </p:cNvSpPr>
+          <p:nvPr>
+            <p:ph type="body" sz="quarter" idx="13"/>
+          </p:nvPr>
+        </p:nvSpPr>
+        <p:spPr bwMode="gray"/>
+        <p:txBody>
+          <a:bodyPr/>
+          <a:lstStyle/>
+          <a:p>
+            <a:pPr lvl="0"/>
+            <a:r>
+              <a:rPr lang="en-US"/>
+              <a:t>First level</a:t>
+            </a:r>
+          </a:p>
+          <a:p>
+            <a:pPr lvl="1"/>
+            <a:r>
+              <a:rPr lang="en-US"/>
+              <a:t>Second level</a:t>
+            </a:r>
+          </a:p>
+          <a:p>
+            <a:pPr lvl="2"/>
+            <a:r>
+              <a:rPr lang="en-US"/>
+              <a:t>Third level</a:t>
+            </a:r>
+            <a:endParaRPr lang="en-US" dirty="0"/>
+          </a:p>
+        </p:txBody>
+      </p:sp>
+      <p:sp>
+        <p:nvSpPr>
+          <p:cNvPr id="4" name="Text Placeholder column 2"/>
+          <p:cNvSpPr>
+            <a:spLocks noGrp="1"/>
+          </p:cNvSpPr>
+          <p:nvPr>
+            <p:ph type="body" sz="quarter" idx="12"/>
+          </p:nvPr>
+        </p:nvSpPr>
+        <p:spPr bwMode="gray"/>
+        <p:txBody>
+          <a:bodyPr/>
+          <a:lstStyle/>
+          <a:p>
+            <a:pPr lvl="0"/>
+            <a:r>
+              <a:rPr lang="en-US"/>
+              <a:t>First level</a:t>
+            </a:r>
+          </a:p>
+          <a:p>
+            <a:pPr lvl="1"/>
+            <a:r>
+              <a:rPr lang="en-US"/>
+              <a:t>Second level</a:t>
+            </a:r>
+          </a:p>
+          <a:p>
+            <a:pPr lvl="2"/>
+            <a:r>
+              <a:rPr lang="en-US"/>
+              <a:t>Third level</a:t>
+            </a:r>
+            <a:endParaRPr lang="en-US" dirty="0"/>
+          </a:p>
+        </p:txBody>
+      </p:sp>
+      <p:sp>
+        <p:nvSpPr>
+          <p:cNvPr id="3" name="Text Placeholder column 1"/>
+          <p:cNvSpPr>
+            <a:spLocks noGrp="1"/>
+          </p:cNvSpPr>
+          <p:nvPr>
+            <p:ph type="body" sz="quarter" idx="10"/>
+          </p:nvPr>
+        </p:nvSpPr>
+        <p:spPr bwMode="gray"/>
+        <p:txBody>
+          <a:bodyPr/>
+          <a:lstStyle/>
+          <a:p>
+            <a:pPr lvl="0"/>
+            <a:r>
+              <a:rPr lang="en-US" dirty="0"/>
+              <a:t>First level</a:t>
+            </a:r>
+          </a:p>
+          <a:p>
+            <a:pPr lvl="1"/>
+            <a:r>
+              <a:rPr lang="en-US" dirty="0"/>
+              <a:t>Second level</a:t>
+            </a:r>
+          </a:p>
+          <a:p>
+            <a:pPr lvl="2"/>
+            <a:r>
+              <a:rPr lang="en-US" dirty="0"/>
+              <a:t>Third level</a:t>
+            </a:r>
+          </a:p>
+        </p:txBody>
+      </p:sp>
+      <p:sp>
+        <p:nvSpPr>
+          <p:cNvPr id="2" name="Title"/>
+          <p:cNvSpPr>
+            <a:spLocks noGrp="1"/>
+          </p:cNvSpPr>
+          <p:nvPr>
+            <p:ph type="title"/>
+          </p:nvPr>
+        </p:nvSpPr>
+        <p:spPr bwMode="gray"/>
+        <p:txBody>
+          <a:bodyPr/>
+          <a:lstStyle/>
+          <a:p>
+            <a:r>
+              <a:rPr lang="en-US" dirty="0"/>
+              <a:t>Insert page title (sentence case)</a:t>
+            </a:r>
+          </a:p>
+        </p:txBody>
+      </p:sp>
+    </p:spTree>
+    <p:extLst>
+      <p:ext uri="{BB962C8B-B14F-4D97-AF65-F5344CB8AC3E}">
+        <p14:creationId xmlns:p14="http://schemas.microsoft.com/office/powerpoint/2010/main" val="94846162"/>
+      </p:ext>
+    </p:extLst>
+  </p:cSld>
+  <p:clrMapOvr>
+    <a:masterClrMapping/>
+  </p:clrMapOvr>
+</p:sld>
+</file>
+
+<file path=ppt/slides/slide25.xml><?xml version="1.0" encoding="utf-8"?>
+<p:sld xmlns:a="http://schemas.openxmlformats.org/drawingml/2006/main" xmlns:r="http://schemas.openxmlformats.org/officeDocument/2006/relationships" xmlns:p="http://schemas.openxmlformats.org/presentationml/2006/main">
+  <p:cSld>
+    <p:spTree>
+      <p:nvGrpSpPr>
+        <p:cNvPr id="1" name=""/>
+        <p:cNvGrpSpPr/>
+        <p:nvPr/>
+      </p:nvGrpSpPr>
+      <p:grpSpPr>
+        <a:xfrm>
+          <a:off x="0" y="0"/>
+          <a:ext cx="0" cy="0"/>
+          <a:chOff x="0" y="0"/>
+          <a:chExt cx="0" cy="0"/>
+        </a:xfrm>
+      </p:grpSpPr>
+      <p:sp>
+        <p:nvSpPr>
+          <p:cNvPr id="10" name="Text Placeholder column 2"/>
+          <p:cNvSpPr>
+            <a:spLocks noGrp="1"/>
+          </p:cNvSpPr>
+          <p:nvPr>
+            <p:ph type="body" sz="quarter" idx="13"/>
+          </p:nvPr>
+        </p:nvSpPr>
+        <p:spPr bwMode="gray"/>
+        <p:txBody>
+          <a:bodyPr/>
+          <a:lstStyle/>
+          <a:p>
+            <a:pPr lvl="0"/>
+            <a:r>
+              <a:rPr lang="en-US" dirty="0"/>
+              <a:t>First level</a:t>
+            </a:r>
+          </a:p>
+          <a:p>
+            <a:pPr lvl="1"/>
+            <a:r>
+              <a:rPr lang="en-US" dirty="0"/>
+              <a:t>Second level</a:t>
+            </a:r>
+          </a:p>
+        </p:txBody>
+      </p:sp>
+      <p:sp>
+        <p:nvSpPr>
+          <p:cNvPr id="16" name="Picture Placeholder 2" descr="Image placeholder right" title="Image placeholder"/>
+          <p:cNvSpPr>
+            <a:spLocks noGrp="1"/>
+          </p:cNvSpPr>
+          <p:nvPr>
+            <p:ph type="pic" sz="quarter" idx="14"/>
+          </p:nvPr>
+        </p:nvSpPr>
+        <p:spPr bwMode="gray"/>
+      </p:sp>
+      <p:sp>
+        <p:nvSpPr>
+          <p:cNvPr id="3" name="Text Placeholder column 1"/>
+          <p:cNvSpPr>
+            <a:spLocks noGrp="1"/>
+          </p:cNvSpPr>
+          <p:nvPr>
+            <p:ph type="body" sz="quarter" idx="10"/>
+          </p:nvPr>
+        </p:nvSpPr>
+        <p:spPr bwMode="gray"/>
+        <p:txBody>
+          <a:bodyPr/>
+          <a:lstStyle/>
+          <a:p>
+            <a:pPr lvl="0"/>
+            <a:r>
+              <a:rPr lang="en-US" dirty="0"/>
+              <a:t>First level</a:t>
+            </a:r>
+          </a:p>
+          <a:p>
+            <a:pPr lvl="1"/>
+            <a:r>
+              <a:rPr lang="en-US" dirty="0"/>
+              <a:t>Second level</a:t>
+            </a:r>
+          </a:p>
+        </p:txBody>
+      </p:sp>
+      <p:sp>
+        <p:nvSpPr>
+          <p:cNvPr id="15" name="Picture Placeholder 1" descr="Image placeholder left" title="Image placeholde"/>
+          <p:cNvSpPr>
+            <a:spLocks noGrp="1"/>
+          </p:cNvSpPr>
+          <p:nvPr>
+            <p:ph type="pic" sz="quarter" idx="12"/>
+          </p:nvPr>
+        </p:nvSpPr>
+        <p:spPr bwMode="gray"/>
+      </p:sp>
+      <p:sp>
+        <p:nvSpPr>
+          <p:cNvPr id="8" name="Title"/>
+          <p:cNvSpPr>
+            <a:spLocks noGrp="1"/>
+          </p:cNvSpPr>
+          <p:nvPr>
+            <p:ph type="title"/>
+          </p:nvPr>
+        </p:nvSpPr>
+        <p:spPr bwMode="gray"/>
+        <p:txBody>
+          <a:bodyPr/>
+          <a:lstStyle/>
+          <a:p>
+            <a:r>
+              <a:rPr lang="en-US" dirty="0"/>
+              <a:t>Insert page title (sentence case)</a:t>
+            </a:r>
+          </a:p>
+        </p:txBody>
+      </p:sp>
+    </p:spTree>
+    <p:extLst>
+      <p:ext uri="{BB962C8B-B14F-4D97-AF65-F5344CB8AC3E}">
+        <p14:creationId xmlns:p14="http://schemas.microsoft.com/office/powerpoint/2010/main" val="1504049518"/>
+      </p:ext>
+    </p:extLst>
+  </p:cSld>
+  <p:clrMapOvr>
+    <a:masterClrMapping/>
+  </p:clrMapOvr>
+</p:sld>
+</file>
+
+<file path=ppt/slides/slide26.xml><?xml version="1.0" encoding="utf-8"?>
+<p:sld xmlns:a="http://schemas.openxmlformats.org/drawingml/2006/main" xmlns:r="http://schemas.openxmlformats.org/officeDocument/2006/relationships" xmlns:p="http://schemas.openxmlformats.org/presentationml/2006/main">
+  <p:cSld>
+    <p:spTree>
+      <p:nvGrpSpPr>
+        <p:cNvPr id="1" name=""/>
+        <p:cNvGrpSpPr/>
+        <p:nvPr/>
+      </p:nvGrpSpPr>
+      <p:grpSpPr>
+        <a:xfrm>
+          <a:off x="0" y="0"/>
+          <a:ext cx="0" cy="0"/>
+          <a:chOff x="0" y="0"/>
+          <a:chExt cx="0" cy="0"/>
+        </a:xfrm>
+      </p:grpSpPr>
+      <p:sp>
+        <p:nvSpPr>
+          <p:cNvPr id="12" name="Text Placeholder column 3"/>
+          <p:cNvSpPr>
+            <a:spLocks noGrp="1"/>
+          </p:cNvSpPr>
+          <p:nvPr>
+            <p:ph type="body" sz="quarter" idx="13"/>
+          </p:nvPr>
+        </p:nvSpPr>
+        <p:spPr bwMode="gray"/>
+        <p:txBody>
+          <a:bodyPr/>
+          <a:lstStyle/>
+          <a:p>
+            <a:pPr lvl="0"/>
+            <a:r>
+              <a:rPr lang="en-US" dirty="0"/>
+              <a:t>First level</a:t>
+            </a:r>
+          </a:p>
+          <a:p>
+            <a:pPr lvl="1"/>
+            <a:r>
+              <a:rPr lang="en-US" dirty="0"/>
+              <a:t>Second level</a:t>
+            </a:r>
+          </a:p>
+        </p:txBody>
+      </p:sp>
+      <p:sp>
+        <p:nvSpPr>
+          <p:cNvPr id="13" name="Picture Placeholder 3" descr="Image placeholder 3/3" title="Image placeholder 3/3"/>
+          <p:cNvSpPr>
+            <a:spLocks noGrp="1"/>
+          </p:cNvSpPr>
+          <p:nvPr>
+            <p:ph type="pic" sz="quarter" idx="14"/>
+          </p:nvPr>
+        </p:nvSpPr>
+        <p:spPr bwMode="gray"/>
+      </p:sp>
+      <p:sp>
+        <p:nvSpPr>
+          <p:cNvPr id="14" name="Text Placeholder column 2"/>
+          <p:cNvSpPr>
+            <a:spLocks noGrp="1"/>
+          </p:cNvSpPr>
+          <p:nvPr>
+            <p:ph type="body" sz="quarter" idx="15"/>
+          </p:nvPr>
+        </p:nvSpPr>
+        <p:spPr bwMode="gray"/>
+        <p:txBody>
+          <a:bodyPr/>
+          <a:lstStyle/>
+          <a:p>
+            <a:pPr lvl="0"/>
+            <a:r>
+              <a:rPr lang="en-US" dirty="0"/>
+              <a:t>First level</a:t>
+            </a:r>
+          </a:p>
+          <a:p>
+            <a:pPr lvl="1"/>
+            <a:r>
+              <a:rPr lang="en-US" dirty="0"/>
+              <a:t>Second level</a:t>
+            </a:r>
+          </a:p>
+        </p:txBody>
+      </p:sp>
+      <p:sp>
+        <p:nvSpPr>
+          <p:cNvPr id="15" name="Picture Placeholder 2" descr="Image placeholder 2/3" title="Image placeholder 2/3"/>
+          <p:cNvSpPr>
+            <a:spLocks noGrp="1"/>
+          </p:cNvSpPr>
+          <p:nvPr>
+            <p:ph type="pic" sz="quarter" idx="16"/>
+          </p:nvPr>
+        </p:nvSpPr>
+        <p:spPr bwMode="gray"/>
+      </p:sp>
+      <p:sp>
+        <p:nvSpPr>
+          <p:cNvPr id="10" name="Text Placeholder column 1"/>
+          <p:cNvSpPr>
+            <a:spLocks noGrp="1"/>
+          </p:cNvSpPr>
+          <p:nvPr>
+            <p:ph type="body" sz="quarter" idx="10"/>
+          </p:nvPr>
+        </p:nvSpPr>
+        <p:spPr bwMode="gray"/>
+        <p:txBody>
+          <a:bodyPr/>
+          <a:lstStyle/>
+          <a:p>
+            <a:pPr lvl="0"/>
+            <a:r>
+              <a:rPr lang="en-US" dirty="0"/>
+              <a:t>First level</a:t>
+            </a:r>
+          </a:p>
+          <a:p>
+            <a:pPr lvl="1"/>
+            <a:r>
+              <a:rPr lang="en-US" dirty="0"/>
+              <a:t>Second level</a:t>
+            </a:r>
+          </a:p>
+        </p:txBody>
+      </p:sp>
+      <p:sp>
+        <p:nvSpPr>
+          <p:cNvPr id="11" name="Picture Placeholder 1" descr="Image placeholder 1/3" title="Image placeholder 1/3"/>
+          <p:cNvSpPr>
+            <a:spLocks noGrp="1"/>
+          </p:cNvSpPr>
+          <p:nvPr>
+            <p:ph type="pic" sz="quarter" idx="12"/>
+          </p:nvPr>
+        </p:nvSpPr>
+        <p:spPr bwMode="gray"/>
+      </p:sp>
+      <p:sp>
+        <p:nvSpPr>
+          <p:cNvPr id="2" name="Title"/>
+          <p:cNvSpPr>
+            <a:spLocks noGrp="1"/>
+          </p:cNvSpPr>
+          <p:nvPr>
+            <p:ph type="title"/>
+          </p:nvPr>
+        </p:nvSpPr>
+        <p:spPr bwMode="gray"/>
+        <p:txBody>
+          <a:bodyPr/>
+          <a:lstStyle/>
+          <a:p>
+            <a:r>
+              <a:rPr lang="en-US" dirty="0"/>
+              <a:t>Insert page title (sentence case)</a:t>
+            </a:r>
+          </a:p>
+        </p:txBody>
+      </p:sp>
+    </p:spTree>
+    <p:extLst>
+      <p:ext uri="{BB962C8B-B14F-4D97-AF65-F5344CB8AC3E}">
+        <p14:creationId xmlns:p14="http://schemas.microsoft.com/office/powerpoint/2010/main" val="1175416068"/>
+      </p:ext>
+    </p:extLst>
+  </p:cSld>
+  <p:clrMapOvr>
+    <a:masterClrMapping/>
+  </p:clrMapOvr>
+</p:sld>
+</file>
+
+<file path=ppt/slides/slide27.xml><?xml version="1.0" encoding="utf-8"?>
+<p:sld xmlns:a="http://schemas.openxmlformats.org/drawingml/2006/main" xmlns:r="http://schemas.openxmlformats.org/officeDocument/2006/relationships" xmlns:p="http://schemas.openxmlformats.org/presentationml/2006/main">
+  <p:cSld>
+    <p:spTree>
+      <p:nvGrpSpPr>
+        <p:cNvPr id="1" name=""/>
+        <p:cNvGrpSpPr/>
+        <p:nvPr/>
+      </p:nvGrpSpPr>
+      <p:grpSpPr>
+        <a:xfrm>
+          <a:off x="0" y="0"/>
+          <a:ext cx="0" cy="0"/>
+          <a:chOff x="0" y="0"/>
+          <a:chExt cx="0" cy="0"/>
+        </a:xfrm>
+      </p:grpSpPr>
+      <p:sp>
+        <p:nvSpPr>
           <p:cNvPr id="4" name="Placeholder Partner logo"/>
           <p:cNvSpPr/>
           <p:nvPr/>
@@ -10784,7 +11079,7 @@
 </p:sld>
 </file>
 
-<file path=ppt/slides/slide24.xml><?xml version="1.0" encoding="utf-8"?>
+<file path=ppt/slides/slide28.xml><?xml version="1.0" encoding="utf-8"?>
 <p:sld xmlns:a="http://schemas.openxmlformats.org/drawingml/2006/main" xmlns:r="http://schemas.openxmlformats.org/officeDocument/2006/relationships" xmlns:p="http://schemas.openxmlformats.org/presentationml/2006/main" show="0">
   <p:cSld>
     <p:spTree>
@@ -10810,7 +11105,7 @@
 </p:sld>
 </file>
 
-<file path=ppt/slides/slide25.xml><?xml version="1.0" encoding="utf-8"?>
+<file path=ppt/slides/slide29.xml><?xml version="1.0" encoding="utf-8"?>
 <p:sld xmlns:a="http://schemas.openxmlformats.org/drawingml/2006/main" xmlns:r="http://schemas.openxmlformats.org/officeDocument/2006/relationships" xmlns:p="http://schemas.openxmlformats.org/presentationml/2006/main" show="0">
   <p:cSld>
     <p:spTree>
@@ -10874,15 +11169,15 @@
           <a:p>
             <a:r>
               <a:rPr lang="en-US" dirty="0"/>
-              <a:t>Divider </a:t>
-            </a:r>
-            <a:r>
-              <a:rPr lang="en-US" dirty="0">
+              <a:t>Overview of </a:t>
+            </a:r>
+            <a:r>
+              <a:rPr lang="en-US" dirty="0" err="1">
                 <a:solidFill>
                   <a:schemeClr val="accent1"/>
                 </a:solidFill>
               </a:rPr>
-              <a:t>page</a:t>
+              <a:t>OpenSTDB</a:t>
             </a:r>
             <a:endParaRPr lang="en-US" dirty="0"/>
           </a:p>
@@ -10939,6 +11234,55 @@
       </p:grpSpPr>
       <p:sp>
         <p:nvSpPr>
+          <p:cNvPr id="11" name="Text Placeholder"/>
+          <p:cNvSpPr>
+            <a:spLocks noGrp="1"/>
+          </p:cNvSpPr>
+          <p:nvPr>
+            <p:ph type="body" sz="quarter" idx="10"/>
+          </p:nvPr>
+        </p:nvSpPr>
+        <p:spPr bwMode="gray">
+          <a:xfrm>
+            <a:off x="728589" y="1347284"/>
+            <a:ext cx="11186477" cy="4716000"/>
+          </a:xfrm>
+        </p:spPr>
+        <p:txBody>
+          <a:bodyPr/>
+          <a:lstStyle/>
+          <a:p>
+            <a:pPr lvl="0"/>
+            <a:r>
+              <a:rPr lang="en-US" altLang="zh-CN" dirty="0"/>
+              <a:t>Time Series: A sequence of discrete data points(values) ordered and indexed by time associated with an identity.</a:t>
+            </a:r>
+          </a:p>
+          <a:p>
+            <a:pPr lvl="0"/>
+            <a:r>
+              <a:rPr lang="en-US" altLang="zh-CN" dirty="0"/>
+              <a:t>Data Point: Metric + Tags + Value + Timestamp.</a:t>
+            </a:r>
+          </a:p>
+          <a:p>
+            <a:pPr lvl="0"/>
+            <a:r>
+              <a:rPr lang="en-US" altLang="zh-CN" dirty="0"/>
+              <a:t>Payload could also be a string, a blob, a histogram, etc.</a:t>
+            </a:r>
+          </a:p>
+          <a:p>
+            <a:pPr lvl="0"/>
+            <a:r>
+              <a:rPr lang="en-US" altLang="zh-CN" dirty="0"/>
+              <a:t>E.g.:</a:t>
+            </a:r>
+          </a:p>
+        </p:txBody>
+      </p:sp>
+      <p:sp>
+        <p:nvSpPr>
           <p:cNvPr id="4" name="Title"/>
           <p:cNvSpPr>
             <a:spLocks noGrp="1"/>
@@ -10950,7 +11294,7 @@
         <p:spPr bwMode="gray">
           <a:xfrm>
             <a:off x="504001" y="504000"/>
-            <a:ext cx="11186476" cy="369332"/>
+            <a:ext cx="11186476" cy="646331"/>
           </a:xfrm>
         </p:spPr>
         <p:txBody>
@@ -10961,281 +11305,351 @@
               <a:rPr lang="en-US" altLang="zh-CN" dirty="0" err="1"/>
               <a:t>OpenTSDB</a:t>
             </a:r>
+            <a:br>
+              <a:rPr lang="en-US" dirty="0"/>
+            </a:br>
+            <a:r>
+              <a:rPr lang="en-US" altLang="zh-CN" sz="1800" b="0" dirty="0"/>
+              <a:t>Time Series</a:t>
+            </a:r>
             <a:endParaRPr lang="en-US" b="0" dirty="0"/>
           </a:p>
         </p:txBody>
       </p:sp>
-      <p:sp>
-        <p:nvSpPr>
-          <p:cNvPr id="3" name="文本框 2">
+      <p:graphicFrame>
+        <p:nvGraphicFramePr>
+          <p:cNvPr id="2" name="表格 2">
             <a:extLst>
               <a:ext uri="{FF2B5EF4-FFF2-40B4-BE49-F238E27FC236}">
-                <a16:creationId xmlns:a16="http://schemas.microsoft.com/office/drawing/2014/main" id="{1FF6A478-A8DF-44DB-A4F6-3F2E65817EC4}"/>
+                <a16:creationId xmlns:a16="http://schemas.microsoft.com/office/drawing/2014/main" id="{8E473766-EA23-475E-A11D-63D52EB5601B}"/>
               </a:ext>
             </a:extLst>
           </p:cNvPr>
-          <p:cNvSpPr txBox="1"/>
-          <p:nvPr/>
-        </p:nvSpPr>
-        <p:spPr>
-          <a:xfrm>
-            <a:off x="636121" y="1493979"/>
-            <a:ext cx="10711782" cy="4016484"/>
-          </a:xfrm>
-          <a:prstGeom prst="rect">
-            <a:avLst/>
-          </a:prstGeom>
-          <a:noFill/>
-        </p:spPr>
-        <p:txBody>
-          <a:bodyPr wrap="square" lIns="0" tIns="0" rIns="0" bIns="0" rtlCol="0">
-            <a:spAutoFit/>
-          </a:bodyPr>
-          <a:lstStyle/>
-          <a:p>
-            <a:pPr marL="285750" indent="-285750" fontAlgn="base">
-              <a:spcBef>
-                <a:spcPct val="50000"/>
-              </a:spcBef>
-              <a:spcAft>
-                <a:spcPct val="0"/>
-              </a:spcAft>
-              <a:buClr>
-                <a:srgbClr val="F0AB00"/>
-              </a:buClr>
-              <a:buSzPct val="80000"/>
-              <a:buFont typeface="Wingdings" panose="05000000000000000000" pitchFamily="2" charset="2"/>
-              <a:buChar char="n"/>
-            </a:pPr>
-            <a:r>
-              <a:rPr lang="en-US" altLang="zh-CN" sz="1800" b="1" dirty="0" err="1"/>
-              <a:t>OpenTSDB</a:t>
-            </a:r>
-            <a:endParaRPr lang="en-US" altLang="zh-CN" sz="1800" b="1" kern="0" dirty="0">
-              <a:ea typeface="Arial Unicode MS" pitchFamily="34" charset="-128"/>
-              <a:cs typeface="Arial Unicode MS" pitchFamily="34" charset="-128"/>
-            </a:endParaRPr>
-          </a:p>
-          <a:p>
-            <a:pPr marL="830138" lvl="1" indent="-285750" fontAlgn="base">
-              <a:spcBef>
-                <a:spcPct val="50000"/>
-              </a:spcBef>
-              <a:spcAft>
-                <a:spcPct val="0"/>
-              </a:spcAft>
-              <a:buClr>
-                <a:srgbClr val="F0AB00"/>
-              </a:buClr>
-              <a:buSzPct val="80000"/>
-              <a:buFont typeface="Wingdings" panose="05000000000000000000" pitchFamily="2" charset="2"/>
-              <a:buChar char="n"/>
-            </a:pPr>
-            <a:r>
-              <a:rPr lang="en-US" altLang="zh-CN" sz="1800" kern="0" dirty="0">
-                <a:ea typeface="Arial Unicode MS" pitchFamily="34" charset="-128"/>
-                <a:cs typeface="Arial Unicode MS" pitchFamily="34" charset="-128"/>
-              </a:rPr>
-              <a:t>a distributed Time Series Database (TSDB) based on HBase. </a:t>
-            </a:r>
-          </a:p>
-          <a:p>
-            <a:pPr marL="830138" lvl="1" indent="-285750" fontAlgn="base">
-              <a:spcBef>
-                <a:spcPct val="50000"/>
-              </a:spcBef>
-              <a:spcAft>
-                <a:spcPct val="0"/>
-              </a:spcAft>
-              <a:buClr>
-                <a:srgbClr val="F0AB00"/>
-              </a:buClr>
-              <a:buSzPct val="80000"/>
-              <a:buFont typeface="Wingdings" panose="05000000000000000000" pitchFamily="2" charset="2"/>
-              <a:buChar char="n"/>
-            </a:pPr>
-            <a:r>
-              <a:rPr lang="en-US" altLang="zh-CN" sz="1800" kern="0" dirty="0">
-                <a:ea typeface="Arial Unicode MS" pitchFamily="34" charset="-128"/>
-                <a:cs typeface="Arial Unicode MS" pitchFamily="34" charset="-128"/>
-              </a:rPr>
-              <a:t>written by Benoit </a:t>
-            </a:r>
-            <a:r>
-              <a:rPr lang="en-US" altLang="zh-CN" sz="1800" kern="0" dirty="0" err="1">
-                <a:ea typeface="Arial Unicode MS" pitchFamily="34" charset="-128"/>
-                <a:cs typeface="Arial Unicode MS" pitchFamily="34" charset="-128"/>
-              </a:rPr>
-              <a:t>Sigoure</a:t>
-            </a:r>
-            <a:r>
-              <a:rPr lang="en-US" altLang="zh-CN" sz="1800" kern="0" dirty="0">
-                <a:ea typeface="Arial Unicode MS" pitchFamily="34" charset="-128"/>
-                <a:cs typeface="Arial Unicode MS" pitchFamily="34" charset="-128"/>
-              </a:rPr>
-              <a:t> to </a:t>
-            </a:r>
-            <a:r>
-              <a:rPr lang="en-US" altLang="zh-CN" sz="1800" b="1" kern="0" dirty="0">
-                <a:ea typeface="Arial Unicode MS" pitchFamily="34" charset="-128"/>
-                <a:cs typeface="Arial Unicode MS" pitchFamily="34" charset="-128"/>
-              </a:rPr>
-              <a:t>collect, store and display metrics of various computer systems </a:t>
-            </a:r>
-            <a:r>
-              <a:rPr lang="en-US" altLang="zh-CN" sz="1800" kern="0" dirty="0">
-                <a:ea typeface="Arial Unicode MS" pitchFamily="34" charset="-128"/>
-                <a:cs typeface="Arial Unicode MS" pitchFamily="34" charset="-128"/>
-              </a:rPr>
-              <a:t>(network gears, operating systems, applications), and generate readable data graphs easily. </a:t>
-            </a:r>
-          </a:p>
-          <a:p>
-            <a:pPr marL="830138" lvl="1" indent="-285750" fontAlgn="base">
-              <a:spcBef>
-                <a:spcPct val="50000"/>
-              </a:spcBef>
-              <a:spcAft>
-                <a:spcPct val="0"/>
-              </a:spcAft>
-              <a:buClr>
-                <a:srgbClr val="F0AB00"/>
-              </a:buClr>
-              <a:buSzPct val="80000"/>
-              <a:buFont typeface="Wingdings" panose="05000000000000000000" pitchFamily="2" charset="2"/>
-              <a:buChar char="n"/>
-            </a:pPr>
-            <a:r>
-              <a:rPr lang="en-US" altLang="zh-CN" sz="1800" kern="0" dirty="0">
-                <a:ea typeface="Arial Unicode MS" pitchFamily="34" charset="-128"/>
-                <a:cs typeface="Arial Unicode MS" pitchFamily="34" charset="-128"/>
-              </a:rPr>
-              <a:t>the first open-source monitoring system built on an open-source distributed database.</a:t>
-            </a:r>
-          </a:p>
-          <a:p>
-            <a:pPr marL="830138" lvl="1" indent="-285750" fontAlgn="base">
-              <a:spcBef>
-                <a:spcPct val="50000"/>
-              </a:spcBef>
-              <a:spcAft>
-                <a:spcPct val="0"/>
-              </a:spcAft>
-              <a:buClr>
-                <a:srgbClr val="F0AB00"/>
-              </a:buClr>
-              <a:buSzPct val="80000"/>
-              <a:buFont typeface="Wingdings" panose="05000000000000000000" pitchFamily="2" charset="2"/>
-              <a:buChar char="n"/>
-            </a:pPr>
-            <a:r>
-              <a:rPr lang="en-US" altLang="zh-CN" sz="1800" kern="0" dirty="0">
-                <a:ea typeface="Arial Unicode MS" pitchFamily="34" charset="-128"/>
-                <a:cs typeface="Arial Unicode MS" pitchFamily="34" charset="-128"/>
-              </a:rPr>
-              <a:t>written in Java.</a:t>
-            </a:r>
-          </a:p>
-          <a:p>
-            <a:pPr marL="285750" indent="-285750" fontAlgn="base">
-              <a:spcBef>
-                <a:spcPct val="50000"/>
-              </a:spcBef>
-              <a:spcAft>
-                <a:spcPct val="0"/>
-              </a:spcAft>
-              <a:buClr>
-                <a:srgbClr val="F0AB00"/>
-              </a:buClr>
-              <a:buSzPct val="80000"/>
-              <a:buFont typeface="Wingdings" panose="05000000000000000000" pitchFamily="2" charset="2"/>
-              <a:buChar char="n"/>
-            </a:pPr>
-            <a:r>
-              <a:rPr lang="en-US" altLang="zh-CN" sz="1800" b="1" kern="0" dirty="0">
-                <a:ea typeface="Arial Unicode MS" pitchFamily="34" charset="-128"/>
-                <a:cs typeface="Arial Unicode MS" pitchFamily="34" charset="-128"/>
-              </a:rPr>
-              <a:t>History</a:t>
-            </a:r>
-          </a:p>
-          <a:p>
-            <a:pPr marL="830138" lvl="1" indent="-285750" fontAlgn="base">
-              <a:spcBef>
-                <a:spcPct val="50000"/>
-              </a:spcBef>
-              <a:spcAft>
-                <a:spcPct val="0"/>
-              </a:spcAft>
-              <a:buClr>
-                <a:srgbClr val="F0AB00"/>
-              </a:buClr>
-              <a:buSzPct val="80000"/>
-              <a:buFont typeface="Wingdings" panose="05000000000000000000" pitchFamily="2" charset="2"/>
-              <a:buChar char="n"/>
-            </a:pPr>
-            <a:r>
-              <a:rPr lang="en-US" altLang="zh-CN" sz="1800" kern="0" dirty="0" err="1">
-                <a:ea typeface="Arial Unicode MS" pitchFamily="34" charset="-128"/>
-                <a:cs typeface="Arial Unicode MS" pitchFamily="34" charset="-128"/>
-              </a:rPr>
-              <a:t>OpenTSDB</a:t>
-            </a:r>
-            <a:r>
-              <a:rPr lang="en-US" altLang="zh-CN" sz="1800" kern="0" dirty="0">
-                <a:ea typeface="Arial Unicode MS" pitchFamily="34" charset="-128"/>
-                <a:cs typeface="Arial Unicode MS" pitchFamily="34" charset="-128"/>
-              </a:rPr>
-              <a:t> was originally written to monitor metrics of the StumbleUpon search engine which requires storing over 1 billion data points per day. </a:t>
-            </a:r>
-          </a:p>
-          <a:p>
-            <a:pPr marL="830138" lvl="1" indent="-285750" fontAlgn="base">
-              <a:spcBef>
-                <a:spcPct val="50000"/>
-              </a:spcBef>
-              <a:spcAft>
-                <a:spcPct val="0"/>
-              </a:spcAft>
-              <a:buClr>
-                <a:srgbClr val="F0AB00"/>
-              </a:buClr>
-              <a:buSzPct val="80000"/>
-              <a:buFont typeface="Wingdings" panose="05000000000000000000" pitchFamily="2" charset="2"/>
-              <a:buChar char="n"/>
-            </a:pPr>
-            <a:r>
-              <a:rPr lang="en-US" altLang="zh-CN" sz="1800" kern="0" dirty="0">
-                <a:ea typeface="Arial Unicode MS" pitchFamily="34" charset="-128"/>
-                <a:cs typeface="Arial Unicode MS" pitchFamily="34" charset="-128"/>
-              </a:rPr>
-              <a:t>StumbleUpon was in charge of the initial development and its open-source release. Yahoo! is currently maintaining </a:t>
-            </a:r>
-            <a:r>
-              <a:rPr lang="en-US" altLang="zh-CN" sz="1800" kern="0" dirty="0" err="1">
-                <a:ea typeface="Arial Unicode MS" pitchFamily="34" charset="-128"/>
-                <a:cs typeface="Arial Unicode MS" pitchFamily="34" charset="-128"/>
-              </a:rPr>
-              <a:t>OpenTSDB</a:t>
-            </a:r>
-            <a:r>
-              <a:rPr lang="en-US" altLang="zh-CN" sz="1800" kern="0" dirty="0">
-                <a:ea typeface="Arial Unicode MS" pitchFamily="34" charset="-128"/>
-                <a:cs typeface="Arial Unicode MS" pitchFamily="34" charset="-128"/>
-              </a:rPr>
-              <a:t> along with the open-source community.</a:t>
-            </a:r>
-            <a:endParaRPr lang="zh-CN" altLang="en-US" sz="1800" kern="0" dirty="0" err="1">
-              <a:ea typeface="Arial Unicode MS" pitchFamily="34" charset="-128"/>
-              <a:cs typeface="Arial Unicode MS" pitchFamily="34" charset="-128"/>
-            </a:endParaRPr>
-          </a:p>
-        </p:txBody>
-      </p:sp>
+          <p:cNvGraphicFramePr>
+            <a:graphicFrameLocks noGrp="1"/>
+          </p:cNvGraphicFramePr>
+          <p:nvPr>
+            <p:extLst>
+              <p:ext uri="{D42A27DB-BD31-4B8C-83A1-F6EECF244321}">
+                <p14:modId xmlns:p14="http://schemas.microsoft.com/office/powerpoint/2010/main" val="2984531655"/>
+              </p:ext>
+            </p:extLst>
+          </p:nvPr>
+        </p:nvGraphicFramePr>
+        <p:xfrm>
+          <a:off x="2174357" y="3476495"/>
+          <a:ext cx="8294939" cy="2606040"/>
+        </p:xfrm>
+        <a:graphic>
+          <a:graphicData uri="http://schemas.openxmlformats.org/drawingml/2006/table">
+            <a:tbl>
+              <a:tblPr firstRow="1" bandRow="1">
+                <a:tableStyleId>{F2DE63D5-997A-4646-A377-4702673A728D}</a:tableStyleId>
+              </a:tblPr>
+              <a:tblGrid>
+                <a:gridCol w="3507525">
+                  <a:extLst>
+                    <a:ext uri="{9D8B030D-6E8A-4147-A177-3AD203B41FA5}">
+                      <a16:colId xmlns:a16="http://schemas.microsoft.com/office/drawing/2014/main" val="3494984679"/>
+                    </a:ext>
+                  </a:extLst>
+                </a:gridCol>
+                <a:gridCol w="1473059">
+                  <a:extLst>
+                    <a:ext uri="{9D8B030D-6E8A-4147-A177-3AD203B41FA5}">
+                      <a16:colId xmlns:a16="http://schemas.microsoft.com/office/drawing/2014/main" val="3724554972"/>
+                    </a:ext>
+                  </a:extLst>
+                </a:gridCol>
+                <a:gridCol w="3314355">
+                  <a:extLst>
+                    <a:ext uri="{9D8B030D-6E8A-4147-A177-3AD203B41FA5}">
+                      <a16:colId xmlns:a16="http://schemas.microsoft.com/office/drawing/2014/main" val="1096950074"/>
+                    </a:ext>
+                  </a:extLst>
+                </a:gridCol>
+              </a:tblGrid>
+              <a:tr h="339880">
+                <a:tc>
+                  <a:txBody>
+                    <a:bodyPr/>
+                    <a:lstStyle/>
+                    <a:p>
+                      <a:pPr algn="ctr"/>
+                      <a:r>
+                        <a:rPr lang="en-US" altLang="zh-CN" dirty="0"/>
+                        <a:t>Identity(</a:t>
+                      </a:r>
+                      <a:r>
+                        <a:rPr lang="en-US" altLang="zh-CN" dirty="0" err="1"/>
+                        <a:t>Metric+Tag</a:t>
+                      </a:r>
+                      <a:r>
+                        <a:rPr lang="en-US" altLang="zh-CN" dirty="0"/>
+                        <a:t>)</a:t>
+                      </a:r>
+                      <a:endParaRPr lang="zh-CN" altLang="en-US" dirty="0"/>
+                    </a:p>
+                  </a:txBody>
+                  <a:tcPr/>
+                </a:tc>
+                <a:tc>
+                  <a:txBody>
+                    <a:bodyPr/>
+                    <a:lstStyle/>
+                    <a:p>
+                      <a:pPr algn="ctr"/>
+                      <a:r>
+                        <a:rPr lang="en-US" altLang="zh-CN" dirty="0"/>
+                        <a:t>Value </a:t>
+                      </a:r>
+                      <a:endParaRPr lang="zh-CN" altLang="en-US" dirty="0"/>
+                    </a:p>
+                  </a:txBody>
+                  <a:tcPr/>
+                </a:tc>
+                <a:tc>
+                  <a:txBody>
+                    <a:bodyPr/>
+                    <a:lstStyle/>
+                    <a:p>
+                      <a:pPr algn="ctr"/>
+                      <a:r>
+                        <a:rPr lang="en-US" altLang="zh-CN" dirty="0"/>
+                        <a:t>Timestamp</a:t>
+                      </a:r>
+                      <a:endParaRPr lang="zh-CN" altLang="en-US" dirty="0"/>
+                    </a:p>
+                  </a:txBody>
+                  <a:tcPr/>
+                </a:tc>
+                <a:extLst>
+                  <a:ext uri="{0D108BD9-81ED-4DB2-BD59-A6C34878D82A}">
+                    <a16:rowId xmlns:a16="http://schemas.microsoft.com/office/drawing/2014/main" val="3861977526"/>
+                  </a:ext>
+                </a:extLst>
+              </a:tr>
+              <a:tr h="604232">
+                <a:tc>
+                  <a:txBody>
+                    <a:bodyPr/>
+                    <a:lstStyle/>
+                    <a:p>
+                      <a:pPr algn="ctr"/>
+                      <a:r>
+                        <a:rPr lang="en-US" altLang="zh-CN" dirty="0"/>
+                        <a:t>Web01.sys.cpu.busy.pct </a:t>
+                      </a:r>
+                      <a:endParaRPr lang="zh-CN" altLang="en-US" dirty="0"/>
+                    </a:p>
+                  </a:txBody>
+                  <a:tcPr/>
+                </a:tc>
+                <a:tc>
+                  <a:txBody>
+                    <a:bodyPr/>
+                    <a:lstStyle/>
+                    <a:p>
+                      <a:pPr algn="ctr"/>
+                      <a:r>
+                        <a:rPr lang="en-US" altLang="zh-CN" dirty="0"/>
+                        <a:t>45% </a:t>
+                      </a:r>
+                      <a:endParaRPr lang="zh-CN" altLang="en-US" dirty="0"/>
+                    </a:p>
+                  </a:txBody>
+                  <a:tcPr/>
+                </a:tc>
+                <a:tc>
+                  <a:txBody>
+                    <a:bodyPr/>
+                    <a:lstStyle/>
+                    <a:p>
+                      <a:pPr marL="0" marR="0" lvl="0" indent="0" algn="ctr" defTabSz="1088558" rtl="0" eaLnBrk="1" fontAlgn="auto" latinLnBrk="0" hangingPunct="1">
+                        <a:lnSpc>
+                          <a:spcPct val="100000"/>
+                        </a:lnSpc>
+                        <a:spcBef>
+                          <a:spcPts val="0"/>
+                        </a:spcBef>
+                        <a:spcAft>
+                          <a:spcPts val="0"/>
+                        </a:spcAft>
+                        <a:buClrTx/>
+                        <a:buSzTx/>
+                        <a:buFontTx/>
+                        <a:buNone/>
+                        <a:tabLst/>
+                        <a:defRPr/>
+                      </a:pPr>
+                      <a:r>
+                        <a:rPr lang="en-US" altLang="zh-CN" dirty="0"/>
+                        <a:t>1/1/207 12:01:00</a:t>
+                      </a:r>
+                    </a:p>
+                    <a:p>
+                      <a:pPr algn="ctr"/>
+                      <a:endParaRPr lang="zh-CN" altLang="en-US" dirty="0"/>
+                    </a:p>
+                  </a:txBody>
+                  <a:tcPr/>
+                </a:tc>
+                <a:extLst>
+                  <a:ext uri="{0D108BD9-81ED-4DB2-BD59-A6C34878D82A}">
+                    <a16:rowId xmlns:a16="http://schemas.microsoft.com/office/drawing/2014/main" val="498320865"/>
+                  </a:ext>
+                </a:extLst>
+              </a:tr>
+              <a:tr h="604232">
+                <a:tc>
+                  <a:txBody>
+                    <a:bodyPr/>
+                    <a:lstStyle/>
+                    <a:p>
+                      <a:pPr algn="ctr"/>
+                      <a:r>
+                        <a:rPr lang="en-US" altLang="zh-CN" dirty="0"/>
+                        <a:t>Web01.sys.cpu.busy.pct </a:t>
+                      </a:r>
+                      <a:endParaRPr lang="zh-CN" altLang="en-US" dirty="0"/>
+                    </a:p>
+                  </a:txBody>
+                  <a:tcPr/>
+                </a:tc>
+                <a:tc>
+                  <a:txBody>
+                    <a:bodyPr/>
+                    <a:lstStyle/>
+                    <a:p>
+                      <a:pPr algn="ctr"/>
+                      <a:r>
+                        <a:rPr lang="en-US" altLang="zh-CN" dirty="0"/>
+                        <a:t>52% </a:t>
+                      </a:r>
+                      <a:endParaRPr lang="zh-CN" altLang="en-US" dirty="0"/>
+                    </a:p>
+                  </a:txBody>
+                  <a:tcPr/>
+                </a:tc>
+                <a:tc>
+                  <a:txBody>
+                    <a:bodyPr/>
+                    <a:lstStyle/>
+                    <a:p>
+                      <a:pPr marL="0" marR="0" lvl="0" indent="0" algn="ctr" defTabSz="1088558" rtl="0" eaLnBrk="1" fontAlgn="auto" latinLnBrk="0" hangingPunct="1">
+                        <a:lnSpc>
+                          <a:spcPct val="100000"/>
+                        </a:lnSpc>
+                        <a:spcBef>
+                          <a:spcPts val="0"/>
+                        </a:spcBef>
+                        <a:spcAft>
+                          <a:spcPts val="0"/>
+                        </a:spcAft>
+                        <a:buClrTx/>
+                        <a:buSzTx/>
+                        <a:buFontTx/>
+                        <a:buNone/>
+                        <a:tabLst/>
+                        <a:defRPr/>
+                      </a:pPr>
+                      <a:r>
+                        <a:rPr lang="en-US" altLang="zh-CN" dirty="0"/>
+                        <a:t>1/1/207 12:02:00</a:t>
+                      </a:r>
+                    </a:p>
+                    <a:p>
+                      <a:pPr algn="ctr"/>
+                      <a:endParaRPr lang="zh-CN" altLang="en-US" dirty="0"/>
+                    </a:p>
+                  </a:txBody>
+                  <a:tcPr/>
+                </a:tc>
+                <a:extLst>
+                  <a:ext uri="{0D108BD9-81ED-4DB2-BD59-A6C34878D82A}">
+                    <a16:rowId xmlns:a16="http://schemas.microsoft.com/office/drawing/2014/main" val="647851026"/>
+                  </a:ext>
+                </a:extLst>
+              </a:tr>
+              <a:tr h="604232">
+                <a:tc>
+                  <a:txBody>
+                    <a:bodyPr/>
+                    <a:lstStyle/>
+                    <a:p>
+                      <a:pPr algn="ctr"/>
+                      <a:r>
+                        <a:rPr lang="en-US" altLang="zh-CN" dirty="0"/>
+                        <a:t>Web01.sys.cpu.busy.pct </a:t>
+                      </a:r>
+                      <a:endParaRPr lang="zh-CN" altLang="en-US" dirty="0"/>
+                    </a:p>
+                  </a:txBody>
+                  <a:tcPr/>
+                </a:tc>
+                <a:tc>
+                  <a:txBody>
+                    <a:bodyPr/>
+                    <a:lstStyle/>
+                    <a:p>
+                      <a:pPr algn="ctr"/>
+                      <a:r>
+                        <a:rPr lang="en-US" altLang="zh-CN" dirty="0"/>
+                        <a:t>35% </a:t>
+                      </a:r>
+                      <a:endParaRPr lang="zh-CN" altLang="en-US" dirty="0"/>
+                    </a:p>
+                  </a:txBody>
+                  <a:tcPr/>
+                </a:tc>
+                <a:tc>
+                  <a:txBody>
+                    <a:bodyPr/>
+                    <a:lstStyle/>
+                    <a:p>
+                      <a:pPr marL="0" marR="0" lvl="0" indent="0" algn="ctr" defTabSz="1088558" rtl="0" eaLnBrk="1" fontAlgn="auto" latinLnBrk="0" hangingPunct="1">
+                        <a:lnSpc>
+                          <a:spcPct val="100000"/>
+                        </a:lnSpc>
+                        <a:spcBef>
+                          <a:spcPts val="0"/>
+                        </a:spcBef>
+                        <a:spcAft>
+                          <a:spcPts val="0"/>
+                        </a:spcAft>
+                        <a:buClrTx/>
+                        <a:buSzTx/>
+                        <a:buFontTx/>
+                        <a:buNone/>
+                        <a:tabLst/>
+                        <a:defRPr/>
+                      </a:pPr>
+                      <a:r>
+                        <a:rPr lang="en-US" altLang="zh-CN" dirty="0"/>
+                        <a:t>1/1/207 12:03:00</a:t>
+                      </a:r>
+                    </a:p>
+                    <a:p>
+                      <a:pPr algn="ctr"/>
+                      <a:endParaRPr lang="zh-CN" altLang="en-US" dirty="0"/>
+                    </a:p>
+                  </a:txBody>
+                  <a:tcPr/>
+                </a:tc>
+                <a:extLst>
+                  <a:ext uri="{0D108BD9-81ED-4DB2-BD59-A6C34878D82A}">
+                    <a16:rowId xmlns:a16="http://schemas.microsoft.com/office/drawing/2014/main" val="2826638356"/>
+                  </a:ext>
+                </a:extLst>
+              </a:tr>
+            </a:tbl>
+          </a:graphicData>
+        </a:graphic>
+      </p:graphicFrame>
     </p:spTree>
     <p:extLst>
       <p:ext uri="{BB962C8B-B14F-4D97-AF65-F5344CB8AC3E}">
-        <p14:creationId xmlns:p14="http://schemas.microsoft.com/office/powerpoint/2010/main" val="1132192457"/>
+        <p14:creationId xmlns:p14="http://schemas.microsoft.com/office/powerpoint/2010/main" val="1776566788"/>
       </p:ext>
     </p:extLst>
   </p:cSld>
@@ -11275,7 +11689,7 @@
         <p:spPr bwMode="gray">
           <a:xfrm>
             <a:off x="504001" y="504000"/>
-            <a:ext cx="11186476" cy="646331"/>
+            <a:ext cx="11186476" cy="369332"/>
           </a:xfrm>
         </p:spPr>
         <p:txBody>
@@ -11283,15 +11697,8 @@
           <a:lstStyle/>
           <a:p>
             <a:r>
-              <a:rPr lang="en-US" dirty="0" err="1"/>
+              <a:rPr lang="en-US" altLang="zh-CN" dirty="0" err="1"/>
               <a:t>OpenTSDB</a:t>
-            </a:r>
-            <a:br>
-              <a:rPr lang="en-US" dirty="0"/>
-            </a:br>
-            <a:r>
-              <a:rPr lang="en-US" sz="1800" b="0" dirty="0"/>
-              <a:t>Techniques</a:t>
             </a:r>
             <a:endParaRPr lang="en-US" b="0" dirty="0"/>
           </a:p>
@@ -11302,7 +11709,7 @@
           <p:cNvPr id="3" name="文本框 2">
             <a:extLst>
               <a:ext uri="{FF2B5EF4-FFF2-40B4-BE49-F238E27FC236}">
-                <a16:creationId xmlns:a16="http://schemas.microsoft.com/office/drawing/2014/main" id="{EF2C64E3-0243-43DD-A317-2CEC58A4B0CD}"/>
+                <a16:creationId xmlns:a16="http://schemas.microsoft.com/office/drawing/2014/main" id="{1FF6A478-A8DF-44DB-A4F6-3F2E65817EC4}"/>
               </a:ext>
             </a:extLst>
           </p:cNvPr>
@@ -11311,8 +11718,8 @@
         </p:nvSpPr>
         <p:spPr>
           <a:xfrm>
-            <a:off x="669208" y="1488142"/>
-            <a:ext cx="10856759" cy="2908489"/>
+            <a:off x="636121" y="1493979"/>
+            <a:ext cx="10711782" cy="4016484"/>
           </a:xfrm>
           <a:prstGeom prst="rect">
             <a:avLst/>
@@ -11325,7 +11732,7 @@
           </a:bodyPr>
           <a:lstStyle/>
           <a:p>
-            <a:pPr fontAlgn="base">
+            <a:pPr marL="285750" indent="-285750" fontAlgn="base">
               <a:spcBef>
                 <a:spcPct val="50000"/>
               </a:spcBef>
@@ -11336,17 +11743,20 @@
                 <a:srgbClr val="F0AB00"/>
               </a:buClr>
               <a:buSzPct val="80000"/>
+              <a:buFont typeface="Wingdings" panose="05000000000000000000" pitchFamily="2" charset="2"/>
+              <a:buChar char="n"/>
             </a:pPr>
             <a:r>
-              <a:rPr lang="en-US" altLang="zh-CN" sz="1800" b="1" kern="0" dirty="0">
-                <a:ea typeface="Arial Unicode MS" pitchFamily="34" charset="-128"/>
-                <a:cs typeface="Arial Unicode MS" pitchFamily="34" charset="-128"/>
-              </a:rPr>
-              <a:t>Compression: Naïve (Page-Level) Naïve (Record-Level)</a:t>
-            </a:r>
-          </a:p>
-          <a:p>
-            <a:pPr fontAlgn="base">
+              <a:rPr lang="en-US" altLang="zh-CN" sz="1800" b="1" dirty="0" err="1"/>
+              <a:t>OpenTSDB</a:t>
+            </a:r>
+            <a:endParaRPr lang="en-US" altLang="zh-CN" sz="1800" b="1" kern="0" dirty="0">
+              <a:ea typeface="Arial Unicode MS" pitchFamily="34" charset="-128"/>
+              <a:cs typeface="Arial Unicode MS" pitchFamily="34" charset="-128"/>
+            </a:endParaRPr>
+          </a:p>
+          <a:p>
+            <a:pPr marL="830138" lvl="1" indent="-285750" fontAlgn="base">
               <a:spcBef>
                 <a:spcPct val="50000"/>
               </a:spcBef>
@@ -11357,24 +11767,19 @@
                 <a:srgbClr val="F0AB00"/>
               </a:buClr>
               <a:buSzPct val="80000"/>
+              <a:buFont typeface="Wingdings" panose="05000000000000000000" pitchFamily="2" charset="2"/>
+              <a:buChar char="n"/>
             </a:pPr>
-            <a:r>
-              <a:rPr lang="en-US" altLang="zh-CN" sz="1800" kern="0" dirty="0" err="1">
-                <a:ea typeface="Arial Unicode MS" pitchFamily="34" charset="-128"/>
-                <a:cs typeface="Arial Unicode MS" pitchFamily="34" charset="-128"/>
-              </a:rPr>
-              <a:t>OpenTSDB</a:t>
-            </a:r>
             <a:r>
               <a:rPr lang="en-US" altLang="zh-CN" sz="1800" kern="0" dirty="0">
                 <a:ea typeface="Arial Unicode MS" pitchFamily="34" charset="-128"/>
                 <a:cs typeface="Arial Unicode MS" pitchFamily="34" charset="-128"/>
               </a:rPr>
-              <a:t> uses Row Compaction to compress data. Whenever a cell is to be written, its row key is pushed into a compaction queue. There is a separate thread that periodically goes through the queue and aggregate data with the same key into a big cell. It then writes the big cell and deletes the individual cells in the queue. This process is effective because in HBase the row key is repeated for every single cell, and there is no way to efficiently append byte at the end of a cell.</a:t>
-            </a:r>
-          </a:p>
-          <a:p>
-            <a:pPr fontAlgn="base">
+              <a:t>a distributed Time Series Database (TSDB) based on HBase. </a:t>
+            </a:r>
+          </a:p>
+          <a:p>
+            <a:pPr marL="830138" lvl="1" indent="-285750" fontAlgn="base">
               <a:spcBef>
                 <a:spcPct val="50000"/>
               </a:spcBef>
@@ -11385,31 +11790,47 @@
                 <a:srgbClr val="F0AB00"/>
               </a:buClr>
               <a:buSzPct val="80000"/>
+              <a:buFont typeface="Wingdings" panose="05000000000000000000" pitchFamily="2" charset="2"/>
+              <a:buChar char="n"/>
             </a:pPr>
             <a:r>
               <a:rPr lang="en-US" altLang="zh-CN" sz="1800" kern="0" dirty="0">
                 <a:ea typeface="Arial Unicode MS" pitchFamily="34" charset="-128"/>
                 <a:cs typeface="Arial Unicode MS" pitchFamily="34" charset="-128"/>
               </a:rPr>
-              <a:t>At data level, </a:t>
+              <a:t>written by Benoit </a:t>
             </a:r>
             <a:r>
               <a:rPr lang="en-US" altLang="zh-CN" sz="1800" kern="0" dirty="0" err="1">
                 <a:ea typeface="Arial Unicode MS" pitchFamily="34" charset="-128"/>
                 <a:cs typeface="Arial Unicode MS" pitchFamily="34" charset="-128"/>
               </a:rPr>
-              <a:t>OpenTSDB</a:t>
+              <a:t>Sigoure</a:t>
             </a:r>
             <a:r>
               <a:rPr lang="en-US" altLang="zh-CN" sz="1800" kern="0" dirty="0">
                 <a:ea typeface="Arial Unicode MS" pitchFamily="34" charset="-128"/>
                 <a:cs typeface="Arial Unicode MS" pitchFamily="34" charset="-128"/>
               </a:rPr>
-              <a:t> uses LZO compression algorithm.</a:t>
-            </a:r>
-          </a:p>
-          <a:p>
-            <a:pPr fontAlgn="base">
+              <a:t> to </a:t>
+            </a:r>
+            <a:r>
+              <a:rPr lang="en-US" altLang="zh-CN" sz="1800" b="1" kern="0" dirty="0">
+                <a:ea typeface="Arial Unicode MS" pitchFamily="34" charset="-128"/>
+                <a:cs typeface="Arial Unicode MS" pitchFamily="34" charset="-128"/>
+              </a:rPr>
+              <a:t>collect, store and display metrics of various computer systems </a:t>
+            </a:r>
+            <a:r>
+              <a:rPr lang="en-US" altLang="zh-CN" sz="1800" kern="0" dirty="0">
+                <a:ea typeface="Arial Unicode MS" pitchFamily="34" charset="-128"/>
+                <a:cs typeface="Arial Unicode MS" pitchFamily="34" charset="-128"/>
+              </a:rPr>
+              <a:t>(network gears, operating systems, applications), and generate readable data graphs easily. </a:t>
+            </a:r>
+          </a:p>
+          <a:p>
+            <a:pPr marL="830138" lvl="1" indent="-285750" fontAlgn="base">
               <a:spcBef>
                 <a:spcPct val="50000"/>
               </a:spcBef>
@@ -11420,14 +11841,78 @@
                 <a:srgbClr val="F0AB00"/>
               </a:buClr>
               <a:buSzPct val="80000"/>
+              <a:buFont typeface="Wingdings" panose="05000000000000000000" pitchFamily="2" charset="2"/>
+              <a:buChar char="n"/>
             </a:pPr>
             <a:r>
               <a:rPr lang="en-US" altLang="zh-CN" sz="1800" kern="0" dirty="0">
                 <a:ea typeface="Arial Unicode MS" pitchFamily="34" charset="-128"/>
                 <a:cs typeface="Arial Unicode MS" pitchFamily="34" charset="-128"/>
               </a:rPr>
-              <a:t>With these two techniques, </a:t>
-            </a:r>
+              <a:t>the first open-source monitoring system built on an open-source distributed database.</a:t>
+            </a:r>
+          </a:p>
+          <a:p>
+            <a:pPr marL="830138" lvl="1" indent="-285750" fontAlgn="base">
+              <a:spcBef>
+                <a:spcPct val="50000"/>
+              </a:spcBef>
+              <a:spcAft>
+                <a:spcPct val="0"/>
+              </a:spcAft>
+              <a:buClr>
+                <a:srgbClr val="F0AB00"/>
+              </a:buClr>
+              <a:buSzPct val="80000"/>
+              <a:buFont typeface="Wingdings" panose="05000000000000000000" pitchFamily="2" charset="2"/>
+              <a:buChar char="n"/>
+            </a:pPr>
+            <a:r>
+              <a:rPr lang="en-US" altLang="zh-CN" sz="1800" kern="0" dirty="0">
+                <a:ea typeface="Arial Unicode MS" pitchFamily="34" charset="-128"/>
+                <a:cs typeface="Arial Unicode MS" pitchFamily="34" charset="-128"/>
+              </a:rPr>
+              <a:t>written in Java.</a:t>
+            </a:r>
+          </a:p>
+          <a:p>
+            <a:pPr marL="285750" indent="-285750" fontAlgn="base">
+              <a:spcBef>
+                <a:spcPct val="50000"/>
+              </a:spcBef>
+              <a:spcAft>
+                <a:spcPct val="0"/>
+              </a:spcAft>
+              <a:buClr>
+                <a:srgbClr val="F0AB00"/>
+              </a:buClr>
+              <a:buSzPct val="80000"/>
+              <a:buFont typeface="Wingdings" panose="05000000000000000000" pitchFamily="2" charset="2"/>
+              <a:buChar char="n"/>
+            </a:pPr>
+            <a:r>
+              <a:rPr lang="en-US" altLang="zh-CN" sz="1800" b="1" kern="0" dirty="0">
+                <a:ea typeface="Arial Unicode MS" pitchFamily="34" charset="-128"/>
+                <a:cs typeface="Arial Unicode MS" pitchFamily="34" charset="-128"/>
+              </a:rPr>
+              <a:t>History</a:t>
+            </a:r>
+          </a:p>
+          <a:p>
+            <a:pPr marL="830138" lvl="1" indent="-285750" fontAlgn="base">
+              <a:spcBef>
+                <a:spcPct val="50000"/>
+              </a:spcBef>
+              <a:spcAft>
+                <a:spcPct val="0"/>
+              </a:spcAft>
+              <a:buClr>
+                <a:srgbClr val="F0AB00"/>
+              </a:buClr>
+              <a:buSzPct val="80000"/>
+              <a:buFont typeface="Wingdings" panose="05000000000000000000" pitchFamily="2" charset="2"/>
+              <a:buChar char="n"/>
+            </a:pPr>
             <a:r>
               <a:rPr lang="en-US" altLang="zh-CN" sz="1800" kern="0" dirty="0" err="1">
                 <a:ea typeface="Arial Unicode MS" pitchFamily="34" charset="-128"/>
@@ -11440,7 +11925,44 @@
                 <a:ea typeface="Arial Unicode MS" pitchFamily="34" charset="-128"/>
                 <a:cs typeface="Arial Unicode MS" pitchFamily="34" charset="-128"/>
               </a:rPr>
-              <a:t> is able to reduce the average size of one data point from 12 bytes to 2-3 bytes.</a:t>
+              <a:t> was originally written to monitor metrics of the StumbleUpon search engine which requires storing over 1 billion data points per day. </a:t>
+            </a:r>
+          </a:p>
+          <a:p>
+            <a:pPr marL="830138" lvl="1" indent="-285750" fontAlgn="base">
+              <a:spcBef>
+                <a:spcPct val="50000"/>
+              </a:spcBef>
+              <a:spcAft>
+                <a:spcPct val="0"/>
+              </a:spcAft>
+              <a:buClr>
+                <a:srgbClr val="F0AB00"/>
+              </a:buClr>
+              <a:buSzPct val="80000"/>
+              <a:buFont typeface="Wingdings" panose="05000000000000000000" pitchFamily="2" charset="2"/>
+              <a:buChar char="n"/>
+            </a:pPr>
+            <a:r>
+              <a:rPr lang="en-US" altLang="zh-CN" sz="1800" kern="0" dirty="0">
+                <a:ea typeface="Arial Unicode MS" pitchFamily="34" charset="-128"/>
+                <a:cs typeface="Arial Unicode MS" pitchFamily="34" charset="-128"/>
+              </a:rPr>
+              <a:t>StumbleUpon was in charge of the initial development and its open-source release. Yahoo! is currently maintaining </a:t>
+            </a:r>
+            <a:r>
+              <a:rPr lang="en-US" altLang="zh-CN" sz="1800" kern="0" dirty="0" err="1">
+                <a:ea typeface="Arial Unicode MS" pitchFamily="34" charset="-128"/>
+                <a:cs typeface="Arial Unicode MS" pitchFamily="34" charset="-128"/>
+              </a:rPr>
+              <a:t>OpenTSDB</a:t>
+            </a:r>
+            <a:r>
+              <a:rPr lang="en-US" altLang="zh-CN" sz="1800" kern="0" dirty="0">
+                <a:ea typeface="Arial Unicode MS" pitchFamily="34" charset="-128"/>
+                <a:cs typeface="Arial Unicode MS" pitchFamily="34" charset="-128"/>
+              </a:rPr>
+              <a:t> along with the open-source community.</a:t>
             </a:r>
             <a:endParaRPr lang="zh-CN" altLang="en-US" sz="1800" kern="0" dirty="0" err="1">
               <a:ea typeface="Arial Unicode MS" pitchFamily="34" charset="-128"/>
@@ -11452,7 +11974,7 @@
     </p:spTree>
     <p:extLst>
       <p:ext uri="{BB962C8B-B14F-4D97-AF65-F5344CB8AC3E}">
-        <p14:creationId xmlns:p14="http://schemas.microsoft.com/office/powerpoint/2010/main" val="203468643"/>
+        <p14:creationId xmlns:p14="http://schemas.microsoft.com/office/powerpoint/2010/main" val="1132192457"/>
       </p:ext>
     </p:extLst>
   </p:cSld>
@@ -11481,38 +12003,291 @@
       </p:grpSpPr>
       <p:sp>
         <p:nvSpPr>
-          <p:cNvPr id="2" name="Divider"/>
+          <p:cNvPr id="4" name="Title"/>
           <p:cNvSpPr>
             <a:spLocks noGrp="1"/>
           </p:cNvSpPr>
           <p:nvPr>
-            <p:ph type="ctrTitle"/>
+            <p:ph type="title"/>
           </p:nvPr>
         </p:nvSpPr>
-        <p:spPr bwMode="gray"/>
+        <p:spPr bwMode="gray">
+          <a:xfrm>
+            <a:off x="504001" y="504000"/>
+            <a:ext cx="11186476" cy="646331"/>
+          </a:xfrm>
+        </p:spPr>
         <p:txBody>
           <a:bodyPr/>
           <a:lstStyle/>
           <a:p>
             <a:r>
-              <a:rPr lang="en-US" dirty="0"/>
-              <a:t>Divider </a:t>
-            </a:r>
-            <a:r>
-              <a:rPr lang="en-US" dirty="0">
-                <a:solidFill>
-                  <a:schemeClr val="accent1"/>
-                </a:solidFill>
+              <a:rPr lang="en-US" dirty="0" err="1"/>
+              <a:t>OpenTSDB</a:t>
+            </a:r>
+            <a:br>
+              <a:rPr lang="en-US" dirty="0"/>
+            </a:br>
+            <a:r>
+              <a:rPr lang="en-US" sz="1800" b="0" dirty="0"/>
+              <a:t>Techniques</a:t>
+            </a:r>
+            <a:endParaRPr lang="en-US" b="0" dirty="0"/>
+          </a:p>
+        </p:txBody>
+      </p:sp>
+      <p:sp>
+        <p:nvSpPr>
+          <p:cNvPr id="3" name="文本框 2">
+            <a:extLst>
+              <a:ext uri="{FF2B5EF4-FFF2-40B4-BE49-F238E27FC236}">
+                <a16:creationId xmlns:a16="http://schemas.microsoft.com/office/drawing/2014/main" id="{EF2C64E3-0243-43DD-A317-2CEC58A4B0CD}"/>
+              </a:ext>
+            </a:extLst>
+          </p:cNvPr>
+          <p:cNvSpPr txBox="1"/>
+          <p:nvPr/>
+        </p:nvSpPr>
+        <p:spPr>
+          <a:xfrm>
+            <a:off x="588527" y="1362106"/>
+            <a:ext cx="9738816" cy="3631763"/>
+          </a:xfrm>
+          <a:prstGeom prst="rect">
+            <a:avLst/>
+          </a:prstGeom>
+          <a:noFill/>
+        </p:spPr>
+        <p:txBody>
+          <a:bodyPr wrap="square" lIns="0" tIns="0" rIns="0" bIns="0" rtlCol="0">
+            <a:spAutoFit/>
+          </a:bodyPr>
+          <a:lstStyle/>
+          <a:p>
+            <a:pPr marL="285750" indent="-285750" fontAlgn="base">
+              <a:spcBef>
+                <a:spcPct val="50000"/>
+              </a:spcBef>
+              <a:spcAft>
+                <a:spcPct val="0"/>
+              </a:spcAft>
+              <a:buClr>
+                <a:srgbClr val="F0AB00"/>
+              </a:buClr>
+              <a:buSzPct val="80000"/>
+              <a:buFont typeface="Wingdings" panose="05000000000000000000" pitchFamily="2" charset="2"/>
+              <a:buChar char="n"/>
+            </a:pPr>
+            <a:r>
+              <a:rPr lang="en-US" altLang="zh-CN" sz="2000" b="1" kern="0" dirty="0">
+                <a:ea typeface="Arial Unicode MS" pitchFamily="34" charset="-128"/>
+                <a:cs typeface="Arial Unicode MS" pitchFamily="34" charset="-128"/>
               </a:rPr>
-              <a:t>page</a:t>
-            </a:r>
+              <a:t>Compression: Naïve (Page-Level) Naïve (Record-Level)</a:t>
+            </a:r>
+          </a:p>
+          <a:p>
+            <a:pPr marL="830138" lvl="1" indent="-285750" fontAlgn="base">
+              <a:spcBef>
+                <a:spcPct val="50000"/>
+              </a:spcBef>
+              <a:spcAft>
+                <a:spcPct val="0"/>
+              </a:spcAft>
+              <a:buClr>
+                <a:srgbClr val="F0AB00"/>
+              </a:buClr>
+              <a:buSzPct val="80000"/>
+              <a:buFont typeface="Wingdings" panose="05000000000000000000" pitchFamily="2" charset="2"/>
+              <a:buChar char="n"/>
+            </a:pPr>
+            <a:r>
+              <a:rPr lang="en-US" altLang="zh-CN" sz="1800" kern="0" dirty="0" err="1">
+                <a:ea typeface="Arial Unicode MS" pitchFamily="34" charset="-128"/>
+                <a:cs typeface="Arial Unicode MS" pitchFamily="34" charset="-128"/>
+              </a:rPr>
+              <a:t>OpenTSDB</a:t>
+            </a:r>
+            <a:r>
+              <a:rPr lang="en-US" altLang="zh-CN" sz="1800" kern="0" dirty="0">
+                <a:ea typeface="Arial Unicode MS" pitchFamily="34" charset="-128"/>
+                <a:cs typeface="Arial Unicode MS" pitchFamily="34" charset="-128"/>
+              </a:rPr>
+              <a:t> uses Row Compaction to compress data. </a:t>
+            </a:r>
+          </a:p>
+          <a:p>
+            <a:pPr marL="1374526" lvl="2" indent="-285750" fontAlgn="base">
+              <a:spcBef>
+                <a:spcPct val="50000"/>
+              </a:spcBef>
+              <a:spcAft>
+                <a:spcPct val="0"/>
+              </a:spcAft>
+              <a:buClr>
+                <a:srgbClr val="F0AB00"/>
+              </a:buClr>
+              <a:buFont typeface="Wingdings" panose="05000000000000000000" pitchFamily="2" charset="2"/>
+              <a:buChar char="n"/>
+            </a:pPr>
+            <a:r>
+              <a:rPr lang="en-US" altLang="zh-CN" sz="1400" kern="0" dirty="0">
+                <a:ea typeface="Arial Unicode MS" pitchFamily="34" charset="-128"/>
+                <a:cs typeface="Arial Unicode MS" pitchFamily="34" charset="-128"/>
+              </a:rPr>
+              <a:t>Whenever a cell is to be written, its row key is pushed into a compaction queue. </a:t>
+            </a:r>
+          </a:p>
+          <a:p>
+            <a:pPr marL="1374526" lvl="2" indent="-285750" fontAlgn="base">
+              <a:spcBef>
+                <a:spcPct val="50000"/>
+              </a:spcBef>
+              <a:spcAft>
+                <a:spcPct val="0"/>
+              </a:spcAft>
+              <a:buClr>
+                <a:srgbClr val="F0AB00"/>
+              </a:buClr>
+              <a:buFont typeface="Wingdings" panose="05000000000000000000" pitchFamily="2" charset="2"/>
+              <a:buChar char="n"/>
+            </a:pPr>
+            <a:r>
+              <a:rPr lang="en-US" altLang="zh-CN" sz="1400" kern="0" dirty="0">
+                <a:ea typeface="Arial Unicode MS" pitchFamily="34" charset="-128"/>
+                <a:cs typeface="Arial Unicode MS" pitchFamily="34" charset="-128"/>
+              </a:rPr>
+              <a:t>There is a separate thread that periodically goes through the queue and aggregate data with the same key into a big cell.</a:t>
+            </a:r>
+          </a:p>
+          <a:p>
+            <a:pPr marL="1374526" lvl="2" indent="-285750" fontAlgn="base">
+              <a:spcBef>
+                <a:spcPct val="50000"/>
+              </a:spcBef>
+              <a:spcAft>
+                <a:spcPct val="0"/>
+              </a:spcAft>
+              <a:buClr>
+                <a:srgbClr val="F0AB00"/>
+              </a:buClr>
+              <a:buFont typeface="Wingdings" panose="05000000000000000000" pitchFamily="2" charset="2"/>
+              <a:buChar char="n"/>
+            </a:pPr>
+            <a:r>
+              <a:rPr lang="en-US" altLang="zh-CN" sz="1400" kern="0" dirty="0">
+                <a:ea typeface="Arial Unicode MS" pitchFamily="34" charset="-128"/>
+                <a:cs typeface="Arial Unicode MS" pitchFamily="34" charset="-128"/>
+              </a:rPr>
+              <a:t> It then writes the big cell and deletes the individual cells in the queue. </a:t>
+            </a:r>
+          </a:p>
+          <a:p>
+            <a:pPr marL="1374526" lvl="2" indent="-285750" fontAlgn="base">
+              <a:spcBef>
+                <a:spcPct val="50000"/>
+              </a:spcBef>
+              <a:spcAft>
+                <a:spcPct val="0"/>
+              </a:spcAft>
+              <a:buClr>
+                <a:srgbClr val="F0AB00"/>
+              </a:buClr>
+              <a:buFont typeface="Wingdings" panose="05000000000000000000" pitchFamily="2" charset="2"/>
+              <a:buChar char="n"/>
+            </a:pPr>
+            <a:r>
+              <a:rPr lang="en-US" altLang="zh-CN" sz="1400" kern="0" dirty="0">
+                <a:ea typeface="Arial Unicode MS" pitchFamily="34" charset="-128"/>
+                <a:cs typeface="Arial Unicode MS" pitchFamily="34" charset="-128"/>
+              </a:rPr>
+              <a:t>This process is effective because in HBase the row key is repeated for every single cell, and there is no way to efficiently append byte at the end of a cell.</a:t>
+            </a:r>
+          </a:p>
+          <a:p>
+            <a:pPr marL="830138" lvl="1" indent="-285750" fontAlgn="base">
+              <a:spcBef>
+                <a:spcPct val="50000"/>
+              </a:spcBef>
+              <a:spcAft>
+                <a:spcPct val="0"/>
+              </a:spcAft>
+              <a:buClr>
+                <a:srgbClr val="F0AB00"/>
+              </a:buClr>
+              <a:buSzPct val="80000"/>
+              <a:buFont typeface="Wingdings" panose="05000000000000000000" pitchFamily="2" charset="2"/>
+              <a:buChar char="n"/>
+            </a:pPr>
+            <a:r>
+              <a:rPr lang="en-US" altLang="zh-CN" sz="1800" kern="0" dirty="0">
+                <a:ea typeface="Arial Unicode MS" pitchFamily="34" charset="-128"/>
+                <a:cs typeface="Arial Unicode MS" pitchFamily="34" charset="-128"/>
+              </a:rPr>
+              <a:t>At data level, </a:t>
+            </a:r>
+            <a:r>
+              <a:rPr lang="en-US" altLang="zh-CN" sz="1800" kern="0" dirty="0" err="1">
+                <a:ea typeface="Arial Unicode MS" pitchFamily="34" charset="-128"/>
+                <a:cs typeface="Arial Unicode MS" pitchFamily="34" charset="-128"/>
+              </a:rPr>
+              <a:t>OpenTSDB</a:t>
+            </a:r>
+            <a:r>
+              <a:rPr lang="en-US" altLang="zh-CN" sz="1800" kern="0" dirty="0">
+                <a:ea typeface="Arial Unicode MS" pitchFamily="34" charset="-128"/>
+                <a:cs typeface="Arial Unicode MS" pitchFamily="34" charset="-128"/>
+              </a:rPr>
+              <a:t> uses LZO compression algorithm.</a:t>
+            </a:r>
+          </a:p>
+          <a:p>
+            <a:pPr marL="285750" indent="-285750" fontAlgn="base">
+              <a:spcBef>
+                <a:spcPct val="50000"/>
+              </a:spcBef>
+              <a:spcAft>
+                <a:spcPct val="0"/>
+              </a:spcAft>
+              <a:buClr>
+                <a:srgbClr val="F0AB00"/>
+              </a:buClr>
+              <a:buSzPct val="80000"/>
+              <a:buFont typeface="Wingdings" panose="05000000000000000000" pitchFamily="2" charset="2"/>
+              <a:buChar char="n"/>
+            </a:pPr>
+            <a:r>
+              <a:rPr lang="en-US" altLang="zh-CN" sz="2000" kern="0" dirty="0">
+                <a:ea typeface="Arial Unicode MS" pitchFamily="34" charset="-128"/>
+                <a:cs typeface="Arial Unicode MS" pitchFamily="34" charset="-128"/>
+              </a:rPr>
+              <a:t>With these two techniques, </a:t>
+            </a:r>
+            <a:r>
+              <a:rPr lang="en-US" altLang="zh-CN" sz="2000" kern="0" dirty="0" err="1">
+                <a:ea typeface="Arial Unicode MS" pitchFamily="34" charset="-128"/>
+                <a:cs typeface="Arial Unicode MS" pitchFamily="34" charset="-128"/>
+              </a:rPr>
+              <a:t>OpenTSDB</a:t>
+            </a:r>
+            <a:r>
+              <a:rPr lang="en-US" altLang="zh-CN" sz="2000" kern="0" dirty="0">
+                <a:ea typeface="Arial Unicode MS" pitchFamily="34" charset="-128"/>
+                <a:cs typeface="Arial Unicode MS" pitchFamily="34" charset="-128"/>
+              </a:rPr>
+              <a:t> is able to reduce the average size of one data point from 12 bytes to 2-3 bytes.</a:t>
+            </a:r>
+            <a:endParaRPr lang="zh-CN" altLang="en-US" sz="2000" kern="0" dirty="0" err="1">
+              <a:ea typeface="Arial Unicode MS" pitchFamily="34" charset="-128"/>
+              <a:cs typeface="Arial Unicode MS" pitchFamily="34" charset="-128"/>
+            </a:endParaRPr>
           </a:p>
         </p:txBody>
       </p:sp>
     </p:spTree>
     <p:extLst>
       <p:ext uri="{BB962C8B-B14F-4D97-AF65-F5344CB8AC3E}">
-        <p14:creationId xmlns:p14="http://schemas.microsoft.com/office/powerpoint/2010/main" val="799205039"/>
+        <p14:creationId xmlns:p14="http://schemas.microsoft.com/office/powerpoint/2010/main" val="203468643"/>
       </p:ext>
     </p:extLst>
   </p:cSld>
@@ -11541,58 +12316,512 @@
       </p:grpSpPr>
       <p:sp>
         <p:nvSpPr>
-          <p:cNvPr id="3" name="Divider"/>
+          <p:cNvPr id="4" name="Title"/>
           <p:cNvSpPr>
             <a:spLocks noGrp="1"/>
           </p:cNvSpPr>
           <p:nvPr>
-            <p:ph type="ctrTitle"/>
+            <p:ph type="title"/>
           </p:nvPr>
         </p:nvSpPr>
-        <p:spPr bwMode="gray"/>
+        <p:spPr bwMode="gray">
+          <a:xfrm>
+            <a:off x="504001" y="504000"/>
+            <a:ext cx="11186476" cy="646331"/>
+          </a:xfrm>
+        </p:spPr>
         <p:txBody>
           <a:bodyPr/>
           <a:lstStyle/>
           <a:p>
             <a:r>
-              <a:rPr lang="en-US" dirty="0"/>
-              <a:t>Divider </a:t>
-            </a:r>
-            <a:r>
-              <a:rPr lang="en-US" dirty="0">
-                <a:solidFill>
-                  <a:schemeClr val="accent1"/>
-                </a:solidFill>
+              <a:rPr lang="en-US" dirty="0" err="1"/>
+              <a:t>OpenTSDB</a:t>
+            </a:r>
+            <a:br>
+              <a:rPr lang="en-US" dirty="0"/>
+            </a:br>
+            <a:r>
+              <a:rPr lang="en-US" sz="1800" b="0" dirty="0"/>
+              <a:t>Techniques</a:t>
+            </a:r>
+            <a:endParaRPr lang="en-US" b="0" dirty="0"/>
+          </a:p>
+        </p:txBody>
+      </p:sp>
+      <p:sp>
+        <p:nvSpPr>
+          <p:cNvPr id="3" name="文本框 2">
+            <a:extLst>
+              <a:ext uri="{FF2B5EF4-FFF2-40B4-BE49-F238E27FC236}">
+                <a16:creationId xmlns:a16="http://schemas.microsoft.com/office/drawing/2014/main" id="{EF2C64E3-0243-43DD-A317-2CEC58A4B0CD}"/>
+              </a:ext>
+            </a:extLst>
+          </p:cNvPr>
+          <p:cNvSpPr txBox="1"/>
+          <p:nvPr/>
+        </p:nvSpPr>
+        <p:spPr>
+          <a:xfrm>
+            <a:off x="669208" y="1488142"/>
+            <a:ext cx="10856759" cy="2769989"/>
+          </a:xfrm>
+          <a:prstGeom prst="rect">
+            <a:avLst/>
+          </a:prstGeom>
+          <a:noFill/>
+        </p:spPr>
+        <p:txBody>
+          <a:bodyPr wrap="square" lIns="0" tIns="0" rIns="0" bIns="0" rtlCol="0">
+            <a:spAutoFit/>
+          </a:bodyPr>
+          <a:lstStyle/>
+          <a:p>
+            <a:pPr marL="285750" indent="-285750" fontAlgn="base">
+              <a:spcBef>
+                <a:spcPct val="50000"/>
+              </a:spcBef>
+              <a:spcAft>
+                <a:spcPct val="0"/>
+              </a:spcAft>
+              <a:buClr>
+                <a:srgbClr val="F0AB00"/>
+              </a:buClr>
+              <a:buSzPct val="80000"/>
+              <a:buFont typeface="Wingdings" panose="05000000000000000000" pitchFamily="2" charset="2"/>
+              <a:buChar char="n"/>
+            </a:pPr>
+            <a:r>
+              <a:rPr lang="en-US" altLang="zh-CN" sz="1800" b="1" kern="0" dirty="0">
+                <a:ea typeface="Arial Unicode MS" pitchFamily="34" charset="-128"/>
+                <a:cs typeface="Arial Unicode MS" pitchFamily="34" charset="-128"/>
               </a:rPr>
-              <a:t>page</a:t>
-            </a:r>
-            <a:endParaRPr lang="en-US" dirty="0"/>
-          </a:p>
-        </p:txBody>
-      </p:sp>
-      <p:pic>
-        <p:nvPicPr>
-          <p:cNvPr id="6" name="Illustration" descr="Example of an illustration " title="Illustration for divider page"/>
-          <p:cNvPicPr>
-            <a:picLocks noGrp="1" noChangeAspect="1"/>
-          </p:cNvPicPr>
-          <p:nvPr>
-            <p:ph type="pic" sz="quarter" idx="12"/>
-          </p:nvPr>
-        </p:nvPicPr>
-        <p:blipFill>
-          <a:blip r:embed="rId2"/>
-          <a:srcRect t="3112" b="3112"/>
-          <a:stretch>
-            <a:fillRect/>
-          </a:stretch>
-        </p:blipFill>
-        <p:spPr bwMode="gray"/>
-      </p:pic>
+              <a:t>Concurrency Control</a:t>
+            </a:r>
+          </a:p>
+          <a:p>
+            <a:pPr marL="830138" lvl="1" indent="-285750" fontAlgn="base">
+              <a:spcBef>
+                <a:spcPct val="50000"/>
+              </a:spcBef>
+              <a:spcAft>
+                <a:spcPct val="0"/>
+              </a:spcAft>
+              <a:buClr>
+                <a:srgbClr val="F0AB00"/>
+              </a:buClr>
+              <a:buSzPct val="80000"/>
+              <a:buFont typeface="Wingdings" panose="05000000000000000000" pitchFamily="2" charset="2"/>
+              <a:buChar char="n"/>
+            </a:pPr>
+            <a:r>
+              <a:rPr lang="en-US" altLang="zh-CN" sz="1800" kern="0" dirty="0">
+                <a:latin typeface="Arial" panose="020B0604020202020204" pitchFamily="34" charset="0"/>
+                <a:ea typeface="Arial Unicode MS" pitchFamily="34" charset="-128"/>
+              </a:rPr>
+              <a:t>Op</a:t>
+            </a:r>
+            <a:r>
+              <a:rPr lang="zh-CN" altLang="zh-CN" sz="1800" kern="0" dirty="0">
+                <a:latin typeface="Arial" panose="020B0604020202020204" pitchFamily="34" charset="0"/>
+              </a:rPr>
+              <a:t>enTSDB allows concurrent writes without using locks. OpenTSDB avoids multiple writers creating duplicate rows in the case of writer restart by making writes idempotent. It enforces a fixed timestamp boundary for each row. When a write reconnects to HBase, it will always write to the appropriate row according to the timestamp instead of creating new rows. </a:t>
+            </a:r>
+            <a:endParaRPr lang="en-US" altLang="zh-CN" sz="1800" kern="0" dirty="0">
+              <a:latin typeface="Arial" panose="020B0604020202020204" pitchFamily="34" charset="0"/>
+              <a:ea typeface="Arial Unicode MS" pitchFamily="34" charset="-128"/>
+            </a:endParaRPr>
+          </a:p>
+          <a:p>
+            <a:pPr marL="285750" indent="-285750" fontAlgn="base">
+              <a:spcBef>
+                <a:spcPct val="50000"/>
+              </a:spcBef>
+              <a:spcAft>
+                <a:spcPct val="0"/>
+              </a:spcAft>
+              <a:buClr>
+                <a:srgbClr val="F0AB00"/>
+              </a:buClr>
+              <a:buSzPct val="80000"/>
+              <a:buFont typeface="Wingdings" panose="05000000000000000000" pitchFamily="2" charset="2"/>
+              <a:buChar char="n"/>
+            </a:pPr>
+            <a:r>
+              <a:rPr lang="en-US" altLang="zh-CN" sz="1800" b="1" kern="0" dirty="0">
+                <a:ea typeface="Arial Unicode MS" pitchFamily="34" charset="-128"/>
+                <a:cs typeface="Arial Unicode MS" pitchFamily="34" charset="-128"/>
+              </a:rPr>
+              <a:t>Data Model</a:t>
+            </a:r>
+          </a:p>
+          <a:p>
+            <a:pPr marL="830138" lvl="1" indent="-285750" fontAlgn="base">
+              <a:spcBef>
+                <a:spcPct val="50000"/>
+              </a:spcBef>
+              <a:spcAft>
+                <a:spcPct val="0"/>
+              </a:spcAft>
+              <a:buClr>
+                <a:srgbClr val="F0AB00"/>
+              </a:buClr>
+              <a:buSzPct val="80000"/>
+              <a:buFont typeface="Wingdings" panose="05000000000000000000" pitchFamily="2" charset="2"/>
+              <a:buChar char="n"/>
+            </a:pPr>
+            <a:r>
+              <a:rPr lang="en-US" altLang="zh-CN" sz="1800" kern="0" dirty="0">
+                <a:latin typeface="Arial" panose="020B0604020202020204" pitchFamily="34" charset="0"/>
+                <a:ea typeface="Arial Unicode MS" pitchFamily="34" charset="-128"/>
+              </a:rPr>
+              <a:t>Data are stored as time series. Each time series is a collection of data points.</a:t>
+            </a:r>
+          </a:p>
+          <a:p>
+            <a:pPr marL="830138" lvl="1" indent="-285750" fontAlgn="base">
+              <a:spcBef>
+                <a:spcPct val="50000"/>
+              </a:spcBef>
+              <a:spcAft>
+                <a:spcPct val="0"/>
+              </a:spcAft>
+              <a:buClr>
+                <a:srgbClr val="F0AB00"/>
+              </a:buClr>
+              <a:buSzPct val="80000"/>
+              <a:buFont typeface="Wingdings" panose="05000000000000000000" pitchFamily="2" charset="2"/>
+              <a:buChar char="n"/>
+            </a:pPr>
+            <a:r>
+              <a:rPr lang="en-US" altLang="zh-CN" sz="1800" kern="0" dirty="0">
+                <a:latin typeface="Arial" panose="020B0604020202020204" pitchFamily="34" charset="0"/>
+                <a:ea typeface="Arial Unicode MS" pitchFamily="34" charset="-128"/>
+              </a:rPr>
+              <a:t>A data point is a key value map(time, value). A time series is identified by its metrics and tags</a:t>
+            </a:r>
+            <a:endParaRPr lang="en-US" altLang="zh-CN" sz="1800" dirty="0">
+              <a:latin typeface="Arial" panose="020B0604020202020204" pitchFamily="34" charset="0"/>
+            </a:endParaRPr>
+          </a:p>
+        </p:txBody>
+      </p:sp>
+      <p:graphicFrame>
+        <p:nvGraphicFramePr>
+          <p:cNvPr id="6" name="表格 2">
+            <a:extLst>
+              <a:ext uri="{FF2B5EF4-FFF2-40B4-BE49-F238E27FC236}">
+                <a16:creationId xmlns:a16="http://schemas.microsoft.com/office/drawing/2014/main" id="{3E8466C8-B646-4A18-83B0-6369977B3C40}"/>
+              </a:ext>
+            </a:extLst>
+          </p:cNvPr>
+          <p:cNvGraphicFramePr>
+            <a:graphicFrameLocks noGrp="1"/>
+          </p:cNvGraphicFramePr>
+          <p:nvPr/>
+        </p:nvGraphicFramePr>
+        <p:xfrm>
+          <a:off x="1992687" y="4595942"/>
+          <a:ext cx="8209104" cy="1463040"/>
+        </p:xfrm>
+        <a:graphic>
+          <a:graphicData uri="http://schemas.openxmlformats.org/drawingml/2006/table">
+            <a:tbl>
+              <a:tblPr firstRow="1" bandRow="1">
+                <a:tableStyleId>{F2DE63D5-997A-4646-A377-4702673A728D}</a:tableStyleId>
+              </a:tblPr>
+              <a:tblGrid>
+                <a:gridCol w="3471229">
+                  <a:extLst>
+                    <a:ext uri="{9D8B030D-6E8A-4147-A177-3AD203B41FA5}">
+                      <a16:colId xmlns:a16="http://schemas.microsoft.com/office/drawing/2014/main" val="3494984679"/>
+                    </a:ext>
+                  </a:extLst>
+                </a:gridCol>
+                <a:gridCol w="1457816">
+                  <a:extLst>
+                    <a:ext uri="{9D8B030D-6E8A-4147-A177-3AD203B41FA5}">
+                      <a16:colId xmlns:a16="http://schemas.microsoft.com/office/drawing/2014/main" val="3724554972"/>
+                    </a:ext>
+                  </a:extLst>
+                </a:gridCol>
+                <a:gridCol w="3280059">
+                  <a:extLst>
+                    <a:ext uri="{9D8B030D-6E8A-4147-A177-3AD203B41FA5}">
+                      <a16:colId xmlns:a16="http://schemas.microsoft.com/office/drawing/2014/main" val="1096950074"/>
+                    </a:ext>
+                  </a:extLst>
+                </a:gridCol>
+              </a:tblGrid>
+              <a:tr h="0">
+                <a:tc>
+                  <a:txBody>
+                    <a:bodyPr/>
+                    <a:lstStyle/>
+                    <a:p>
+                      <a:pPr algn="ctr"/>
+                      <a:r>
+                        <a:rPr lang="en-US" altLang="zh-CN" sz="1800" dirty="0"/>
+                        <a:t>Identity(</a:t>
+                      </a:r>
+                      <a:r>
+                        <a:rPr lang="en-US" altLang="zh-CN" sz="1800" dirty="0" err="1"/>
+                        <a:t>Metric+Tag</a:t>
+                      </a:r>
+                      <a:r>
+                        <a:rPr lang="en-US" altLang="zh-CN" sz="1800" dirty="0"/>
+                        <a:t>)</a:t>
+                      </a:r>
+                      <a:endParaRPr lang="zh-CN" altLang="en-US" sz="1800" dirty="0"/>
+                    </a:p>
+                  </a:txBody>
+                  <a:tcPr/>
+                </a:tc>
+                <a:tc>
+                  <a:txBody>
+                    <a:bodyPr/>
+                    <a:lstStyle/>
+                    <a:p>
+                      <a:pPr algn="ctr"/>
+                      <a:r>
+                        <a:rPr lang="en-US" altLang="zh-CN" sz="1800" dirty="0"/>
+                        <a:t>Value </a:t>
+                      </a:r>
+                      <a:endParaRPr lang="zh-CN" altLang="en-US" sz="1800" dirty="0"/>
+                    </a:p>
+                  </a:txBody>
+                  <a:tcPr/>
+                </a:tc>
+                <a:tc>
+                  <a:txBody>
+                    <a:bodyPr/>
+                    <a:lstStyle/>
+                    <a:p>
+                      <a:pPr algn="ctr"/>
+                      <a:r>
+                        <a:rPr lang="en-US" altLang="zh-CN" sz="1800" dirty="0"/>
+                        <a:t>Timestamp</a:t>
+                      </a:r>
+                      <a:endParaRPr lang="zh-CN" altLang="en-US" sz="1800" dirty="0"/>
+                    </a:p>
+                  </a:txBody>
+                  <a:tcPr/>
+                </a:tc>
+                <a:extLst>
+                  <a:ext uri="{0D108BD9-81ED-4DB2-BD59-A6C34878D82A}">
+                    <a16:rowId xmlns:a16="http://schemas.microsoft.com/office/drawing/2014/main" val="3861977526"/>
+                  </a:ext>
+                </a:extLst>
+              </a:tr>
+              <a:tr h="0">
+                <a:tc>
+                  <a:txBody>
+                    <a:bodyPr/>
+                    <a:lstStyle/>
+                    <a:p>
+                      <a:pPr algn="ctr"/>
+                      <a:r>
+                        <a:rPr lang="en-US" altLang="zh-CN" sz="1800" dirty="0"/>
+                        <a:t>Web01.sys.cpu.busy.pct</a:t>
+                      </a:r>
+                      <a:endParaRPr lang="zh-CN" altLang="en-US" sz="1800" dirty="0"/>
+                    </a:p>
+                  </a:txBody>
+                  <a:tcPr/>
+                </a:tc>
+                <a:tc>
+                  <a:txBody>
+                    <a:bodyPr/>
+                    <a:lstStyle/>
+                    <a:p>
+                      <a:pPr algn="ctr"/>
+                      <a:r>
+                        <a:rPr lang="en-US" altLang="zh-CN" sz="1800" dirty="0"/>
+                        <a:t>45% </a:t>
+                      </a:r>
+                      <a:endParaRPr lang="zh-CN" altLang="en-US" sz="1800" dirty="0"/>
+                    </a:p>
+                  </a:txBody>
+                  <a:tcPr/>
+                </a:tc>
+                <a:tc>
+                  <a:txBody>
+                    <a:bodyPr/>
+                    <a:lstStyle/>
+                    <a:p>
+                      <a:pPr marL="0" marR="0" lvl="0" indent="0" algn="ctr" defTabSz="1088558" rtl="0" eaLnBrk="1" fontAlgn="auto" latinLnBrk="0" hangingPunct="1">
+                        <a:lnSpc>
+                          <a:spcPct val="100000"/>
+                        </a:lnSpc>
+                        <a:spcBef>
+                          <a:spcPts val="0"/>
+                        </a:spcBef>
+                        <a:spcAft>
+                          <a:spcPts val="0"/>
+                        </a:spcAft>
+                        <a:buClrTx/>
+                        <a:buSzTx/>
+                        <a:buFontTx/>
+                        <a:buNone/>
+                        <a:tabLst/>
+                        <a:defRPr/>
+                      </a:pPr>
+                      <a:r>
+                        <a:rPr lang="en-US" altLang="zh-CN" sz="1800" dirty="0"/>
+                        <a:t>1/1/207 12:01:00</a:t>
+                      </a:r>
+                    </a:p>
+                  </a:txBody>
+                  <a:tcPr/>
+                </a:tc>
+                <a:extLst>
+                  <a:ext uri="{0D108BD9-81ED-4DB2-BD59-A6C34878D82A}">
+                    <a16:rowId xmlns:a16="http://schemas.microsoft.com/office/drawing/2014/main" val="498320865"/>
+                  </a:ext>
+                </a:extLst>
+              </a:tr>
+              <a:tr h="180973">
+                <a:tc>
+                  <a:txBody>
+                    <a:bodyPr/>
+                    <a:lstStyle/>
+                    <a:p>
+                      <a:pPr algn="ctr"/>
+                      <a:r>
+                        <a:rPr lang="en-US" altLang="zh-CN" sz="1800" dirty="0"/>
+                        <a:t>Web01.sys.cpu.busy.pct </a:t>
+                      </a:r>
+                      <a:endParaRPr lang="zh-CN" altLang="en-US" sz="1800" dirty="0"/>
+                    </a:p>
+                  </a:txBody>
+                  <a:tcPr/>
+                </a:tc>
+                <a:tc>
+                  <a:txBody>
+                    <a:bodyPr/>
+                    <a:lstStyle/>
+                    <a:p>
+                      <a:pPr algn="ctr"/>
+                      <a:r>
+                        <a:rPr lang="en-US" altLang="zh-CN" sz="1800" dirty="0"/>
+                        <a:t>52% </a:t>
+                      </a:r>
+                      <a:endParaRPr lang="zh-CN" altLang="en-US" sz="1800" dirty="0"/>
+                    </a:p>
+                  </a:txBody>
+                  <a:tcPr/>
+                </a:tc>
+                <a:tc>
+                  <a:txBody>
+                    <a:bodyPr/>
+                    <a:lstStyle/>
+                    <a:p>
+                      <a:pPr marL="0" marR="0" lvl="0" indent="0" algn="ctr" defTabSz="1088558" rtl="0" eaLnBrk="1" fontAlgn="auto" latinLnBrk="0" hangingPunct="1">
+                        <a:lnSpc>
+                          <a:spcPct val="100000"/>
+                        </a:lnSpc>
+                        <a:spcBef>
+                          <a:spcPts val="0"/>
+                        </a:spcBef>
+                        <a:spcAft>
+                          <a:spcPts val="0"/>
+                        </a:spcAft>
+                        <a:buClrTx/>
+                        <a:buSzTx/>
+                        <a:buFontTx/>
+                        <a:buNone/>
+                        <a:tabLst/>
+                        <a:defRPr/>
+                      </a:pPr>
+                      <a:r>
+                        <a:rPr lang="en-US" altLang="zh-CN" sz="1800" dirty="0"/>
+                        <a:t>1/1/207 12:02:00</a:t>
+                      </a:r>
+                    </a:p>
+                  </a:txBody>
+                  <a:tcPr/>
+                </a:tc>
+                <a:extLst>
+                  <a:ext uri="{0D108BD9-81ED-4DB2-BD59-A6C34878D82A}">
+                    <a16:rowId xmlns:a16="http://schemas.microsoft.com/office/drawing/2014/main" val="647851026"/>
+                  </a:ext>
+                </a:extLst>
+              </a:tr>
+              <a:tr h="180973">
+                <a:tc>
+                  <a:txBody>
+                    <a:bodyPr/>
+                    <a:lstStyle/>
+                    <a:p>
+                      <a:pPr algn="ctr"/>
+                      <a:r>
+                        <a:rPr lang="en-US" altLang="zh-CN" sz="1800" dirty="0"/>
+                        <a:t>Web01.sys.cpu.busy.pct </a:t>
+                      </a:r>
+                      <a:endParaRPr lang="zh-CN" altLang="en-US" sz="1800" dirty="0"/>
+                    </a:p>
+                  </a:txBody>
+                  <a:tcPr/>
+                </a:tc>
+                <a:tc>
+                  <a:txBody>
+                    <a:bodyPr/>
+                    <a:lstStyle/>
+                    <a:p>
+                      <a:pPr algn="ctr"/>
+                      <a:r>
+                        <a:rPr lang="en-US" altLang="zh-CN" sz="1800" dirty="0"/>
+                        <a:t>35% </a:t>
+                      </a:r>
+                      <a:endParaRPr lang="zh-CN" altLang="en-US" sz="1800" dirty="0"/>
+                    </a:p>
+                  </a:txBody>
+                  <a:tcPr/>
+                </a:tc>
+                <a:tc>
+                  <a:txBody>
+                    <a:bodyPr/>
+                    <a:lstStyle/>
+                    <a:p>
+                      <a:pPr marL="0" marR="0" lvl="0" indent="0" algn="ctr" defTabSz="1088558" rtl="0" eaLnBrk="1" fontAlgn="auto" latinLnBrk="0" hangingPunct="1">
+                        <a:lnSpc>
+                          <a:spcPct val="100000"/>
+                        </a:lnSpc>
+                        <a:spcBef>
+                          <a:spcPts val="0"/>
+                        </a:spcBef>
+                        <a:spcAft>
+                          <a:spcPts val="0"/>
+                        </a:spcAft>
+                        <a:buClrTx/>
+                        <a:buSzTx/>
+                        <a:buFontTx/>
+                        <a:buNone/>
+                        <a:tabLst/>
+                        <a:defRPr/>
+                      </a:pPr>
+                      <a:r>
+                        <a:rPr lang="en-US" altLang="zh-CN" sz="1800" dirty="0"/>
+                        <a:t>1/1/207 12:03:00</a:t>
+                      </a:r>
+                    </a:p>
+                  </a:txBody>
+                  <a:tcPr/>
+                </a:tc>
+                <a:extLst>
+                  <a:ext uri="{0D108BD9-81ED-4DB2-BD59-A6C34878D82A}">
+                    <a16:rowId xmlns:a16="http://schemas.microsoft.com/office/drawing/2014/main" val="2826638356"/>
+                  </a:ext>
+                </a:extLst>
+              </a:tr>
+            </a:tbl>
+          </a:graphicData>
+        </a:graphic>
+      </p:graphicFrame>
     </p:spTree>
     <p:extLst>
       <p:ext uri="{BB962C8B-B14F-4D97-AF65-F5344CB8AC3E}">
-        <p14:creationId xmlns:p14="http://schemas.microsoft.com/office/powerpoint/2010/main" val="1515423877"/>
+        <p14:creationId xmlns:p14="http://schemas.microsoft.com/office/powerpoint/2010/main" val="1077844778"/>
       </p:ext>
     </p:extLst>
   </p:cSld>
@@ -11621,72 +12850,203 @@
       </p:grpSpPr>
       <p:sp>
         <p:nvSpPr>
-          <p:cNvPr id="3" name="Divider"/>
+          <p:cNvPr id="4" name="Title"/>
           <p:cNvSpPr>
             <a:spLocks noGrp="1"/>
           </p:cNvSpPr>
           <p:nvPr>
-            <p:ph type="ctrTitle"/>
+            <p:ph type="title"/>
           </p:nvPr>
         </p:nvSpPr>
-        <p:spPr bwMode="gray"/>
+        <p:spPr bwMode="gray">
+          <a:xfrm>
+            <a:off x="504001" y="504000"/>
+            <a:ext cx="11186476" cy="646331"/>
+          </a:xfrm>
+        </p:spPr>
         <p:txBody>
           <a:bodyPr/>
           <a:lstStyle/>
           <a:p>
             <a:r>
-              <a:rPr lang="en-US" dirty="0"/>
-              <a:t>Divider </a:t>
-            </a:r>
-            <a:r>
-              <a:rPr lang="en-US" dirty="0">
-                <a:solidFill>
-                  <a:schemeClr val="accent1"/>
-                </a:solidFill>
-              </a:rPr>
-              <a:t>page</a:t>
-            </a:r>
-            <a:endParaRPr lang="en-US" dirty="0"/>
-          </a:p>
-        </p:txBody>
-      </p:sp>
-      <p:pic>
-        <p:nvPicPr>
-          <p:cNvPr id="7" name="Divider Image Placeholder">
+              <a:rPr lang="en-US" dirty="0" err="1"/>
+              <a:t>OpenTSDB</a:t>
+            </a:r>
+            <a:br>
+              <a:rPr lang="en-US" dirty="0"/>
+            </a:br>
+            <a:r>
+              <a:rPr lang="en-US" sz="1800" b="0" dirty="0"/>
+              <a:t>Techniques</a:t>
+            </a:r>
+            <a:endParaRPr lang="en-US" b="0" dirty="0"/>
+          </a:p>
+        </p:txBody>
+      </p:sp>
+      <p:sp>
+        <p:nvSpPr>
+          <p:cNvPr id="3" name="文本框 2">
             <a:extLst>
               <a:ext uri="{FF2B5EF4-FFF2-40B4-BE49-F238E27FC236}">
-                <a16:creationId xmlns:a16="http://schemas.microsoft.com/office/drawing/2014/main" id="{3FEADB84-4FA8-4F63-8117-D5AD2F9BF195}"/>
+                <a16:creationId xmlns:a16="http://schemas.microsoft.com/office/drawing/2014/main" id="{EF2C64E3-0243-43DD-A317-2CEC58A4B0CD}"/>
               </a:ext>
             </a:extLst>
           </p:cNvPr>
-          <p:cNvPicPr>
-            <a:picLocks noGrp="1" noChangeAspect="1"/>
-          </p:cNvPicPr>
-          <p:nvPr>
-            <p:ph type="pic" sz="quarter" idx="12"/>
-          </p:nvPr>
-        </p:nvPicPr>
-        <p:blipFill rotWithShape="1">
-          <a:blip r:embed="rId2" cstate="screen">
-            <a:extLst>
-              <a:ext uri="{28A0092B-C50C-407E-A947-70E740481C1C}">
-                <a14:useLocalDpi xmlns:a14="http://schemas.microsoft.com/office/drawing/2010/main"/>
-              </a:ext>
-            </a:extLst>
-          </a:blip>
-          <a:srcRect/>
-          <a:stretch/>
-        </p:blipFill>
+          <p:cNvSpPr txBox="1"/>
+          <p:nvPr/>
+        </p:nvSpPr>
         <p:spPr>
+          <a:xfrm>
+            <a:off x="669208" y="1488142"/>
+            <a:ext cx="10856759" cy="2769989"/>
+          </a:xfrm>
           <a:prstGeom prst="rect">
             <a:avLst/>
           </a:prstGeom>
+          <a:noFill/>
         </p:spPr>
-      </p:pic>
+        <p:txBody>
+          <a:bodyPr wrap="square" lIns="0" tIns="0" rIns="0" bIns="0" rtlCol="0">
+            <a:spAutoFit/>
+          </a:bodyPr>
+          <a:lstStyle/>
+          <a:p>
+            <a:pPr marL="285750" indent="-285750" fontAlgn="base">
+              <a:spcBef>
+                <a:spcPct val="50000"/>
+              </a:spcBef>
+              <a:spcAft>
+                <a:spcPct val="0"/>
+              </a:spcAft>
+              <a:buClr>
+                <a:srgbClr val="F0AB00"/>
+              </a:buClr>
+              <a:buSzPct val="80000"/>
+              <a:buFont typeface="Wingdings" panose="05000000000000000000" pitchFamily="2" charset="2"/>
+              <a:buChar char="n"/>
+            </a:pPr>
+            <a:r>
+              <a:rPr lang="en-US" altLang="zh-CN" sz="1800" b="1" kern="0" dirty="0">
+                <a:ea typeface="Arial Unicode MS" pitchFamily="34" charset="-128"/>
+                <a:cs typeface="Arial Unicode MS" pitchFamily="34" charset="-128"/>
+              </a:rPr>
+              <a:t>Query Interface</a:t>
+            </a:r>
+          </a:p>
+          <a:p>
+            <a:pPr marL="830138" lvl="1" indent="-285750" fontAlgn="base">
+              <a:spcBef>
+                <a:spcPct val="50000"/>
+              </a:spcBef>
+              <a:spcAft>
+                <a:spcPct val="0"/>
+              </a:spcAft>
+              <a:buClr>
+                <a:srgbClr val="F0AB00"/>
+              </a:buClr>
+              <a:buSzPct val="80000"/>
+              <a:buFont typeface="Wingdings" panose="05000000000000000000" pitchFamily="2" charset="2"/>
+              <a:buChar char="n"/>
+            </a:pPr>
+            <a:r>
+              <a:rPr lang="en-US" altLang="zh-CN" sz="1800" kern="0" dirty="0">
+                <a:latin typeface="Arial" panose="020B0604020202020204" pitchFamily="34" charset="0"/>
+              </a:rPr>
+              <a:t>There are 2 official supported query interfaces: HTTP/REST API and Telnet style command line API. </a:t>
+            </a:r>
+          </a:p>
+          <a:p>
+            <a:pPr marL="830138" lvl="1" indent="-285750" fontAlgn="base">
+              <a:spcBef>
+                <a:spcPct val="50000"/>
+              </a:spcBef>
+              <a:spcAft>
+                <a:spcPct val="0"/>
+              </a:spcAft>
+              <a:buClr>
+                <a:srgbClr val="F0AB00"/>
+              </a:buClr>
+              <a:buSzPct val="80000"/>
+              <a:buFont typeface="Wingdings" panose="05000000000000000000" pitchFamily="2" charset="2"/>
+              <a:buChar char="n"/>
+            </a:pPr>
+            <a:r>
+              <a:rPr lang="en-US" altLang="zh-CN" sz="1800" kern="0" dirty="0">
+                <a:latin typeface="Arial" panose="020B0604020202020204" pitchFamily="34" charset="0"/>
+              </a:rPr>
+              <a:t>Additionally, there are various open-source front-end clients that encapsulate the official APIs, including a Browser interface and Erlang/Java/Go/Python/R/Ruby clients.</a:t>
+            </a:r>
+          </a:p>
+          <a:p>
+            <a:pPr marL="285750" indent="-285750" fontAlgn="base">
+              <a:spcBef>
+                <a:spcPct val="50000"/>
+              </a:spcBef>
+              <a:spcAft>
+                <a:spcPct val="0"/>
+              </a:spcAft>
+              <a:buClr>
+                <a:srgbClr val="F0AB00"/>
+              </a:buClr>
+              <a:buSzPct val="80000"/>
+              <a:buFont typeface="Wingdings" panose="05000000000000000000" pitchFamily="2" charset="2"/>
+              <a:buChar char="n"/>
+            </a:pPr>
+            <a:r>
+              <a:rPr lang="en-US" altLang="zh-CN" sz="1800" b="1" kern="0" dirty="0">
+                <a:ea typeface="Arial Unicode MS" pitchFamily="34" charset="-128"/>
+                <a:cs typeface="Arial Unicode MS" pitchFamily="34" charset="-128"/>
+              </a:rPr>
+              <a:t>Storage Architecture</a:t>
+            </a:r>
+          </a:p>
+          <a:p>
+            <a:pPr marL="830138" lvl="1" indent="-285750" fontAlgn="base">
+              <a:spcBef>
+                <a:spcPct val="50000"/>
+              </a:spcBef>
+              <a:spcAft>
+                <a:spcPct val="0"/>
+              </a:spcAft>
+              <a:buClr>
+                <a:srgbClr val="F0AB00"/>
+              </a:buClr>
+              <a:buSzPct val="80000"/>
+              <a:buFont typeface="Wingdings" panose="05000000000000000000" pitchFamily="2" charset="2"/>
+              <a:buChar char="n"/>
+            </a:pPr>
+            <a:r>
+              <a:rPr lang="en-US" altLang="zh-CN" sz="1800" kern="0" dirty="0">
+                <a:latin typeface="Arial" panose="020B0604020202020204" pitchFamily="34" charset="0"/>
+                <a:ea typeface="Arial Unicode MS" pitchFamily="34" charset="-128"/>
+              </a:rPr>
+              <a:t>The back-end storage system is </a:t>
+            </a:r>
+            <a:r>
+              <a:rPr lang="en-US" altLang="zh-CN" sz="1800" kern="0" dirty="0" err="1">
+                <a:latin typeface="Arial" panose="020B0604020202020204" pitchFamily="34" charset="0"/>
+                <a:ea typeface="Arial Unicode MS" pitchFamily="34" charset="-128"/>
+              </a:rPr>
+              <a:t>Hbase</a:t>
+            </a:r>
+            <a:r>
+              <a:rPr lang="en-US" altLang="zh-CN" sz="1800" kern="0" dirty="0">
+                <a:latin typeface="Arial" panose="020B0604020202020204" pitchFamily="34" charset="0"/>
+                <a:ea typeface="Arial Unicode MS" pitchFamily="34" charset="-128"/>
+              </a:rPr>
+              <a:t>, an open-source non-relational disk-oriented distributed database. It also supports Google Bigtable as its backend.</a:t>
+            </a:r>
+            <a:endParaRPr lang="en-US" altLang="zh-CN" sz="1800" b="1" kern="0" dirty="0">
+              <a:ea typeface="Arial Unicode MS" pitchFamily="34" charset="-128"/>
+              <a:cs typeface="Arial Unicode MS" pitchFamily="34" charset="-128"/>
+            </a:endParaRPr>
+          </a:p>
+        </p:txBody>
+      </p:sp>
     </p:spTree>
     <p:extLst>
       <p:ext uri="{BB962C8B-B14F-4D97-AF65-F5344CB8AC3E}">
-        <p14:creationId xmlns:p14="http://schemas.microsoft.com/office/powerpoint/2010/main" val="1693693568"/>
+        <p14:creationId xmlns:p14="http://schemas.microsoft.com/office/powerpoint/2010/main" val="4214433377"/>
       </p:ext>
     </p:extLst>
   </p:cSld>
@@ -11715,7 +13075,7 @@
       </p:grpSpPr>
       <p:sp>
         <p:nvSpPr>
-          <p:cNvPr id="24" name="Title"/>
+          <p:cNvPr id="4" name="Title"/>
           <p:cNvSpPr>
             <a:spLocks noGrp="1"/>
           </p:cNvSpPr>
@@ -11723,22 +13083,155 @@
             <p:ph type="title"/>
           </p:nvPr>
         </p:nvSpPr>
-        <p:spPr bwMode="gray"/>
+        <p:spPr bwMode="gray">
+          <a:xfrm>
+            <a:off x="504001" y="504000"/>
+            <a:ext cx="11186476" cy="646331"/>
+          </a:xfrm>
+        </p:spPr>
         <p:txBody>
           <a:bodyPr/>
           <a:lstStyle/>
           <a:p>
             <a:r>
-              <a:rPr lang="en-US" dirty="0"/>
-              <a:t>Insert page title (sentence case)</a:t>
-            </a:r>
+              <a:rPr lang="en-US" dirty="0" err="1"/>
+              <a:t>OpenTSDB</a:t>
+            </a:r>
+            <a:br>
+              <a:rPr lang="en-US" dirty="0"/>
+            </a:br>
+            <a:r>
+              <a:rPr lang="en-US" sz="1800" b="0" dirty="0"/>
+              <a:t>Techniques</a:t>
+            </a:r>
+            <a:endParaRPr lang="en-US" b="0" dirty="0"/>
+          </a:p>
+        </p:txBody>
+      </p:sp>
+      <p:sp>
+        <p:nvSpPr>
+          <p:cNvPr id="9" name="矩形 8">
+            <a:extLst>
+              <a:ext uri="{FF2B5EF4-FFF2-40B4-BE49-F238E27FC236}">
+                <a16:creationId xmlns:a16="http://schemas.microsoft.com/office/drawing/2014/main" id="{FD2B6A5B-9857-4D4D-BF92-F5B9BF2D0601}"/>
+              </a:ext>
+            </a:extLst>
+          </p:cNvPr>
+          <p:cNvSpPr/>
+          <p:nvPr/>
+        </p:nvSpPr>
+        <p:spPr>
+          <a:xfrm>
+            <a:off x="501650" y="1737175"/>
+            <a:ext cx="10808034" cy="2616101"/>
+          </a:xfrm>
+          <a:prstGeom prst="rect">
+            <a:avLst/>
+          </a:prstGeom>
+        </p:spPr>
+        <p:txBody>
+          <a:bodyPr wrap="square">
+            <a:spAutoFit/>
+          </a:bodyPr>
+          <a:lstStyle/>
+          <a:p>
+            <a:pPr marL="285750" indent="-285750" fontAlgn="base">
+              <a:spcBef>
+                <a:spcPct val="50000"/>
+              </a:spcBef>
+              <a:spcAft>
+                <a:spcPct val="0"/>
+              </a:spcAft>
+              <a:buClr>
+                <a:srgbClr val="F0AB00"/>
+              </a:buClr>
+              <a:buSzPct val="80000"/>
+              <a:buFont typeface="Wingdings" panose="05000000000000000000" pitchFamily="2" charset="2"/>
+              <a:buChar char="n"/>
+            </a:pPr>
+            <a:r>
+              <a:rPr lang="en-US" altLang="zh-CN" sz="2000" b="1" kern="0" dirty="0">
+                <a:ea typeface="Arial Unicode MS" pitchFamily="34" charset="-128"/>
+                <a:cs typeface="Arial Unicode MS" pitchFamily="34" charset="-128"/>
+              </a:rPr>
+              <a:t>System Architecture</a:t>
+            </a:r>
+          </a:p>
+          <a:p>
+            <a:pPr marL="830138" lvl="1" indent="-285750" fontAlgn="base">
+              <a:spcBef>
+                <a:spcPct val="50000"/>
+              </a:spcBef>
+              <a:spcAft>
+                <a:spcPct val="0"/>
+              </a:spcAft>
+              <a:buClr>
+                <a:srgbClr val="F0AB00"/>
+              </a:buClr>
+              <a:buSzPct val="80000"/>
+              <a:buFont typeface="Wingdings" panose="05000000000000000000" pitchFamily="2" charset="2"/>
+              <a:buChar char="n"/>
+            </a:pPr>
+            <a:r>
+              <a:rPr lang="en-US" altLang="zh-CN" sz="1800" dirty="0" err="1"/>
+              <a:t>OpenTSDB</a:t>
+            </a:r>
+            <a:r>
+              <a:rPr lang="en-US" altLang="zh-CN" sz="1800" dirty="0"/>
+              <a:t> consists of three components: </a:t>
+            </a:r>
+            <a:r>
+              <a:rPr lang="en-US" altLang="zh-CN" sz="1800" dirty="0" err="1"/>
+              <a:t>tCollector</a:t>
+            </a:r>
+            <a:r>
+              <a:rPr lang="en-US" altLang="zh-CN" sz="1800" dirty="0"/>
+              <a:t>, Time Series Daemon (TSD), and HBase. One instance of </a:t>
+            </a:r>
+            <a:r>
+              <a:rPr lang="en-US" altLang="zh-CN" sz="1800" dirty="0" err="1"/>
+              <a:t>tCollector</a:t>
+            </a:r>
+            <a:r>
+              <a:rPr lang="en-US" altLang="zh-CN" sz="1800" dirty="0"/>
+              <a:t> is deployed on each server. It is responsible to periodically pull metrics data from processes running on the server and the operating system. TSDs receive data from the </a:t>
+            </a:r>
+            <a:r>
+              <a:rPr lang="en-US" altLang="zh-CN" sz="1800" dirty="0" err="1"/>
+              <a:t>tCollectors</a:t>
+            </a:r>
+            <a:r>
+              <a:rPr lang="en-US" altLang="zh-CN" sz="1800" dirty="0"/>
+              <a:t> and push data to the HBase backend storage system. Upon receiving queries, TSD scans HBase and retrieves relevant data.</a:t>
+            </a:r>
+          </a:p>
+          <a:p>
+            <a:pPr marL="830138" lvl="1" indent="-285750" fontAlgn="base">
+              <a:spcBef>
+                <a:spcPct val="50000"/>
+              </a:spcBef>
+              <a:spcAft>
+                <a:spcPct val="0"/>
+              </a:spcAft>
+              <a:buClr>
+                <a:srgbClr val="F0AB00"/>
+              </a:buClr>
+              <a:buSzPct val="80000"/>
+              <a:buFont typeface="Wingdings" panose="05000000000000000000" pitchFamily="2" charset="2"/>
+              <a:buChar char="n"/>
+            </a:pPr>
+            <a:r>
+              <a:rPr lang="en-US" altLang="zh-CN" sz="1800" dirty="0"/>
+              <a:t>All communications are done via TSD RPC and Hadoop RPC, therefore all components are stateless. There can be as many TSDs as needed to handle the workload as the system scales.</a:t>
+            </a:r>
+            <a:endParaRPr lang="zh-CN" altLang="en-US" sz="1800" dirty="0"/>
           </a:p>
         </p:txBody>
       </p:sp>
     </p:spTree>
     <p:extLst>
       <p:ext uri="{BB962C8B-B14F-4D97-AF65-F5344CB8AC3E}">
-        <p14:creationId xmlns:p14="http://schemas.microsoft.com/office/powerpoint/2010/main" val="3602749482"/>
+        <p14:creationId xmlns:p14="http://schemas.microsoft.com/office/powerpoint/2010/main" val="1677716399"/>
       </p:ext>
     </p:extLst>
   </p:cSld>

--- a/NoSQL/The_Survey_On_OpenTSDB.pptx
+++ b/NoSQL/The_Survey_On_OpenTSDB.pptx
@@ -6,41 +6,43 @@
     <p:sldMasterId id="2147483782" r:id="rId5"/>
   </p:sldMasterIdLst>
   <p:notesMasterIdLst>
-    <p:notesMasterId r:id="rId35"/>
+    <p:notesMasterId r:id="rId37"/>
   </p:notesMasterIdLst>
   <p:handoutMasterIdLst>
-    <p:handoutMasterId r:id="rId36"/>
+    <p:handoutMasterId r:id="rId38"/>
   </p:handoutMasterIdLst>
   <p:sldIdLst>
     <p:sldId id="439" r:id="rId6"/>
     <p:sldId id="344" r:id="rId7"/>
     <p:sldId id="475" r:id="rId8"/>
-    <p:sldId id="476" r:id="rId9"/>
-    <p:sldId id="471" r:id="rId10"/>
-    <p:sldId id="472" r:id="rId11"/>
-    <p:sldId id="478" r:id="rId12"/>
-    <p:sldId id="477" r:id="rId13"/>
-    <p:sldId id="479" r:id="rId14"/>
-    <p:sldId id="416" r:id="rId15"/>
-    <p:sldId id="430" r:id="rId16"/>
-    <p:sldId id="429" r:id="rId17"/>
-    <p:sldId id="364" r:id="rId18"/>
-    <p:sldId id="448" r:id="rId19"/>
-    <p:sldId id="382" r:id="rId20"/>
-    <p:sldId id="441" r:id="rId21"/>
-    <p:sldId id="449" r:id="rId22"/>
-    <p:sldId id="374" r:id="rId23"/>
-    <p:sldId id="445" r:id="rId24"/>
-    <p:sldId id="380" r:id="rId25"/>
-    <p:sldId id="379" r:id="rId26"/>
-    <p:sldId id="423" r:id="rId27"/>
-    <p:sldId id="387" r:id="rId28"/>
-    <p:sldId id="390" r:id="rId29"/>
-    <p:sldId id="420" r:id="rId30"/>
-    <p:sldId id="421" r:id="rId31"/>
-    <p:sldId id="413" r:id="rId32"/>
-    <p:sldId id="265" r:id="rId33"/>
-    <p:sldId id="435" r:id="rId34"/>
+    <p:sldId id="471" r:id="rId9"/>
+    <p:sldId id="472" r:id="rId10"/>
+    <p:sldId id="478" r:id="rId11"/>
+    <p:sldId id="477" r:id="rId12"/>
+    <p:sldId id="479" r:id="rId13"/>
+    <p:sldId id="481" r:id="rId14"/>
+    <p:sldId id="430" r:id="rId15"/>
+    <p:sldId id="482" r:id="rId16"/>
+    <p:sldId id="483" r:id="rId17"/>
+    <p:sldId id="480" r:id="rId18"/>
+    <p:sldId id="429" r:id="rId19"/>
+    <p:sldId id="364" r:id="rId20"/>
+    <p:sldId id="448" r:id="rId21"/>
+    <p:sldId id="382" r:id="rId22"/>
+    <p:sldId id="441" r:id="rId23"/>
+    <p:sldId id="449" r:id="rId24"/>
+    <p:sldId id="374" r:id="rId25"/>
+    <p:sldId id="445" r:id="rId26"/>
+    <p:sldId id="380" r:id="rId27"/>
+    <p:sldId id="379" r:id="rId28"/>
+    <p:sldId id="423" r:id="rId29"/>
+    <p:sldId id="387" r:id="rId30"/>
+    <p:sldId id="390" r:id="rId31"/>
+    <p:sldId id="420" r:id="rId32"/>
+    <p:sldId id="421" r:id="rId33"/>
+    <p:sldId id="413" r:id="rId34"/>
+    <p:sldId id="265" r:id="rId35"/>
+    <p:sldId id="435" r:id="rId36"/>
   </p:sldIdLst>
   <p:sldSz cx="12195175" cy="6858000"/>
   <p:notesSz cx="6858000" cy="9144000"/>
@@ -720,37 +722,6 @@
       </p:grpSpPr>
       <p:sp>
         <p:nvSpPr>
-          <p:cNvPr id="2" name="Slide Image Placeholder 1"/>
-          <p:cNvSpPr>
-            <a:spLocks noGrp="1" noRot="1" noChangeAspect="1"/>
-          </p:cNvSpPr>
-          <p:nvPr>
-            <p:ph type="sldImg"/>
-          </p:nvPr>
-        </p:nvSpPr>
-        <p:spPr/>
-      </p:sp>
-      <p:sp>
-        <p:nvSpPr>
-          <p:cNvPr id="3" name="Notes Placeholder 2"/>
-          <p:cNvSpPr>
-            <a:spLocks noGrp="1"/>
-          </p:cNvSpPr>
-          <p:nvPr>
-            <p:ph type="body" idx="1"/>
-          </p:nvPr>
-        </p:nvSpPr>
-        <p:spPr/>
-        <p:txBody>
-          <a:bodyPr/>
-          <a:lstStyle/>
-          <a:p>
-            <a:endParaRPr lang="en-US" sz="900" dirty="0"/>
-          </a:p>
-        </p:txBody>
-      </p:sp>
-      <p:sp>
-        <p:nvSpPr>
           <p:cNvPr id="4" name="Slide Number Placeholder 3"/>
           <p:cNvSpPr>
             <a:spLocks noGrp="1"/>
@@ -767,61 +738,7 @@
             <a:fld id="{7D8C2C35-2B8A-446E-BEC0-FD36716C29AC}" type="slidenum">
               <a:rPr lang="de-DE" smtClean="0"/>
               <a:pPr/>
-              <a:t>10</a:t>
-            </a:fld>
-            <a:endParaRPr lang="de-DE" dirty="0"/>
-          </a:p>
-        </p:txBody>
-      </p:sp>
-    </p:spTree>
-    <p:extLst>
-      <p:ext uri="{BB962C8B-B14F-4D97-AF65-F5344CB8AC3E}">
-        <p14:creationId xmlns:p14="http://schemas.microsoft.com/office/powerpoint/2010/main" val="1278075918"/>
-      </p:ext>
-    </p:extLst>
-  </p:cSld>
-  <p:clrMapOvr>
-    <a:masterClrMapping/>
-  </p:clrMapOvr>
-</p:notes>
-</file>
-
-<file path=ppt/notesSlides/notesSlide4.xml><?xml version="1.0" encoding="utf-8"?>
-<p:notes xmlns:a="http://schemas.openxmlformats.org/drawingml/2006/main" xmlns:r="http://schemas.openxmlformats.org/officeDocument/2006/relationships" xmlns:p="http://schemas.openxmlformats.org/presentationml/2006/main">
-  <p:cSld>
-    <p:spTree>
-      <p:nvGrpSpPr>
-        <p:cNvPr id="1" name=""/>
-        <p:cNvGrpSpPr/>
-        <p:nvPr/>
-      </p:nvGrpSpPr>
-      <p:grpSpPr>
-        <a:xfrm>
-          <a:off x="0" y="0"/>
-          <a:ext cx="0" cy="0"/>
-          <a:chOff x="0" y="0"/>
-          <a:chExt cx="0" cy="0"/>
-        </a:xfrm>
-      </p:grpSpPr>
-      <p:sp>
-        <p:nvSpPr>
-          <p:cNvPr id="4" name="Slide Number Placeholder 3"/>
-          <p:cNvSpPr>
-            <a:spLocks noGrp="1"/>
-          </p:cNvSpPr>
-          <p:nvPr>
-            <p:ph type="sldNum" sz="quarter" idx="10"/>
-          </p:nvPr>
-        </p:nvSpPr>
-        <p:spPr/>
-        <p:txBody>
-          <a:bodyPr/>
-          <a:lstStyle/>
-          <a:p>
-            <a:fld id="{7D8C2C35-2B8A-446E-BEC0-FD36716C29AC}" type="slidenum">
-              <a:rPr lang="de-DE" smtClean="0"/>
-              <a:pPr/>
-              <a:t>28</a:t>
+              <a:t>30</a:t>
             </a:fld>
             <a:endParaRPr lang="de-DE" dirty="0"/>
           </a:p>
@@ -8813,66 +8730,6 @@
       </p:grpSpPr>
       <p:sp>
         <p:nvSpPr>
-          <p:cNvPr id="2" name="Divider"/>
-          <p:cNvSpPr>
-            <a:spLocks noGrp="1"/>
-          </p:cNvSpPr>
-          <p:nvPr>
-            <p:ph type="ctrTitle"/>
-          </p:nvPr>
-        </p:nvSpPr>
-        <p:spPr bwMode="gray"/>
-        <p:txBody>
-          <a:bodyPr/>
-          <a:lstStyle/>
-          <a:p>
-            <a:r>
-              <a:rPr lang="en-US" dirty="0"/>
-              <a:t>Divider </a:t>
-            </a:r>
-            <a:r>
-              <a:rPr lang="en-US" dirty="0">
-                <a:solidFill>
-                  <a:schemeClr val="accent1"/>
-                </a:solidFill>
-              </a:rPr>
-              <a:t>page</a:t>
-            </a:r>
-          </a:p>
-        </p:txBody>
-      </p:sp>
-    </p:spTree>
-    <p:extLst>
-      <p:ext uri="{BB962C8B-B14F-4D97-AF65-F5344CB8AC3E}">
-        <p14:creationId xmlns:p14="http://schemas.microsoft.com/office/powerpoint/2010/main" val="799205039"/>
-      </p:ext>
-    </p:extLst>
-  </p:cSld>
-  <p:clrMapOvr>
-    <a:masterClrMapping/>
-  </p:clrMapOvr>
-</p:sld>
-</file>
-
-<file path=ppt/slides/slide11.xml><?xml version="1.0" encoding="utf-8"?>
-<p:sld xmlns:a="http://schemas.openxmlformats.org/drawingml/2006/main" xmlns:r="http://schemas.openxmlformats.org/officeDocument/2006/relationships" xmlns:p="http://schemas.openxmlformats.org/presentationml/2006/main">
-  <p:cSld>
-    <p:spTree>
-      <p:nvGrpSpPr>
-        <p:cNvPr id="1" name=""/>
-        <p:cNvGrpSpPr/>
-        <p:nvPr/>
-      </p:nvGrpSpPr>
-      <p:grpSpPr>
-        <a:xfrm>
-          <a:off x="0" y="0"/>
-          <a:ext cx="0" cy="0"/>
-          <a:chOff x="0" y="0"/>
-          <a:chExt cx="0" cy="0"/>
-        </a:xfrm>
-      </p:grpSpPr>
-      <p:sp>
-        <p:nvSpPr>
           <p:cNvPr id="3" name="Divider"/>
           <p:cNvSpPr>
             <a:spLocks noGrp="1"/>
@@ -8887,8 +8744,12 @@
           <a:lstStyle/>
           <a:p>
             <a:r>
-              <a:rPr lang="en-US" dirty="0"/>
-              <a:t>Divider </a:t>
+              <a:rPr lang="en-US" dirty="0" err="1"/>
+              <a:t>OpenTSDB</a:t>
+            </a:r>
+            <a:r>
+              <a:rPr lang="en-US" dirty="0"/>
+              <a:t> </a:t>
             </a:r>
             <a:r>
               <a:rPr lang="en-US" dirty="0">
@@ -8896,7 +8757,7 @@
                   <a:schemeClr val="accent1"/>
                 </a:solidFill>
               </a:rPr>
-              <a:t>page</a:t>
+              <a:t>Use Cases</a:t>
             </a:r>
             <a:endParaRPr lang="en-US" dirty="0"/>
           </a:p>
@@ -8934,7 +8795,191 @@
 </p:sld>
 </file>
 
+<file path=ppt/slides/slide11.xml><?xml version="1.0" encoding="utf-8"?>
+<p:sld xmlns:a="http://schemas.openxmlformats.org/drawingml/2006/main" xmlns:r="http://schemas.openxmlformats.org/officeDocument/2006/relationships" xmlns:p="http://schemas.openxmlformats.org/presentationml/2006/main">
+  <p:cSld>
+    <p:spTree>
+      <p:nvGrpSpPr>
+        <p:cNvPr id="1" name=""/>
+        <p:cNvGrpSpPr/>
+        <p:nvPr/>
+      </p:nvGrpSpPr>
+      <p:grpSpPr>
+        <a:xfrm>
+          <a:off x="0" y="0"/>
+          <a:ext cx="0" cy="0"/>
+          <a:chOff x="0" y="0"/>
+          <a:chExt cx="0" cy="0"/>
+        </a:xfrm>
+      </p:grpSpPr>
+      <p:sp>
+        <p:nvSpPr>
+          <p:cNvPr id="24" name="Title"/>
+          <p:cNvSpPr>
+            <a:spLocks noGrp="1"/>
+          </p:cNvSpPr>
+          <p:nvPr>
+            <p:ph type="title"/>
+          </p:nvPr>
+        </p:nvSpPr>
+        <p:spPr bwMode="gray"/>
+        <p:txBody>
+          <a:bodyPr/>
+          <a:lstStyle/>
+          <a:p>
+            <a:r>
+              <a:rPr lang="en-US" dirty="0"/>
+              <a:t>Insert page title (sentence case)</a:t>
+            </a:r>
+          </a:p>
+        </p:txBody>
+      </p:sp>
+    </p:spTree>
+    <p:extLst>
+      <p:ext uri="{BB962C8B-B14F-4D97-AF65-F5344CB8AC3E}">
+        <p14:creationId xmlns:p14="http://schemas.microsoft.com/office/powerpoint/2010/main" val="4006910305"/>
+      </p:ext>
+    </p:extLst>
+  </p:cSld>
+  <p:clrMapOvr>
+    <a:masterClrMapping/>
+  </p:clrMapOvr>
+</p:sld>
+</file>
+
 <file path=ppt/slides/slide12.xml><?xml version="1.0" encoding="utf-8"?>
+<p:sld xmlns:a="http://schemas.openxmlformats.org/drawingml/2006/main" xmlns:r="http://schemas.openxmlformats.org/officeDocument/2006/relationships" xmlns:p="http://schemas.openxmlformats.org/presentationml/2006/main">
+  <p:cSld>
+    <p:spTree>
+      <p:nvGrpSpPr>
+        <p:cNvPr id="1" name=""/>
+        <p:cNvGrpSpPr/>
+        <p:nvPr/>
+      </p:nvGrpSpPr>
+      <p:grpSpPr>
+        <a:xfrm>
+          <a:off x="0" y="0"/>
+          <a:ext cx="0" cy="0"/>
+          <a:chOff x="0" y="0"/>
+          <a:chExt cx="0" cy="0"/>
+        </a:xfrm>
+      </p:grpSpPr>
+      <p:sp>
+        <p:nvSpPr>
+          <p:cNvPr id="24" name="Title"/>
+          <p:cNvSpPr>
+            <a:spLocks noGrp="1"/>
+          </p:cNvSpPr>
+          <p:nvPr>
+            <p:ph type="title"/>
+          </p:nvPr>
+        </p:nvSpPr>
+        <p:spPr bwMode="gray"/>
+        <p:txBody>
+          <a:bodyPr/>
+          <a:lstStyle/>
+          <a:p>
+            <a:r>
+              <a:rPr lang="en-US" dirty="0"/>
+              <a:t>Insert page title (sentence case)</a:t>
+            </a:r>
+          </a:p>
+        </p:txBody>
+      </p:sp>
+    </p:spTree>
+    <p:extLst>
+      <p:ext uri="{BB962C8B-B14F-4D97-AF65-F5344CB8AC3E}">
+        <p14:creationId xmlns:p14="http://schemas.microsoft.com/office/powerpoint/2010/main" val="1103553888"/>
+      </p:ext>
+    </p:extLst>
+  </p:cSld>
+  <p:clrMapOvr>
+    <a:masterClrMapping/>
+  </p:clrMapOvr>
+</p:sld>
+</file>
+
+<file path=ppt/slides/slide13.xml><?xml version="1.0" encoding="utf-8"?>
+<p:sld xmlns:a="http://schemas.openxmlformats.org/drawingml/2006/main" xmlns:r="http://schemas.openxmlformats.org/officeDocument/2006/relationships" xmlns:p="http://schemas.openxmlformats.org/presentationml/2006/main">
+  <p:cSld>
+    <p:spTree>
+      <p:nvGrpSpPr>
+        <p:cNvPr id="1" name=""/>
+        <p:cNvGrpSpPr/>
+        <p:nvPr/>
+      </p:nvGrpSpPr>
+      <p:grpSpPr>
+        <a:xfrm>
+          <a:off x="0" y="0"/>
+          <a:ext cx="0" cy="0"/>
+          <a:chOff x="0" y="0"/>
+          <a:chExt cx="0" cy="0"/>
+        </a:xfrm>
+      </p:grpSpPr>
+      <p:sp>
+        <p:nvSpPr>
+          <p:cNvPr id="3" name="Divider"/>
+          <p:cNvSpPr>
+            <a:spLocks noGrp="1"/>
+          </p:cNvSpPr>
+          <p:nvPr>
+            <p:ph type="ctrTitle"/>
+          </p:nvPr>
+        </p:nvSpPr>
+        <p:spPr bwMode="gray"/>
+        <p:txBody>
+          <a:bodyPr/>
+          <a:lstStyle/>
+          <a:p>
+            <a:r>
+              <a:rPr lang="en-US" dirty="0"/>
+              <a:t>Divider </a:t>
+            </a:r>
+            <a:r>
+              <a:rPr lang="en-US" dirty="0">
+                <a:solidFill>
+                  <a:schemeClr val="accent1"/>
+                </a:solidFill>
+              </a:rPr>
+              <a:t>page</a:t>
+            </a:r>
+            <a:endParaRPr lang="en-US" dirty="0"/>
+          </a:p>
+        </p:txBody>
+      </p:sp>
+      <p:pic>
+        <p:nvPicPr>
+          <p:cNvPr id="6" name="Illustration" descr="Example of an illustration " title="Illustration for divider page"/>
+          <p:cNvPicPr>
+            <a:picLocks noGrp="1" noChangeAspect="1"/>
+          </p:cNvPicPr>
+          <p:nvPr>
+            <p:ph type="pic" sz="quarter" idx="12"/>
+          </p:nvPr>
+        </p:nvPicPr>
+        <p:blipFill>
+          <a:blip r:embed="rId2"/>
+          <a:srcRect t="3112" b="3112"/>
+          <a:stretch>
+            <a:fillRect/>
+          </a:stretch>
+        </p:blipFill>
+        <p:spPr bwMode="gray"/>
+      </p:pic>
+    </p:spTree>
+    <p:extLst>
+      <p:ext uri="{BB962C8B-B14F-4D97-AF65-F5344CB8AC3E}">
+        <p14:creationId xmlns:p14="http://schemas.microsoft.com/office/powerpoint/2010/main" val="3489755398"/>
+      </p:ext>
+    </p:extLst>
+  </p:cSld>
+  <p:clrMapOvr>
+    <a:masterClrMapping/>
+  </p:clrMapOvr>
+</p:sld>
+</file>
+
+<file path=ppt/slides/slide14.xml><?xml version="1.0" encoding="utf-8"?>
 <p:sld xmlns:a="http://schemas.openxmlformats.org/drawingml/2006/main" xmlns:r="http://schemas.openxmlformats.org/officeDocument/2006/relationships" xmlns:p="http://schemas.openxmlformats.org/presentationml/2006/main">
   <p:cSld>
     <p:spTree>
@@ -9028,7 +9073,7 @@
 </p:sld>
 </file>
 
-<file path=ppt/slides/slide13.xml><?xml version="1.0" encoding="utf-8"?>
+<file path=ppt/slides/slide15.xml><?xml version="1.0" encoding="utf-8"?>
 <p:sld xmlns:a="http://schemas.openxmlformats.org/drawingml/2006/main" xmlns:r="http://schemas.openxmlformats.org/officeDocument/2006/relationships" xmlns:p="http://schemas.openxmlformats.org/presentationml/2006/main">
   <p:cSld>
     <p:spTree>
@@ -9080,7 +9125,7 @@
 </p:sld>
 </file>
 
-<file path=ppt/slides/slide14.xml><?xml version="1.0" encoding="utf-8"?>
+<file path=ppt/slides/slide16.xml><?xml version="1.0" encoding="utf-8"?>
 <p:sld xmlns:a="http://schemas.openxmlformats.org/drawingml/2006/main" xmlns:r="http://schemas.openxmlformats.org/officeDocument/2006/relationships" xmlns:p="http://schemas.openxmlformats.org/presentationml/2006/main">
   <p:cSld>
     <p:spTree>
@@ -9132,7 +9177,7 @@
 </p:sld>
 </file>
 
-<file path=ppt/slides/slide15.xml><?xml version="1.0" encoding="utf-8"?>
+<file path=ppt/slides/slide17.xml><?xml version="1.0" encoding="utf-8"?>
 <p:sld xmlns:a="http://schemas.openxmlformats.org/drawingml/2006/main" xmlns:r="http://schemas.openxmlformats.org/officeDocument/2006/relationships" xmlns:p="http://schemas.openxmlformats.org/presentationml/2006/main">
   <p:cSld>
     <p:spTree>
@@ -9600,209 +9645,6 @@
 </p:sld>
 </file>
 
-<file path=ppt/slides/slide16.xml><?xml version="1.0" encoding="utf-8"?>
-<p:sld xmlns:a="http://schemas.openxmlformats.org/drawingml/2006/main" xmlns:r="http://schemas.openxmlformats.org/officeDocument/2006/relationships" xmlns:p="http://schemas.openxmlformats.org/presentationml/2006/main">
-  <p:cSld>
-    <p:spTree>
-      <p:nvGrpSpPr>
-        <p:cNvPr id="1" name=""/>
-        <p:cNvGrpSpPr/>
-        <p:nvPr/>
-      </p:nvGrpSpPr>
-      <p:grpSpPr>
-        <a:xfrm>
-          <a:off x="0" y="0"/>
-          <a:ext cx="0" cy="0"/>
-          <a:chOff x="0" y="0"/>
-          <a:chExt cx="0" cy="0"/>
-        </a:xfrm>
-      </p:grpSpPr>
-      <p:sp>
-        <p:nvSpPr>
-          <p:cNvPr id="2" name="Text Placeholder">
-            <a:extLst>
-              <a:ext uri="{FF2B5EF4-FFF2-40B4-BE49-F238E27FC236}">
-                <a16:creationId xmlns:a16="http://schemas.microsoft.com/office/drawing/2014/main" id="{FD8B0406-B42D-4E48-A077-1006CEECE8B8}"/>
-              </a:ext>
-            </a:extLst>
-          </p:cNvPr>
-          <p:cNvSpPr>
-            <a:spLocks noGrp="1"/>
-          </p:cNvSpPr>
-          <p:nvPr>
-            <p:ph type="body" sz="quarter" idx="10"/>
-          </p:nvPr>
-        </p:nvSpPr>
-        <p:spPr/>
-        <p:txBody>
-          <a:bodyPr/>
-          <a:lstStyle/>
-          <a:p>
-            <a:pPr lvl="0"/>
-            <a:r>
-              <a:rPr lang="en-US" dirty="0"/>
-              <a:t>First level</a:t>
-            </a:r>
-          </a:p>
-          <a:p>
-            <a:pPr lvl="1"/>
-            <a:r>
-              <a:rPr lang="en-US" dirty="0"/>
-              <a:t>Second level</a:t>
-            </a:r>
-          </a:p>
-          <a:p>
-            <a:pPr lvl="2"/>
-            <a:r>
-              <a:rPr lang="en-US" dirty="0"/>
-              <a:t>Third level</a:t>
-            </a:r>
-          </a:p>
-        </p:txBody>
-      </p:sp>
-      <p:sp>
-        <p:nvSpPr>
-          <p:cNvPr id="3" name="Title">
-            <a:extLst>
-              <a:ext uri="{FF2B5EF4-FFF2-40B4-BE49-F238E27FC236}">
-                <a16:creationId xmlns:a16="http://schemas.microsoft.com/office/drawing/2014/main" id="{D36C6BFD-B684-44BB-8F4D-37456D097F1B}"/>
-              </a:ext>
-            </a:extLst>
-          </p:cNvPr>
-          <p:cNvSpPr>
-            <a:spLocks noGrp="1"/>
-          </p:cNvSpPr>
-          <p:nvPr>
-            <p:ph type="title"/>
-          </p:nvPr>
-        </p:nvSpPr>
-        <p:spPr/>
-        <p:txBody>
-          <a:bodyPr/>
-          <a:lstStyle/>
-          <a:p>
-            <a:r>
-              <a:rPr lang="en-US" dirty="0"/>
-              <a:t>Insert page title (sentence case)</a:t>
-            </a:r>
-          </a:p>
-        </p:txBody>
-      </p:sp>
-    </p:spTree>
-    <p:extLst>
-      <p:ext uri="{BB962C8B-B14F-4D97-AF65-F5344CB8AC3E}">
-        <p14:creationId xmlns:p14="http://schemas.microsoft.com/office/powerpoint/2010/main" val="4007524871"/>
-      </p:ext>
-    </p:extLst>
-  </p:cSld>
-  <p:clrMapOvr>
-    <a:masterClrMapping/>
-  </p:clrMapOvr>
-</p:sld>
-</file>
-
-<file path=ppt/slides/slide17.xml><?xml version="1.0" encoding="utf-8"?>
-<p:sld xmlns:a="http://schemas.openxmlformats.org/drawingml/2006/main" xmlns:r="http://schemas.openxmlformats.org/officeDocument/2006/relationships" xmlns:p="http://schemas.openxmlformats.org/presentationml/2006/main">
-  <p:cSld>
-    <p:spTree>
-      <p:nvGrpSpPr>
-        <p:cNvPr id="1" name=""/>
-        <p:cNvGrpSpPr/>
-        <p:nvPr/>
-      </p:nvGrpSpPr>
-      <p:grpSpPr>
-        <a:xfrm>
-          <a:off x="0" y="0"/>
-          <a:ext cx="0" cy="0"/>
-          <a:chOff x="0" y="0"/>
-          <a:chExt cx="0" cy="0"/>
-        </a:xfrm>
-      </p:grpSpPr>
-      <p:sp>
-        <p:nvSpPr>
-          <p:cNvPr id="11" name="Text Placeholder"/>
-          <p:cNvSpPr>
-            <a:spLocks noGrp="1"/>
-          </p:cNvSpPr>
-          <p:nvPr>
-            <p:ph type="body" sz="quarter" idx="10"/>
-          </p:nvPr>
-        </p:nvSpPr>
-        <p:spPr bwMode="gray"/>
-        <p:txBody>
-          <a:bodyPr/>
-          <a:lstStyle/>
-          <a:p>
-            <a:pPr lvl="0"/>
-            <a:r>
-              <a:rPr lang="en-US" dirty="0"/>
-              <a:t>First level</a:t>
-            </a:r>
-          </a:p>
-          <a:p>
-            <a:pPr lvl="1"/>
-            <a:r>
-              <a:rPr lang="en-US" dirty="0"/>
-              <a:t>Second level</a:t>
-            </a:r>
-          </a:p>
-          <a:p>
-            <a:pPr lvl="2"/>
-            <a:r>
-              <a:rPr lang="en-US" dirty="0"/>
-              <a:t>Third level</a:t>
-            </a:r>
-          </a:p>
-        </p:txBody>
-      </p:sp>
-      <p:sp>
-        <p:nvSpPr>
-          <p:cNvPr id="4" name="Title"/>
-          <p:cNvSpPr>
-            <a:spLocks noGrp="1"/>
-          </p:cNvSpPr>
-          <p:nvPr>
-            <p:ph type="title"/>
-          </p:nvPr>
-        </p:nvSpPr>
-        <p:spPr bwMode="gray">
-          <a:xfrm>
-            <a:off x="504001" y="504000"/>
-            <a:ext cx="11186476" cy="646331"/>
-          </a:xfrm>
-        </p:spPr>
-        <p:txBody>
-          <a:bodyPr/>
-          <a:lstStyle/>
-          <a:p>
-            <a:r>
-              <a:rPr lang="en-US" dirty="0"/>
-              <a:t>Insert page title (sentence case)</a:t>
-            </a:r>
-            <a:br>
-              <a:rPr lang="en-US" dirty="0"/>
-            </a:br>
-            <a:r>
-              <a:rPr lang="en-US" sz="1800" b="0" dirty="0" err="1"/>
-              <a:t>Subheadline</a:t>
-            </a:r>
-            <a:endParaRPr lang="en-US" b="0" dirty="0"/>
-          </a:p>
-        </p:txBody>
-      </p:sp>
-    </p:spTree>
-    <p:extLst>
-      <p:ext uri="{BB962C8B-B14F-4D97-AF65-F5344CB8AC3E}">
-        <p14:creationId xmlns:p14="http://schemas.microsoft.com/office/powerpoint/2010/main" val="1196408533"/>
-      </p:ext>
-    </p:extLst>
-  </p:cSld>
-  <p:clrMapOvr>
-    <a:masterClrMapping/>
-  </p:clrMapOvr>
-</p:sld>
-</file>
-
 <file path=ppt/slides/slide18.xml><?xml version="1.0" encoding="utf-8"?>
 <p:sld xmlns:a="http://schemas.openxmlformats.org/drawingml/2006/main" xmlns:r="http://schemas.openxmlformats.org/officeDocument/2006/relationships" xmlns:p="http://schemas.openxmlformats.org/presentationml/2006/main">
   <p:cSld>
@@ -9822,7 +9664,13 @@
       </p:grpSpPr>
       <p:sp>
         <p:nvSpPr>
-          <p:cNvPr id="11" name="Quote placeholder"/>
+          <p:cNvPr id="2" name="Text Placeholder">
+            <a:extLst>
+              <a:ext uri="{FF2B5EF4-FFF2-40B4-BE49-F238E27FC236}">
+                <a16:creationId xmlns:a16="http://schemas.microsoft.com/office/drawing/2014/main" id="{FD8B0406-B42D-4E48-A077-1006CEECE8B8}"/>
+              </a:ext>
+            </a:extLst>
+          </p:cNvPr>
           <p:cNvSpPr>
             <a:spLocks noGrp="1"/>
           </p:cNvSpPr>
@@ -9830,7 +9678,7 @@
             <p:ph type="body" sz="quarter" idx="10"/>
           </p:nvPr>
         </p:nvSpPr>
-        <p:spPr bwMode="gray"/>
+        <p:spPr/>
         <p:txBody>
           <a:bodyPr/>
           <a:lstStyle/>
@@ -9838,26 +9686,49 @@
             <a:pPr lvl="0"/>
             <a:r>
               <a:rPr lang="en-US" dirty="0"/>
-              <a:t>“Quote goes here and here </a:t>
-            </a:r>
-            <a:r>
-              <a:rPr lang="en-US" dirty="0">
-                <a:solidFill>
-                  <a:schemeClr val="accent1"/>
-                </a:solidFill>
-              </a:rPr>
-              <a:t>and here</a:t>
-            </a:r>
-            <a:r>
-              <a:rPr lang="en-US" dirty="0"/>
-              <a:t>.”</a:t>
+              <a:t>First level</a:t>
             </a:r>
           </a:p>
           <a:p>
             <a:pPr lvl="1"/>
             <a:r>
               <a:rPr lang="en-US" dirty="0"/>
-              <a:t>Source</a:t>
+              <a:t>Second level</a:t>
+            </a:r>
+          </a:p>
+          <a:p>
+            <a:pPr lvl="2"/>
+            <a:r>
+              <a:rPr lang="en-US" dirty="0"/>
+              <a:t>Third level</a:t>
+            </a:r>
+          </a:p>
+        </p:txBody>
+      </p:sp>
+      <p:sp>
+        <p:nvSpPr>
+          <p:cNvPr id="3" name="Title">
+            <a:extLst>
+              <a:ext uri="{FF2B5EF4-FFF2-40B4-BE49-F238E27FC236}">
+                <a16:creationId xmlns:a16="http://schemas.microsoft.com/office/drawing/2014/main" id="{D36C6BFD-B684-44BB-8F4D-37456D097F1B}"/>
+              </a:ext>
+            </a:extLst>
+          </p:cNvPr>
+          <p:cNvSpPr>
+            <a:spLocks noGrp="1"/>
+          </p:cNvSpPr>
+          <p:nvPr>
+            <p:ph type="title"/>
+          </p:nvPr>
+        </p:nvSpPr>
+        <p:spPr/>
+        <p:txBody>
+          <a:bodyPr/>
+          <a:lstStyle/>
+          <a:p>
+            <a:r>
+              <a:rPr lang="en-US" dirty="0"/>
+              <a:t>Insert page title (sentence case)</a:t>
             </a:r>
           </a:p>
         </p:txBody>
@@ -9865,7 +9736,7 @@
     </p:spTree>
     <p:extLst>
       <p:ext uri="{BB962C8B-B14F-4D97-AF65-F5344CB8AC3E}">
-        <p14:creationId xmlns:p14="http://schemas.microsoft.com/office/powerpoint/2010/main" val="3295641251"/>
+        <p14:creationId xmlns:p14="http://schemas.microsoft.com/office/powerpoint/2010/main" val="4007524871"/>
       </p:ext>
     </p:extLst>
   </p:cSld>
@@ -9894,7 +9765,7 @@
       </p:grpSpPr>
       <p:sp>
         <p:nvSpPr>
-          <p:cNvPr id="11" name="Quote placeholder"/>
+          <p:cNvPr id="11" name="Text Placeholder"/>
           <p:cNvSpPr>
             <a:spLocks noGrp="1"/>
           </p:cNvSpPr>
@@ -9910,34 +9781,64 @@
             <a:pPr lvl="0"/>
             <a:r>
               <a:rPr lang="en-US" dirty="0"/>
-              <a:t>“Quote goes here and here </a:t>
-            </a:r>
-            <a:r>
-              <a:rPr lang="en-US" dirty="0">
-                <a:solidFill>
-                  <a:schemeClr val="accent1"/>
-                </a:solidFill>
-              </a:rPr>
-              <a:t>and here</a:t>
-            </a:r>
-            <a:r>
-              <a:rPr lang="en-US" dirty="0"/>
-              <a:t>.”</a:t>
+              <a:t>First level</a:t>
             </a:r>
           </a:p>
           <a:p>
             <a:pPr lvl="1"/>
             <a:r>
               <a:rPr lang="en-US" dirty="0"/>
-              <a:t>Source</a:t>
-            </a:r>
+              <a:t>Second level</a:t>
+            </a:r>
+          </a:p>
+          <a:p>
+            <a:pPr lvl="2"/>
+            <a:r>
+              <a:rPr lang="en-US" dirty="0"/>
+              <a:t>Third level</a:t>
+            </a:r>
+          </a:p>
+        </p:txBody>
+      </p:sp>
+      <p:sp>
+        <p:nvSpPr>
+          <p:cNvPr id="4" name="Title"/>
+          <p:cNvSpPr>
+            <a:spLocks noGrp="1"/>
+          </p:cNvSpPr>
+          <p:nvPr>
+            <p:ph type="title"/>
+          </p:nvPr>
+        </p:nvSpPr>
+        <p:spPr bwMode="gray">
+          <a:xfrm>
+            <a:off x="504001" y="504000"/>
+            <a:ext cx="11186476" cy="646331"/>
+          </a:xfrm>
+        </p:spPr>
+        <p:txBody>
+          <a:bodyPr/>
+          <a:lstStyle/>
+          <a:p>
+            <a:r>
+              <a:rPr lang="en-US" dirty="0"/>
+              <a:t>Insert page title (sentence case)</a:t>
+            </a:r>
+            <a:br>
+              <a:rPr lang="en-US" dirty="0"/>
+            </a:br>
+            <a:r>
+              <a:rPr lang="en-US" sz="1800" b="0" dirty="0" err="1"/>
+              <a:t>Subheadline</a:t>
+            </a:r>
+            <a:endParaRPr lang="en-US" b="0" dirty="0"/>
           </a:p>
         </p:txBody>
       </p:sp>
     </p:spTree>
     <p:extLst>
       <p:ext uri="{BB962C8B-B14F-4D97-AF65-F5344CB8AC3E}">
-        <p14:creationId xmlns:p14="http://schemas.microsoft.com/office/powerpoint/2010/main" val="2010228457"/>
+        <p14:creationId xmlns:p14="http://schemas.microsoft.com/office/powerpoint/2010/main" val="1196408533"/>
       </p:ext>
     </p:extLst>
   </p:cSld>
@@ -10086,24 +9987,12 @@
       </p:grpSpPr>
       <p:sp>
         <p:nvSpPr>
-          <p:cNvPr id="6" name="Picture Placeholder" descr="Placeholder for an image" title="Image placeholder content slide"/>
+          <p:cNvPr id="11" name="Quote placeholder"/>
           <p:cNvSpPr>
             <a:spLocks noGrp="1"/>
           </p:cNvSpPr>
           <p:nvPr>
-            <p:ph type="pic" sz="quarter" idx="10"/>
-          </p:nvPr>
-        </p:nvSpPr>
-        <p:spPr bwMode="gray"/>
-      </p:sp>
-      <p:sp>
-        <p:nvSpPr>
-          <p:cNvPr id="4" name="Text Placeholder"/>
-          <p:cNvSpPr>
-            <a:spLocks noGrp="1"/>
-          </p:cNvSpPr>
-          <p:nvPr>
-            <p:ph type="body" sz="quarter" idx="11"/>
+            <p:ph type="body" sz="quarter" idx="10"/>
           </p:nvPr>
         </p:nvSpPr>
         <p:spPr bwMode="gray"/>
@@ -10114,43 +10003,26 @@
             <a:pPr lvl="0"/>
             <a:r>
               <a:rPr lang="en-US" dirty="0"/>
-              <a:t>First level</a:t>
+              <a:t>“Quote goes here and here </a:t>
+            </a:r>
+            <a:r>
+              <a:rPr lang="en-US" dirty="0">
+                <a:solidFill>
+                  <a:schemeClr val="accent1"/>
+                </a:solidFill>
+              </a:rPr>
+              <a:t>and here</a:t>
+            </a:r>
+            <a:r>
+              <a:rPr lang="en-US" dirty="0"/>
+              <a:t>.”</a:t>
             </a:r>
           </a:p>
           <a:p>
             <a:pPr lvl="1"/>
             <a:r>
               <a:rPr lang="en-US" dirty="0"/>
-              <a:t>Second level</a:t>
-            </a:r>
-          </a:p>
-          <a:p>
-            <a:pPr lvl="2"/>
-            <a:r>
-              <a:rPr lang="en-US" dirty="0"/>
-              <a:t>Third level</a:t>
-            </a:r>
-          </a:p>
-        </p:txBody>
-      </p:sp>
-      <p:sp>
-        <p:nvSpPr>
-          <p:cNvPr id="2" name="Title"/>
-          <p:cNvSpPr>
-            <a:spLocks noGrp="1"/>
-          </p:cNvSpPr>
-          <p:nvPr>
-            <p:ph type="title"/>
-          </p:nvPr>
-        </p:nvSpPr>
-        <p:spPr bwMode="gray"/>
-        <p:txBody>
-          <a:bodyPr/>
-          <a:lstStyle/>
-          <a:p>
-            <a:r>
-              <a:rPr lang="en-US" dirty="0"/>
-              <a:t>Insert page title (sentence case)</a:t>
+              <a:t>Source</a:t>
             </a:r>
           </a:p>
         </p:txBody>
@@ -10158,7 +10030,7 @@
     </p:spTree>
     <p:extLst>
       <p:ext uri="{BB962C8B-B14F-4D97-AF65-F5344CB8AC3E}">
-        <p14:creationId xmlns:p14="http://schemas.microsoft.com/office/powerpoint/2010/main" val="2468716513"/>
+        <p14:creationId xmlns:p14="http://schemas.microsoft.com/office/powerpoint/2010/main" val="3295641251"/>
       </p:ext>
     </p:extLst>
   </p:cSld>
@@ -10187,24 +10059,12 @@
       </p:grpSpPr>
       <p:sp>
         <p:nvSpPr>
-          <p:cNvPr id="6" name="Picture Placeholder" descr="Placeholder for an image" title="Image placeholder content slide"/>
+          <p:cNvPr id="11" name="Quote placeholder"/>
           <p:cNvSpPr>
             <a:spLocks noGrp="1"/>
           </p:cNvSpPr>
           <p:nvPr>
-            <p:ph type="pic" sz="quarter" idx="10"/>
-          </p:nvPr>
-        </p:nvSpPr>
-        <p:spPr bwMode="gray"/>
-      </p:sp>
-      <p:sp>
-        <p:nvSpPr>
-          <p:cNvPr id="4" name="Text Placeholder"/>
-          <p:cNvSpPr>
-            <a:spLocks noGrp="1"/>
-          </p:cNvSpPr>
-          <p:nvPr>
-            <p:ph type="body" sz="quarter" idx="11"/>
+            <p:ph type="body" sz="quarter" idx="10"/>
           </p:nvPr>
         </p:nvSpPr>
         <p:spPr bwMode="gray"/>
@@ -10214,45 +10074,27 @@
           <a:p>
             <a:pPr lvl="0"/>
             <a:r>
-              <a:rPr lang="en-US"/>
-              <a:t>First level</a:t>
+              <a:rPr lang="en-US" dirty="0"/>
+              <a:t>“Quote goes here and here </a:t>
+            </a:r>
+            <a:r>
+              <a:rPr lang="en-US" dirty="0">
+                <a:solidFill>
+                  <a:schemeClr val="accent1"/>
+                </a:solidFill>
+              </a:rPr>
+              <a:t>and here</a:t>
+            </a:r>
+            <a:r>
+              <a:rPr lang="en-US" dirty="0"/>
+              <a:t>.”</a:t>
             </a:r>
           </a:p>
           <a:p>
             <a:pPr lvl="1"/>
             <a:r>
-              <a:rPr lang="en-US"/>
-              <a:t>Second level</a:t>
-            </a:r>
-          </a:p>
-          <a:p>
-            <a:pPr lvl="2"/>
-            <a:r>
-              <a:rPr lang="en-US"/>
-              <a:t>Third level</a:t>
-            </a:r>
-            <a:endParaRPr lang="en-US" dirty="0"/>
-          </a:p>
-        </p:txBody>
-      </p:sp>
-      <p:sp>
-        <p:nvSpPr>
-          <p:cNvPr id="2" name="Title"/>
-          <p:cNvSpPr>
-            <a:spLocks noGrp="1"/>
-          </p:cNvSpPr>
-          <p:nvPr>
-            <p:ph type="title"/>
-          </p:nvPr>
-        </p:nvSpPr>
-        <p:spPr bwMode="gray"/>
-        <p:txBody>
-          <a:bodyPr/>
-          <a:lstStyle/>
-          <a:p>
-            <a:r>
-              <a:rPr lang="en-US" dirty="0"/>
-              <a:t>Insert page title (sentence case)</a:t>
+              <a:rPr lang="en-US" dirty="0"/>
+              <a:t>Source</a:t>
             </a:r>
           </a:p>
         </p:txBody>
@@ -10260,7 +10102,7 @@
     </p:spTree>
     <p:extLst>
       <p:ext uri="{BB962C8B-B14F-4D97-AF65-F5344CB8AC3E}">
-        <p14:creationId xmlns:p14="http://schemas.microsoft.com/office/powerpoint/2010/main" val="4154867534"/>
+        <p14:creationId xmlns:p14="http://schemas.microsoft.com/office/powerpoint/2010/main" val="2010228457"/>
       </p:ext>
     </p:extLst>
   </p:cSld>
@@ -10289,7 +10131,7 @@
       </p:grpSpPr>
       <p:sp>
         <p:nvSpPr>
-          <p:cNvPr id="8" name="Picture Placeholder 7" descr="Image Placeholder" title="Image Placeholder"/>
+          <p:cNvPr id="6" name="Picture Placeholder" descr="Placeholder for an image" title="Image placeholder content slide"/>
           <p:cNvSpPr>
             <a:spLocks noGrp="1"/>
           </p:cNvSpPr>
@@ -10299,10 +10141,69 @@
         </p:nvSpPr>
         <p:spPr bwMode="gray"/>
       </p:sp>
+      <p:sp>
+        <p:nvSpPr>
+          <p:cNvPr id="4" name="Text Placeholder"/>
+          <p:cNvSpPr>
+            <a:spLocks noGrp="1"/>
+          </p:cNvSpPr>
+          <p:nvPr>
+            <p:ph type="body" sz="quarter" idx="11"/>
+          </p:nvPr>
+        </p:nvSpPr>
+        <p:spPr bwMode="gray"/>
+        <p:txBody>
+          <a:bodyPr/>
+          <a:lstStyle/>
+          <a:p>
+            <a:pPr lvl="0"/>
+            <a:r>
+              <a:rPr lang="en-US" dirty="0"/>
+              <a:t>First level</a:t>
+            </a:r>
+          </a:p>
+          <a:p>
+            <a:pPr lvl="1"/>
+            <a:r>
+              <a:rPr lang="en-US" dirty="0"/>
+              <a:t>Second level</a:t>
+            </a:r>
+          </a:p>
+          <a:p>
+            <a:pPr lvl="2"/>
+            <a:r>
+              <a:rPr lang="en-US" dirty="0"/>
+              <a:t>Third level</a:t>
+            </a:r>
+          </a:p>
+        </p:txBody>
+      </p:sp>
+      <p:sp>
+        <p:nvSpPr>
+          <p:cNvPr id="2" name="Title"/>
+          <p:cNvSpPr>
+            <a:spLocks noGrp="1"/>
+          </p:cNvSpPr>
+          <p:nvPr>
+            <p:ph type="title"/>
+          </p:nvPr>
+        </p:nvSpPr>
+        <p:spPr bwMode="gray"/>
+        <p:txBody>
+          <a:bodyPr/>
+          <a:lstStyle/>
+          <a:p>
+            <a:r>
+              <a:rPr lang="en-US" dirty="0"/>
+              <a:t>Insert page title (sentence case)</a:t>
+            </a:r>
+          </a:p>
+        </p:txBody>
+      </p:sp>
     </p:spTree>
     <p:extLst>
       <p:ext uri="{BB962C8B-B14F-4D97-AF65-F5344CB8AC3E}">
-        <p14:creationId xmlns:p14="http://schemas.microsoft.com/office/powerpoint/2010/main" val="1840057824"/>
+        <p14:creationId xmlns:p14="http://schemas.microsoft.com/office/powerpoint/2010/main" val="2468716513"/>
       </p:ext>
     </p:extLst>
   </p:cSld>
@@ -10331,7 +10232,19 @@
       </p:grpSpPr>
       <p:sp>
         <p:nvSpPr>
-          <p:cNvPr id="9" name="Text Placeholder column 2"/>
+          <p:cNvPr id="6" name="Picture Placeholder" descr="Placeholder for an image" title="Image placeholder content slide"/>
+          <p:cNvSpPr>
+            <a:spLocks noGrp="1"/>
+          </p:cNvSpPr>
+          <p:nvPr>
+            <p:ph type="pic" sz="quarter" idx="10"/>
+          </p:nvPr>
+        </p:nvSpPr>
+        <p:spPr bwMode="gray"/>
+      </p:sp>
+      <p:sp>
+        <p:nvSpPr>
+          <p:cNvPr id="4" name="Text Placeholder"/>
           <p:cNvSpPr>
             <a:spLocks noGrp="1"/>
           </p:cNvSpPr>
@@ -10369,45 +10282,7 @@
       </p:sp>
       <p:sp>
         <p:nvSpPr>
-          <p:cNvPr id="8" name="Text Placeholder column 1"/>
-          <p:cNvSpPr>
-            <a:spLocks noGrp="1"/>
-          </p:cNvSpPr>
-          <p:nvPr>
-            <p:ph type="body" sz="quarter" idx="10"/>
-          </p:nvPr>
-        </p:nvSpPr>
-        <p:spPr bwMode="gray"/>
-        <p:txBody>
-          <a:bodyPr/>
-          <a:lstStyle/>
-          <a:p>
-            <a:pPr lvl="0"/>
-            <a:r>
-              <a:rPr lang="en-US"/>
-              <a:t>First level</a:t>
-            </a:r>
-          </a:p>
-          <a:p>
-            <a:pPr lvl="1"/>
-            <a:r>
-              <a:rPr lang="en-US"/>
-              <a:t>Second level</a:t>
-            </a:r>
-          </a:p>
-          <a:p>
-            <a:pPr lvl="2"/>
-            <a:r>
-              <a:rPr lang="en-US"/>
-              <a:t>Third level</a:t>
-            </a:r>
-            <a:endParaRPr lang="en-US" dirty="0"/>
-          </a:p>
-        </p:txBody>
-      </p:sp>
-      <p:sp>
-        <p:nvSpPr>
-          <p:cNvPr id="7" name="Title"/>
+          <p:cNvPr id="2" name="Title"/>
           <p:cNvSpPr>
             <a:spLocks noGrp="1"/>
           </p:cNvSpPr>
@@ -10430,7 +10305,7 @@
     </p:spTree>
     <p:extLst>
       <p:ext uri="{BB962C8B-B14F-4D97-AF65-F5344CB8AC3E}">
-        <p14:creationId xmlns:p14="http://schemas.microsoft.com/office/powerpoint/2010/main" val="854015491"/>
+        <p14:creationId xmlns:p14="http://schemas.microsoft.com/office/powerpoint/2010/main" val="4154867534"/>
       </p:ext>
     </p:extLst>
   </p:cSld>
@@ -10459,143 +10334,20 @@
       </p:grpSpPr>
       <p:sp>
         <p:nvSpPr>
-          <p:cNvPr id="5" name="Text Placeholder column 3"/>
+          <p:cNvPr id="8" name="Picture Placeholder 7" descr="Image Placeholder" title="Image Placeholder"/>
           <p:cNvSpPr>
             <a:spLocks noGrp="1"/>
           </p:cNvSpPr>
           <p:nvPr>
-            <p:ph type="body" sz="quarter" idx="13"/>
+            <p:ph type="pic" sz="quarter" idx="10"/>
           </p:nvPr>
         </p:nvSpPr>
         <p:spPr bwMode="gray"/>
-        <p:txBody>
-          <a:bodyPr/>
-          <a:lstStyle/>
-          <a:p>
-            <a:pPr lvl="0"/>
-            <a:r>
-              <a:rPr lang="en-US"/>
-              <a:t>First level</a:t>
-            </a:r>
-          </a:p>
-          <a:p>
-            <a:pPr lvl="1"/>
-            <a:r>
-              <a:rPr lang="en-US"/>
-              <a:t>Second level</a:t>
-            </a:r>
-          </a:p>
-          <a:p>
-            <a:pPr lvl="2"/>
-            <a:r>
-              <a:rPr lang="en-US"/>
-              <a:t>Third level</a:t>
-            </a:r>
-            <a:endParaRPr lang="en-US" dirty="0"/>
-          </a:p>
-        </p:txBody>
-      </p:sp>
-      <p:sp>
-        <p:nvSpPr>
-          <p:cNvPr id="4" name="Text Placeholder column 2"/>
-          <p:cNvSpPr>
-            <a:spLocks noGrp="1"/>
-          </p:cNvSpPr>
-          <p:nvPr>
-            <p:ph type="body" sz="quarter" idx="12"/>
-          </p:nvPr>
-        </p:nvSpPr>
-        <p:spPr bwMode="gray"/>
-        <p:txBody>
-          <a:bodyPr/>
-          <a:lstStyle/>
-          <a:p>
-            <a:pPr lvl="0"/>
-            <a:r>
-              <a:rPr lang="en-US"/>
-              <a:t>First level</a:t>
-            </a:r>
-          </a:p>
-          <a:p>
-            <a:pPr lvl="1"/>
-            <a:r>
-              <a:rPr lang="en-US"/>
-              <a:t>Second level</a:t>
-            </a:r>
-          </a:p>
-          <a:p>
-            <a:pPr lvl="2"/>
-            <a:r>
-              <a:rPr lang="en-US"/>
-              <a:t>Third level</a:t>
-            </a:r>
-            <a:endParaRPr lang="en-US" dirty="0"/>
-          </a:p>
-        </p:txBody>
-      </p:sp>
-      <p:sp>
-        <p:nvSpPr>
-          <p:cNvPr id="3" name="Text Placeholder column 1"/>
-          <p:cNvSpPr>
-            <a:spLocks noGrp="1"/>
-          </p:cNvSpPr>
-          <p:nvPr>
-            <p:ph type="body" sz="quarter" idx="10"/>
-          </p:nvPr>
-        </p:nvSpPr>
-        <p:spPr bwMode="gray"/>
-        <p:txBody>
-          <a:bodyPr/>
-          <a:lstStyle/>
-          <a:p>
-            <a:pPr lvl="0"/>
-            <a:r>
-              <a:rPr lang="en-US" dirty="0"/>
-              <a:t>First level</a:t>
-            </a:r>
-          </a:p>
-          <a:p>
-            <a:pPr lvl="1"/>
-            <a:r>
-              <a:rPr lang="en-US" dirty="0"/>
-              <a:t>Second level</a:t>
-            </a:r>
-          </a:p>
-          <a:p>
-            <a:pPr lvl="2"/>
-            <a:r>
-              <a:rPr lang="en-US" dirty="0"/>
-              <a:t>Third level</a:t>
-            </a:r>
-          </a:p>
-        </p:txBody>
-      </p:sp>
-      <p:sp>
-        <p:nvSpPr>
-          <p:cNvPr id="2" name="Title"/>
-          <p:cNvSpPr>
-            <a:spLocks noGrp="1"/>
-          </p:cNvSpPr>
-          <p:nvPr>
-            <p:ph type="title"/>
-          </p:nvPr>
-        </p:nvSpPr>
-        <p:spPr bwMode="gray"/>
-        <p:txBody>
-          <a:bodyPr/>
-          <a:lstStyle/>
-          <a:p>
-            <a:r>
-              <a:rPr lang="en-US" dirty="0"/>
-              <a:t>Insert page title (sentence case)</a:t>
-            </a:r>
-          </a:p>
-        </p:txBody>
       </p:sp>
     </p:spTree>
     <p:extLst>
       <p:ext uri="{BB962C8B-B14F-4D97-AF65-F5344CB8AC3E}">
-        <p14:creationId xmlns:p14="http://schemas.microsoft.com/office/powerpoint/2010/main" val="94846162"/>
+        <p14:creationId xmlns:p14="http://schemas.microsoft.com/office/powerpoint/2010/main" val="1840057824"/>
       </p:ext>
     </p:extLst>
   </p:cSld>
@@ -10624,12 +10376,12 @@
       </p:grpSpPr>
       <p:sp>
         <p:nvSpPr>
-          <p:cNvPr id="10" name="Text Placeholder column 2"/>
+          <p:cNvPr id="9" name="Text Placeholder column 2"/>
           <p:cNvSpPr>
             <a:spLocks noGrp="1"/>
           </p:cNvSpPr>
           <p:nvPr>
-            <p:ph type="body" sz="quarter" idx="13"/>
+            <p:ph type="body" sz="quarter" idx="11"/>
           </p:nvPr>
         </p:nvSpPr>
         <p:spPr bwMode="gray"/>
@@ -10639,34 +10391,30 @@
           <a:p>
             <a:pPr lvl="0"/>
             <a:r>
-              <a:rPr lang="en-US" dirty="0"/>
+              <a:rPr lang="en-US"/>
               <a:t>First level</a:t>
             </a:r>
           </a:p>
           <a:p>
             <a:pPr lvl="1"/>
             <a:r>
-              <a:rPr lang="en-US" dirty="0"/>
+              <a:rPr lang="en-US"/>
               <a:t>Second level</a:t>
             </a:r>
           </a:p>
-        </p:txBody>
-      </p:sp>
-      <p:sp>
-        <p:nvSpPr>
-          <p:cNvPr id="16" name="Picture Placeholder 2" descr="Image placeholder right" title="Image placeholder"/>
-          <p:cNvSpPr>
-            <a:spLocks noGrp="1"/>
-          </p:cNvSpPr>
-          <p:nvPr>
-            <p:ph type="pic" sz="quarter" idx="14"/>
-          </p:nvPr>
-        </p:nvSpPr>
-        <p:spPr bwMode="gray"/>
-      </p:sp>
-      <p:sp>
-        <p:nvSpPr>
-          <p:cNvPr id="3" name="Text Placeholder column 1"/>
+          <a:p>
+            <a:pPr lvl="2"/>
+            <a:r>
+              <a:rPr lang="en-US"/>
+              <a:t>Third level</a:t>
+            </a:r>
+            <a:endParaRPr lang="en-US" dirty="0"/>
+          </a:p>
+        </p:txBody>
+      </p:sp>
+      <p:sp>
+        <p:nvSpPr>
+          <p:cNvPr id="8" name="Text Placeholder column 1"/>
           <p:cNvSpPr>
             <a:spLocks noGrp="1"/>
           </p:cNvSpPr>
@@ -10681,34 +10429,30 @@
           <a:p>
             <a:pPr lvl="0"/>
             <a:r>
-              <a:rPr lang="en-US" dirty="0"/>
+              <a:rPr lang="en-US"/>
               <a:t>First level</a:t>
             </a:r>
           </a:p>
           <a:p>
             <a:pPr lvl="1"/>
             <a:r>
-              <a:rPr lang="en-US" dirty="0"/>
+              <a:rPr lang="en-US"/>
               <a:t>Second level</a:t>
             </a:r>
           </a:p>
-        </p:txBody>
-      </p:sp>
-      <p:sp>
-        <p:nvSpPr>
-          <p:cNvPr id="15" name="Picture Placeholder 1" descr="Image placeholder left" title="Image placeholde"/>
-          <p:cNvSpPr>
-            <a:spLocks noGrp="1"/>
-          </p:cNvSpPr>
-          <p:nvPr>
-            <p:ph type="pic" sz="quarter" idx="12"/>
-          </p:nvPr>
-        </p:nvSpPr>
-        <p:spPr bwMode="gray"/>
-      </p:sp>
-      <p:sp>
-        <p:nvSpPr>
-          <p:cNvPr id="8" name="Title"/>
+          <a:p>
+            <a:pPr lvl="2"/>
+            <a:r>
+              <a:rPr lang="en-US"/>
+              <a:t>Third level</a:t>
+            </a:r>
+            <a:endParaRPr lang="en-US" dirty="0"/>
+          </a:p>
+        </p:txBody>
+      </p:sp>
+      <p:sp>
+        <p:nvSpPr>
+          <p:cNvPr id="7" name="Title"/>
           <p:cNvSpPr>
             <a:spLocks noGrp="1"/>
           </p:cNvSpPr>
@@ -10731,7 +10475,7 @@
     </p:spTree>
     <p:extLst>
       <p:ext uri="{BB962C8B-B14F-4D97-AF65-F5344CB8AC3E}">
-        <p14:creationId xmlns:p14="http://schemas.microsoft.com/office/powerpoint/2010/main" val="1504049518"/>
+        <p14:creationId xmlns:p14="http://schemas.microsoft.com/office/powerpoint/2010/main" val="854015491"/>
       </p:ext>
     </p:extLst>
   </p:cSld>
@@ -10760,7 +10504,7 @@
       </p:grpSpPr>
       <p:sp>
         <p:nvSpPr>
-          <p:cNvPr id="12" name="Text Placeholder column 3"/>
+          <p:cNvPr id="5" name="Text Placeholder column 3"/>
           <p:cNvSpPr>
             <a:spLocks noGrp="1"/>
           </p:cNvSpPr>
@@ -10775,39 +10519,35 @@
           <a:p>
             <a:pPr lvl="0"/>
             <a:r>
-              <a:rPr lang="en-US" dirty="0"/>
+              <a:rPr lang="en-US"/>
               <a:t>First level</a:t>
             </a:r>
           </a:p>
           <a:p>
             <a:pPr lvl="1"/>
             <a:r>
-              <a:rPr lang="en-US" dirty="0"/>
+              <a:rPr lang="en-US"/>
               <a:t>Second level</a:t>
             </a:r>
           </a:p>
-        </p:txBody>
-      </p:sp>
-      <p:sp>
-        <p:nvSpPr>
-          <p:cNvPr id="13" name="Picture Placeholder 3" descr="Image placeholder 3/3" title="Image placeholder 3/3"/>
+          <a:p>
+            <a:pPr lvl="2"/>
+            <a:r>
+              <a:rPr lang="en-US"/>
+              <a:t>Third level</a:t>
+            </a:r>
+            <a:endParaRPr lang="en-US" dirty="0"/>
+          </a:p>
+        </p:txBody>
+      </p:sp>
+      <p:sp>
+        <p:nvSpPr>
+          <p:cNvPr id="4" name="Text Placeholder column 2"/>
           <p:cNvSpPr>
             <a:spLocks noGrp="1"/>
           </p:cNvSpPr>
           <p:nvPr>
-            <p:ph type="pic" sz="quarter" idx="14"/>
-          </p:nvPr>
-        </p:nvSpPr>
-        <p:spPr bwMode="gray"/>
-      </p:sp>
-      <p:sp>
-        <p:nvSpPr>
-          <p:cNvPr id="14" name="Text Placeholder column 2"/>
-          <p:cNvSpPr>
-            <a:spLocks noGrp="1"/>
-          </p:cNvSpPr>
-          <p:nvPr>
-            <p:ph type="body" sz="quarter" idx="15"/>
+            <p:ph type="body" sz="quarter" idx="12"/>
           </p:nvPr>
         </p:nvSpPr>
         <p:spPr bwMode="gray"/>
@@ -10817,34 +10557,30 @@
           <a:p>
             <a:pPr lvl="0"/>
             <a:r>
-              <a:rPr lang="en-US" dirty="0"/>
+              <a:rPr lang="en-US"/>
               <a:t>First level</a:t>
             </a:r>
           </a:p>
           <a:p>
             <a:pPr lvl="1"/>
             <a:r>
-              <a:rPr lang="en-US" dirty="0"/>
+              <a:rPr lang="en-US"/>
               <a:t>Second level</a:t>
             </a:r>
           </a:p>
-        </p:txBody>
-      </p:sp>
-      <p:sp>
-        <p:nvSpPr>
-          <p:cNvPr id="15" name="Picture Placeholder 2" descr="Image placeholder 2/3" title="Image placeholder 2/3"/>
-          <p:cNvSpPr>
-            <a:spLocks noGrp="1"/>
-          </p:cNvSpPr>
-          <p:nvPr>
-            <p:ph type="pic" sz="quarter" idx="16"/>
-          </p:nvPr>
-        </p:nvSpPr>
-        <p:spPr bwMode="gray"/>
-      </p:sp>
-      <p:sp>
-        <p:nvSpPr>
-          <p:cNvPr id="10" name="Text Placeholder column 1"/>
+          <a:p>
+            <a:pPr lvl="2"/>
+            <a:r>
+              <a:rPr lang="en-US"/>
+              <a:t>Third level</a:t>
+            </a:r>
+            <a:endParaRPr lang="en-US" dirty="0"/>
+          </a:p>
+        </p:txBody>
+      </p:sp>
+      <p:sp>
+        <p:nvSpPr>
+          <p:cNvPr id="3" name="Text Placeholder column 1"/>
           <p:cNvSpPr>
             <a:spLocks noGrp="1"/>
           </p:cNvSpPr>
@@ -10870,19 +10606,14 @@
               <a:t>Second level</a:t>
             </a:r>
           </a:p>
-        </p:txBody>
-      </p:sp>
-      <p:sp>
-        <p:nvSpPr>
-          <p:cNvPr id="11" name="Picture Placeholder 1" descr="Image placeholder 1/3" title="Image placeholder 1/3"/>
-          <p:cNvSpPr>
-            <a:spLocks noGrp="1"/>
-          </p:cNvSpPr>
-          <p:nvPr>
-            <p:ph type="pic" sz="quarter" idx="12"/>
-          </p:nvPr>
-        </p:nvSpPr>
-        <p:spPr bwMode="gray"/>
+          <a:p>
+            <a:pPr lvl="2"/>
+            <a:r>
+              <a:rPr lang="en-US" dirty="0"/>
+              <a:t>Third level</a:t>
+            </a:r>
+          </a:p>
+        </p:txBody>
       </p:sp>
       <p:sp>
         <p:nvSpPr>
@@ -10909,7 +10640,7 @@
     </p:spTree>
     <p:extLst>
       <p:ext uri="{BB962C8B-B14F-4D97-AF65-F5344CB8AC3E}">
-        <p14:creationId xmlns:p14="http://schemas.microsoft.com/office/powerpoint/2010/main" val="1175416068"/>
+        <p14:creationId xmlns:p14="http://schemas.microsoft.com/office/powerpoint/2010/main" val="94846162"/>
       </p:ext>
     </p:extLst>
   </p:cSld>
@@ -10938,6 +10669,320 @@
       </p:grpSpPr>
       <p:sp>
         <p:nvSpPr>
+          <p:cNvPr id="10" name="Text Placeholder column 2"/>
+          <p:cNvSpPr>
+            <a:spLocks noGrp="1"/>
+          </p:cNvSpPr>
+          <p:nvPr>
+            <p:ph type="body" sz="quarter" idx="13"/>
+          </p:nvPr>
+        </p:nvSpPr>
+        <p:spPr bwMode="gray"/>
+        <p:txBody>
+          <a:bodyPr/>
+          <a:lstStyle/>
+          <a:p>
+            <a:pPr lvl="0"/>
+            <a:r>
+              <a:rPr lang="en-US" dirty="0"/>
+              <a:t>First level</a:t>
+            </a:r>
+          </a:p>
+          <a:p>
+            <a:pPr lvl="1"/>
+            <a:r>
+              <a:rPr lang="en-US" dirty="0"/>
+              <a:t>Second level</a:t>
+            </a:r>
+          </a:p>
+        </p:txBody>
+      </p:sp>
+      <p:sp>
+        <p:nvSpPr>
+          <p:cNvPr id="16" name="Picture Placeholder 2" descr="Image placeholder right" title="Image placeholder"/>
+          <p:cNvSpPr>
+            <a:spLocks noGrp="1"/>
+          </p:cNvSpPr>
+          <p:nvPr>
+            <p:ph type="pic" sz="quarter" idx="14"/>
+          </p:nvPr>
+        </p:nvSpPr>
+        <p:spPr bwMode="gray"/>
+      </p:sp>
+      <p:sp>
+        <p:nvSpPr>
+          <p:cNvPr id="3" name="Text Placeholder column 1"/>
+          <p:cNvSpPr>
+            <a:spLocks noGrp="1"/>
+          </p:cNvSpPr>
+          <p:nvPr>
+            <p:ph type="body" sz="quarter" idx="10"/>
+          </p:nvPr>
+        </p:nvSpPr>
+        <p:spPr bwMode="gray"/>
+        <p:txBody>
+          <a:bodyPr/>
+          <a:lstStyle/>
+          <a:p>
+            <a:pPr lvl="0"/>
+            <a:r>
+              <a:rPr lang="en-US" dirty="0"/>
+              <a:t>First level</a:t>
+            </a:r>
+          </a:p>
+          <a:p>
+            <a:pPr lvl="1"/>
+            <a:r>
+              <a:rPr lang="en-US" dirty="0"/>
+              <a:t>Second level</a:t>
+            </a:r>
+          </a:p>
+        </p:txBody>
+      </p:sp>
+      <p:sp>
+        <p:nvSpPr>
+          <p:cNvPr id="15" name="Picture Placeholder 1" descr="Image placeholder left" title="Image placeholde"/>
+          <p:cNvSpPr>
+            <a:spLocks noGrp="1"/>
+          </p:cNvSpPr>
+          <p:nvPr>
+            <p:ph type="pic" sz="quarter" idx="12"/>
+          </p:nvPr>
+        </p:nvSpPr>
+        <p:spPr bwMode="gray"/>
+      </p:sp>
+      <p:sp>
+        <p:nvSpPr>
+          <p:cNvPr id="8" name="Title"/>
+          <p:cNvSpPr>
+            <a:spLocks noGrp="1"/>
+          </p:cNvSpPr>
+          <p:nvPr>
+            <p:ph type="title"/>
+          </p:nvPr>
+        </p:nvSpPr>
+        <p:spPr bwMode="gray"/>
+        <p:txBody>
+          <a:bodyPr/>
+          <a:lstStyle/>
+          <a:p>
+            <a:r>
+              <a:rPr lang="en-US" dirty="0"/>
+              <a:t>Insert page title (sentence case)</a:t>
+            </a:r>
+          </a:p>
+        </p:txBody>
+      </p:sp>
+    </p:spTree>
+    <p:extLst>
+      <p:ext uri="{BB962C8B-B14F-4D97-AF65-F5344CB8AC3E}">
+        <p14:creationId xmlns:p14="http://schemas.microsoft.com/office/powerpoint/2010/main" val="1504049518"/>
+      </p:ext>
+    </p:extLst>
+  </p:cSld>
+  <p:clrMapOvr>
+    <a:masterClrMapping/>
+  </p:clrMapOvr>
+</p:sld>
+</file>
+
+<file path=ppt/slides/slide28.xml><?xml version="1.0" encoding="utf-8"?>
+<p:sld xmlns:a="http://schemas.openxmlformats.org/drawingml/2006/main" xmlns:r="http://schemas.openxmlformats.org/officeDocument/2006/relationships" xmlns:p="http://schemas.openxmlformats.org/presentationml/2006/main">
+  <p:cSld>
+    <p:spTree>
+      <p:nvGrpSpPr>
+        <p:cNvPr id="1" name=""/>
+        <p:cNvGrpSpPr/>
+        <p:nvPr/>
+      </p:nvGrpSpPr>
+      <p:grpSpPr>
+        <a:xfrm>
+          <a:off x="0" y="0"/>
+          <a:ext cx="0" cy="0"/>
+          <a:chOff x="0" y="0"/>
+          <a:chExt cx="0" cy="0"/>
+        </a:xfrm>
+      </p:grpSpPr>
+      <p:sp>
+        <p:nvSpPr>
+          <p:cNvPr id="12" name="Text Placeholder column 3"/>
+          <p:cNvSpPr>
+            <a:spLocks noGrp="1"/>
+          </p:cNvSpPr>
+          <p:nvPr>
+            <p:ph type="body" sz="quarter" idx="13"/>
+          </p:nvPr>
+        </p:nvSpPr>
+        <p:spPr bwMode="gray"/>
+        <p:txBody>
+          <a:bodyPr/>
+          <a:lstStyle/>
+          <a:p>
+            <a:pPr lvl="0"/>
+            <a:r>
+              <a:rPr lang="en-US" dirty="0"/>
+              <a:t>First level</a:t>
+            </a:r>
+          </a:p>
+          <a:p>
+            <a:pPr lvl="1"/>
+            <a:r>
+              <a:rPr lang="en-US" dirty="0"/>
+              <a:t>Second level</a:t>
+            </a:r>
+          </a:p>
+        </p:txBody>
+      </p:sp>
+      <p:sp>
+        <p:nvSpPr>
+          <p:cNvPr id="13" name="Picture Placeholder 3" descr="Image placeholder 3/3" title="Image placeholder 3/3"/>
+          <p:cNvSpPr>
+            <a:spLocks noGrp="1"/>
+          </p:cNvSpPr>
+          <p:nvPr>
+            <p:ph type="pic" sz="quarter" idx="14"/>
+          </p:nvPr>
+        </p:nvSpPr>
+        <p:spPr bwMode="gray"/>
+      </p:sp>
+      <p:sp>
+        <p:nvSpPr>
+          <p:cNvPr id="14" name="Text Placeholder column 2"/>
+          <p:cNvSpPr>
+            <a:spLocks noGrp="1"/>
+          </p:cNvSpPr>
+          <p:nvPr>
+            <p:ph type="body" sz="quarter" idx="15"/>
+          </p:nvPr>
+        </p:nvSpPr>
+        <p:spPr bwMode="gray"/>
+        <p:txBody>
+          <a:bodyPr/>
+          <a:lstStyle/>
+          <a:p>
+            <a:pPr lvl="0"/>
+            <a:r>
+              <a:rPr lang="en-US" dirty="0"/>
+              <a:t>First level</a:t>
+            </a:r>
+          </a:p>
+          <a:p>
+            <a:pPr lvl="1"/>
+            <a:r>
+              <a:rPr lang="en-US" dirty="0"/>
+              <a:t>Second level</a:t>
+            </a:r>
+          </a:p>
+        </p:txBody>
+      </p:sp>
+      <p:sp>
+        <p:nvSpPr>
+          <p:cNvPr id="15" name="Picture Placeholder 2" descr="Image placeholder 2/3" title="Image placeholder 2/3"/>
+          <p:cNvSpPr>
+            <a:spLocks noGrp="1"/>
+          </p:cNvSpPr>
+          <p:nvPr>
+            <p:ph type="pic" sz="quarter" idx="16"/>
+          </p:nvPr>
+        </p:nvSpPr>
+        <p:spPr bwMode="gray"/>
+      </p:sp>
+      <p:sp>
+        <p:nvSpPr>
+          <p:cNvPr id="10" name="Text Placeholder column 1"/>
+          <p:cNvSpPr>
+            <a:spLocks noGrp="1"/>
+          </p:cNvSpPr>
+          <p:nvPr>
+            <p:ph type="body" sz="quarter" idx="10"/>
+          </p:nvPr>
+        </p:nvSpPr>
+        <p:spPr bwMode="gray"/>
+        <p:txBody>
+          <a:bodyPr/>
+          <a:lstStyle/>
+          <a:p>
+            <a:pPr lvl="0"/>
+            <a:r>
+              <a:rPr lang="en-US" dirty="0"/>
+              <a:t>First level</a:t>
+            </a:r>
+          </a:p>
+          <a:p>
+            <a:pPr lvl="1"/>
+            <a:r>
+              <a:rPr lang="en-US" dirty="0"/>
+              <a:t>Second level</a:t>
+            </a:r>
+          </a:p>
+        </p:txBody>
+      </p:sp>
+      <p:sp>
+        <p:nvSpPr>
+          <p:cNvPr id="11" name="Picture Placeholder 1" descr="Image placeholder 1/3" title="Image placeholder 1/3"/>
+          <p:cNvSpPr>
+            <a:spLocks noGrp="1"/>
+          </p:cNvSpPr>
+          <p:nvPr>
+            <p:ph type="pic" sz="quarter" idx="12"/>
+          </p:nvPr>
+        </p:nvSpPr>
+        <p:spPr bwMode="gray"/>
+      </p:sp>
+      <p:sp>
+        <p:nvSpPr>
+          <p:cNvPr id="2" name="Title"/>
+          <p:cNvSpPr>
+            <a:spLocks noGrp="1"/>
+          </p:cNvSpPr>
+          <p:nvPr>
+            <p:ph type="title"/>
+          </p:nvPr>
+        </p:nvSpPr>
+        <p:spPr bwMode="gray"/>
+        <p:txBody>
+          <a:bodyPr/>
+          <a:lstStyle/>
+          <a:p>
+            <a:r>
+              <a:rPr lang="en-US" dirty="0"/>
+              <a:t>Insert page title (sentence case)</a:t>
+            </a:r>
+          </a:p>
+        </p:txBody>
+      </p:sp>
+    </p:spTree>
+    <p:extLst>
+      <p:ext uri="{BB962C8B-B14F-4D97-AF65-F5344CB8AC3E}">
+        <p14:creationId xmlns:p14="http://schemas.microsoft.com/office/powerpoint/2010/main" val="1175416068"/>
+      </p:ext>
+    </p:extLst>
+  </p:cSld>
+  <p:clrMapOvr>
+    <a:masterClrMapping/>
+  </p:clrMapOvr>
+</p:sld>
+</file>
+
+<file path=ppt/slides/slide29.xml><?xml version="1.0" encoding="utf-8"?>
+<p:sld xmlns:a="http://schemas.openxmlformats.org/drawingml/2006/main" xmlns:r="http://schemas.openxmlformats.org/officeDocument/2006/relationships" xmlns:p="http://schemas.openxmlformats.org/presentationml/2006/main">
+  <p:cSld>
+    <p:spTree>
+      <p:nvGrpSpPr>
+        <p:cNvPr id="1" name=""/>
+        <p:cNvGrpSpPr/>
+        <p:nvPr/>
+      </p:nvGrpSpPr>
+      <p:grpSpPr>
+        <a:xfrm>
+          <a:off x="0" y="0"/>
+          <a:ext cx="0" cy="0"/>
+          <a:chOff x="0" y="0"/>
+          <a:chExt cx="0" cy="0"/>
+        </a:xfrm>
+      </p:grpSpPr>
+      <p:sp>
+        <p:nvSpPr>
           <p:cNvPr id="4" name="Placeholder Partner logo"/>
           <p:cNvSpPr/>
           <p:nvPr/>
@@ -11070,62 +11115,6 @@
     <p:extLst>
       <p:ext uri="{BB962C8B-B14F-4D97-AF65-F5344CB8AC3E}">
         <p14:creationId xmlns:p14="http://schemas.microsoft.com/office/powerpoint/2010/main" val="1881851238"/>
-      </p:ext>
-    </p:extLst>
-  </p:cSld>
-  <p:clrMapOvr>
-    <a:masterClrMapping/>
-  </p:clrMapOvr>
-</p:sld>
-</file>
-
-<file path=ppt/slides/slide28.xml><?xml version="1.0" encoding="utf-8"?>
-<p:sld xmlns:a="http://schemas.openxmlformats.org/drawingml/2006/main" xmlns:r="http://schemas.openxmlformats.org/officeDocument/2006/relationships" xmlns:p="http://schemas.openxmlformats.org/presentationml/2006/main" show="0">
-  <p:cSld>
-    <p:spTree>
-      <p:nvGrpSpPr>
-        <p:cNvPr id="1" name=""/>
-        <p:cNvGrpSpPr/>
-        <p:nvPr/>
-      </p:nvGrpSpPr>
-      <p:grpSpPr>
-        <a:xfrm>
-          <a:off x="0" y="0"/>
-          <a:ext cx="0" cy="0"/>
-          <a:chOff x="0" y="0"/>
-          <a:chExt cx="0" cy="0"/>
-        </a:xfrm>
-      </p:grpSpPr>
-    </p:spTree>
-  </p:cSld>
-  <p:clrMapOvr>
-    <a:masterClrMapping/>
-  </p:clrMapOvr>
-  <p:transition spd="med"/>
-</p:sld>
-</file>
-
-<file path=ppt/slides/slide29.xml><?xml version="1.0" encoding="utf-8"?>
-<p:sld xmlns:a="http://schemas.openxmlformats.org/drawingml/2006/main" xmlns:r="http://schemas.openxmlformats.org/officeDocument/2006/relationships" xmlns:p="http://schemas.openxmlformats.org/presentationml/2006/main" show="0">
-  <p:cSld>
-    <p:spTree>
-      <p:nvGrpSpPr>
-        <p:cNvPr id="1" name=""/>
-        <p:cNvGrpSpPr/>
-        <p:nvPr/>
-      </p:nvGrpSpPr>
-      <p:grpSpPr>
-        <a:xfrm>
-          <a:off x="0" y="0"/>
-          <a:ext cx="0" cy="0"/>
-          <a:chOff x="0" y="0"/>
-          <a:chExt cx="0" cy="0"/>
-        </a:xfrm>
-      </p:grpSpPr>
-    </p:spTree>
-    <p:extLst>
-      <p:ext uri="{BB962C8B-B14F-4D97-AF65-F5344CB8AC3E}">
-        <p14:creationId xmlns:p14="http://schemas.microsoft.com/office/powerpoint/2010/main" val="3005185487"/>
       </p:ext>
     </p:extLst>
   </p:cSld>
@@ -11215,6 +11204,62 @@
 </p:sld>
 </file>
 
+<file path=ppt/slides/slide30.xml><?xml version="1.0" encoding="utf-8"?>
+<p:sld xmlns:a="http://schemas.openxmlformats.org/drawingml/2006/main" xmlns:r="http://schemas.openxmlformats.org/officeDocument/2006/relationships" xmlns:p="http://schemas.openxmlformats.org/presentationml/2006/main" show="0">
+  <p:cSld>
+    <p:spTree>
+      <p:nvGrpSpPr>
+        <p:cNvPr id="1" name=""/>
+        <p:cNvGrpSpPr/>
+        <p:nvPr/>
+      </p:nvGrpSpPr>
+      <p:grpSpPr>
+        <a:xfrm>
+          <a:off x="0" y="0"/>
+          <a:ext cx="0" cy="0"/>
+          <a:chOff x="0" y="0"/>
+          <a:chExt cx="0" cy="0"/>
+        </a:xfrm>
+      </p:grpSpPr>
+    </p:spTree>
+  </p:cSld>
+  <p:clrMapOvr>
+    <a:masterClrMapping/>
+  </p:clrMapOvr>
+  <p:transition spd="med"/>
+</p:sld>
+</file>
+
+<file path=ppt/slides/slide31.xml><?xml version="1.0" encoding="utf-8"?>
+<p:sld xmlns:a="http://schemas.openxmlformats.org/drawingml/2006/main" xmlns:r="http://schemas.openxmlformats.org/officeDocument/2006/relationships" xmlns:p="http://schemas.openxmlformats.org/presentationml/2006/main" show="0">
+  <p:cSld>
+    <p:spTree>
+      <p:nvGrpSpPr>
+        <p:cNvPr id="1" name=""/>
+        <p:cNvGrpSpPr/>
+        <p:nvPr/>
+      </p:nvGrpSpPr>
+      <p:grpSpPr>
+        <a:xfrm>
+          <a:off x="0" y="0"/>
+          <a:ext cx="0" cy="0"/>
+          <a:chOff x="0" y="0"/>
+          <a:chExt cx="0" cy="0"/>
+        </a:xfrm>
+      </p:grpSpPr>
+    </p:spTree>
+    <p:extLst>
+      <p:ext uri="{BB962C8B-B14F-4D97-AF65-F5344CB8AC3E}">
+        <p14:creationId xmlns:p14="http://schemas.microsoft.com/office/powerpoint/2010/main" val="3005185487"/>
+      </p:ext>
+    </p:extLst>
+  </p:cSld>
+  <p:clrMapOvr>
+    <a:masterClrMapping/>
+  </p:clrMapOvr>
+</p:sld>
+</file>
+
 <file path=ppt/slides/slide4.xml><?xml version="1.0" encoding="utf-8"?>
 <p:sld xmlns:a="http://schemas.openxmlformats.org/drawingml/2006/main" xmlns:r="http://schemas.openxmlformats.org/officeDocument/2006/relationships" xmlns:p="http://schemas.openxmlformats.org/presentationml/2006/main">
   <p:cSld>
@@ -11234,55 +11279,6 @@
       </p:grpSpPr>
       <p:sp>
         <p:nvSpPr>
-          <p:cNvPr id="11" name="Text Placeholder"/>
-          <p:cNvSpPr>
-            <a:spLocks noGrp="1"/>
-          </p:cNvSpPr>
-          <p:nvPr>
-            <p:ph type="body" sz="quarter" idx="10"/>
-          </p:nvPr>
-        </p:nvSpPr>
-        <p:spPr bwMode="gray">
-          <a:xfrm>
-            <a:off x="728589" y="1347284"/>
-            <a:ext cx="11186477" cy="4716000"/>
-          </a:xfrm>
-        </p:spPr>
-        <p:txBody>
-          <a:bodyPr/>
-          <a:lstStyle/>
-          <a:p>
-            <a:pPr lvl="0"/>
-            <a:r>
-              <a:rPr lang="en-US" altLang="zh-CN" dirty="0"/>
-              <a:t>Time Series: A sequence of discrete data points(values) ordered and indexed by time associated with an identity.</a:t>
-            </a:r>
-          </a:p>
-          <a:p>
-            <a:pPr lvl="0"/>
-            <a:r>
-              <a:rPr lang="en-US" altLang="zh-CN" dirty="0"/>
-              <a:t>Data Point: Metric + Tags + Value + Timestamp.</a:t>
-            </a:r>
-          </a:p>
-          <a:p>
-            <a:pPr lvl="0"/>
-            <a:r>
-              <a:rPr lang="en-US" altLang="zh-CN" dirty="0"/>
-              <a:t>Payload could also be a string, a blob, a histogram, etc.</a:t>
-            </a:r>
-          </a:p>
-          <a:p>
-            <a:pPr lvl="0"/>
-            <a:r>
-              <a:rPr lang="en-US" altLang="zh-CN" dirty="0"/>
-              <a:t>E.g.:</a:t>
-            </a:r>
-          </a:p>
-        </p:txBody>
-      </p:sp>
-      <p:sp>
-        <p:nvSpPr>
           <p:cNvPr id="4" name="Title"/>
           <p:cNvSpPr>
             <a:spLocks noGrp="1"/>
@@ -11294,7 +11290,7 @@
         <p:spPr bwMode="gray">
           <a:xfrm>
             <a:off x="504001" y="504000"/>
-            <a:ext cx="11186476" cy="646331"/>
+            <a:ext cx="11186476" cy="369332"/>
           </a:xfrm>
         </p:spPr>
         <p:txBody>
@@ -11305,351 +11301,281 @@
               <a:rPr lang="en-US" altLang="zh-CN" dirty="0" err="1"/>
               <a:t>OpenTSDB</a:t>
             </a:r>
-            <a:br>
-              <a:rPr lang="en-US" dirty="0"/>
-            </a:br>
-            <a:r>
-              <a:rPr lang="en-US" altLang="zh-CN" sz="1800" b="0" dirty="0"/>
-              <a:t>Time Series</a:t>
-            </a:r>
             <a:endParaRPr lang="en-US" b="0" dirty="0"/>
           </a:p>
         </p:txBody>
       </p:sp>
-      <p:graphicFrame>
-        <p:nvGraphicFramePr>
-          <p:cNvPr id="2" name="表格 2">
+      <p:sp>
+        <p:nvSpPr>
+          <p:cNvPr id="3" name="文本框 2">
             <a:extLst>
               <a:ext uri="{FF2B5EF4-FFF2-40B4-BE49-F238E27FC236}">
-                <a16:creationId xmlns:a16="http://schemas.microsoft.com/office/drawing/2014/main" id="{8E473766-EA23-475E-A11D-63D52EB5601B}"/>
+                <a16:creationId xmlns:a16="http://schemas.microsoft.com/office/drawing/2014/main" id="{1FF6A478-A8DF-44DB-A4F6-3F2E65817EC4}"/>
               </a:ext>
             </a:extLst>
           </p:cNvPr>
-          <p:cNvGraphicFramePr>
-            <a:graphicFrameLocks noGrp="1"/>
-          </p:cNvGraphicFramePr>
-          <p:nvPr>
-            <p:extLst>
-              <p:ext uri="{D42A27DB-BD31-4B8C-83A1-F6EECF244321}">
-                <p14:modId xmlns:p14="http://schemas.microsoft.com/office/powerpoint/2010/main" val="2984531655"/>
-              </p:ext>
-            </p:extLst>
-          </p:nvPr>
-        </p:nvGraphicFramePr>
-        <p:xfrm>
-          <a:off x="2174357" y="3476495"/>
-          <a:ext cx="8294939" cy="2606040"/>
-        </p:xfrm>
-        <a:graphic>
-          <a:graphicData uri="http://schemas.openxmlformats.org/drawingml/2006/table">
-            <a:tbl>
-              <a:tblPr firstRow="1" bandRow="1">
-                <a:tableStyleId>{F2DE63D5-997A-4646-A377-4702673A728D}</a:tableStyleId>
-              </a:tblPr>
-              <a:tblGrid>
-                <a:gridCol w="3507525">
-                  <a:extLst>
-                    <a:ext uri="{9D8B030D-6E8A-4147-A177-3AD203B41FA5}">
-                      <a16:colId xmlns:a16="http://schemas.microsoft.com/office/drawing/2014/main" val="3494984679"/>
-                    </a:ext>
-                  </a:extLst>
-                </a:gridCol>
-                <a:gridCol w="1473059">
-                  <a:extLst>
-                    <a:ext uri="{9D8B030D-6E8A-4147-A177-3AD203B41FA5}">
-                      <a16:colId xmlns:a16="http://schemas.microsoft.com/office/drawing/2014/main" val="3724554972"/>
-                    </a:ext>
-                  </a:extLst>
-                </a:gridCol>
-                <a:gridCol w="3314355">
-                  <a:extLst>
-                    <a:ext uri="{9D8B030D-6E8A-4147-A177-3AD203B41FA5}">
-                      <a16:colId xmlns:a16="http://schemas.microsoft.com/office/drawing/2014/main" val="1096950074"/>
-                    </a:ext>
-                  </a:extLst>
-                </a:gridCol>
-              </a:tblGrid>
-              <a:tr h="339880">
-                <a:tc>
-                  <a:txBody>
-                    <a:bodyPr/>
-                    <a:lstStyle/>
-                    <a:p>
-                      <a:pPr algn="ctr"/>
-                      <a:r>
-                        <a:rPr lang="en-US" altLang="zh-CN" dirty="0"/>
-                        <a:t>Identity(</a:t>
-                      </a:r>
-                      <a:r>
-                        <a:rPr lang="en-US" altLang="zh-CN" dirty="0" err="1"/>
-                        <a:t>Metric+Tag</a:t>
-                      </a:r>
-                      <a:r>
-                        <a:rPr lang="en-US" altLang="zh-CN" dirty="0"/>
-                        <a:t>)</a:t>
-                      </a:r>
-                      <a:endParaRPr lang="zh-CN" altLang="en-US" dirty="0"/>
-                    </a:p>
-                  </a:txBody>
-                  <a:tcPr/>
-                </a:tc>
-                <a:tc>
-                  <a:txBody>
-                    <a:bodyPr/>
-                    <a:lstStyle/>
-                    <a:p>
-                      <a:pPr algn="ctr"/>
-                      <a:r>
-                        <a:rPr lang="en-US" altLang="zh-CN" dirty="0"/>
-                        <a:t>Value </a:t>
-                      </a:r>
-                      <a:endParaRPr lang="zh-CN" altLang="en-US" dirty="0"/>
-                    </a:p>
-                  </a:txBody>
-                  <a:tcPr/>
-                </a:tc>
-                <a:tc>
-                  <a:txBody>
-                    <a:bodyPr/>
-                    <a:lstStyle/>
-                    <a:p>
-                      <a:pPr algn="ctr"/>
-                      <a:r>
-                        <a:rPr lang="en-US" altLang="zh-CN" dirty="0"/>
-                        <a:t>Timestamp</a:t>
-                      </a:r>
-                      <a:endParaRPr lang="zh-CN" altLang="en-US" dirty="0"/>
-                    </a:p>
-                  </a:txBody>
-                  <a:tcPr/>
-                </a:tc>
-                <a:extLst>
-                  <a:ext uri="{0D108BD9-81ED-4DB2-BD59-A6C34878D82A}">
-                    <a16:rowId xmlns:a16="http://schemas.microsoft.com/office/drawing/2014/main" val="3861977526"/>
-                  </a:ext>
-                </a:extLst>
-              </a:tr>
-              <a:tr h="604232">
-                <a:tc>
-                  <a:txBody>
-                    <a:bodyPr/>
-                    <a:lstStyle/>
-                    <a:p>
-                      <a:pPr algn="ctr"/>
-                      <a:r>
-                        <a:rPr lang="en-US" altLang="zh-CN" dirty="0"/>
-                        <a:t>Web01.sys.cpu.busy.pct </a:t>
-                      </a:r>
-                      <a:endParaRPr lang="zh-CN" altLang="en-US" dirty="0"/>
-                    </a:p>
-                  </a:txBody>
-                  <a:tcPr/>
-                </a:tc>
-                <a:tc>
-                  <a:txBody>
-                    <a:bodyPr/>
-                    <a:lstStyle/>
-                    <a:p>
-                      <a:pPr algn="ctr"/>
-                      <a:r>
-                        <a:rPr lang="en-US" altLang="zh-CN" dirty="0"/>
-                        <a:t>45% </a:t>
-                      </a:r>
-                      <a:endParaRPr lang="zh-CN" altLang="en-US" dirty="0"/>
-                    </a:p>
-                  </a:txBody>
-                  <a:tcPr/>
-                </a:tc>
-                <a:tc>
-                  <a:txBody>
-                    <a:bodyPr/>
-                    <a:lstStyle/>
-                    <a:p>
-                      <a:pPr marL="0" marR="0" lvl="0" indent="0" algn="ctr" defTabSz="1088558" rtl="0" eaLnBrk="1" fontAlgn="auto" latinLnBrk="0" hangingPunct="1">
-                        <a:lnSpc>
-                          <a:spcPct val="100000"/>
-                        </a:lnSpc>
-                        <a:spcBef>
-                          <a:spcPts val="0"/>
-                        </a:spcBef>
-                        <a:spcAft>
-                          <a:spcPts val="0"/>
-                        </a:spcAft>
-                        <a:buClrTx/>
-                        <a:buSzTx/>
-                        <a:buFontTx/>
-                        <a:buNone/>
-                        <a:tabLst/>
-                        <a:defRPr/>
-                      </a:pPr>
-                      <a:r>
-                        <a:rPr lang="en-US" altLang="zh-CN" dirty="0"/>
-                        <a:t>1/1/207 12:01:00</a:t>
-                      </a:r>
-                    </a:p>
-                    <a:p>
-                      <a:pPr algn="ctr"/>
-                      <a:endParaRPr lang="zh-CN" altLang="en-US" dirty="0"/>
-                    </a:p>
-                  </a:txBody>
-                  <a:tcPr/>
-                </a:tc>
-                <a:extLst>
-                  <a:ext uri="{0D108BD9-81ED-4DB2-BD59-A6C34878D82A}">
-                    <a16:rowId xmlns:a16="http://schemas.microsoft.com/office/drawing/2014/main" val="498320865"/>
-                  </a:ext>
-                </a:extLst>
-              </a:tr>
-              <a:tr h="604232">
-                <a:tc>
-                  <a:txBody>
-                    <a:bodyPr/>
-                    <a:lstStyle/>
-                    <a:p>
-                      <a:pPr algn="ctr"/>
-                      <a:r>
-                        <a:rPr lang="en-US" altLang="zh-CN" dirty="0"/>
-                        <a:t>Web01.sys.cpu.busy.pct </a:t>
-                      </a:r>
-                      <a:endParaRPr lang="zh-CN" altLang="en-US" dirty="0"/>
-                    </a:p>
-                  </a:txBody>
-                  <a:tcPr/>
-                </a:tc>
-                <a:tc>
-                  <a:txBody>
-                    <a:bodyPr/>
-                    <a:lstStyle/>
-                    <a:p>
-                      <a:pPr algn="ctr"/>
-                      <a:r>
-                        <a:rPr lang="en-US" altLang="zh-CN" dirty="0"/>
-                        <a:t>52% </a:t>
-                      </a:r>
-                      <a:endParaRPr lang="zh-CN" altLang="en-US" dirty="0"/>
-                    </a:p>
-                  </a:txBody>
-                  <a:tcPr/>
-                </a:tc>
-                <a:tc>
-                  <a:txBody>
-                    <a:bodyPr/>
-                    <a:lstStyle/>
-                    <a:p>
-                      <a:pPr marL="0" marR="0" lvl="0" indent="0" algn="ctr" defTabSz="1088558" rtl="0" eaLnBrk="1" fontAlgn="auto" latinLnBrk="0" hangingPunct="1">
-                        <a:lnSpc>
-                          <a:spcPct val="100000"/>
-                        </a:lnSpc>
-                        <a:spcBef>
-                          <a:spcPts val="0"/>
-                        </a:spcBef>
-                        <a:spcAft>
-                          <a:spcPts val="0"/>
-                        </a:spcAft>
-                        <a:buClrTx/>
-                        <a:buSzTx/>
-                        <a:buFontTx/>
-                        <a:buNone/>
-                        <a:tabLst/>
-                        <a:defRPr/>
-                      </a:pPr>
-                      <a:r>
-                        <a:rPr lang="en-US" altLang="zh-CN" dirty="0"/>
-                        <a:t>1/1/207 12:02:00</a:t>
-                      </a:r>
-                    </a:p>
-                    <a:p>
-                      <a:pPr algn="ctr"/>
-                      <a:endParaRPr lang="zh-CN" altLang="en-US" dirty="0"/>
-                    </a:p>
-                  </a:txBody>
-                  <a:tcPr/>
-                </a:tc>
-                <a:extLst>
-                  <a:ext uri="{0D108BD9-81ED-4DB2-BD59-A6C34878D82A}">
-                    <a16:rowId xmlns:a16="http://schemas.microsoft.com/office/drawing/2014/main" val="647851026"/>
-                  </a:ext>
-                </a:extLst>
-              </a:tr>
-              <a:tr h="604232">
-                <a:tc>
-                  <a:txBody>
-                    <a:bodyPr/>
-                    <a:lstStyle/>
-                    <a:p>
-                      <a:pPr algn="ctr"/>
-                      <a:r>
-                        <a:rPr lang="en-US" altLang="zh-CN" dirty="0"/>
-                        <a:t>Web01.sys.cpu.busy.pct </a:t>
-                      </a:r>
-                      <a:endParaRPr lang="zh-CN" altLang="en-US" dirty="0"/>
-                    </a:p>
-                  </a:txBody>
-                  <a:tcPr/>
-                </a:tc>
-                <a:tc>
-                  <a:txBody>
-                    <a:bodyPr/>
-                    <a:lstStyle/>
-                    <a:p>
-                      <a:pPr algn="ctr"/>
-                      <a:r>
-                        <a:rPr lang="en-US" altLang="zh-CN" dirty="0"/>
-                        <a:t>35% </a:t>
-                      </a:r>
-                      <a:endParaRPr lang="zh-CN" altLang="en-US" dirty="0"/>
-                    </a:p>
-                  </a:txBody>
-                  <a:tcPr/>
-                </a:tc>
-                <a:tc>
-                  <a:txBody>
-                    <a:bodyPr/>
-                    <a:lstStyle/>
-                    <a:p>
-                      <a:pPr marL="0" marR="0" lvl="0" indent="0" algn="ctr" defTabSz="1088558" rtl="0" eaLnBrk="1" fontAlgn="auto" latinLnBrk="0" hangingPunct="1">
-                        <a:lnSpc>
-                          <a:spcPct val="100000"/>
-                        </a:lnSpc>
-                        <a:spcBef>
-                          <a:spcPts val="0"/>
-                        </a:spcBef>
-                        <a:spcAft>
-                          <a:spcPts val="0"/>
-                        </a:spcAft>
-                        <a:buClrTx/>
-                        <a:buSzTx/>
-                        <a:buFontTx/>
-                        <a:buNone/>
-                        <a:tabLst/>
-                        <a:defRPr/>
-                      </a:pPr>
-                      <a:r>
-                        <a:rPr lang="en-US" altLang="zh-CN" dirty="0"/>
-                        <a:t>1/1/207 12:03:00</a:t>
-                      </a:r>
-                    </a:p>
-                    <a:p>
-                      <a:pPr algn="ctr"/>
-                      <a:endParaRPr lang="zh-CN" altLang="en-US" dirty="0"/>
-                    </a:p>
-                  </a:txBody>
-                  <a:tcPr/>
-                </a:tc>
-                <a:extLst>
-                  <a:ext uri="{0D108BD9-81ED-4DB2-BD59-A6C34878D82A}">
-                    <a16:rowId xmlns:a16="http://schemas.microsoft.com/office/drawing/2014/main" val="2826638356"/>
-                  </a:ext>
-                </a:extLst>
-              </a:tr>
-            </a:tbl>
-          </a:graphicData>
-        </a:graphic>
-      </p:graphicFrame>
+          <p:cNvSpPr txBox="1"/>
+          <p:nvPr/>
+        </p:nvSpPr>
+        <p:spPr>
+          <a:xfrm>
+            <a:off x="636121" y="1493979"/>
+            <a:ext cx="10711782" cy="4016484"/>
+          </a:xfrm>
+          <a:prstGeom prst="rect">
+            <a:avLst/>
+          </a:prstGeom>
+          <a:noFill/>
+        </p:spPr>
+        <p:txBody>
+          <a:bodyPr wrap="square" lIns="0" tIns="0" rIns="0" bIns="0" rtlCol="0">
+            <a:spAutoFit/>
+          </a:bodyPr>
+          <a:lstStyle/>
+          <a:p>
+            <a:pPr marL="285750" indent="-285750" fontAlgn="base">
+              <a:spcBef>
+                <a:spcPct val="50000"/>
+              </a:spcBef>
+              <a:spcAft>
+                <a:spcPct val="0"/>
+              </a:spcAft>
+              <a:buClr>
+                <a:srgbClr val="F0AB00"/>
+              </a:buClr>
+              <a:buSzPct val="80000"/>
+              <a:buFont typeface="Wingdings" panose="05000000000000000000" pitchFamily="2" charset="2"/>
+              <a:buChar char="n"/>
+            </a:pPr>
+            <a:r>
+              <a:rPr lang="en-US" altLang="zh-CN" sz="1800" b="1" dirty="0" err="1"/>
+              <a:t>OpenTSDB</a:t>
+            </a:r>
+            <a:endParaRPr lang="en-US" altLang="zh-CN" sz="1800" b="1" kern="0" dirty="0">
+              <a:ea typeface="Arial Unicode MS" pitchFamily="34" charset="-128"/>
+              <a:cs typeface="Arial Unicode MS" pitchFamily="34" charset="-128"/>
+            </a:endParaRPr>
+          </a:p>
+          <a:p>
+            <a:pPr marL="830138" lvl="1" indent="-285750" fontAlgn="base">
+              <a:spcBef>
+                <a:spcPct val="50000"/>
+              </a:spcBef>
+              <a:spcAft>
+                <a:spcPct val="0"/>
+              </a:spcAft>
+              <a:buClr>
+                <a:srgbClr val="F0AB00"/>
+              </a:buClr>
+              <a:buSzPct val="80000"/>
+              <a:buFont typeface="Wingdings" panose="05000000000000000000" pitchFamily="2" charset="2"/>
+              <a:buChar char="n"/>
+            </a:pPr>
+            <a:r>
+              <a:rPr lang="en-US" altLang="zh-CN" sz="1800" kern="0" dirty="0">
+                <a:ea typeface="Arial Unicode MS" pitchFamily="34" charset="-128"/>
+                <a:cs typeface="Arial Unicode MS" pitchFamily="34" charset="-128"/>
+              </a:rPr>
+              <a:t>a distributed Time Series Database (TSDB) based on HBase. </a:t>
+            </a:r>
+          </a:p>
+          <a:p>
+            <a:pPr marL="830138" lvl="1" indent="-285750" fontAlgn="base">
+              <a:spcBef>
+                <a:spcPct val="50000"/>
+              </a:spcBef>
+              <a:spcAft>
+                <a:spcPct val="0"/>
+              </a:spcAft>
+              <a:buClr>
+                <a:srgbClr val="F0AB00"/>
+              </a:buClr>
+              <a:buSzPct val="80000"/>
+              <a:buFont typeface="Wingdings" panose="05000000000000000000" pitchFamily="2" charset="2"/>
+              <a:buChar char="n"/>
+            </a:pPr>
+            <a:r>
+              <a:rPr lang="en-US" altLang="zh-CN" sz="1800" kern="0" dirty="0">
+                <a:ea typeface="Arial Unicode MS" pitchFamily="34" charset="-128"/>
+                <a:cs typeface="Arial Unicode MS" pitchFamily="34" charset="-128"/>
+              </a:rPr>
+              <a:t>written by Benoit </a:t>
+            </a:r>
+            <a:r>
+              <a:rPr lang="en-US" altLang="zh-CN" sz="1800" kern="0" dirty="0" err="1">
+                <a:ea typeface="Arial Unicode MS" pitchFamily="34" charset="-128"/>
+                <a:cs typeface="Arial Unicode MS" pitchFamily="34" charset="-128"/>
+              </a:rPr>
+              <a:t>Sigoure</a:t>
+            </a:r>
+            <a:r>
+              <a:rPr lang="en-US" altLang="zh-CN" sz="1800" kern="0" dirty="0">
+                <a:ea typeface="Arial Unicode MS" pitchFamily="34" charset="-128"/>
+                <a:cs typeface="Arial Unicode MS" pitchFamily="34" charset="-128"/>
+              </a:rPr>
+              <a:t> to </a:t>
+            </a:r>
+            <a:r>
+              <a:rPr lang="en-US" altLang="zh-CN" sz="1800" b="1" kern="0" dirty="0">
+                <a:ea typeface="Arial Unicode MS" pitchFamily="34" charset="-128"/>
+                <a:cs typeface="Arial Unicode MS" pitchFamily="34" charset="-128"/>
+              </a:rPr>
+              <a:t>collect, store and display metrics of various computer systems </a:t>
+            </a:r>
+            <a:r>
+              <a:rPr lang="en-US" altLang="zh-CN" sz="1800" kern="0" dirty="0">
+                <a:ea typeface="Arial Unicode MS" pitchFamily="34" charset="-128"/>
+                <a:cs typeface="Arial Unicode MS" pitchFamily="34" charset="-128"/>
+              </a:rPr>
+              <a:t>(network gears, operating systems, applications), and generate readable data graphs easily. </a:t>
+            </a:r>
+          </a:p>
+          <a:p>
+            <a:pPr marL="830138" lvl="1" indent="-285750" fontAlgn="base">
+              <a:spcBef>
+                <a:spcPct val="50000"/>
+              </a:spcBef>
+              <a:spcAft>
+                <a:spcPct val="0"/>
+              </a:spcAft>
+              <a:buClr>
+                <a:srgbClr val="F0AB00"/>
+              </a:buClr>
+              <a:buSzPct val="80000"/>
+              <a:buFont typeface="Wingdings" panose="05000000000000000000" pitchFamily="2" charset="2"/>
+              <a:buChar char="n"/>
+            </a:pPr>
+            <a:r>
+              <a:rPr lang="en-US" altLang="zh-CN" sz="1800" kern="0" dirty="0">
+                <a:ea typeface="Arial Unicode MS" pitchFamily="34" charset="-128"/>
+                <a:cs typeface="Arial Unicode MS" pitchFamily="34" charset="-128"/>
+              </a:rPr>
+              <a:t>the first open-source monitoring system built on an open-source distributed database.</a:t>
+            </a:r>
+          </a:p>
+          <a:p>
+            <a:pPr marL="830138" lvl="1" indent="-285750" fontAlgn="base">
+              <a:spcBef>
+                <a:spcPct val="50000"/>
+              </a:spcBef>
+              <a:spcAft>
+                <a:spcPct val="0"/>
+              </a:spcAft>
+              <a:buClr>
+                <a:srgbClr val="F0AB00"/>
+              </a:buClr>
+              <a:buSzPct val="80000"/>
+              <a:buFont typeface="Wingdings" panose="05000000000000000000" pitchFamily="2" charset="2"/>
+              <a:buChar char="n"/>
+            </a:pPr>
+            <a:r>
+              <a:rPr lang="en-US" altLang="zh-CN" sz="1800" kern="0" dirty="0">
+                <a:ea typeface="Arial Unicode MS" pitchFamily="34" charset="-128"/>
+                <a:cs typeface="Arial Unicode MS" pitchFamily="34" charset="-128"/>
+              </a:rPr>
+              <a:t>written in Java.</a:t>
+            </a:r>
+          </a:p>
+          <a:p>
+            <a:pPr marL="285750" indent="-285750" fontAlgn="base">
+              <a:spcBef>
+                <a:spcPct val="50000"/>
+              </a:spcBef>
+              <a:spcAft>
+                <a:spcPct val="0"/>
+              </a:spcAft>
+              <a:buClr>
+                <a:srgbClr val="F0AB00"/>
+              </a:buClr>
+              <a:buSzPct val="80000"/>
+              <a:buFont typeface="Wingdings" panose="05000000000000000000" pitchFamily="2" charset="2"/>
+              <a:buChar char="n"/>
+            </a:pPr>
+            <a:r>
+              <a:rPr lang="en-US" altLang="zh-CN" sz="1800" b="1" kern="0" dirty="0">
+                <a:ea typeface="Arial Unicode MS" pitchFamily="34" charset="-128"/>
+                <a:cs typeface="Arial Unicode MS" pitchFamily="34" charset="-128"/>
+              </a:rPr>
+              <a:t>History</a:t>
+            </a:r>
+          </a:p>
+          <a:p>
+            <a:pPr marL="830138" lvl="1" indent="-285750" fontAlgn="base">
+              <a:spcBef>
+                <a:spcPct val="50000"/>
+              </a:spcBef>
+              <a:spcAft>
+                <a:spcPct val="0"/>
+              </a:spcAft>
+              <a:buClr>
+                <a:srgbClr val="F0AB00"/>
+              </a:buClr>
+              <a:buSzPct val="80000"/>
+              <a:buFont typeface="Wingdings" panose="05000000000000000000" pitchFamily="2" charset="2"/>
+              <a:buChar char="n"/>
+            </a:pPr>
+            <a:r>
+              <a:rPr lang="en-US" altLang="zh-CN" sz="1800" kern="0" dirty="0" err="1">
+                <a:ea typeface="Arial Unicode MS" pitchFamily="34" charset="-128"/>
+                <a:cs typeface="Arial Unicode MS" pitchFamily="34" charset="-128"/>
+              </a:rPr>
+              <a:t>OpenTSDB</a:t>
+            </a:r>
+            <a:r>
+              <a:rPr lang="en-US" altLang="zh-CN" sz="1800" kern="0" dirty="0">
+                <a:ea typeface="Arial Unicode MS" pitchFamily="34" charset="-128"/>
+                <a:cs typeface="Arial Unicode MS" pitchFamily="34" charset="-128"/>
+              </a:rPr>
+              <a:t> was originally written to monitor metrics of the StumbleUpon search engine which requires storing over 1 billion data points per day. </a:t>
+            </a:r>
+          </a:p>
+          <a:p>
+            <a:pPr marL="830138" lvl="1" indent="-285750" fontAlgn="base">
+              <a:spcBef>
+                <a:spcPct val="50000"/>
+              </a:spcBef>
+              <a:spcAft>
+                <a:spcPct val="0"/>
+              </a:spcAft>
+              <a:buClr>
+                <a:srgbClr val="F0AB00"/>
+              </a:buClr>
+              <a:buSzPct val="80000"/>
+              <a:buFont typeface="Wingdings" panose="05000000000000000000" pitchFamily="2" charset="2"/>
+              <a:buChar char="n"/>
+            </a:pPr>
+            <a:r>
+              <a:rPr lang="en-US" altLang="zh-CN" sz="1800" kern="0" dirty="0">
+                <a:ea typeface="Arial Unicode MS" pitchFamily="34" charset="-128"/>
+                <a:cs typeface="Arial Unicode MS" pitchFamily="34" charset="-128"/>
+              </a:rPr>
+              <a:t>StumbleUpon was in charge of the initial development and its open-source release. Yahoo! is currently maintaining </a:t>
+            </a:r>
+            <a:r>
+              <a:rPr lang="en-US" altLang="zh-CN" sz="1800" kern="0" dirty="0" err="1">
+                <a:ea typeface="Arial Unicode MS" pitchFamily="34" charset="-128"/>
+                <a:cs typeface="Arial Unicode MS" pitchFamily="34" charset="-128"/>
+              </a:rPr>
+              <a:t>OpenTSDB</a:t>
+            </a:r>
+            <a:r>
+              <a:rPr lang="en-US" altLang="zh-CN" sz="1800" kern="0" dirty="0">
+                <a:ea typeface="Arial Unicode MS" pitchFamily="34" charset="-128"/>
+                <a:cs typeface="Arial Unicode MS" pitchFamily="34" charset="-128"/>
+              </a:rPr>
+              <a:t> along with the open-source community.</a:t>
+            </a:r>
+            <a:endParaRPr lang="zh-CN" altLang="en-US" sz="1800" kern="0" dirty="0" err="1">
+              <a:ea typeface="Arial Unicode MS" pitchFamily="34" charset="-128"/>
+              <a:cs typeface="Arial Unicode MS" pitchFamily="34" charset="-128"/>
+            </a:endParaRPr>
+          </a:p>
+        </p:txBody>
+      </p:sp>
     </p:spTree>
     <p:extLst>
       <p:ext uri="{BB962C8B-B14F-4D97-AF65-F5344CB8AC3E}">
-        <p14:creationId xmlns:p14="http://schemas.microsoft.com/office/powerpoint/2010/main" val="1776566788"/>
+        <p14:creationId xmlns:p14="http://schemas.microsoft.com/office/powerpoint/2010/main" val="1132192457"/>
       </p:ext>
     </p:extLst>
   </p:cSld>
@@ -11689,7 +11615,7 @@
         <p:spPr bwMode="gray">
           <a:xfrm>
             <a:off x="504001" y="504000"/>
-            <a:ext cx="11186476" cy="369332"/>
+            <a:ext cx="11186476" cy="646331"/>
           </a:xfrm>
         </p:spPr>
         <p:txBody>
@@ -11697,8 +11623,15 @@
           <a:lstStyle/>
           <a:p>
             <a:r>
-              <a:rPr lang="en-US" altLang="zh-CN" dirty="0" err="1"/>
+              <a:rPr lang="en-US" dirty="0" err="1"/>
               <a:t>OpenTSDB</a:t>
+            </a:r>
+            <a:br>
+              <a:rPr lang="en-US" dirty="0"/>
+            </a:br>
+            <a:r>
+              <a:rPr lang="en-US" sz="1800" b="0" dirty="0"/>
+              <a:t>Techniques</a:t>
             </a:r>
             <a:endParaRPr lang="en-US" b="0" dirty="0"/>
           </a:p>
@@ -11709,7 +11642,7 @@
           <p:cNvPr id="3" name="文本框 2">
             <a:extLst>
               <a:ext uri="{FF2B5EF4-FFF2-40B4-BE49-F238E27FC236}">
-                <a16:creationId xmlns:a16="http://schemas.microsoft.com/office/drawing/2014/main" id="{1FF6A478-A8DF-44DB-A4F6-3F2E65817EC4}"/>
+                <a16:creationId xmlns:a16="http://schemas.microsoft.com/office/drawing/2014/main" id="{EF2C64E3-0243-43DD-A317-2CEC58A4B0CD}"/>
               </a:ext>
             </a:extLst>
           </p:cNvPr>
@@ -11718,8 +11651,8 @@
         </p:nvSpPr>
         <p:spPr>
           <a:xfrm>
-            <a:off x="636121" y="1493979"/>
-            <a:ext cx="10711782" cy="4016484"/>
+            <a:off x="588527" y="1362106"/>
+            <a:ext cx="9738816" cy="3631763"/>
           </a:xfrm>
           <a:prstGeom prst="rect">
             <a:avLst/>
@@ -11747,13 +11680,12 @@
               <a:buChar char="n"/>
             </a:pPr>
             <a:r>
-              <a:rPr lang="en-US" altLang="zh-CN" sz="1800" b="1" dirty="0" err="1"/>
-              <a:t>OpenTSDB</a:t>
-            </a:r>
-            <a:endParaRPr lang="en-US" altLang="zh-CN" sz="1800" b="1" kern="0" dirty="0">
-              <a:ea typeface="Arial Unicode MS" pitchFamily="34" charset="-128"/>
-              <a:cs typeface="Arial Unicode MS" pitchFamily="34" charset="-128"/>
-            </a:endParaRPr>
+              <a:rPr lang="en-US" altLang="zh-CN" sz="2000" b="1" kern="0" dirty="0">
+                <a:ea typeface="Arial Unicode MS" pitchFamily="34" charset="-128"/>
+                <a:cs typeface="Arial Unicode MS" pitchFamily="34" charset="-128"/>
+              </a:rPr>
+              <a:t>Compression: Naïve (Page-Level) Naïve (Record-Level)</a:t>
+            </a:r>
           </a:p>
           <a:p>
             <a:pPr marL="830138" lvl="1" indent="-285750" fontAlgn="base">
@@ -11771,11 +11703,106 @@
               <a:buChar char="n"/>
             </a:pPr>
             <a:r>
+              <a:rPr lang="en-US" altLang="zh-CN" sz="1800" kern="0" dirty="0" err="1">
+                <a:ea typeface="Arial Unicode MS" pitchFamily="34" charset="-128"/>
+                <a:cs typeface="Arial Unicode MS" pitchFamily="34" charset="-128"/>
+              </a:rPr>
+              <a:t>OpenTSDB</a:t>
+            </a:r>
+            <a:r>
               <a:rPr lang="en-US" altLang="zh-CN" sz="1800" kern="0" dirty="0">
                 <a:ea typeface="Arial Unicode MS" pitchFamily="34" charset="-128"/>
                 <a:cs typeface="Arial Unicode MS" pitchFamily="34" charset="-128"/>
               </a:rPr>
-              <a:t>a distributed Time Series Database (TSDB) based on HBase. </a:t>
+              <a:t> uses Row Compaction to compress data. </a:t>
+            </a:r>
+          </a:p>
+          <a:p>
+            <a:pPr marL="1374526" lvl="2" indent="-285750" fontAlgn="base">
+              <a:spcBef>
+                <a:spcPct val="50000"/>
+              </a:spcBef>
+              <a:spcAft>
+                <a:spcPct val="0"/>
+              </a:spcAft>
+              <a:buClr>
+                <a:srgbClr val="F0AB00"/>
+              </a:buClr>
+              <a:buFont typeface="Wingdings" panose="05000000000000000000" pitchFamily="2" charset="2"/>
+              <a:buChar char="n"/>
+            </a:pPr>
+            <a:r>
+              <a:rPr lang="en-US" altLang="zh-CN" sz="1400" kern="0" dirty="0">
+                <a:ea typeface="Arial Unicode MS" pitchFamily="34" charset="-128"/>
+                <a:cs typeface="Arial Unicode MS" pitchFamily="34" charset="-128"/>
+              </a:rPr>
+              <a:t>Whenever a cell is to be written, its row key is pushed into a compaction queue. </a:t>
+            </a:r>
+          </a:p>
+          <a:p>
+            <a:pPr marL="1374526" lvl="2" indent="-285750" fontAlgn="base">
+              <a:spcBef>
+                <a:spcPct val="50000"/>
+              </a:spcBef>
+              <a:spcAft>
+                <a:spcPct val="0"/>
+              </a:spcAft>
+              <a:buClr>
+                <a:srgbClr val="F0AB00"/>
+              </a:buClr>
+              <a:buFont typeface="Wingdings" panose="05000000000000000000" pitchFamily="2" charset="2"/>
+              <a:buChar char="n"/>
+            </a:pPr>
+            <a:r>
+              <a:rPr lang="en-US" altLang="zh-CN" sz="1400" kern="0" dirty="0">
+                <a:ea typeface="Arial Unicode MS" pitchFamily="34" charset="-128"/>
+                <a:cs typeface="Arial Unicode MS" pitchFamily="34" charset="-128"/>
+              </a:rPr>
+              <a:t>There is a separate thread that periodically goes through the queue and aggregate data with the same key into a big cell.</a:t>
+            </a:r>
+          </a:p>
+          <a:p>
+            <a:pPr marL="1374526" lvl="2" indent="-285750" fontAlgn="base">
+              <a:spcBef>
+                <a:spcPct val="50000"/>
+              </a:spcBef>
+              <a:spcAft>
+                <a:spcPct val="0"/>
+              </a:spcAft>
+              <a:buClr>
+                <a:srgbClr val="F0AB00"/>
+              </a:buClr>
+              <a:buFont typeface="Wingdings" panose="05000000000000000000" pitchFamily="2" charset="2"/>
+              <a:buChar char="n"/>
+            </a:pPr>
+            <a:r>
+              <a:rPr lang="en-US" altLang="zh-CN" sz="1400" kern="0" dirty="0">
+                <a:ea typeface="Arial Unicode MS" pitchFamily="34" charset="-128"/>
+                <a:cs typeface="Arial Unicode MS" pitchFamily="34" charset="-128"/>
+              </a:rPr>
+              <a:t> It then writes the big cell and deletes the individual cells in the queue. </a:t>
+            </a:r>
+          </a:p>
+          <a:p>
+            <a:pPr marL="1374526" lvl="2" indent="-285750" fontAlgn="base">
+              <a:spcBef>
+                <a:spcPct val="50000"/>
+              </a:spcBef>
+              <a:spcAft>
+                <a:spcPct val="0"/>
+              </a:spcAft>
+              <a:buClr>
+                <a:srgbClr val="F0AB00"/>
+              </a:buClr>
+              <a:buFont typeface="Wingdings" panose="05000000000000000000" pitchFamily="2" charset="2"/>
+              <a:buChar char="n"/>
+            </a:pPr>
+            <a:r>
+              <a:rPr lang="en-US" altLang="zh-CN" sz="1400" kern="0" dirty="0">
+                <a:ea typeface="Arial Unicode MS" pitchFamily="34" charset="-128"/>
+                <a:cs typeface="Arial Unicode MS" pitchFamily="34" charset="-128"/>
+              </a:rPr>
+              <a:t>This process is effective because in HBase the row key is repeated for every single cell, and there is no way to efficiently append byte at the end of a cell.</a:t>
             </a:r>
           </a:p>
           <a:p>
@@ -11798,81 +11825,21 @@
                 <a:ea typeface="Arial Unicode MS" pitchFamily="34" charset="-128"/>
                 <a:cs typeface="Arial Unicode MS" pitchFamily="34" charset="-128"/>
               </a:rPr>
-              <a:t>written by Benoit </a:t>
+              <a:t>At data level, </a:t>
             </a:r>
             <a:r>
               <a:rPr lang="en-US" altLang="zh-CN" sz="1800" kern="0" dirty="0" err="1">
                 <a:ea typeface="Arial Unicode MS" pitchFamily="34" charset="-128"/>
                 <a:cs typeface="Arial Unicode MS" pitchFamily="34" charset="-128"/>
               </a:rPr>
-              <a:t>Sigoure</a:t>
+              <a:t>OpenTSDB</a:t>
             </a:r>
             <a:r>
               <a:rPr lang="en-US" altLang="zh-CN" sz="1800" kern="0" dirty="0">
                 <a:ea typeface="Arial Unicode MS" pitchFamily="34" charset="-128"/>
                 <a:cs typeface="Arial Unicode MS" pitchFamily="34" charset="-128"/>
               </a:rPr>
-              <a:t> to </a:t>
-            </a:r>
-            <a:r>
-              <a:rPr lang="en-US" altLang="zh-CN" sz="1800" b="1" kern="0" dirty="0">
-                <a:ea typeface="Arial Unicode MS" pitchFamily="34" charset="-128"/>
-                <a:cs typeface="Arial Unicode MS" pitchFamily="34" charset="-128"/>
-              </a:rPr>
-              <a:t>collect, store and display metrics of various computer systems </a:t>
-            </a:r>
-            <a:r>
-              <a:rPr lang="en-US" altLang="zh-CN" sz="1800" kern="0" dirty="0">
-                <a:ea typeface="Arial Unicode MS" pitchFamily="34" charset="-128"/>
-                <a:cs typeface="Arial Unicode MS" pitchFamily="34" charset="-128"/>
-              </a:rPr>
-              <a:t>(network gears, operating systems, applications), and generate readable data graphs easily. </a:t>
-            </a:r>
-          </a:p>
-          <a:p>
-            <a:pPr marL="830138" lvl="1" indent="-285750" fontAlgn="base">
-              <a:spcBef>
-                <a:spcPct val="50000"/>
-              </a:spcBef>
-              <a:spcAft>
-                <a:spcPct val="0"/>
-              </a:spcAft>
-              <a:buClr>
-                <a:srgbClr val="F0AB00"/>
-              </a:buClr>
-              <a:buSzPct val="80000"/>
-              <a:buFont typeface="Wingdings" panose="05000000000000000000" pitchFamily="2" charset="2"/>
-              <a:buChar char="n"/>
-            </a:pPr>
-            <a:r>
-              <a:rPr lang="en-US" altLang="zh-CN" sz="1800" kern="0" dirty="0">
-                <a:ea typeface="Arial Unicode MS" pitchFamily="34" charset="-128"/>
-                <a:cs typeface="Arial Unicode MS" pitchFamily="34" charset="-128"/>
-              </a:rPr>
-              <a:t>the first open-source monitoring system built on an open-source distributed database.</a:t>
-            </a:r>
-          </a:p>
-          <a:p>
-            <a:pPr marL="830138" lvl="1" indent="-285750" fontAlgn="base">
-              <a:spcBef>
-                <a:spcPct val="50000"/>
-              </a:spcBef>
-              <a:spcAft>
-                <a:spcPct val="0"/>
-              </a:spcAft>
-              <a:buClr>
-                <a:srgbClr val="F0AB00"/>
-              </a:buClr>
-              <a:buSzPct val="80000"/>
-              <a:buFont typeface="Wingdings" panose="05000000000000000000" pitchFamily="2" charset="2"/>
-              <a:buChar char="n"/>
-            </a:pPr>
-            <a:r>
-              <a:rPr lang="en-US" altLang="zh-CN" sz="1800" kern="0" dirty="0">
-                <a:ea typeface="Arial Unicode MS" pitchFamily="34" charset="-128"/>
-                <a:cs typeface="Arial Unicode MS" pitchFamily="34" charset="-128"/>
-              </a:rPr>
-              <a:t>written in Java.</a:t>
+              <a:t> uses LZO compression algorithm.</a:t>
             </a:r>
           </a:p>
           <a:p>
@@ -11891,372 +11858,6 @@
               <a:buChar char="n"/>
             </a:pPr>
             <a:r>
-              <a:rPr lang="en-US" altLang="zh-CN" sz="1800" b="1" kern="0" dirty="0">
-                <a:ea typeface="Arial Unicode MS" pitchFamily="34" charset="-128"/>
-                <a:cs typeface="Arial Unicode MS" pitchFamily="34" charset="-128"/>
-              </a:rPr>
-              <a:t>History</a:t>
-            </a:r>
-          </a:p>
-          <a:p>
-            <a:pPr marL="830138" lvl="1" indent="-285750" fontAlgn="base">
-              <a:spcBef>
-                <a:spcPct val="50000"/>
-              </a:spcBef>
-              <a:spcAft>
-                <a:spcPct val="0"/>
-              </a:spcAft>
-              <a:buClr>
-                <a:srgbClr val="F0AB00"/>
-              </a:buClr>
-              <a:buSzPct val="80000"/>
-              <a:buFont typeface="Wingdings" panose="05000000000000000000" pitchFamily="2" charset="2"/>
-              <a:buChar char="n"/>
-            </a:pPr>
-            <a:r>
-              <a:rPr lang="en-US" altLang="zh-CN" sz="1800" kern="0" dirty="0" err="1">
-                <a:ea typeface="Arial Unicode MS" pitchFamily="34" charset="-128"/>
-                <a:cs typeface="Arial Unicode MS" pitchFamily="34" charset="-128"/>
-              </a:rPr>
-              <a:t>OpenTSDB</a:t>
-            </a:r>
-            <a:r>
-              <a:rPr lang="en-US" altLang="zh-CN" sz="1800" kern="0" dirty="0">
-                <a:ea typeface="Arial Unicode MS" pitchFamily="34" charset="-128"/>
-                <a:cs typeface="Arial Unicode MS" pitchFamily="34" charset="-128"/>
-              </a:rPr>
-              <a:t> was originally written to monitor metrics of the StumbleUpon search engine which requires storing over 1 billion data points per day. </a:t>
-            </a:r>
-          </a:p>
-          <a:p>
-            <a:pPr marL="830138" lvl="1" indent="-285750" fontAlgn="base">
-              <a:spcBef>
-                <a:spcPct val="50000"/>
-              </a:spcBef>
-              <a:spcAft>
-                <a:spcPct val="0"/>
-              </a:spcAft>
-              <a:buClr>
-                <a:srgbClr val="F0AB00"/>
-              </a:buClr>
-              <a:buSzPct val="80000"/>
-              <a:buFont typeface="Wingdings" panose="05000000000000000000" pitchFamily="2" charset="2"/>
-              <a:buChar char="n"/>
-            </a:pPr>
-            <a:r>
-              <a:rPr lang="en-US" altLang="zh-CN" sz="1800" kern="0" dirty="0">
-                <a:ea typeface="Arial Unicode MS" pitchFamily="34" charset="-128"/>
-                <a:cs typeface="Arial Unicode MS" pitchFamily="34" charset="-128"/>
-              </a:rPr>
-              <a:t>StumbleUpon was in charge of the initial development and its open-source release. Yahoo! is currently maintaining </a:t>
-            </a:r>
-            <a:r>
-              <a:rPr lang="en-US" altLang="zh-CN" sz="1800" kern="0" dirty="0" err="1">
-                <a:ea typeface="Arial Unicode MS" pitchFamily="34" charset="-128"/>
-                <a:cs typeface="Arial Unicode MS" pitchFamily="34" charset="-128"/>
-              </a:rPr>
-              <a:t>OpenTSDB</a:t>
-            </a:r>
-            <a:r>
-              <a:rPr lang="en-US" altLang="zh-CN" sz="1800" kern="0" dirty="0">
-                <a:ea typeface="Arial Unicode MS" pitchFamily="34" charset="-128"/>
-                <a:cs typeface="Arial Unicode MS" pitchFamily="34" charset="-128"/>
-              </a:rPr>
-              <a:t> along with the open-source community.</a:t>
-            </a:r>
-            <a:endParaRPr lang="zh-CN" altLang="en-US" sz="1800" kern="0" dirty="0" err="1">
-              <a:ea typeface="Arial Unicode MS" pitchFamily="34" charset="-128"/>
-              <a:cs typeface="Arial Unicode MS" pitchFamily="34" charset="-128"/>
-            </a:endParaRPr>
-          </a:p>
-        </p:txBody>
-      </p:sp>
-    </p:spTree>
-    <p:extLst>
-      <p:ext uri="{BB962C8B-B14F-4D97-AF65-F5344CB8AC3E}">
-        <p14:creationId xmlns:p14="http://schemas.microsoft.com/office/powerpoint/2010/main" val="1132192457"/>
-      </p:ext>
-    </p:extLst>
-  </p:cSld>
-  <p:clrMapOvr>
-    <a:masterClrMapping/>
-  </p:clrMapOvr>
-</p:sld>
-</file>
-
-<file path=ppt/slides/slide6.xml><?xml version="1.0" encoding="utf-8"?>
-<p:sld xmlns:a="http://schemas.openxmlformats.org/drawingml/2006/main" xmlns:r="http://schemas.openxmlformats.org/officeDocument/2006/relationships" xmlns:p="http://schemas.openxmlformats.org/presentationml/2006/main">
-  <p:cSld>
-    <p:spTree>
-      <p:nvGrpSpPr>
-        <p:cNvPr id="1" name=""/>
-        <p:cNvGrpSpPr/>
-        <p:nvPr/>
-      </p:nvGrpSpPr>
-      <p:grpSpPr>
-        <a:xfrm>
-          <a:off x="0" y="0"/>
-          <a:ext cx="0" cy="0"/>
-          <a:chOff x="0" y="0"/>
-          <a:chExt cx="0" cy="0"/>
-        </a:xfrm>
-      </p:grpSpPr>
-      <p:sp>
-        <p:nvSpPr>
-          <p:cNvPr id="4" name="Title"/>
-          <p:cNvSpPr>
-            <a:spLocks noGrp="1"/>
-          </p:cNvSpPr>
-          <p:nvPr>
-            <p:ph type="title"/>
-          </p:nvPr>
-        </p:nvSpPr>
-        <p:spPr bwMode="gray">
-          <a:xfrm>
-            <a:off x="504001" y="504000"/>
-            <a:ext cx="11186476" cy="646331"/>
-          </a:xfrm>
-        </p:spPr>
-        <p:txBody>
-          <a:bodyPr/>
-          <a:lstStyle/>
-          <a:p>
-            <a:r>
-              <a:rPr lang="en-US" dirty="0" err="1"/>
-              <a:t>OpenTSDB</a:t>
-            </a:r>
-            <a:br>
-              <a:rPr lang="en-US" dirty="0"/>
-            </a:br>
-            <a:r>
-              <a:rPr lang="en-US" sz="1800" b="0" dirty="0"/>
-              <a:t>Techniques</a:t>
-            </a:r>
-            <a:endParaRPr lang="en-US" b="0" dirty="0"/>
-          </a:p>
-        </p:txBody>
-      </p:sp>
-      <p:sp>
-        <p:nvSpPr>
-          <p:cNvPr id="3" name="文本框 2">
-            <a:extLst>
-              <a:ext uri="{FF2B5EF4-FFF2-40B4-BE49-F238E27FC236}">
-                <a16:creationId xmlns:a16="http://schemas.microsoft.com/office/drawing/2014/main" id="{EF2C64E3-0243-43DD-A317-2CEC58A4B0CD}"/>
-              </a:ext>
-            </a:extLst>
-          </p:cNvPr>
-          <p:cNvSpPr txBox="1"/>
-          <p:nvPr/>
-        </p:nvSpPr>
-        <p:spPr>
-          <a:xfrm>
-            <a:off x="588527" y="1362106"/>
-            <a:ext cx="9738816" cy="3631763"/>
-          </a:xfrm>
-          <a:prstGeom prst="rect">
-            <a:avLst/>
-          </a:prstGeom>
-          <a:noFill/>
-        </p:spPr>
-        <p:txBody>
-          <a:bodyPr wrap="square" lIns="0" tIns="0" rIns="0" bIns="0" rtlCol="0">
-            <a:spAutoFit/>
-          </a:bodyPr>
-          <a:lstStyle/>
-          <a:p>
-            <a:pPr marL="285750" indent="-285750" fontAlgn="base">
-              <a:spcBef>
-                <a:spcPct val="50000"/>
-              </a:spcBef>
-              <a:spcAft>
-                <a:spcPct val="0"/>
-              </a:spcAft>
-              <a:buClr>
-                <a:srgbClr val="F0AB00"/>
-              </a:buClr>
-              <a:buSzPct val="80000"/>
-              <a:buFont typeface="Wingdings" panose="05000000000000000000" pitchFamily="2" charset="2"/>
-              <a:buChar char="n"/>
-            </a:pPr>
-            <a:r>
-              <a:rPr lang="en-US" altLang="zh-CN" sz="2000" b="1" kern="0" dirty="0">
-                <a:ea typeface="Arial Unicode MS" pitchFamily="34" charset="-128"/>
-                <a:cs typeface="Arial Unicode MS" pitchFamily="34" charset="-128"/>
-              </a:rPr>
-              <a:t>Compression: Naïve (Page-Level) Naïve (Record-Level)</a:t>
-            </a:r>
-          </a:p>
-          <a:p>
-            <a:pPr marL="830138" lvl="1" indent="-285750" fontAlgn="base">
-              <a:spcBef>
-                <a:spcPct val="50000"/>
-              </a:spcBef>
-              <a:spcAft>
-                <a:spcPct val="0"/>
-              </a:spcAft>
-              <a:buClr>
-                <a:srgbClr val="F0AB00"/>
-              </a:buClr>
-              <a:buSzPct val="80000"/>
-              <a:buFont typeface="Wingdings" panose="05000000000000000000" pitchFamily="2" charset="2"/>
-              <a:buChar char="n"/>
-            </a:pPr>
-            <a:r>
-              <a:rPr lang="en-US" altLang="zh-CN" sz="1800" kern="0" dirty="0" err="1">
-                <a:ea typeface="Arial Unicode MS" pitchFamily="34" charset="-128"/>
-                <a:cs typeface="Arial Unicode MS" pitchFamily="34" charset="-128"/>
-              </a:rPr>
-              <a:t>OpenTSDB</a:t>
-            </a:r>
-            <a:r>
-              <a:rPr lang="en-US" altLang="zh-CN" sz="1800" kern="0" dirty="0">
-                <a:ea typeface="Arial Unicode MS" pitchFamily="34" charset="-128"/>
-                <a:cs typeface="Arial Unicode MS" pitchFamily="34" charset="-128"/>
-              </a:rPr>
-              <a:t> uses Row Compaction to compress data. </a:t>
-            </a:r>
-          </a:p>
-          <a:p>
-            <a:pPr marL="1374526" lvl="2" indent="-285750" fontAlgn="base">
-              <a:spcBef>
-                <a:spcPct val="50000"/>
-              </a:spcBef>
-              <a:spcAft>
-                <a:spcPct val="0"/>
-              </a:spcAft>
-              <a:buClr>
-                <a:srgbClr val="F0AB00"/>
-              </a:buClr>
-              <a:buFont typeface="Wingdings" panose="05000000000000000000" pitchFamily="2" charset="2"/>
-              <a:buChar char="n"/>
-            </a:pPr>
-            <a:r>
-              <a:rPr lang="en-US" altLang="zh-CN" sz="1400" kern="0" dirty="0">
-                <a:ea typeface="Arial Unicode MS" pitchFamily="34" charset="-128"/>
-                <a:cs typeface="Arial Unicode MS" pitchFamily="34" charset="-128"/>
-              </a:rPr>
-              <a:t>Whenever a cell is to be written, its row key is pushed into a compaction queue. </a:t>
-            </a:r>
-          </a:p>
-          <a:p>
-            <a:pPr marL="1374526" lvl="2" indent="-285750" fontAlgn="base">
-              <a:spcBef>
-                <a:spcPct val="50000"/>
-              </a:spcBef>
-              <a:spcAft>
-                <a:spcPct val="0"/>
-              </a:spcAft>
-              <a:buClr>
-                <a:srgbClr val="F0AB00"/>
-              </a:buClr>
-              <a:buFont typeface="Wingdings" panose="05000000000000000000" pitchFamily="2" charset="2"/>
-              <a:buChar char="n"/>
-            </a:pPr>
-            <a:r>
-              <a:rPr lang="en-US" altLang="zh-CN" sz="1400" kern="0" dirty="0">
-                <a:ea typeface="Arial Unicode MS" pitchFamily="34" charset="-128"/>
-                <a:cs typeface="Arial Unicode MS" pitchFamily="34" charset="-128"/>
-              </a:rPr>
-              <a:t>There is a separate thread that periodically goes through the queue and aggregate data with the same key into a big cell.</a:t>
-            </a:r>
-          </a:p>
-          <a:p>
-            <a:pPr marL="1374526" lvl="2" indent="-285750" fontAlgn="base">
-              <a:spcBef>
-                <a:spcPct val="50000"/>
-              </a:spcBef>
-              <a:spcAft>
-                <a:spcPct val="0"/>
-              </a:spcAft>
-              <a:buClr>
-                <a:srgbClr val="F0AB00"/>
-              </a:buClr>
-              <a:buFont typeface="Wingdings" panose="05000000000000000000" pitchFamily="2" charset="2"/>
-              <a:buChar char="n"/>
-            </a:pPr>
-            <a:r>
-              <a:rPr lang="en-US" altLang="zh-CN" sz="1400" kern="0" dirty="0">
-                <a:ea typeface="Arial Unicode MS" pitchFamily="34" charset="-128"/>
-                <a:cs typeface="Arial Unicode MS" pitchFamily="34" charset="-128"/>
-              </a:rPr>
-              <a:t> It then writes the big cell and deletes the individual cells in the queue. </a:t>
-            </a:r>
-          </a:p>
-          <a:p>
-            <a:pPr marL="1374526" lvl="2" indent="-285750" fontAlgn="base">
-              <a:spcBef>
-                <a:spcPct val="50000"/>
-              </a:spcBef>
-              <a:spcAft>
-                <a:spcPct val="0"/>
-              </a:spcAft>
-              <a:buClr>
-                <a:srgbClr val="F0AB00"/>
-              </a:buClr>
-              <a:buFont typeface="Wingdings" panose="05000000000000000000" pitchFamily="2" charset="2"/>
-              <a:buChar char="n"/>
-            </a:pPr>
-            <a:r>
-              <a:rPr lang="en-US" altLang="zh-CN" sz="1400" kern="0" dirty="0">
-                <a:ea typeface="Arial Unicode MS" pitchFamily="34" charset="-128"/>
-                <a:cs typeface="Arial Unicode MS" pitchFamily="34" charset="-128"/>
-              </a:rPr>
-              <a:t>This process is effective because in HBase the row key is repeated for every single cell, and there is no way to efficiently append byte at the end of a cell.</a:t>
-            </a:r>
-          </a:p>
-          <a:p>
-            <a:pPr marL="830138" lvl="1" indent="-285750" fontAlgn="base">
-              <a:spcBef>
-                <a:spcPct val="50000"/>
-              </a:spcBef>
-              <a:spcAft>
-                <a:spcPct val="0"/>
-              </a:spcAft>
-              <a:buClr>
-                <a:srgbClr val="F0AB00"/>
-              </a:buClr>
-              <a:buSzPct val="80000"/>
-              <a:buFont typeface="Wingdings" panose="05000000000000000000" pitchFamily="2" charset="2"/>
-              <a:buChar char="n"/>
-            </a:pPr>
-            <a:r>
-              <a:rPr lang="en-US" altLang="zh-CN" sz="1800" kern="0" dirty="0">
-                <a:ea typeface="Arial Unicode MS" pitchFamily="34" charset="-128"/>
-                <a:cs typeface="Arial Unicode MS" pitchFamily="34" charset="-128"/>
-              </a:rPr>
-              <a:t>At data level, </a:t>
-            </a:r>
-            <a:r>
-              <a:rPr lang="en-US" altLang="zh-CN" sz="1800" kern="0" dirty="0" err="1">
-                <a:ea typeface="Arial Unicode MS" pitchFamily="34" charset="-128"/>
-                <a:cs typeface="Arial Unicode MS" pitchFamily="34" charset="-128"/>
-              </a:rPr>
-              <a:t>OpenTSDB</a:t>
-            </a:r>
-            <a:r>
-              <a:rPr lang="en-US" altLang="zh-CN" sz="1800" kern="0" dirty="0">
-                <a:ea typeface="Arial Unicode MS" pitchFamily="34" charset="-128"/>
-                <a:cs typeface="Arial Unicode MS" pitchFamily="34" charset="-128"/>
-              </a:rPr>
-              <a:t> uses LZO compression algorithm.</a:t>
-            </a:r>
-          </a:p>
-          <a:p>
-            <a:pPr marL="285750" indent="-285750" fontAlgn="base">
-              <a:spcBef>
-                <a:spcPct val="50000"/>
-              </a:spcBef>
-              <a:spcAft>
-                <a:spcPct val="0"/>
-              </a:spcAft>
-              <a:buClr>
-                <a:srgbClr val="F0AB00"/>
-              </a:buClr>
-              <a:buSzPct val="80000"/>
-              <a:buFont typeface="Wingdings" panose="05000000000000000000" pitchFamily="2" charset="2"/>
-              <a:buChar char="n"/>
-            </a:pPr>
-            <a:r>
               <a:rPr lang="en-US" altLang="zh-CN" sz="2000" kern="0" dirty="0">
                 <a:ea typeface="Arial Unicode MS" pitchFamily="34" charset="-128"/>
                 <a:cs typeface="Arial Unicode MS" pitchFamily="34" charset="-128"/>
@@ -12297,7 +11898,7 @@
 </p:sld>
 </file>
 
-<file path=ppt/slides/slide7.xml><?xml version="1.0" encoding="utf-8"?>
+<file path=ppt/slides/slide6.xml><?xml version="1.0" encoding="utf-8"?>
 <p:sld xmlns:a="http://schemas.openxmlformats.org/drawingml/2006/main" xmlns:r="http://schemas.openxmlformats.org/officeDocument/2006/relationships" xmlns:p="http://schemas.openxmlformats.org/presentationml/2006/main">
   <p:cSld>
     <p:spTree>
@@ -12831,6 +12432,231 @@
 </p:sld>
 </file>
 
+<file path=ppt/slides/slide7.xml><?xml version="1.0" encoding="utf-8"?>
+<p:sld xmlns:a="http://schemas.openxmlformats.org/drawingml/2006/main" xmlns:r="http://schemas.openxmlformats.org/officeDocument/2006/relationships" xmlns:p="http://schemas.openxmlformats.org/presentationml/2006/main">
+  <p:cSld>
+    <p:spTree>
+      <p:nvGrpSpPr>
+        <p:cNvPr id="1" name=""/>
+        <p:cNvGrpSpPr/>
+        <p:nvPr/>
+      </p:nvGrpSpPr>
+      <p:grpSpPr>
+        <a:xfrm>
+          <a:off x="0" y="0"/>
+          <a:ext cx="0" cy="0"/>
+          <a:chOff x="0" y="0"/>
+          <a:chExt cx="0" cy="0"/>
+        </a:xfrm>
+      </p:grpSpPr>
+      <p:sp>
+        <p:nvSpPr>
+          <p:cNvPr id="4" name="Title"/>
+          <p:cNvSpPr>
+            <a:spLocks noGrp="1"/>
+          </p:cNvSpPr>
+          <p:nvPr>
+            <p:ph type="title"/>
+          </p:nvPr>
+        </p:nvSpPr>
+        <p:spPr bwMode="gray">
+          <a:xfrm>
+            <a:off x="504001" y="504000"/>
+            <a:ext cx="11186476" cy="646331"/>
+          </a:xfrm>
+        </p:spPr>
+        <p:txBody>
+          <a:bodyPr/>
+          <a:lstStyle/>
+          <a:p>
+            <a:r>
+              <a:rPr lang="en-US" dirty="0" err="1"/>
+              <a:t>OpenTSDB</a:t>
+            </a:r>
+            <a:br>
+              <a:rPr lang="en-US" dirty="0"/>
+            </a:br>
+            <a:r>
+              <a:rPr lang="en-US" sz="1800" b="0" dirty="0"/>
+              <a:t>Techniques</a:t>
+            </a:r>
+            <a:endParaRPr lang="en-US" b="0" dirty="0"/>
+          </a:p>
+        </p:txBody>
+      </p:sp>
+      <p:sp>
+        <p:nvSpPr>
+          <p:cNvPr id="3" name="文本框 2">
+            <a:extLst>
+              <a:ext uri="{FF2B5EF4-FFF2-40B4-BE49-F238E27FC236}">
+                <a16:creationId xmlns:a16="http://schemas.microsoft.com/office/drawing/2014/main" id="{EF2C64E3-0243-43DD-A317-2CEC58A4B0CD}"/>
+              </a:ext>
+            </a:extLst>
+          </p:cNvPr>
+          <p:cNvSpPr txBox="1"/>
+          <p:nvPr/>
+        </p:nvSpPr>
+        <p:spPr>
+          <a:xfrm>
+            <a:off x="669208" y="1488142"/>
+            <a:ext cx="10856759" cy="2769989"/>
+          </a:xfrm>
+          <a:prstGeom prst="rect">
+            <a:avLst/>
+          </a:prstGeom>
+          <a:noFill/>
+        </p:spPr>
+        <p:txBody>
+          <a:bodyPr wrap="square" lIns="0" tIns="0" rIns="0" bIns="0" rtlCol="0">
+            <a:spAutoFit/>
+          </a:bodyPr>
+          <a:lstStyle/>
+          <a:p>
+            <a:pPr marL="285750" indent="-285750" fontAlgn="base">
+              <a:spcBef>
+                <a:spcPct val="50000"/>
+              </a:spcBef>
+              <a:spcAft>
+                <a:spcPct val="0"/>
+              </a:spcAft>
+              <a:buClr>
+                <a:srgbClr val="F0AB00"/>
+              </a:buClr>
+              <a:buSzPct val="80000"/>
+              <a:buFont typeface="Wingdings" panose="05000000000000000000" pitchFamily="2" charset="2"/>
+              <a:buChar char="n"/>
+            </a:pPr>
+            <a:r>
+              <a:rPr lang="en-US" altLang="zh-CN" sz="1800" b="1" kern="0" dirty="0">
+                <a:ea typeface="Arial Unicode MS" pitchFamily="34" charset="-128"/>
+                <a:cs typeface="Arial Unicode MS" pitchFamily="34" charset="-128"/>
+              </a:rPr>
+              <a:t>Query Interface</a:t>
+            </a:r>
+          </a:p>
+          <a:p>
+            <a:pPr marL="830138" lvl="1" indent="-285750" fontAlgn="base">
+              <a:spcBef>
+                <a:spcPct val="50000"/>
+              </a:spcBef>
+              <a:spcAft>
+                <a:spcPct val="0"/>
+              </a:spcAft>
+              <a:buClr>
+                <a:srgbClr val="F0AB00"/>
+              </a:buClr>
+              <a:buSzPct val="80000"/>
+              <a:buFont typeface="Wingdings" panose="05000000000000000000" pitchFamily="2" charset="2"/>
+              <a:buChar char="n"/>
+            </a:pPr>
+            <a:r>
+              <a:rPr lang="en-US" altLang="zh-CN" sz="1800" kern="0" dirty="0">
+                <a:latin typeface="Arial" panose="020B0604020202020204" pitchFamily="34" charset="0"/>
+              </a:rPr>
+              <a:t>There are 2 official supported query interfaces: HTTP/REST API and Telnet style command line API. </a:t>
+            </a:r>
+          </a:p>
+          <a:p>
+            <a:pPr marL="830138" lvl="1" indent="-285750" fontAlgn="base">
+              <a:spcBef>
+                <a:spcPct val="50000"/>
+              </a:spcBef>
+              <a:spcAft>
+                <a:spcPct val="0"/>
+              </a:spcAft>
+              <a:buClr>
+                <a:srgbClr val="F0AB00"/>
+              </a:buClr>
+              <a:buSzPct val="80000"/>
+              <a:buFont typeface="Wingdings" panose="05000000000000000000" pitchFamily="2" charset="2"/>
+              <a:buChar char="n"/>
+            </a:pPr>
+            <a:r>
+              <a:rPr lang="en-US" altLang="zh-CN" sz="1800" kern="0" dirty="0">
+                <a:latin typeface="Arial" panose="020B0604020202020204" pitchFamily="34" charset="0"/>
+              </a:rPr>
+              <a:t>Additionally, there are various open-source front-end clients that encapsulate the official APIs, including a Browser interface and Erlang/Java/Go/Python/R/Ruby clients.</a:t>
+            </a:r>
+          </a:p>
+          <a:p>
+            <a:pPr marL="285750" indent="-285750" fontAlgn="base">
+              <a:spcBef>
+                <a:spcPct val="50000"/>
+              </a:spcBef>
+              <a:spcAft>
+                <a:spcPct val="0"/>
+              </a:spcAft>
+              <a:buClr>
+                <a:srgbClr val="F0AB00"/>
+              </a:buClr>
+              <a:buSzPct val="80000"/>
+              <a:buFont typeface="Wingdings" panose="05000000000000000000" pitchFamily="2" charset="2"/>
+              <a:buChar char="n"/>
+            </a:pPr>
+            <a:r>
+              <a:rPr lang="en-US" altLang="zh-CN" sz="1800" b="1" kern="0" dirty="0">
+                <a:ea typeface="Arial Unicode MS" pitchFamily="34" charset="-128"/>
+                <a:cs typeface="Arial Unicode MS" pitchFamily="34" charset="-128"/>
+              </a:rPr>
+              <a:t>Storage Architecture</a:t>
+            </a:r>
+          </a:p>
+          <a:p>
+            <a:pPr marL="830138" lvl="1" indent="-285750" fontAlgn="base">
+              <a:spcBef>
+                <a:spcPct val="50000"/>
+              </a:spcBef>
+              <a:spcAft>
+                <a:spcPct val="0"/>
+              </a:spcAft>
+              <a:buClr>
+                <a:srgbClr val="F0AB00"/>
+              </a:buClr>
+              <a:buSzPct val="80000"/>
+              <a:buFont typeface="Wingdings" panose="05000000000000000000" pitchFamily="2" charset="2"/>
+              <a:buChar char="n"/>
+            </a:pPr>
+            <a:r>
+              <a:rPr lang="en-US" altLang="zh-CN" sz="1800" kern="0" dirty="0">
+                <a:latin typeface="Arial" panose="020B0604020202020204" pitchFamily="34" charset="0"/>
+                <a:ea typeface="Arial Unicode MS" pitchFamily="34" charset="-128"/>
+              </a:rPr>
+              <a:t>The back-end storage system is </a:t>
+            </a:r>
+            <a:r>
+              <a:rPr lang="en-US" altLang="zh-CN" sz="1800" kern="0" dirty="0" err="1">
+                <a:latin typeface="Arial" panose="020B0604020202020204" pitchFamily="34" charset="0"/>
+                <a:ea typeface="Arial Unicode MS" pitchFamily="34" charset="-128"/>
+              </a:rPr>
+              <a:t>Hbase</a:t>
+            </a:r>
+            <a:r>
+              <a:rPr lang="en-US" altLang="zh-CN" sz="1800" kern="0" dirty="0">
+                <a:latin typeface="Arial" panose="020B0604020202020204" pitchFamily="34" charset="0"/>
+                <a:ea typeface="Arial Unicode MS" pitchFamily="34" charset="-128"/>
+              </a:rPr>
+              <a:t>, an open-source non-relational disk-oriented distributed database. It also supports Google Bigtable as its backend.</a:t>
+            </a:r>
+            <a:endParaRPr lang="en-US" altLang="zh-CN" sz="1800" b="1" kern="0" dirty="0">
+              <a:ea typeface="Arial Unicode MS" pitchFamily="34" charset="-128"/>
+              <a:cs typeface="Arial Unicode MS" pitchFamily="34" charset="-128"/>
+            </a:endParaRPr>
+          </a:p>
+        </p:txBody>
+      </p:sp>
+    </p:spTree>
+    <p:extLst>
+      <p:ext uri="{BB962C8B-B14F-4D97-AF65-F5344CB8AC3E}">
+        <p14:creationId xmlns:p14="http://schemas.microsoft.com/office/powerpoint/2010/main" val="4214433377"/>
+      </p:ext>
+    </p:extLst>
+  </p:cSld>
+  <p:clrMapOvr>
+    <a:masterClrMapping/>
+  </p:clrMapOvr>
+</p:sld>
+</file>
+
 <file path=ppt/slides/slide8.xml><?xml version="1.0" encoding="utf-8"?>
 <p:sld xmlns:a="http://schemas.openxmlformats.org/drawingml/2006/main" xmlns:r="http://schemas.openxmlformats.org/officeDocument/2006/relationships" xmlns:p="http://schemas.openxmlformats.org/presentationml/2006/main">
   <p:cSld>
@@ -12885,28 +12711,27 @@
       </p:sp>
       <p:sp>
         <p:nvSpPr>
-          <p:cNvPr id="3" name="文本框 2">
+          <p:cNvPr id="9" name="矩形 8">
             <a:extLst>
               <a:ext uri="{FF2B5EF4-FFF2-40B4-BE49-F238E27FC236}">
-                <a16:creationId xmlns:a16="http://schemas.microsoft.com/office/drawing/2014/main" id="{EF2C64E3-0243-43DD-A317-2CEC58A4B0CD}"/>
+                <a16:creationId xmlns:a16="http://schemas.microsoft.com/office/drawing/2014/main" id="{FD2B6A5B-9857-4D4D-BF92-F5B9BF2D0601}"/>
               </a:ext>
             </a:extLst>
           </p:cNvPr>
-          <p:cNvSpPr txBox="1"/>
+          <p:cNvSpPr/>
           <p:nvPr/>
         </p:nvSpPr>
         <p:spPr>
           <a:xfrm>
-            <a:off x="669208" y="1488142"/>
-            <a:ext cx="10856759" cy="2769989"/>
+            <a:off x="501650" y="1737175"/>
+            <a:ext cx="10808034" cy="2616101"/>
           </a:xfrm>
           <a:prstGeom prst="rect">
             <a:avLst/>
           </a:prstGeom>
-          <a:noFill/>
         </p:spPr>
         <p:txBody>
-          <a:bodyPr wrap="square" lIns="0" tIns="0" rIns="0" bIns="0" rtlCol="0">
+          <a:bodyPr wrap="square">
             <a:spAutoFit/>
           </a:bodyPr>
           <a:lstStyle/>
@@ -12926,11 +12751,11 @@
               <a:buChar char="n"/>
             </a:pPr>
             <a:r>
-              <a:rPr lang="en-US" altLang="zh-CN" sz="1800" b="1" kern="0" dirty="0">
+              <a:rPr lang="en-US" altLang="zh-CN" sz="2000" b="1" kern="0" dirty="0">
                 <a:ea typeface="Arial Unicode MS" pitchFamily="34" charset="-128"/>
                 <a:cs typeface="Arial Unicode MS" pitchFamily="34" charset="-128"/>
               </a:rPr>
-              <a:t>Query Interface</a:t>
+              <a:t>System Architecture</a:t>
             </a:r>
           </a:p>
           <a:p>
@@ -12949,10 +12774,36 @@
               <a:buChar char="n"/>
             </a:pPr>
             <a:r>
-              <a:rPr lang="en-US" altLang="zh-CN" sz="1800" kern="0" dirty="0">
-                <a:latin typeface="Arial" panose="020B0604020202020204" pitchFamily="34" charset="0"/>
-              </a:rPr>
-              <a:t>There are 2 official supported query interfaces: HTTP/REST API and Telnet style command line API. </a:t>
+              <a:rPr lang="en-US" altLang="zh-CN" sz="1800" dirty="0" err="1"/>
+              <a:t>OpenTSDB</a:t>
+            </a:r>
+            <a:r>
+              <a:rPr lang="en-US" altLang="zh-CN" sz="1800" dirty="0"/>
+              <a:t> consists of three components: </a:t>
+            </a:r>
+            <a:r>
+              <a:rPr lang="en-US" altLang="zh-CN" sz="1800" dirty="0" err="1"/>
+              <a:t>tCollector</a:t>
+            </a:r>
+            <a:r>
+              <a:rPr lang="en-US" altLang="zh-CN" sz="1800" dirty="0"/>
+              <a:t>, Time Series Daemon (TSD), and HBase. One instance of </a:t>
+            </a:r>
+            <a:r>
+              <a:rPr lang="en-US" altLang="zh-CN" sz="1800" dirty="0" err="1"/>
+              <a:t>tCollector</a:t>
+            </a:r>
+            <a:r>
+              <a:rPr lang="en-US" altLang="zh-CN" sz="1800" dirty="0"/>
+              <a:t> is deployed on each server. It is responsible to periodically pull metrics data from processes running on the server and the operating system. TSDs receive data from the </a:t>
+            </a:r>
+            <a:r>
+              <a:rPr lang="en-US" altLang="zh-CN" sz="1800" dirty="0" err="1"/>
+              <a:t>tCollectors</a:t>
+            </a:r>
+            <a:r>
+              <a:rPr lang="en-US" altLang="zh-CN" sz="1800" dirty="0"/>
+              <a:t> and push data to the HBase backend storage system. Upon receiving queries, TSD scans HBase and retrieves relevant data.</a:t>
             </a:r>
           </a:p>
           <a:p>
@@ -12971,82 +12822,17 @@
               <a:buChar char="n"/>
             </a:pPr>
             <a:r>
-              <a:rPr lang="en-US" altLang="zh-CN" sz="1800" kern="0" dirty="0">
-                <a:latin typeface="Arial" panose="020B0604020202020204" pitchFamily="34" charset="0"/>
-              </a:rPr>
-              <a:t>Additionally, there are various open-source front-end clients that encapsulate the official APIs, including a Browser interface and Erlang/Java/Go/Python/R/Ruby clients.</a:t>
-            </a:r>
-          </a:p>
-          <a:p>
-            <a:pPr marL="285750" indent="-285750" fontAlgn="base">
-              <a:spcBef>
-                <a:spcPct val="50000"/>
-              </a:spcBef>
-              <a:spcAft>
-                <a:spcPct val="0"/>
-              </a:spcAft>
-              <a:buClr>
-                <a:srgbClr val="F0AB00"/>
-              </a:buClr>
-              <a:buSzPct val="80000"/>
-              <a:buFont typeface="Wingdings" panose="05000000000000000000" pitchFamily="2" charset="2"/>
-              <a:buChar char="n"/>
-            </a:pPr>
-            <a:r>
-              <a:rPr lang="en-US" altLang="zh-CN" sz="1800" b="1" kern="0" dirty="0">
-                <a:ea typeface="Arial Unicode MS" pitchFamily="34" charset="-128"/>
-                <a:cs typeface="Arial Unicode MS" pitchFamily="34" charset="-128"/>
-              </a:rPr>
-              <a:t>Storage Architecture</a:t>
-            </a:r>
-          </a:p>
-          <a:p>
-            <a:pPr marL="830138" lvl="1" indent="-285750" fontAlgn="base">
-              <a:spcBef>
-                <a:spcPct val="50000"/>
-              </a:spcBef>
-              <a:spcAft>
-                <a:spcPct val="0"/>
-              </a:spcAft>
-              <a:buClr>
-                <a:srgbClr val="F0AB00"/>
-              </a:buClr>
-              <a:buSzPct val="80000"/>
-              <a:buFont typeface="Wingdings" panose="05000000000000000000" pitchFamily="2" charset="2"/>
-              <a:buChar char="n"/>
-            </a:pPr>
-            <a:r>
-              <a:rPr lang="en-US" altLang="zh-CN" sz="1800" kern="0" dirty="0">
-                <a:latin typeface="Arial" panose="020B0604020202020204" pitchFamily="34" charset="0"/>
-                <a:ea typeface="Arial Unicode MS" pitchFamily="34" charset="-128"/>
-              </a:rPr>
-              <a:t>The back-end storage system is </a:t>
-            </a:r>
-            <a:r>
-              <a:rPr lang="en-US" altLang="zh-CN" sz="1800" kern="0" dirty="0" err="1">
-                <a:latin typeface="Arial" panose="020B0604020202020204" pitchFamily="34" charset="0"/>
-                <a:ea typeface="Arial Unicode MS" pitchFamily="34" charset="-128"/>
-              </a:rPr>
-              <a:t>Hbase</a:t>
-            </a:r>
-            <a:r>
-              <a:rPr lang="en-US" altLang="zh-CN" sz="1800" kern="0" dirty="0">
-                <a:latin typeface="Arial" panose="020B0604020202020204" pitchFamily="34" charset="0"/>
-                <a:ea typeface="Arial Unicode MS" pitchFamily="34" charset="-128"/>
-              </a:rPr>
-              <a:t>, an open-source non-relational disk-oriented distributed database. It also supports Google Bigtable as its backend.</a:t>
-            </a:r>
-            <a:endParaRPr lang="en-US" altLang="zh-CN" sz="1800" b="1" kern="0" dirty="0">
-              <a:ea typeface="Arial Unicode MS" pitchFamily="34" charset="-128"/>
-              <a:cs typeface="Arial Unicode MS" pitchFamily="34" charset="-128"/>
-            </a:endParaRPr>
+              <a:rPr lang="en-US" altLang="zh-CN" sz="1800" dirty="0"/>
+              <a:t>All communications are done via TSD RPC and Hadoop RPC, therefore all components are stateless. There can be as many TSDs as needed to handle the workload as the system scales.</a:t>
+            </a:r>
+            <a:endParaRPr lang="zh-CN" altLang="en-US" sz="1800" dirty="0"/>
           </a:p>
         </p:txBody>
       </p:sp>
     </p:spTree>
     <p:extLst>
       <p:ext uri="{BB962C8B-B14F-4D97-AF65-F5344CB8AC3E}">
-        <p14:creationId xmlns:p14="http://schemas.microsoft.com/office/powerpoint/2010/main" val="4214433377"/>
+        <p14:creationId xmlns:p14="http://schemas.microsoft.com/office/powerpoint/2010/main" val="1677716399"/>
       </p:ext>
     </p:extLst>
   </p:cSld>
@@ -13075,7 +12861,7 @@
       </p:grpSpPr>
       <p:sp>
         <p:nvSpPr>
-          <p:cNvPr id="4" name="Title"/>
+          <p:cNvPr id="24" name="Title"/>
           <p:cNvSpPr>
             <a:spLocks noGrp="1"/>
           </p:cNvSpPr>
@@ -13083,12 +12869,7 @@
             <p:ph type="title"/>
           </p:nvPr>
         </p:nvSpPr>
-        <p:spPr bwMode="gray">
-          <a:xfrm>
-            <a:off x="504001" y="504000"/>
-            <a:ext cx="11186476" cy="646331"/>
-          </a:xfrm>
-        </p:spPr>
+        <p:spPr bwMode="gray"/>
         <p:txBody>
           <a:bodyPr/>
           <a:lstStyle/>
@@ -13097,40 +12878,37 @@
               <a:rPr lang="en-US" dirty="0" err="1"/>
               <a:t>OpenTSDB</a:t>
             </a:r>
-            <a:br>
-              <a:rPr lang="en-US" dirty="0"/>
-            </a:br>
-            <a:r>
-              <a:rPr lang="en-US" sz="1800" b="0" dirty="0"/>
-              <a:t>Techniques</a:t>
-            </a:r>
-            <a:endParaRPr lang="en-US" b="0" dirty="0"/>
-          </a:p>
-        </p:txBody>
-      </p:sp>
-      <p:sp>
-        <p:nvSpPr>
-          <p:cNvPr id="9" name="矩形 8">
+            <a:r>
+              <a:rPr lang="en-US" dirty="0"/>
+              <a:t> Use Cases</a:t>
+            </a:r>
+          </a:p>
+        </p:txBody>
+      </p:sp>
+      <p:sp>
+        <p:nvSpPr>
+          <p:cNvPr id="2" name="文本框 1">
             <a:extLst>
               <a:ext uri="{FF2B5EF4-FFF2-40B4-BE49-F238E27FC236}">
-                <a16:creationId xmlns:a16="http://schemas.microsoft.com/office/drawing/2014/main" id="{FD2B6A5B-9857-4D4D-BF92-F5B9BF2D0601}"/>
+                <a16:creationId xmlns:a16="http://schemas.microsoft.com/office/drawing/2014/main" id="{6232C037-C320-47B4-880E-568F289C04F1}"/>
               </a:ext>
             </a:extLst>
           </p:cNvPr>
-          <p:cNvSpPr/>
+          <p:cNvSpPr txBox="1"/>
           <p:nvPr/>
         </p:nvSpPr>
         <p:spPr>
           <a:xfrm>
-            <a:off x="501650" y="1737175"/>
-            <a:ext cx="10808034" cy="2616101"/>
+            <a:off x="749761" y="1171074"/>
+            <a:ext cx="10940716" cy="5109091"/>
           </a:xfrm>
           <a:prstGeom prst="rect">
             <a:avLst/>
           </a:prstGeom>
+          <a:noFill/>
         </p:spPr>
         <p:txBody>
-          <a:bodyPr wrap="square">
+          <a:bodyPr wrap="square" lIns="0" tIns="0" rIns="0" bIns="0" rtlCol="0">
             <a:spAutoFit/>
           </a:bodyPr>
           <a:lstStyle/>
@@ -13150,11 +12928,11 @@
               <a:buChar char="n"/>
             </a:pPr>
             <a:r>
-              <a:rPr lang="en-US" altLang="zh-CN" sz="2000" b="1" kern="0" dirty="0">
+              <a:rPr lang="en-US" altLang="zh-CN" sz="2000" kern="0" dirty="0">
                 <a:ea typeface="Arial Unicode MS" pitchFamily="34" charset="-128"/>
                 <a:cs typeface="Arial Unicode MS" pitchFamily="34" charset="-128"/>
               </a:rPr>
-              <a:t>System Architecture</a:t>
+              <a:t>Salesforce</a:t>
             </a:r>
           </a:p>
           <a:p>
@@ -13173,36 +12951,11 @@
               <a:buChar char="n"/>
             </a:pPr>
             <a:r>
-              <a:rPr lang="en-US" altLang="zh-CN" sz="1800" dirty="0" err="1"/>
-              <a:t>OpenTSDB</a:t>
-            </a:r>
-            <a:r>
-              <a:rPr lang="en-US" altLang="zh-CN" sz="1800" dirty="0"/>
-              <a:t> consists of three components: </a:t>
-            </a:r>
-            <a:r>
-              <a:rPr lang="en-US" altLang="zh-CN" sz="1800" dirty="0" err="1"/>
-              <a:t>tCollector</a:t>
-            </a:r>
-            <a:r>
-              <a:rPr lang="en-US" altLang="zh-CN" sz="1800" dirty="0"/>
-              <a:t>, Time Series Daemon (TSD), and HBase. One instance of </a:t>
-            </a:r>
-            <a:r>
-              <a:rPr lang="en-US" altLang="zh-CN" sz="1800" dirty="0" err="1"/>
-              <a:t>tCollector</a:t>
-            </a:r>
-            <a:r>
-              <a:rPr lang="en-US" altLang="zh-CN" sz="1800" dirty="0"/>
-              <a:t> is deployed on each server. It is responsible to periodically pull metrics data from processes running on the server and the operating system. TSDs receive data from the </a:t>
-            </a:r>
-            <a:r>
-              <a:rPr lang="en-US" altLang="zh-CN" sz="1800" dirty="0" err="1"/>
-              <a:t>tCollectors</a:t>
-            </a:r>
-            <a:r>
-              <a:rPr lang="en-US" altLang="zh-CN" sz="1800" dirty="0"/>
-              <a:t> and push data to the HBase backend storage system. Upon receiving queries, TSD scans HBase and retrieves relevant data.</a:t>
+              <a:rPr lang="en-US" altLang="zh-CN" sz="1800" kern="0" dirty="0">
+                <a:ea typeface="Arial Unicode MS" pitchFamily="34" charset="-128"/>
+                <a:cs typeface="Arial Unicode MS" pitchFamily="34" charset="-128"/>
+              </a:rPr>
+              <a:t>Backing store for Argus: Open source monitoring and alerting system</a:t>
             </a:r>
           </a:p>
           <a:p>
@@ -13221,17 +12974,223 @@
               <a:buChar char="n"/>
             </a:pPr>
             <a:r>
-              <a:rPr lang="en-US" altLang="zh-CN" sz="1800" dirty="0"/>
-              <a:t>All communications are done via TSD RPC and Hadoop RPC, therefore all components are stateless. There can be as many TSDs as needed to handle the workload as the system scales.</a:t>
-            </a:r>
-            <a:endParaRPr lang="zh-CN" altLang="en-US" sz="1800" dirty="0"/>
+              <a:rPr lang="en-US" altLang="zh-CN" sz="1800" kern="0" dirty="0">
+                <a:ea typeface="Arial Unicode MS" pitchFamily="34" charset="-128"/>
+                <a:cs typeface="Arial Unicode MS" pitchFamily="34" charset="-128"/>
+              </a:rPr>
+              <a:t>50M writes per minute. 23K queries per minute</a:t>
+            </a:r>
+          </a:p>
+          <a:p>
+            <a:pPr marL="285750" indent="-285750" fontAlgn="base">
+              <a:spcBef>
+                <a:spcPct val="50000"/>
+              </a:spcBef>
+              <a:spcAft>
+                <a:spcPct val="0"/>
+              </a:spcAft>
+              <a:buClr>
+                <a:srgbClr val="F0AB00"/>
+              </a:buClr>
+              <a:buSzPct val="80000"/>
+              <a:buFont typeface="Wingdings" panose="05000000000000000000" pitchFamily="2" charset="2"/>
+              <a:buChar char="n"/>
+            </a:pPr>
+            <a:r>
+              <a:rPr lang="en-US" altLang="zh-CN" sz="2000" kern="0" dirty="0">
+                <a:ea typeface="Arial Unicode MS" pitchFamily="34" charset="-128"/>
+                <a:cs typeface="Arial Unicode MS" pitchFamily="34" charset="-128"/>
+              </a:rPr>
+              <a:t>YAHOO</a:t>
+            </a:r>
+          </a:p>
+          <a:p>
+            <a:pPr marL="830138" lvl="1" indent="-285750" fontAlgn="base">
+              <a:spcBef>
+                <a:spcPct val="50000"/>
+              </a:spcBef>
+              <a:spcAft>
+                <a:spcPct val="0"/>
+              </a:spcAft>
+              <a:buClr>
+                <a:srgbClr val="F0AB00"/>
+              </a:buClr>
+              <a:buSzPct val="80000"/>
+              <a:buFont typeface="Wingdings" panose="05000000000000000000" pitchFamily="2" charset="2"/>
+              <a:buChar char="n"/>
+            </a:pPr>
+            <a:r>
+              <a:rPr lang="en-US" altLang="zh-CN" sz="1800" kern="0" dirty="0">
+                <a:ea typeface="Arial Unicode MS" pitchFamily="34" charset="-128"/>
+                <a:cs typeface="Arial Unicode MS" pitchFamily="34" charset="-128"/>
+              </a:rPr>
+              <a:t>Monitoring system, network and application performance and statistics.</a:t>
+            </a:r>
+          </a:p>
+          <a:p>
+            <a:pPr marL="830138" lvl="1" indent="-285750" fontAlgn="base">
+              <a:spcBef>
+                <a:spcPct val="50000"/>
+              </a:spcBef>
+              <a:spcAft>
+                <a:spcPct val="0"/>
+              </a:spcAft>
+              <a:buClr>
+                <a:srgbClr val="F0AB00"/>
+              </a:buClr>
+              <a:buSzPct val="80000"/>
+              <a:buFont typeface="Wingdings" panose="05000000000000000000" pitchFamily="2" charset="2"/>
+              <a:buChar char="n"/>
+            </a:pPr>
+            <a:r>
+              <a:rPr lang="en-US" altLang="zh-CN" sz="1800" kern="0" dirty="0">
+                <a:ea typeface="Arial Unicode MS" pitchFamily="34" charset="-128"/>
+                <a:cs typeface="Arial Unicode MS" pitchFamily="34" charset="-128"/>
+              </a:rPr>
+              <a:t>Central monitoring for all Yahoo properties</a:t>
+            </a:r>
+          </a:p>
+          <a:p>
+            <a:pPr marL="830138" lvl="1" indent="-285750" fontAlgn="base">
+              <a:spcBef>
+                <a:spcPct val="50000"/>
+              </a:spcBef>
+              <a:spcAft>
+                <a:spcPct val="0"/>
+              </a:spcAft>
+              <a:buClr>
+                <a:srgbClr val="F0AB00"/>
+              </a:buClr>
+              <a:buSzPct val="80000"/>
+              <a:buFont typeface="Wingdings" panose="05000000000000000000" pitchFamily="2" charset="2"/>
+              <a:buChar char="n"/>
+            </a:pPr>
+            <a:r>
+              <a:rPr lang="en-US" altLang="zh-CN" sz="1800" kern="0" dirty="0">
+                <a:ea typeface="Arial Unicode MS" pitchFamily="34" charset="-128"/>
+                <a:cs typeface="Arial Unicode MS" pitchFamily="34" charset="-128"/>
+              </a:rPr>
+              <a:t>Over 1 billion active time series served</a:t>
+            </a:r>
+          </a:p>
+          <a:p>
+            <a:pPr marL="285750" indent="-285750" fontAlgn="base">
+              <a:spcBef>
+                <a:spcPct val="50000"/>
+              </a:spcBef>
+              <a:spcAft>
+                <a:spcPct val="0"/>
+              </a:spcAft>
+              <a:buClr>
+                <a:srgbClr val="F0AB00"/>
+              </a:buClr>
+              <a:buSzPct val="80000"/>
+              <a:buFont typeface="Wingdings" panose="05000000000000000000" pitchFamily="2" charset="2"/>
+              <a:buChar char="n"/>
+            </a:pPr>
+            <a:r>
+              <a:rPr lang="en-US" altLang="zh-CN" sz="2000" kern="0" dirty="0">
+                <a:ea typeface="Arial Unicode MS" pitchFamily="34" charset="-128"/>
+                <a:cs typeface="Arial Unicode MS" pitchFamily="34" charset="-128"/>
+              </a:rPr>
+              <a:t>Others:</a:t>
+            </a:r>
+          </a:p>
+          <a:p>
+            <a:pPr marL="830138" lvl="1" indent="-285750" fontAlgn="base">
+              <a:spcBef>
+                <a:spcPct val="50000"/>
+              </a:spcBef>
+              <a:spcAft>
+                <a:spcPct val="0"/>
+              </a:spcAft>
+              <a:buClr>
+                <a:srgbClr val="F0AB00"/>
+              </a:buClr>
+              <a:buSzPct val="80000"/>
+              <a:buFont typeface="Wingdings" panose="05000000000000000000" pitchFamily="2" charset="2"/>
+              <a:buChar char="n"/>
+            </a:pPr>
+            <a:r>
+              <a:rPr lang="en-US" altLang="zh-CN" sz="1800" kern="0" dirty="0">
+                <a:ea typeface="Arial Unicode MS" pitchFamily="34" charset="-128"/>
+                <a:cs typeface="Arial Unicode MS" pitchFamily="34" charset="-128"/>
+              </a:rPr>
+              <a:t>Pinterest</a:t>
+            </a:r>
+          </a:p>
+          <a:p>
+            <a:pPr marL="830138" lvl="1" indent="-285750" fontAlgn="base">
+              <a:spcBef>
+                <a:spcPct val="50000"/>
+              </a:spcBef>
+              <a:spcAft>
+                <a:spcPct val="0"/>
+              </a:spcAft>
+              <a:buClr>
+                <a:srgbClr val="F0AB00"/>
+              </a:buClr>
+              <a:buSzPct val="80000"/>
+              <a:buFont typeface="Wingdings" panose="05000000000000000000" pitchFamily="2" charset="2"/>
+              <a:buChar char="n"/>
+            </a:pPr>
+            <a:r>
+              <a:rPr lang="en-US" altLang="zh-CN" sz="1800" kern="0" dirty="0">
+                <a:ea typeface="Arial Unicode MS" pitchFamily="34" charset="-128"/>
+                <a:cs typeface="Arial Unicode MS" pitchFamily="34" charset="-128"/>
+              </a:rPr>
+              <a:t>eBay</a:t>
+            </a:r>
+          </a:p>
+          <a:p>
+            <a:pPr marL="830138" lvl="1" indent="-285750" fontAlgn="base">
+              <a:spcBef>
+                <a:spcPct val="50000"/>
+              </a:spcBef>
+              <a:spcAft>
+                <a:spcPct val="0"/>
+              </a:spcAft>
+              <a:buClr>
+                <a:srgbClr val="F0AB00"/>
+              </a:buClr>
+              <a:buSzPct val="80000"/>
+              <a:buFont typeface="Wingdings" panose="05000000000000000000" pitchFamily="2" charset="2"/>
+              <a:buChar char="n"/>
+            </a:pPr>
+            <a:r>
+              <a:rPr lang="en-US" altLang="zh-CN" sz="1800" kern="0" dirty="0">
+                <a:ea typeface="Arial Unicode MS" pitchFamily="34" charset="-128"/>
+                <a:cs typeface="Arial Unicode MS" pitchFamily="34" charset="-128"/>
+              </a:rPr>
+              <a:t>And so on.</a:t>
+            </a:r>
+          </a:p>
+          <a:p>
+            <a:pPr marL="285750" indent="-285750" fontAlgn="base">
+              <a:spcBef>
+                <a:spcPct val="50000"/>
+              </a:spcBef>
+              <a:spcAft>
+                <a:spcPct val="0"/>
+              </a:spcAft>
+              <a:buClr>
+                <a:srgbClr val="F0AB00"/>
+              </a:buClr>
+              <a:buSzPct val="80000"/>
+              <a:buFont typeface="Wingdings" panose="05000000000000000000" pitchFamily="2" charset="2"/>
+              <a:buChar char="n"/>
+            </a:pPr>
+            <a:endParaRPr lang="zh-CN" altLang="en-US" sz="1800" kern="0" dirty="0" err="1">
+              <a:ea typeface="Arial Unicode MS" pitchFamily="34" charset="-128"/>
+              <a:cs typeface="Arial Unicode MS" pitchFamily="34" charset="-128"/>
+            </a:endParaRPr>
           </a:p>
         </p:txBody>
       </p:sp>
     </p:spTree>
     <p:extLst>
       <p:ext uri="{BB962C8B-B14F-4D97-AF65-F5344CB8AC3E}">
-        <p14:creationId xmlns:p14="http://schemas.microsoft.com/office/powerpoint/2010/main" val="1677716399"/>
+        <p14:creationId xmlns:p14="http://schemas.microsoft.com/office/powerpoint/2010/main" val="1684075728"/>
       </p:ext>
     </p:extLst>
   </p:cSld>
@@ -14197,18 +14156,18 @@
 </file>
 
 <file path=customXml/item1.xml><?xml version="1.0" encoding="utf-8"?>
+<p:properties xmlns:p="http://schemas.microsoft.com/office/2006/metadata/properties" xmlns:xsi="http://www.w3.org/2001/XMLSchema-instance" xmlns:pc="http://schemas.microsoft.com/office/infopath/2007/PartnerControls">
+  <documentManagement/>
+</p:properties>
+</file>
+
+<file path=customXml/item2.xml><?xml version="1.0" encoding="utf-8"?>
 <?mso-contentType ?>
 <FormTemplates xmlns="http://schemas.microsoft.com/sharepoint/v3/contenttype/forms">
   <Display>DocumentLibraryForm</Display>
   <Edit>DocumentLibraryForm</Edit>
   <New>DocumentLibraryForm</New>
 </FormTemplates>
-</file>
-
-<file path=customXml/item2.xml><?xml version="1.0" encoding="utf-8"?>
-<p:properties xmlns:p="http://schemas.microsoft.com/office/2006/metadata/properties" xmlns:xsi="http://www.w3.org/2001/XMLSchema-instance" xmlns:pc="http://schemas.microsoft.com/office/infopath/2007/PartnerControls">
-  <documentManagement/>
-</p:properties>
 </file>
 
 <file path=customXml/item3.xml><?xml version="1.0" encoding="utf-8"?>
@@ -14344,18 +14303,18 @@
 </file>
 
 <file path=customXml/itemProps1.xml><?xml version="1.0" encoding="utf-8"?>
-<ds:datastoreItem xmlns:ds="http://schemas.openxmlformats.org/officeDocument/2006/customXml" ds:itemID="{2DA81D51-CB8B-4E00-A304-5985D65D0CEC}">
+<ds:datastoreItem xmlns:ds="http://schemas.openxmlformats.org/officeDocument/2006/customXml" ds:itemID="{B5A61EA0-C632-450D-8732-FBE1B6CC6F01}">
   <ds:schemaRefs>
-    <ds:schemaRef ds:uri="http://schemas.microsoft.com/sharepoint/v3/contenttype/forms"/>
+    <ds:schemaRef ds:uri="http://schemas.microsoft.com/office/2006/metadata/properties"/>
+    <ds:schemaRef ds:uri="http://schemas.microsoft.com/office/infopath/2007/PartnerControls"/>
   </ds:schemaRefs>
 </ds:datastoreItem>
 </file>
 
 <file path=customXml/itemProps2.xml><?xml version="1.0" encoding="utf-8"?>
-<ds:datastoreItem xmlns:ds="http://schemas.openxmlformats.org/officeDocument/2006/customXml" ds:itemID="{B5A61EA0-C632-450D-8732-FBE1B6CC6F01}">
+<ds:datastoreItem xmlns:ds="http://schemas.openxmlformats.org/officeDocument/2006/customXml" ds:itemID="{2DA81D51-CB8B-4E00-A304-5985D65D0CEC}">
   <ds:schemaRefs>
-    <ds:schemaRef ds:uri="http://schemas.microsoft.com/office/2006/metadata/properties"/>
-    <ds:schemaRef ds:uri="http://schemas.microsoft.com/office/infopath/2007/PartnerControls"/>
+    <ds:schemaRef ds:uri="http://schemas.microsoft.com/sharepoint/v3/contenttype/forms"/>
   </ds:schemaRefs>
 </ds:datastoreItem>
 </file>

--- a/NoSQL/The_Survey_On_OpenTSDB.pptx
+++ b/NoSQL/The_Survey_On_OpenTSDB.pptx
@@ -6,43 +6,47 @@
     <p:sldMasterId id="2147483782" r:id="rId5"/>
   </p:sldMasterIdLst>
   <p:notesMasterIdLst>
-    <p:notesMasterId r:id="rId37"/>
+    <p:notesMasterId r:id="rId41"/>
   </p:notesMasterIdLst>
   <p:handoutMasterIdLst>
-    <p:handoutMasterId r:id="rId38"/>
+    <p:handoutMasterId r:id="rId42"/>
   </p:handoutMasterIdLst>
   <p:sldIdLst>
     <p:sldId id="439" r:id="rId6"/>
     <p:sldId id="344" r:id="rId7"/>
     <p:sldId id="475" r:id="rId8"/>
     <p:sldId id="471" r:id="rId9"/>
-    <p:sldId id="472" r:id="rId10"/>
-    <p:sldId id="478" r:id="rId11"/>
-    <p:sldId id="477" r:id="rId12"/>
-    <p:sldId id="479" r:id="rId13"/>
-    <p:sldId id="481" r:id="rId14"/>
-    <p:sldId id="430" r:id="rId15"/>
-    <p:sldId id="482" r:id="rId16"/>
-    <p:sldId id="483" r:id="rId17"/>
-    <p:sldId id="480" r:id="rId18"/>
-    <p:sldId id="429" r:id="rId19"/>
-    <p:sldId id="364" r:id="rId20"/>
-    <p:sldId id="448" r:id="rId21"/>
-    <p:sldId id="382" r:id="rId22"/>
-    <p:sldId id="441" r:id="rId23"/>
-    <p:sldId id="449" r:id="rId24"/>
-    <p:sldId id="374" r:id="rId25"/>
-    <p:sldId id="445" r:id="rId26"/>
-    <p:sldId id="380" r:id="rId27"/>
-    <p:sldId id="379" r:id="rId28"/>
-    <p:sldId id="423" r:id="rId29"/>
-    <p:sldId id="387" r:id="rId30"/>
-    <p:sldId id="390" r:id="rId31"/>
-    <p:sldId id="420" r:id="rId32"/>
-    <p:sldId id="421" r:id="rId33"/>
-    <p:sldId id="413" r:id="rId34"/>
-    <p:sldId id="265" r:id="rId35"/>
-    <p:sldId id="435" r:id="rId36"/>
+    <p:sldId id="487" r:id="rId10"/>
+    <p:sldId id="472" r:id="rId11"/>
+    <p:sldId id="478" r:id="rId12"/>
+    <p:sldId id="477" r:id="rId13"/>
+    <p:sldId id="479" r:id="rId14"/>
+    <p:sldId id="481" r:id="rId15"/>
+    <p:sldId id="484" r:id="rId16"/>
+    <p:sldId id="485" r:id="rId17"/>
+    <p:sldId id="486" r:id="rId18"/>
+    <p:sldId id="430" r:id="rId19"/>
+    <p:sldId id="482" r:id="rId20"/>
+    <p:sldId id="483" r:id="rId21"/>
+    <p:sldId id="480" r:id="rId22"/>
+    <p:sldId id="429" r:id="rId23"/>
+    <p:sldId id="364" r:id="rId24"/>
+    <p:sldId id="448" r:id="rId25"/>
+    <p:sldId id="382" r:id="rId26"/>
+    <p:sldId id="441" r:id="rId27"/>
+    <p:sldId id="449" r:id="rId28"/>
+    <p:sldId id="374" r:id="rId29"/>
+    <p:sldId id="445" r:id="rId30"/>
+    <p:sldId id="380" r:id="rId31"/>
+    <p:sldId id="379" r:id="rId32"/>
+    <p:sldId id="423" r:id="rId33"/>
+    <p:sldId id="387" r:id="rId34"/>
+    <p:sldId id="390" r:id="rId35"/>
+    <p:sldId id="420" r:id="rId36"/>
+    <p:sldId id="421" r:id="rId37"/>
+    <p:sldId id="413" r:id="rId38"/>
+    <p:sldId id="265" r:id="rId39"/>
+    <p:sldId id="435" r:id="rId40"/>
   </p:sldIdLst>
   <p:sldSz cx="12195175" cy="6858000"/>
   <p:notesSz cx="6858000" cy="9144000"/>
@@ -738,7 +742,7 @@
             <a:fld id="{7D8C2C35-2B8A-446E-BEC0-FD36716C29AC}" type="slidenum">
               <a:rPr lang="de-DE" smtClean="0"/>
               <a:pPr/>
-              <a:t>30</a:t>
+              <a:t>34</a:t>
             </a:fld>
             <a:endParaRPr lang="de-DE" dirty="0"/>
           </a:p>
@@ -8730,6 +8734,1263 @@
       </p:grpSpPr>
       <p:sp>
         <p:nvSpPr>
+          <p:cNvPr id="24" name="Title"/>
+          <p:cNvSpPr>
+            <a:spLocks noGrp="1"/>
+          </p:cNvSpPr>
+          <p:nvPr>
+            <p:ph type="title"/>
+          </p:nvPr>
+        </p:nvSpPr>
+        <p:spPr bwMode="gray"/>
+        <p:txBody>
+          <a:bodyPr/>
+          <a:lstStyle/>
+          <a:p>
+            <a:r>
+              <a:rPr lang="en-US" dirty="0" err="1"/>
+              <a:t>OpenTSDB</a:t>
+            </a:r>
+            <a:r>
+              <a:rPr lang="en-US" dirty="0"/>
+              <a:t> Use Cases</a:t>
+            </a:r>
+          </a:p>
+        </p:txBody>
+      </p:sp>
+      <p:sp>
+        <p:nvSpPr>
+          <p:cNvPr id="2" name="文本框 1">
+            <a:extLst>
+              <a:ext uri="{FF2B5EF4-FFF2-40B4-BE49-F238E27FC236}">
+                <a16:creationId xmlns:a16="http://schemas.microsoft.com/office/drawing/2014/main" id="{6232C037-C320-47B4-880E-568F289C04F1}"/>
+              </a:ext>
+            </a:extLst>
+          </p:cNvPr>
+          <p:cNvSpPr txBox="1"/>
+          <p:nvPr/>
+        </p:nvSpPr>
+        <p:spPr>
+          <a:xfrm>
+            <a:off x="749761" y="1171074"/>
+            <a:ext cx="10940716" cy="5109091"/>
+          </a:xfrm>
+          <a:prstGeom prst="rect">
+            <a:avLst/>
+          </a:prstGeom>
+          <a:noFill/>
+        </p:spPr>
+        <p:txBody>
+          <a:bodyPr wrap="square" lIns="0" tIns="0" rIns="0" bIns="0" rtlCol="0">
+            <a:spAutoFit/>
+          </a:bodyPr>
+          <a:lstStyle/>
+          <a:p>
+            <a:pPr marL="285750" indent="-285750" fontAlgn="base">
+              <a:spcBef>
+                <a:spcPct val="50000"/>
+              </a:spcBef>
+              <a:spcAft>
+                <a:spcPct val="0"/>
+              </a:spcAft>
+              <a:buClr>
+                <a:srgbClr val="F0AB00"/>
+              </a:buClr>
+              <a:buSzPct val="80000"/>
+              <a:buFont typeface="Wingdings" panose="05000000000000000000" pitchFamily="2" charset="2"/>
+              <a:buChar char="n"/>
+            </a:pPr>
+            <a:r>
+              <a:rPr lang="en-US" altLang="zh-CN" sz="2000" kern="0" dirty="0">
+                <a:ea typeface="Arial Unicode MS" pitchFamily="34" charset="-128"/>
+                <a:cs typeface="Arial Unicode MS" pitchFamily="34" charset="-128"/>
+              </a:rPr>
+              <a:t>Salesforce</a:t>
+            </a:r>
+          </a:p>
+          <a:p>
+            <a:pPr marL="830138" lvl="1" indent="-285750" fontAlgn="base">
+              <a:spcBef>
+                <a:spcPct val="50000"/>
+              </a:spcBef>
+              <a:spcAft>
+                <a:spcPct val="0"/>
+              </a:spcAft>
+              <a:buClr>
+                <a:srgbClr val="F0AB00"/>
+              </a:buClr>
+              <a:buSzPct val="80000"/>
+              <a:buFont typeface="Wingdings" panose="05000000000000000000" pitchFamily="2" charset="2"/>
+              <a:buChar char="n"/>
+            </a:pPr>
+            <a:r>
+              <a:rPr lang="en-US" altLang="zh-CN" sz="1800" kern="0" dirty="0">
+                <a:ea typeface="Arial Unicode MS" pitchFamily="34" charset="-128"/>
+                <a:cs typeface="Arial Unicode MS" pitchFamily="34" charset="-128"/>
+              </a:rPr>
+              <a:t>Backing store for Argus: Open source monitoring and alerting system</a:t>
+            </a:r>
+          </a:p>
+          <a:p>
+            <a:pPr marL="830138" lvl="1" indent="-285750" fontAlgn="base">
+              <a:spcBef>
+                <a:spcPct val="50000"/>
+              </a:spcBef>
+              <a:spcAft>
+                <a:spcPct val="0"/>
+              </a:spcAft>
+              <a:buClr>
+                <a:srgbClr val="F0AB00"/>
+              </a:buClr>
+              <a:buSzPct val="80000"/>
+              <a:buFont typeface="Wingdings" panose="05000000000000000000" pitchFamily="2" charset="2"/>
+              <a:buChar char="n"/>
+            </a:pPr>
+            <a:r>
+              <a:rPr lang="en-US" altLang="zh-CN" sz="1800" kern="0" dirty="0">
+                <a:ea typeface="Arial Unicode MS" pitchFamily="34" charset="-128"/>
+                <a:cs typeface="Arial Unicode MS" pitchFamily="34" charset="-128"/>
+              </a:rPr>
+              <a:t>50M writes per minute. 23K queries per minute</a:t>
+            </a:r>
+          </a:p>
+          <a:p>
+            <a:pPr marL="285750" indent="-285750" fontAlgn="base">
+              <a:spcBef>
+                <a:spcPct val="50000"/>
+              </a:spcBef>
+              <a:spcAft>
+                <a:spcPct val="0"/>
+              </a:spcAft>
+              <a:buClr>
+                <a:srgbClr val="F0AB00"/>
+              </a:buClr>
+              <a:buSzPct val="80000"/>
+              <a:buFont typeface="Wingdings" panose="05000000000000000000" pitchFamily="2" charset="2"/>
+              <a:buChar char="n"/>
+            </a:pPr>
+            <a:r>
+              <a:rPr lang="en-US" altLang="zh-CN" sz="2000" kern="0" dirty="0">
+                <a:ea typeface="Arial Unicode MS" pitchFamily="34" charset="-128"/>
+                <a:cs typeface="Arial Unicode MS" pitchFamily="34" charset="-128"/>
+              </a:rPr>
+              <a:t>YAHOO</a:t>
+            </a:r>
+          </a:p>
+          <a:p>
+            <a:pPr marL="830138" lvl="1" indent="-285750" fontAlgn="base">
+              <a:spcBef>
+                <a:spcPct val="50000"/>
+              </a:spcBef>
+              <a:spcAft>
+                <a:spcPct val="0"/>
+              </a:spcAft>
+              <a:buClr>
+                <a:srgbClr val="F0AB00"/>
+              </a:buClr>
+              <a:buSzPct val="80000"/>
+              <a:buFont typeface="Wingdings" panose="05000000000000000000" pitchFamily="2" charset="2"/>
+              <a:buChar char="n"/>
+            </a:pPr>
+            <a:r>
+              <a:rPr lang="en-US" altLang="zh-CN" sz="1800" kern="0" dirty="0">
+                <a:ea typeface="Arial Unicode MS" pitchFamily="34" charset="-128"/>
+                <a:cs typeface="Arial Unicode MS" pitchFamily="34" charset="-128"/>
+              </a:rPr>
+              <a:t>Monitoring system, network and application performance and statistics.</a:t>
+            </a:r>
+          </a:p>
+          <a:p>
+            <a:pPr marL="830138" lvl="1" indent="-285750" fontAlgn="base">
+              <a:spcBef>
+                <a:spcPct val="50000"/>
+              </a:spcBef>
+              <a:spcAft>
+                <a:spcPct val="0"/>
+              </a:spcAft>
+              <a:buClr>
+                <a:srgbClr val="F0AB00"/>
+              </a:buClr>
+              <a:buSzPct val="80000"/>
+              <a:buFont typeface="Wingdings" panose="05000000000000000000" pitchFamily="2" charset="2"/>
+              <a:buChar char="n"/>
+            </a:pPr>
+            <a:r>
+              <a:rPr lang="en-US" altLang="zh-CN" sz="1800" kern="0" dirty="0">
+                <a:ea typeface="Arial Unicode MS" pitchFamily="34" charset="-128"/>
+                <a:cs typeface="Arial Unicode MS" pitchFamily="34" charset="-128"/>
+              </a:rPr>
+              <a:t>Central monitoring for all Yahoo properties</a:t>
+            </a:r>
+          </a:p>
+          <a:p>
+            <a:pPr marL="830138" lvl="1" indent="-285750" fontAlgn="base">
+              <a:spcBef>
+                <a:spcPct val="50000"/>
+              </a:spcBef>
+              <a:spcAft>
+                <a:spcPct val="0"/>
+              </a:spcAft>
+              <a:buClr>
+                <a:srgbClr val="F0AB00"/>
+              </a:buClr>
+              <a:buSzPct val="80000"/>
+              <a:buFont typeface="Wingdings" panose="05000000000000000000" pitchFamily="2" charset="2"/>
+              <a:buChar char="n"/>
+            </a:pPr>
+            <a:r>
+              <a:rPr lang="en-US" altLang="zh-CN" sz="1800" kern="0" dirty="0">
+                <a:ea typeface="Arial Unicode MS" pitchFamily="34" charset="-128"/>
+                <a:cs typeface="Arial Unicode MS" pitchFamily="34" charset="-128"/>
+              </a:rPr>
+              <a:t>Over 1 billion active time series served</a:t>
+            </a:r>
+          </a:p>
+          <a:p>
+            <a:pPr marL="285750" indent="-285750" fontAlgn="base">
+              <a:spcBef>
+                <a:spcPct val="50000"/>
+              </a:spcBef>
+              <a:spcAft>
+                <a:spcPct val="0"/>
+              </a:spcAft>
+              <a:buClr>
+                <a:srgbClr val="F0AB00"/>
+              </a:buClr>
+              <a:buSzPct val="80000"/>
+              <a:buFont typeface="Wingdings" panose="05000000000000000000" pitchFamily="2" charset="2"/>
+              <a:buChar char="n"/>
+            </a:pPr>
+            <a:r>
+              <a:rPr lang="en-US" altLang="zh-CN" sz="2000" kern="0" dirty="0">
+                <a:ea typeface="Arial Unicode MS" pitchFamily="34" charset="-128"/>
+                <a:cs typeface="Arial Unicode MS" pitchFamily="34" charset="-128"/>
+              </a:rPr>
+              <a:t>Others:</a:t>
+            </a:r>
+          </a:p>
+          <a:p>
+            <a:pPr marL="830138" lvl="1" indent="-285750" fontAlgn="base">
+              <a:spcBef>
+                <a:spcPct val="50000"/>
+              </a:spcBef>
+              <a:spcAft>
+                <a:spcPct val="0"/>
+              </a:spcAft>
+              <a:buClr>
+                <a:srgbClr val="F0AB00"/>
+              </a:buClr>
+              <a:buSzPct val="80000"/>
+              <a:buFont typeface="Wingdings" panose="05000000000000000000" pitchFamily="2" charset="2"/>
+              <a:buChar char="n"/>
+            </a:pPr>
+            <a:r>
+              <a:rPr lang="en-US" altLang="zh-CN" sz="1800" kern="0" dirty="0">
+                <a:ea typeface="Arial Unicode MS" pitchFamily="34" charset="-128"/>
+                <a:cs typeface="Arial Unicode MS" pitchFamily="34" charset="-128"/>
+              </a:rPr>
+              <a:t>Pinterest</a:t>
+            </a:r>
+          </a:p>
+          <a:p>
+            <a:pPr marL="830138" lvl="1" indent="-285750" fontAlgn="base">
+              <a:spcBef>
+                <a:spcPct val="50000"/>
+              </a:spcBef>
+              <a:spcAft>
+                <a:spcPct val="0"/>
+              </a:spcAft>
+              <a:buClr>
+                <a:srgbClr val="F0AB00"/>
+              </a:buClr>
+              <a:buSzPct val="80000"/>
+              <a:buFont typeface="Wingdings" panose="05000000000000000000" pitchFamily="2" charset="2"/>
+              <a:buChar char="n"/>
+            </a:pPr>
+            <a:r>
+              <a:rPr lang="en-US" altLang="zh-CN" sz="1800" kern="0" dirty="0">
+                <a:ea typeface="Arial Unicode MS" pitchFamily="34" charset="-128"/>
+                <a:cs typeface="Arial Unicode MS" pitchFamily="34" charset="-128"/>
+              </a:rPr>
+              <a:t>eBay</a:t>
+            </a:r>
+          </a:p>
+          <a:p>
+            <a:pPr marL="830138" lvl="1" indent="-285750" fontAlgn="base">
+              <a:spcBef>
+                <a:spcPct val="50000"/>
+              </a:spcBef>
+              <a:spcAft>
+                <a:spcPct val="0"/>
+              </a:spcAft>
+              <a:buClr>
+                <a:srgbClr val="F0AB00"/>
+              </a:buClr>
+              <a:buSzPct val="80000"/>
+              <a:buFont typeface="Wingdings" panose="05000000000000000000" pitchFamily="2" charset="2"/>
+              <a:buChar char="n"/>
+            </a:pPr>
+            <a:r>
+              <a:rPr lang="en-US" altLang="zh-CN" sz="1800" kern="0" dirty="0">
+                <a:ea typeface="Arial Unicode MS" pitchFamily="34" charset="-128"/>
+                <a:cs typeface="Arial Unicode MS" pitchFamily="34" charset="-128"/>
+              </a:rPr>
+              <a:t>And so on.</a:t>
+            </a:r>
+          </a:p>
+          <a:p>
+            <a:pPr marL="285750" indent="-285750" fontAlgn="base">
+              <a:spcBef>
+                <a:spcPct val="50000"/>
+              </a:spcBef>
+              <a:spcAft>
+                <a:spcPct val="0"/>
+              </a:spcAft>
+              <a:buClr>
+                <a:srgbClr val="F0AB00"/>
+              </a:buClr>
+              <a:buSzPct val="80000"/>
+              <a:buFont typeface="Wingdings" panose="05000000000000000000" pitchFamily="2" charset="2"/>
+              <a:buChar char="n"/>
+            </a:pPr>
+            <a:endParaRPr lang="zh-CN" altLang="en-US" sz="1800" kern="0" dirty="0" err="1">
+              <a:ea typeface="Arial Unicode MS" pitchFamily="34" charset="-128"/>
+              <a:cs typeface="Arial Unicode MS" pitchFamily="34" charset="-128"/>
+            </a:endParaRPr>
+          </a:p>
+        </p:txBody>
+      </p:sp>
+    </p:spTree>
+    <p:extLst>
+      <p:ext uri="{BB962C8B-B14F-4D97-AF65-F5344CB8AC3E}">
+        <p14:creationId xmlns:p14="http://schemas.microsoft.com/office/powerpoint/2010/main" val="1684075728"/>
+      </p:ext>
+    </p:extLst>
+  </p:cSld>
+  <p:clrMapOvr>
+    <a:masterClrMapping/>
+  </p:clrMapOvr>
+</p:sld>
+</file>
+
+<file path=ppt/slides/slide11.xml><?xml version="1.0" encoding="utf-8"?>
+<p:sld xmlns:a="http://schemas.openxmlformats.org/drawingml/2006/main" xmlns:r="http://schemas.openxmlformats.org/officeDocument/2006/relationships" xmlns:p="http://schemas.openxmlformats.org/presentationml/2006/main">
+  <p:cSld>
+    <p:spTree>
+      <p:nvGrpSpPr>
+        <p:cNvPr id="1" name=""/>
+        <p:cNvGrpSpPr/>
+        <p:nvPr/>
+      </p:nvGrpSpPr>
+      <p:grpSpPr>
+        <a:xfrm>
+          <a:off x="0" y="0"/>
+          <a:ext cx="0" cy="0"/>
+          <a:chOff x="0" y="0"/>
+          <a:chExt cx="0" cy="0"/>
+        </a:xfrm>
+      </p:grpSpPr>
+      <p:sp>
+        <p:nvSpPr>
+          <p:cNvPr id="24" name="Title"/>
+          <p:cNvSpPr>
+            <a:spLocks noGrp="1"/>
+          </p:cNvSpPr>
+          <p:nvPr>
+            <p:ph type="title"/>
+          </p:nvPr>
+        </p:nvSpPr>
+        <p:spPr bwMode="gray"/>
+        <p:txBody>
+          <a:bodyPr/>
+          <a:lstStyle/>
+          <a:p>
+            <a:r>
+              <a:rPr lang="en-US" altLang="zh-CN" dirty="0"/>
+              <a:t>Data’s Features and database’s rules</a:t>
+            </a:r>
+            <a:endParaRPr lang="en-US" dirty="0"/>
+          </a:p>
+        </p:txBody>
+      </p:sp>
+      <p:sp>
+        <p:nvSpPr>
+          <p:cNvPr id="2" name="文本框 1">
+            <a:extLst>
+              <a:ext uri="{FF2B5EF4-FFF2-40B4-BE49-F238E27FC236}">
+                <a16:creationId xmlns:a16="http://schemas.microsoft.com/office/drawing/2014/main" id="{6232C037-C320-47B4-880E-568F289C04F1}"/>
+              </a:ext>
+            </a:extLst>
+          </p:cNvPr>
+          <p:cNvSpPr txBox="1"/>
+          <p:nvPr/>
+        </p:nvSpPr>
+        <p:spPr>
+          <a:xfrm>
+            <a:off x="954136" y="1234452"/>
+            <a:ext cx="10736214" cy="4878259"/>
+          </a:xfrm>
+          <a:prstGeom prst="rect">
+            <a:avLst/>
+          </a:prstGeom>
+          <a:noFill/>
+        </p:spPr>
+        <p:txBody>
+          <a:bodyPr wrap="square" lIns="0" tIns="0" rIns="0" bIns="0" rtlCol="0">
+            <a:spAutoFit/>
+          </a:bodyPr>
+          <a:lstStyle/>
+          <a:p>
+            <a:pPr marL="285750" indent="-285750" fontAlgn="base">
+              <a:spcBef>
+                <a:spcPct val="50000"/>
+              </a:spcBef>
+              <a:spcAft>
+                <a:spcPct val="0"/>
+              </a:spcAft>
+              <a:buClr>
+                <a:srgbClr val="F0AB00"/>
+              </a:buClr>
+              <a:buSzPct val="80000"/>
+              <a:buFont typeface="Wingdings" panose="05000000000000000000" pitchFamily="2" charset="2"/>
+              <a:buChar char="n"/>
+            </a:pPr>
+            <a:r>
+              <a:rPr lang="en-US" altLang="zh-CN" sz="2000" kern="0" dirty="0">
+                <a:ea typeface="Arial Unicode MS" pitchFamily="34" charset="-128"/>
+                <a:cs typeface="Arial Unicode MS" pitchFamily="34" charset="-128"/>
+              </a:rPr>
+              <a:t>Time Series Data’s feature</a:t>
+            </a:r>
+          </a:p>
+          <a:p>
+            <a:pPr marL="830138" lvl="1" indent="-285750" fontAlgn="base">
+              <a:spcBef>
+                <a:spcPct val="50000"/>
+              </a:spcBef>
+              <a:spcAft>
+                <a:spcPct val="0"/>
+              </a:spcAft>
+              <a:buClr>
+                <a:srgbClr val="F0AB00"/>
+              </a:buClr>
+              <a:buSzPct val="80000"/>
+              <a:buFont typeface="Wingdings" panose="05000000000000000000" pitchFamily="2" charset="2"/>
+              <a:buChar char="n"/>
+            </a:pPr>
+            <a:r>
+              <a:rPr lang="en-US" altLang="zh-CN" sz="2000" kern="0" dirty="0">
+                <a:ea typeface="Arial Unicode MS" pitchFamily="34" charset="-128"/>
+                <a:cs typeface="Arial Unicode MS" pitchFamily="34" charset="-128"/>
+              </a:rPr>
+              <a:t>Write at high speed on a timeline where time is an important dimension</a:t>
+            </a:r>
+          </a:p>
+          <a:p>
+            <a:pPr marL="830138" lvl="1" indent="-285750" fontAlgn="base">
+              <a:spcBef>
+                <a:spcPct val="50000"/>
+              </a:spcBef>
+              <a:spcAft>
+                <a:spcPct val="0"/>
+              </a:spcAft>
+              <a:buClr>
+                <a:srgbClr val="F0AB00"/>
+              </a:buClr>
+              <a:buSzPct val="80000"/>
+              <a:buFont typeface="Wingdings" panose="05000000000000000000" pitchFamily="2" charset="2"/>
+              <a:buChar char="n"/>
+            </a:pPr>
+            <a:r>
+              <a:rPr lang="en-US" altLang="zh-CN" sz="2000" kern="0" dirty="0">
+                <a:ea typeface="Arial Unicode MS" pitchFamily="34" charset="-128"/>
+                <a:cs typeface="Arial Unicode MS" pitchFamily="34" charset="-128"/>
+              </a:rPr>
+              <a:t>Clearly marked tag and metric fields</a:t>
+            </a:r>
+          </a:p>
+          <a:p>
+            <a:pPr marL="830138" lvl="1" indent="-285750" fontAlgn="base">
+              <a:spcBef>
+                <a:spcPct val="50000"/>
+              </a:spcBef>
+              <a:spcAft>
+                <a:spcPct val="0"/>
+              </a:spcAft>
+              <a:buClr>
+                <a:srgbClr val="F0AB00"/>
+              </a:buClr>
+              <a:buSzPct val="80000"/>
+              <a:buFont typeface="Wingdings" panose="05000000000000000000" pitchFamily="2" charset="2"/>
+              <a:buChar char="n"/>
+            </a:pPr>
+            <a:r>
+              <a:rPr lang="en-US" altLang="zh-CN" sz="2000" kern="0" dirty="0">
+                <a:ea typeface="Arial Unicode MS" pitchFamily="34" charset="-128"/>
+                <a:cs typeface="Arial Unicode MS" pitchFamily="34" charset="-128"/>
+              </a:rPr>
+              <a:t>The total order of magnitude is thousands of times the same of the combination of tags</a:t>
+            </a:r>
+          </a:p>
+          <a:p>
+            <a:pPr marL="830138" lvl="1" indent="-285750" fontAlgn="base">
+              <a:spcBef>
+                <a:spcPct val="50000"/>
+              </a:spcBef>
+              <a:spcAft>
+                <a:spcPct val="0"/>
+              </a:spcAft>
+              <a:buClr>
+                <a:srgbClr val="F0AB00"/>
+              </a:buClr>
+              <a:buSzPct val="80000"/>
+              <a:buFont typeface="Wingdings" panose="05000000000000000000" pitchFamily="2" charset="2"/>
+              <a:buChar char="n"/>
+            </a:pPr>
+            <a:r>
+              <a:rPr lang="en-US" altLang="zh-CN" sz="2000" kern="0" dirty="0">
+                <a:ea typeface="Arial Unicode MS" pitchFamily="34" charset="-128"/>
+                <a:cs typeface="Arial Unicode MS" pitchFamily="34" charset="-128"/>
+              </a:rPr>
+              <a:t>Basically no point query, common query is time range aggregation query</a:t>
+            </a:r>
+          </a:p>
+          <a:p>
+            <a:pPr marL="285750" indent="-285750" fontAlgn="base">
+              <a:spcBef>
+                <a:spcPct val="50000"/>
+              </a:spcBef>
+              <a:spcAft>
+                <a:spcPct val="0"/>
+              </a:spcAft>
+              <a:buClr>
+                <a:srgbClr val="F0AB00"/>
+              </a:buClr>
+              <a:buSzPct val="80000"/>
+              <a:buFont typeface="Wingdings" panose="05000000000000000000" pitchFamily="2" charset="2"/>
+              <a:buChar char="n"/>
+            </a:pPr>
+            <a:r>
+              <a:rPr lang="en-US" altLang="zh-CN" sz="2000" kern="0" dirty="0">
+                <a:ea typeface="Arial Unicode MS" pitchFamily="34" charset="-128"/>
+                <a:cs typeface="Arial Unicode MS" pitchFamily="34" charset="-128"/>
+              </a:rPr>
+              <a:t>Database’s Rules</a:t>
+            </a:r>
+          </a:p>
+          <a:p>
+            <a:pPr marL="830138" lvl="1" indent="-285750" fontAlgn="base">
+              <a:spcBef>
+                <a:spcPct val="50000"/>
+              </a:spcBef>
+              <a:spcAft>
+                <a:spcPct val="0"/>
+              </a:spcAft>
+              <a:buClr>
+                <a:srgbClr val="F0AB00"/>
+              </a:buClr>
+              <a:buSzPct val="80000"/>
+              <a:buFont typeface="Wingdings" panose="05000000000000000000" pitchFamily="2" charset="2"/>
+              <a:buChar char="n"/>
+            </a:pPr>
+            <a:r>
+              <a:rPr lang="en-US" altLang="zh-CN" sz="2000" kern="0" dirty="0">
+                <a:ea typeface="Arial Unicode MS" pitchFamily="34" charset="-128"/>
+                <a:cs typeface="Arial Unicode MS" pitchFamily="34" charset="-128"/>
+              </a:rPr>
+              <a:t>Writing performance</a:t>
+            </a:r>
+          </a:p>
+          <a:p>
+            <a:pPr marL="830138" lvl="1" indent="-285750" fontAlgn="base">
+              <a:spcBef>
+                <a:spcPct val="50000"/>
+              </a:spcBef>
+              <a:spcAft>
+                <a:spcPct val="0"/>
+              </a:spcAft>
+              <a:buClr>
+                <a:srgbClr val="F0AB00"/>
+              </a:buClr>
+              <a:buSzPct val="80000"/>
+              <a:buFont typeface="Wingdings" panose="05000000000000000000" pitchFamily="2" charset="2"/>
+              <a:buChar char="n"/>
+            </a:pPr>
+            <a:r>
+              <a:rPr lang="en-US" altLang="zh-CN" sz="2000" kern="0" dirty="0">
+                <a:ea typeface="Arial Unicode MS" pitchFamily="34" charset="-128"/>
+                <a:cs typeface="Arial Unicode MS" pitchFamily="34" charset="-128"/>
+              </a:rPr>
+              <a:t>Storage</a:t>
+            </a:r>
+          </a:p>
+          <a:p>
+            <a:pPr marL="830138" lvl="1" indent="-285750" fontAlgn="base">
+              <a:spcBef>
+                <a:spcPct val="50000"/>
+              </a:spcBef>
+              <a:spcAft>
+                <a:spcPct val="0"/>
+              </a:spcAft>
+              <a:buClr>
+                <a:srgbClr val="F0AB00"/>
+              </a:buClr>
+              <a:buSzPct val="80000"/>
+              <a:buFont typeface="Wingdings" panose="05000000000000000000" pitchFamily="2" charset="2"/>
+              <a:buChar char="n"/>
+            </a:pPr>
+            <a:r>
+              <a:rPr lang="en-US" altLang="zh-CN" sz="2000" kern="0" dirty="0">
+                <a:ea typeface="Arial Unicode MS" pitchFamily="34" charset="-128"/>
+                <a:cs typeface="Arial Unicode MS" pitchFamily="34" charset="-128"/>
+              </a:rPr>
+              <a:t>Aggregation computation and performance</a:t>
+            </a:r>
+          </a:p>
+          <a:p>
+            <a:pPr marL="830138" lvl="1" indent="-285750" fontAlgn="base">
+              <a:spcBef>
+                <a:spcPct val="50000"/>
+              </a:spcBef>
+              <a:spcAft>
+                <a:spcPct val="0"/>
+              </a:spcAft>
+              <a:buClr>
+                <a:srgbClr val="F0AB00"/>
+              </a:buClr>
+              <a:buSzPct val="80000"/>
+              <a:buFont typeface="Wingdings" panose="05000000000000000000" pitchFamily="2" charset="2"/>
+              <a:buChar char="n"/>
+            </a:pPr>
+            <a:r>
+              <a:rPr lang="en-US" altLang="zh-CN" sz="2000" kern="0" dirty="0">
+                <a:ea typeface="Arial Unicode MS" pitchFamily="34" charset="-128"/>
+                <a:cs typeface="Arial Unicode MS" pitchFamily="34" charset="-128"/>
+              </a:rPr>
+              <a:t>System and Architecture</a:t>
+            </a:r>
+          </a:p>
+          <a:p>
+            <a:pPr marL="285750" indent="-285750" fontAlgn="base">
+              <a:spcBef>
+                <a:spcPct val="50000"/>
+              </a:spcBef>
+              <a:spcAft>
+                <a:spcPct val="0"/>
+              </a:spcAft>
+              <a:buClr>
+                <a:srgbClr val="F0AB00"/>
+              </a:buClr>
+              <a:buSzPct val="80000"/>
+              <a:buFont typeface="Wingdings" panose="05000000000000000000" pitchFamily="2" charset="2"/>
+              <a:buChar char="n"/>
+            </a:pPr>
+            <a:endParaRPr lang="zh-CN" altLang="en-US" sz="1800" kern="0" dirty="0" err="1">
+              <a:ea typeface="Arial Unicode MS" pitchFamily="34" charset="-128"/>
+              <a:cs typeface="Arial Unicode MS" pitchFamily="34" charset="-128"/>
+            </a:endParaRPr>
+          </a:p>
+        </p:txBody>
+      </p:sp>
+    </p:spTree>
+    <p:extLst>
+      <p:ext uri="{BB962C8B-B14F-4D97-AF65-F5344CB8AC3E}">
+        <p14:creationId xmlns:p14="http://schemas.microsoft.com/office/powerpoint/2010/main" val="3377953"/>
+      </p:ext>
+    </p:extLst>
+  </p:cSld>
+  <p:clrMapOvr>
+    <a:masterClrMapping/>
+  </p:clrMapOvr>
+</p:sld>
+</file>
+
+<file path=ppt/slides/slide12.xml><?xml version="1.0" encoding="utf-8"?>
+<p:sld xmlns:a="http://schemas.openxmlformats.org/drawingml/2006/main" xmlns:r="http://schemas.openxmlformats.org/officeDocument/2006/relationships" xmlns:p="http://schemas.openxmlformats.org/presentationml/2006/main">
+  <p:cSld>
+    <p:spTree>
+      <p:nvGrpSpPr>
+        <p:cNvPr id="1" name=""/>
+        <p:cNvGrpSpPr/>
+        <p:nvPr/>
+      </p:nvGrpSpPr>
+      <p:grpSpPr>
+        <a:xfrm>
+          <a:off x="0" y="0"/>
+          <a:ext cx="0" cy="0"/>
+          <a:chOff x="0" y="0"/>
+          <a:chExt cx="0" cy="0"/>
+        </a:xfrm>
+      </p:grpSpPr>
+      <p:sp>
+        <p:nvSpPr>
+          <p:cNvPr id="24" name="Title"/>
+          <p:cNvSpPr>
+            <a:spLocks noGrp="1"/>
+          </p:cNvSpPr>
+          <p:nvPr>
+            <p:ph type="title"/>
+          </p:nvPr>
+        </p:nvSpPr>
+        <p:spPr bwMode="gray"/>
+        <p:txBody>
+          <a:bodyPr/>
+          <a:lstStyle/>
+          <a:p>
+            <a:r>
+              <a:rPr lang="en-US" dirty="0"/>
+              <a:t>Storage Architecture</a:t>
+            </a:r>
+          </a:p>
+        </p:txBody>
+      </p:sp>
+      <p:sp>
+        <p:nvSpPr>
+          <p:cNvPr id="2" name="文本框 1">
+            <a:extLst>
+              <a:ext uri="{FF2B5EF4-FFF2-40B4-BE49-F238E27FC236}">
+                <a16:creationId xmlns:a16="http://schemas.microsoft.com/office/drawing/2014/main" id="{6232C037-C320-47B4-880E-568F289C04F1}"/>
+              </a:ext>
+            </a:extLst>
+          </p:cNvPr>
+          <p:cNvSpPr txBox="1"/>
+          <p:nvPr/>
+        </p:nvSpPr>
+        <p:spPr>
+          <a:xfrm>
+            <a:off x="954136" y="1234452"/>
+            <a:ext cx="10736214" cy="5124480"/>
+          </a:xfrm>
+          <a:prstGeom prst="rect">
+            <a:avLst/>
+          </a:prstGeom>
+          <a:noFill/>
+        </p:spPr>
+        <p:txBody>
+          <a:bodyPr wrap="square" lIns="0" tIns="0" rIns="0" bIns="0" rtlCol="0">
+            <a:spAutoFit/>
+          </a:bodyPr>
+          <a:lstStyle/>
+          <a:p>
+            <a:pPr marL="285750" indent="-285750" fontAlgn="base">
+              <a:spcBef>
+                <a:spcPct val="50000"/>
+              </a:spcBef>
+              <a:spcAft>
+                <a:spcPct val="0"/>
+              </a:spcAft>
+              <a:buClr>
+                <a:srgbClr val="F0AB00"/>
+              </a:buClr>
+              <a:buSzPct val="80000"/>
+              <a:buFont typeface="Wingdings" panose="05000000000000000000" pitchFamily="2" charset="2"/>
+              <a:buChar char="n"/>
+            </a:pPr>
+            <a:r>
+              <a:rPr lang="en-US" altLang="zh-CN" sz="1800" b="1" kern="0" dirty="0">
+                <a:ea typeface="Arial Unicode MS" pitchFamily="34" charset="-128"/>
+                <a:cs typeface="Arial Unicode MS" pitchFamily="34" charset="-128"/>
+              </a:rPr>
+              <a:t>LSM-Tree:</a:t>
+            </a:r>
+          </a:p>
+          <a:p>
+            <a:pPr marL="285750" indent="-285750" fontAlgn="base">
+              <a:spcBef>
+                <a:spcPct val="50000"/>
+              </a:spcBef>
+              <a:spcAft>
+                <a:spcPct val="0"/>
+              </a:spcAft>
+              <a:buClr>
+                <a:srgbClr val="F0AB00"/>
+              </a:buClr>
+              <a:buSzPct val="80000"/>
+              <a:buFont typeface="Wingdings" panose="05000000000000000000" pitchFamily="2" charset="2"/>
+              <a:buChar char="n"/>
+            </a:pPr>
+            <a:endParaRPr lang="en-US" altLang="zh-CN" sz="1800" b="1" kern="0" dirty="0">
+              <a:ea typeface="Arial Unicode MS" pitchFamily="34" charset="-128"/>
+              <a:cs typeface="Arial Unicode MS" pitchFamily="34" charset="-128"/>
+            </a:endParaRPr>
+          </a:p>
+          <a:p>
+            <a:pPr marL="285750" indent="-285750" fontAlgn="base">
+              <a:spcBef>
+                <a:spcPct val="50000"/>
+              </a:spcBef>
+              <a:spcAft>
+                <a:spcPct val="0"/>
+              </a:spcAft>
+              <a:buClr>
+                <a:srgbClr val="F0AB00"/>
+              </a:buClr>
+              <a:buSzPct val="80000"/>
+              <a:buFont typeface="Wingdings" panose="05000000000000000000" pitchFamily="2" charset="2"/>
+              <a:buChar char="n"/>
+            </a:pPr>
+            <a:endParaRPr lang="en-US" altLang="zh-CN" sz="1800" b="1" kern="0" dirty="0">
+              <a:ea typeface="Arial Unicode MS" pitchFamily="34" charset="-128"/>
+              <a:cs typeface="Arial Unicode MS" pitchFamily="34" charset="-128"/>
+            </a:endParaRPr>
+          </a:p>
+          <a:p>
+            <a:pPr marL="285750" indent="-285750" fontAlgn="base">
+              <a:spcBef>
+                <a:spcPct val="50000"/>
+              </a:spcBef>
+              <a:spcAft>
+                <a:spcPct val="0"/>
+              </a:spcAft>
+              <a:buClr>
+                <a:srgbClr val="F0AB00"/>
+              </a:buClr>
+              <a:buSzPct val="80000"/>
+              <a:buFont typeface="Wingdings" panose="05000000000000000000" pitchFamily="2" charset="2"/>
+              <a:buChar char="n"/>
+            </a:pPr>
+            <a:endParaRPr lang="en-US" altLang="zh-CN" sz="1800" b="1" kern="0" dirty="0">
+              <a:ea typeface="Arial Unicode MS" pitchFamily="34" charset="-128"/>
+              <a:cs typeface="Arial Unicode MS" pitchFamily="34" charset="-128"/>
+            </a:endParaRPr>
+          </a:p>
+          <a:p>
+            <a:pPr marL="285750" indent="-285750" fontAlgn="base">
+              <a:spcBef>
+                <a:spcPct val="50000"/>
+              </a:spcBef>
+              <a:spcAft>
+                <a:spcPct val="0"/>
+              </a:spcAft>
+              <a:buClr>
+                <a:srgbClr val="F0AB00"/>
+              </a:buClr>
+              <a:buSzPct val="80000"/>
+              <a:buFont typeface="Wingdings" panose="05000000000000000000" pitchFamily="2" charset="2"/>
+              <a:buChar char="n"/>
+            </a:pPr>
+            <a:endParaRPr lang="en-US" altLang="zh-CN" sz="1800" b="1" kern="0" dirty="0">
+              <a:ea typeface="Arial Unicode MS" pitchFamily="34" charset="-128"/>
+              <a:cs typeface="Arial Unicode MS" pitchFamily="34" charset="-128"/>
+            </a:endParaRPr>
+          </a:p>
+          <a:p>
+            <a:pPr marL="285750" indent="-285750" fontAlgn="base">
+              <a:spcBef>
+                <a:spcPct val="50000"/>
+              </a:spcBef>
+              <a:spcAft>
+                <a:spcPct val="0"/>
+              </a:spcAft>
+              <a:buClr>
+                <a:srgbClr val="F0AB00"/>
+              </a:buClr>
+              <a:buSzPct val="80000"/>
+              <a:buFont typeface="Wingdings" panose="05000000000000000000" pitchFamily="2" charset="2"/>
+              <a:buChar char="n"/>
+            </a:pPr>
+            <a:endParaRPr lang="en-US" altLang="zh-CN" sz="1800" b="1" kern="0" dirty="0">
+              <a:ea typeface="Arial Unicode MS" pitchFamily="34" charset="-128"/>
+              <a:cs typeface="Arial Unicode MS" pitchFamily="34" charset="-128"/>
+            </a:endParaRPr>
+          </a:p>
+          <a:p>
+            <a:pPr marL="285750" indent="-285750" fontAlgn="base">
+              <a:spcBef>
+                <a:spcPct val="50000"/>
+              </a:spcBef>
+              <a:spcAft>
+                <a:spcPct val="0"/>
+              </a:spcAft>
+              <a:buClr>
+                <a:srgbClr val="F0AB00"/>
+              </a:buClr>
+              <a:buSzPct val="80000"/>
+              <a:buFont typeface="Wingdings" panose="05000000000000000000" pitchFamily="2" charset="2"/>
+              <a:buChar char="n"/>
+            </a:pPr>
+            <a:endParaRPr lang="en-US" altLang="zh-CN" sz="1800" b="1" kern="0" dirty="0">
+              <a:ea typeface="Arial Unicode MS" pitchFamily="34" charset="-128"/>
+              <a:cs typeface="Arial Unicode MS" pitchFamily="34" charset="-128"/>
+            </a:endParaRPr>
+          </a:p>
+          <a:p>
+            <a:pPr marL="285750" indent="-285750" fontAlgn="base">
+              <a:spcBef>
+                <a:spcPct val="50000"/>
+              </a:spcBef>
+              <a:spcAft>
+                <a:spcPct val="0"/>
+              </a:spcAft>
+              <a:buClr>
+                <a:srgbClr val="F0AB00"/>
+              </a:buClr>
+              <a:buSzPct val="80000"/>
+              <a:buFont typeface="Wingdings" panose="05000000000000000000" pitchFamily="2" charset="2"/>
+              <a:buChar char="n"/>
+            </a:pPr>
+            <a:endParaRPr lang="en-US" altLang="zh-CN" sz="1800" b="1" kern="0" dirty="0">
+              <a:ea typeface="Arial Unicode MS" pitchFamily="34" charset="-128"/>
+              <a:cs typeface="Arial Unicode MS" pitchFamily="34" charset="-128"/>
+            </a:endParaRPr>
+          </a:p>
+          <a:p>
+            <a:pPr marL="285750" indent="-285750" fontAlgn="base">
+              <a:spcBef>
+                <a:spcPct val="50000"/>
+              </a:spcBef>
+              <a:spcAft>
+                <a:spcPct val="0"/>
+              </a:spcAft>
+              <a:buClr>
+                <a:srgbClr val="F0AB00"/>
+              </a:buClr>
+              <a:buSzPct val="80000"/>
+              <a:buFont typeface="Wingdings" panose="05000000000000000000" pitchFamily="2" charset="2"/>
+              <a:buChar char="n"/>
+            </a:pPr>
+            <a:endParaRPr lang="en-US" altLang="zh-CN" sz="1800" b="1" kern="0" dirty="0">
+              <a:ea typeface="Arial Unicode MS" pitchFamily="34" charset="-128"/>
+              <a:cs typeface="Arial Unicode MS" pitchFamily="34" charset="-128"/>
+            </a:endParaRPr>
+          </a:p>
+          <a:p>
+            <a:pPr marL="285750" indent="-285750" fontAlgn="base">
+              <a:spcBef>
+                <a:spcPct val="50000"/>
+              </a:spcBef>
+              <a:spcAft>
+                <a:spcPct val="0"/>
+              </a:spcAft>
+              <a:buClr>
+                <a:srgbClr val="F0AB00"/>
+              </a:buClr>
+              <a:buSzPct val="80000"/>
+              <a:buFont typeface="Wingdings" panose="05000000000000000000" pitchFamily="2" charset="2"/>
+              <a:buChar char="n"/>
+            </a:pPr>
+            <a:endParaRPr lang="en-US" altLang="zh-CN" sz="1800" b="1" kern="0" dirty="0">
+              <a:ea typeface="Arial Unicode MS" pitchFamily="34" charset="-128"/>
+              <a:cs typeface="Arial Unicode MS" pitchFamily="34" charset="-128"/>
+            </a:endParaRPr>
+          </a:p>
+          <a:p>
+            <a:pPr marL="285750" indent="-285750" fontAlgn="base">
+              <a:spcBef>
+                <a:spcPct val="50000"/>
+              </a:spcBef>
+              <a:spcAft>
+                <a:spcPct val="0"/>
+              </a:spcAft>
+              <a:buClr>
+                <a:srgbClr val="F0AB00"/>
+              </a:buClr>
+              <a:buSzPct val="80000"/>
+              <a:buFont typeface="Wingdings" panose="05000000000000000000" pitchFamily="2" charset="2"/>
+              <a:buChar char="n"/>
+            </a:pPr>
+            <a:r>
+              <a:rPr lang="en-US" altLang="zh-CN" sz="1800" b="1" kern="0" dirty="0">
+                <a:ea typeface="Arial Unicode MS" pitchFamily="34" charset="-128"/>
+                <a:cs typeface="Arial Unicode MS" pitchFamily="34" charset="-128"/>
+              </a:rPr>
+              <a:t>Storage Architecture</a:t>
+            </a:r>
+          </a:p>
+          <a:p>
+            <a:pPr marL="830138" lvl="1" indent="-285750" fontAlgn="base">
+              <a:spcBef>
+                <a:spcPct val="50000"/>
+              </a:spcBef>
+              <a:spcAft>
+                <a:spcPct val="0"/>
+              </a:spcAft>
+              <a:buClr>
+                <a:srgbClr val="F0AB00"/>
+              </a:buClr>
+              <a:buSzPct val="80000"/>
+              <a:buFont typeface="Wingdings" panose="05000000000000000000" pitchFamily="2" charset="2"/>
+              <a:buChar char="n"/>
+            </a:pPr>
+            <a:r>
+              <a:rPr lang="en-US" altLang="zh-CN" sz="1800" kern="0" dirty="0">
+                <a:latin typeface="Arial" panose="020B0604020202020204" pitchFamily="34" charset="0"/>
+                <a:ea typeface="Arial Unicode MS" pitchFamily="34" charset="-128"/>
+              </a:rPr>
+              <a:t>The back-end storage system is </a:t>
+            </a:r>
+            <a:r>
+              <a:rPr lang="en-US" altLang="zh-CN" sz="1800" kern="0" dirty="0" err="1">
+                <a:latin typeface="Arial" panose="020B0604020202020204" pitchFamily="34" charset="0"/>
+                <a:ea typeface="Arial Unicode MS" pitchFamily="34" charset="-128"/>
+              </a:rPr>
+              <a:t>Hbase</a:t>
+            </a:r>
+            <a:r>
+              <a:rPr lang="en-US" altLang="zh-CN" sz="1800" kern="0" dirty="0">
+                <a:latin typeface="Arial" panose="020B0604020202020204" pitchFamily="34" charset="0"/>
+                <a:ea typeface="Arial Unicode MS" pitchFamily="34" charset="-128"/>
+              </a:rPr>
+              <a:t>, an open-source non-relational disk-oriented distributed database. It also supports Google Bigtable as its backend.</a:t>
+            </a:r>
+            <a:endParaRPr lang="en-US" altLang="zh-CN" sz="1800" b="1" kern="0" dirty="0">
+              <a:ea typeface="Arial Unicode MS" pitchFamily="34" charset="-128"/>
+              <a:cs typeface="Arial Unicode MS" pitchFamily="34" charset="-128"/>
+            </a:endParaRPr>
+          </a:p>
+        </p:txBody>
+      </p:sp>
+      <p:pic>
+        <p:nvPicPr>
+          <p:cNvPr id="3" name="图片 2">
+            <a:extLst>
+              <a:ext uri="{FF2B5EF4-FFF2-40B4-BE49-F238E27FC236}">
+                <a16:creationId xmlns:a16="http://schemas.microsoft.com/office/drawing/2014/main" id="{CDBA2C0B-5EB1-4043-925B-E6A5F1218153}"/>
+              </a:ext>
+            </a:extLst>
+          </p:cNvPr>
+          <p:cNvPicPr>
+            <a:picLocks noChangeAspect="1"/>
+          </p:cNvPicPr>
+          <p:nvPr/>
+        </p:nvPicPr>
+        <p:blipFill>
+          <a:blip r:embed="rId2"/>
+          <a:stretch>
+            <a:fillRect/>
+          </a:stretch>
+        </p:blipFill>
+        <p:spPr>
+          <a:xfrm>
+            <a:off x="3977195" y="1234452"/>
+            <a:ext cx="5235394" cy="3962743"/>
+          </a:xfrm>
+          <a:prstGeom prst="rect">
+            <a:avLst/>
+          </a:prstGeom>
+        </p:spPr>
+      </p:pic>
+    </p:spTree>
+    <p:extLst>
+      <p:ext uri="{BB962C8B-B14F-4D97-AF65-F5344CB8AC3E}">
+        <p14:creationId xmlns:p14="http://schemas.microsoft.com/office/powerpoint/2010/main" val="3185078688"/>
+      </p:ext>
+    </p:extLst>
+  </p:cSld>
+  <p:clrMapOvr>
+    <a:masterClrMapping/>
+  </p:clrMapOvr>
+</p:sld>
+</file>
+
+<file path=ppt/slides/slide13.xml><?xml version="1.0" encoding="utf-8"?>
+<p:sld xmlns:a="http://schemas.openxmlformats.org/drawingml/2006/main" xmlns:r="http://schemas.openxmlformats.org/officeDocument/2006/relationships" xmlns:p="http://schemas.openxmlformats.org/presentationml/2006/main">
+  <p:cSld>
+    <p:spTree>
+      <p:nvGrpSpPr>
+        <p:cNvPr id="1" name=""/>
+        <p:cNvGrpSpPr/>
+        <p:nvPr/>
+      </p:nvGrpSpPr>
+      <p:grpSpPr>
+        <a:xfrm>
+          <a:off x="0" y="0"/>
+          <a:ext cx="0" cy="0"/>
+          <a:chOff x="0" y="0"/>
+          <a:chExt cx="0" cy="0"/>
+        </a:xfrm>
+      </p:grpSpPr>
+      <p:sp>
+        <p:nvSpPr>
+          <p:cNvPr id="24" name="Title"/>
+          <p:cNvSpPr>
+            <a:spLocks noGrp="1"/>
+          </p:cNvSpPr>
+          <p:nvPr>
+            <p:ph type="title"/>
+          </p:nvPr>
+        </p:nvSpPr>
+        <p:spPr bwMode="gray"/>
+        <p:txBody>
+          <a:bodyPr/>
+          <a:lstStyle/>
+          <a:p>
+            <a:r>
+              <a:rPr lang="en-US" altLang="zh-CN" dirty="0"/>
+              <a:t>Time Series Database Dilemma</a:t>
+            </a:r>
+            <a:endParaRPr lang="en-US" dirty="0"/>
+          </a:p>
+        </p:txBody>
+      </p:sp>
+      <p:sp>
+        <p:nvSpPr>
+          <p:cNvPr id="2" name="文本框 1">
+            <a:extLst>
+              <a:ext uri="{FF2B5EF4-FFF2-40B4-BE49-F238E27FC236}">
+                <a16:creationId xmlns:a16="http://schemas.microsoft.com/office/drawing/2014/main" id="{6232C037-C320-47B4-880E-568F289C04F1}"/>
+              </a:ext>
+            </a:extLst>
+          </p:cNvPr>
+          <p:cNvSpPr txBox="1"/>
+          <p:nvPr/>
+        </p:nvSpPr>
+        <p:spPr>
+          <a:xfrm>
+            <a:off x="954136" y="1234452"/>
+            <a:ext cx="10736214" cy="1523494"/>
+          </a:xfrm>
+          <a:prstGeom prst="rect">
+            <a:avLst/>
+          </a:prstGeom>
+          <a:noFill/>
+        </p:spPr>
+        <p:txBody>
+          <a:bodyPr wrap="square" lIns="0" tIns="0" rIns="0" bIns="0" rtlCol="0">
+            <a:spAutoFit/>
+          </a:bodyPr>
+          <a:lstStyle/>
+          <a:p>
+            <a:pPr marL="285750" indent="-285750" fontAlgn="base">
+              <a:spcBef>
+                <a:spcPct val="50000"/>
+              </a:spcBef>
+              <a:spcAft>
+                <a:spcPct val="0"/>
+              </a:spcAft>
+              <a:buClr>
+                <a:srgbClr val="F0AB00"/>
+              </a:buClr>
+              <a:buSzPct val="80000"/>
+              <a:buFont typeface="Wingdings" panose="05000000000000000000" pitchFamily="2" charset="2"/>
+              <a:buChar char="n"/>
+            </a:pPr>
+            <a:r>
+              <a:rPr lang="en-US" altLang="zh-CN" sz="1800" b="1" kern="0" dirty="0" err="1">
+                <a:ea typeface="Arial Unicode MS" pitchFamily="34" charset="-128"/>
+                <a:cs typeface="Arial Unicode MS" pitchFamily="34" charset="-128"/>
+              </a:rPr>
+              <a:t>OpneTSDB</a:t>
+            </a:r>
+            <a:r>
+              <a:rPr lang="en-US" altLang="zh-CN" sz="1800" b="1" kern="0" dirty="0">
+                <a:ea typeface="Arial Unicode MS" pitchFamily="34" charset="-128"/>
+                <a:cs typeface="Arial Unicode MS" pitchFamily="34" charset="-128"/>
+              </a:rPr>
+              <a:t> </a:t>
+            </a:r>
+          </a:p>
+          <a:p>
+            <a:pPr marL="830138" lvl="1" indent="-285750" fontAlgn="base">
+              <a:spcBef>
+                <a:spcPct val="50000"/>
+              </a:spcBef>
+              <a:spcAft>
+                <a:spcPct val="0"/>
+              </a:spcAft>
+              <a:buClr>
+                <a:srgbClr val="F0AB00"/>
+              </a:buClr>
+              <a:buSzPct val="80000"/>
+              <a:buFont typeface="Wingdings" panose="05000000000000000000" pitchFamily="2" charset="2"/>
+              <a:buChar char="n"/>
+            </a:pPr>
+            <a:r>
+              <a:rPr lang="en-US" altLang="zh-CN" sz="1800" kern="0" dirty="0">
+                <a:ea typeface="Arial Unicode MS" pitchFamily="34" charset="-128"/>
+                <a:cs typeface="Arial Unicode MS" pitchFamily="34" charset="-128"/>
+              </a:rPr>
+              <a:t>Dilemma between Key-Value and Time Series.</a:t>
+            </a:r>
+          </a:p>
+          <a:p>
+            <a:pPr marL="285750" indent="-285750" fontAlgn="base">
+              <a:spcBef>
+                <a:spcPct val="50000"/>
+              </a:spcBef>
+              <a:spcAft>
+                <a:spcPct val="0"/>
+              </a:spcAft>
+              <a:buClr>
+                <a:srgbClr val="F0AB00"/>
+              </a:buClr>
+              <a:buSzPct val="80000"/>
+              <a:buFont typeface="Wingdings" panose="05000000000000000000" pitchFamily="2" charset="2"/>
+              <a:buChar char="n"/>
+            </a:pPr>
+            <a:r>
+              <a:rPr lang="en-US" altLang="zh-CN" sz="1800" b="1" kern="0" dirty="0">
+                <a:ea typeface="Arial Unicode MS" pitchFamily="34" charset="-128"/>
+                <a:cs typeface="Arial Unicode MS" pitchFamily="34" charset="-128"/>
+              </a:rPr>
+              <a:t>and </a:t>
+            </a:r>
+            <a:r>
+              <a:rPr lang="en-US" altLang="zh-CN" sz="1800" b="1" kern="0" dirty="0" err="1">
+                <a:ea typeface="Arial Unicode MS" pitchFamily="34" charset="-128"/>
+                <a:cs typeface="Arial Unicode MS" pitchFamily="34" charset="-128"/>
+              </a:rPr>
+              <a:t>Promethus</a:t>
+            </a:r>
+            <a:endParaRPr lang="en-US" altLang="zh-CN" sz="1800" b="1" kern="0" dirty="0">
+              <a:ea typeface="Arial Unicode MS" pitchFamily="34" charset="-128"/>
+              <a:cs typeface="Arial Unicode MS" pitchFamily="34" charset="-128"/>
+            </a:endParaRPr>
+          </a:p>
+          <a:p>
+            <a:pPr marL="285750" indent="-285750" fontAlgn="base">
+              <a:spcBef>
+                <a:spcPct val="50000"/>
+              </a:spcBef>
+              <a:spcAft>
+                <a:spcPct val="0"/>
+              </a:spcAft>
+              <a:buClr>
+                <a:srgbClr val="F0AB00"/>
+              </a:buClr>
+              <a:buSzPct val="80000"/>
+              <a:buFont typeface="Wingdings" panose="05000000000000000000" pitchFamily="2" charset="2"/>
+              <a:buChar char="n"/>
+            </a:pPr>
+            <a:endParaRPr lang="en-US" altLang="zh-CN" sz="1800" b="1" kern="0" dirty="0">
+              <a:ea typeface="Arial Unicode MS" pitchFamily="34" charset="-128"/>
+              <a:cs typeface="Arial Unicode MS" pitchFamily="34" charset="-128"/>
+            </a:endParaRPr>
+          </a:p>
+        </p:txBody>
+      </p:sp>
+    </p:spTree>
+    <p:extLst>
+      <p:ext uri="{BB962C8B-B14F-4D97-AF65-F5344CB8AC3E}">
+        <p14:creationId xmlns:p14="http://schemas.microsoft.com/office/powerpoint/2010/main" val="3205318953"/>
+      </p:ext>
+    </p:extLst>
+  </p:cSld>
+  <p:clrMapOvr>
+    <a:masterClrMapping/>
+  </p:clrMapOvr>
+</p:sld>
+</file>
+
+<file path=ppt/slides/slide14.xml><?xml version="1.0" encoding="utf-8"?>
+<p:sld xmlns:a="http://schemas.openxmlformats.org/drawingml/2006/main" xmlns:r="http://schemas.openxmlformats.org/officeDocument/2006/relationships" xmlns:p="http://schemas.openxmlformats.org/presentationml/2006/main">
+  <p:cSld>
+    <p:spTree>
+      <p:nvGrpSpPr>
+        <p:cNvPr id="1" name=""/>
+        <p:cNvGrpSpPr/>
+        <p:nvPr/>
+      </p:nvGrpSpPr>
+      <p:grpSpPr>
+        <a:xfrm>
+          <a:off x="0" y="0"/>
+          <a:ext cx="0" cy="0"/>
+          <a:chOff x="0" y="0"/>
+          <a:chExt cx="0" cy="0"/>
+        </a:xfrm>
+      </p:grpSpPr>
+      <p:sp>
+        <p:nvSpPr>
           <p:cNvPr id="3" name="Divider"/>
           <p:cNvSpPr>
             <a:spLocks noGrp="1"/>
@@ -8795,7 +10056,7 @@
 </p:sld>
 </file>
 
-<file path=ppt/slides/slide11.xml><?xml version="1.0" encoding="utf-8"?>
+<file path=ppt/slides/slide15.xml><?xml version="1.0" encoding="utf-8"?>
 <p:sld xmlns:a="http://schemas.openxmlformats.org/drawingml/2006/main" xmlns:r="http://schemas.openxmlformats.org/officeDocument/2006/relationships" xmlns:p="http://schemas.openxmlformats.org/presentationml/2006/main">
   <p:cSld>
     <p:spTree>
@@ -8847,7 +10108,7 @@
 </p:sld>
 </file>
 
-<file path=ppt/slides/slide12.xml><?xml version="1.0" encoding="utf-8"?>
+<file path=ppt/slides/slide16.xml><?xml version="1.0" encoding="utf-8"?>
 <p:sld xmlns:a="http://schemas.openxmlformats.org/drawingml/2006/main" xmlns:r="http://schemas.openxmlformats.org/officeDocument/2006/relationships" xmlns:p="http://schemas.openxmlformats.org/presentationml/2006/main">
   <p:cSld>
     <p:spTree>
@@ -8899,7 +10160,7 @@
 </p:sld>
 </file>
 
-<file path=ppt/slides/slide13.xml><?xml version="1.0" encoding="utf-8"?>
+<file path=ppt/slides/slide17.xml><?xml version="1.0" encoding="utf-8"?>
 <p:sld xmlns:a="http://schemas.openxmlformats.org/drawingml/2006/main" xmlns:r="http://schemas.openxmlformats.org/officeDocument/2006/relationships" xmlns:p="http://schemas.openxmlformats.org/presentationml/2006/main">
   <p:cSld>
     <p:spTree>
@@ -8979,7 +10240,7 @@
 </p:sld>
 </file>
 
-<file path=ppt/slides/slide14.xml><?xml version="1.0" encoding="utf-8"?>
+<file path=ppt/slides/slide18.xml><?xml version="1.0" encoding="utf-8"?>
 <p:sld xmlns:a="http://schemas.openxmlformats.org/drawingml/2006/main" xmlns:r="http://schemas.openxmlformats.org/officeDocument/2006/relationships" xmlns:p="http://schemas.openxmlformats.org/presentationml/2006/main">
   <p:cSld>
     <p:spTree>
@@ -9073,7 +10334,7 @@
 </p:sld>
 </file>
 
-<file path=ppt/slides/slide15.xml><?xml version="1.0" encoding="utf-8"?>
+<file path=ppt/slides/slide19.xml><?xml version="1.0" encoding="utf-8"?>
 <p:sld xmlns:a="http://schemas.openxmlformats.org/drawingml/2006/main" xmlns:r="http://schemas.openxmlformats.org/officeDocument/2006/relationships" xmlns:p="http://schemas.openxmlformats.org/presentationml/2006/main">
   <p:cSld>
     <p:spTree>
@@ -9125,7 +10386,7 @@
 </p:sld>
 </file>
 
-<file path=ppt/slides/slide16.xml><?xml version="1.0" encoding="utf-8"?>
+<file path=ppt/slides/slide2.xml><?xml version="1.0" encoding="utf-8"?>
 <p:sld xmlns:a="http://schemas.openxmlformats.org/drawingml/2006/main" xmlns:r="http://schemas.openxmlformats.org/officeDocument/2006/relationships" xmlns:p="http://schemas.openxmlformats.org/presentationml/2006/main">
   <p:cSld>
     <p:spTree>
@@ -9144,6 +10405,126 @@
       </p:grpSpPr>
       <p:sp>
         <p:nvSpPr>
+          <p:cNvPr id="3" name="Agenda items"/>
+          <p:cNvSpPr>
+            <a:spLocks noGrp="1"/>
+          </p:cNvSpPr>
+          <p:nvPr>
+            <p:ph type="body" sz="quarter" idx="10"/>
+          </p:nvPr>
+        </p:nvSpPr>
+        <p:spPr bwMode="gray"/>
+        <p:txBody>
+          <a:bodyPr/>
+          <a:lstStyle/>
+          <a:p>
+            <a:r>
+              <a:rPr lang="en-US" b="1" dirty="0"/>
+              <a:t>Overview of </a:t>
+            </a:r>
+            <a:r>
+              <a:rPr lang="en-US" b="1" dirty="0" err="1"/>
+              <a:t>OpenTSDB</a:t>
+            </a:r>
+            <a:endParaRPr lang="en-US" b="1" dirty="0"/>
+          </a:p>
+          <a:p>
+            <a:pPr lvl="1"/>
+            <a:r>
+              <a:rPr lang="en-US" dirty="0"/>
+              <a:t>Details</a:t>
+            </a:r>
+          </a:p>
+          <a:p>
+            <a:r>
+              <a:rPr lang="en-US" dirty="0"/>
+              <a:t>Agenda item/divider headline</a:t>
+            </a:r>
+          </a:p>
+          <a:p>
+            <a:pPr lvl="1"/>
+            <a:r>
+              <a:rPr lang="en-US" dirty="0"/>
+              <a:t>Details</a:t>
+            </a:r>
+          </a:p>
+          <a:p>
+            <a:r>
+              <a:rPr lang="en-US" dirty="0"/>
+              <a:t>Agenda item/divider headline</a:t>
+            </a:r>
+          </a:p>
+          <a:p>
+            <a:pPr lvl="1"/>
+            <a:r>
+              <a:rPr lang="en-US" dirty="0"/>
+              <a:t>Details</a:t>
+            </a:r>
+          </a:p>
+          <a:p>
+            <a:r>
+              <a:rPr lang="en-US" dirty="0"/>
+              <a:t>Agenda item/divider headline</a:t>
+            </a:r>
+          </a:p>
+          <a:p>
+            <a:pPr lvl="1"/>
+            <a:r>
+              <a:rPr lang="en-US" dirty="0"/>
+              <a:t>Details</a:t>
+            </a:r>
+          </a:p>
+        </p:txBody>
+      </p:sp>
+      <p:sp>
+        <p:nvSpPr>
+          <p:cNvPr id="2" name="Agenda"/>
+          <p:cNvSpPr>
+            <a:spLocks noGrp="1"/>
+          </p:cNvSpPr>
+          <p:nvPr>
+            <p:ph type="title"/>
+          </p:nvPr>
+        </p:nvSpPr>
+        <p:spPr bwMode="gray"/>
+        <p:txBody>
+          <a:bodyPr/>
+          <a:lstStyle/>
+          <a:p>
+            <a:r>
+              <a:rPr lang="en-US" dirty="0"/>
+              <a:t>Content</a:t>
+            </a:r>
+          </a:p>
+        </p:txBody>
+      </p:sp>
+    </p:spTree>
+  </p:cSld>
+  <p:clrMapOvr>
+    <a:masterClrMapping/>
+  </p:clrMapOvr>
+</p:sld>
+</file>
+
+<file path=ppt/slides/slide20.xml><?xml version="1.0" encoding="utf-8"?>
+<p:sld xmlns:a="http://schemas.openxmlformats.org/drawingml/2006/main" xmlns:r="http://schemas.openxmlformats.org/officeDocument/2006/relationships" xmlns:p="http://schemas.openxmlformats.org/presentationml/2006/main">
+  <p:cSld>
+    <p:spTree>
+      <p:nvGrpSpPr>
+        <p:cNvPr id="1" name=""/>
+        <p:cNvGrpSpPr/>
+        <p:nvPr/>
+      </p:nvGrpSpPr>
+      <p:grpSpPr>
+        <a:xfrm>
+          <a:off x="0" y="0"/>
+          <a:ext cx="0" cy="0"/>
+          <a:chOff x="0" y="0"/>
+          <a:chExt cx="0" cy="0"/>
+        </a:xfrm>
+      </p:grpSpPr>
+      <p:sp>
+        <p:nvSpPr>
           <p:cNvPr id="24" name="Title"/>
           <p:cNvSpPr>
             <a:spLocks noGrp="1"/>
@@ -9177,7 +10558,7 @@
 </p:sld>
 </file>
 
-<file path=ppt/slides/slide17.xml><?xml version="1.0" encoding="utf-8"?>
+<file path=ppt/slides/slide21.xml><?xml version="1.0" encoding="utf-8"?>
 <p:sld xmlns:a="http://schemas.openxmlformats.org/drawingml/2006/main" xmlns:r="http://schemas.openxmlformats.org/officeDocument/2006/relationships" xmlns:p="http://schemas.openxmlformats.org/presentationml/2006/main">
   <p:cSld>
     <p:spTree>
@@ -9645,473 +11026,6 @@
 </p:sld>
 </file>
 
-<file path=ppt/slides/slide18.xml><?xml version="1.0" encoding="utf-8"?>
-<p:sld xmlns:a="http://schemas.openxmlformats.org/drawingml/2006/main" xmlns:r="http://schemas.openxmlformats.org/officeDocument/2006/relationships" xmlns:p="http://schemas.openxmlformats.org/presentationml/2006/main">
-  <p:cSld>
-    <p:spTree>
-      <p:nvGrpSpPr>
-        <p:cNvPr id="1" name=""/>
-        <p:cNvGrpSpPr/>
-        <p:nvPr/>
-      </p:nvGrpSpPr>
-      <p:grpSpPr>
-        <a:xfrm>
-          <a:off x="0" y="0"/>
-          <a:ext cx="0" cy="0"/>
-          <a:chOff x="0" y="0"/>
-          <a:chExt cx="0" cy="0"/>
-        </a:xfrm>
-      </p:grpSpPr>
-      <p:sp>
-        <p:nvSpPr>
-          <p:cNvPr id="2" name="Text Placeholder">
-            <a:extLst>
-              <a:ext uri="{FF2B5EF4-FFF2-40B4-BE49-F238E27FC236}">
-                <a16:creationId xmlns:a16="http://schemas.microsoft.com/office/drawing/2014/main" id="{FD8B0406-B42D-4E48-A077-1006CEECE8B8}"/>
-              </a:ext>
-            </a:extLst>
-          </p:cNvPr>
-          <p:cNvSpPr>
-            <a:spLocks noGrp="1"/>
-          </p:cNvSpPr>
-          <p:nvPr>
-            <p:ph type="body" sz="quarter" idx="10"/>
-          </p:nvPr>
-        </p:nvSpPr>
-        <p:spPr/>
-        <p:txBody>
-          <a:bodyPr/>
-          <a:lstStyle/>
-          <a:p>
-            <a:pPr lvl="0"/>
-            <a:r>
-              <a:rPr lang="en-US" dirty="0"/>
-              <a:t>First level</a:t>
-            </a:r>
-          </a:p>
-          <a:p>
-            <a:pPr lvl="1"/>
-            <a:r>
-              <a:rPr lang="en-US" dirty="0"/>
-              <a:t>Second level</a:t>
-            </a:r>
-          </a:p>
-          <a:p>
-            <a:pPr lvl="2"/>
-            <a:r>
-              <a:rPr lang="en-US" dirty="0"/>
-              <a:t>Third level</a:t>
-            </a:r>
-          </a:p>
-        </p:txBody>
-      </p:sp>
-      <p:sp>
-        <p:nvSpPr>
-          <p:cNvPr id="3" name="Title">
-            <a:extLst>
-              <a:ext uri="{FF2B5EF4-FFF2-40B4-BE49-F238E27FC236}">
-                <a16:creationId xmlns:a16="http://schemas.microsoft.com/office/drawing/2014/main" id="{D36C6BFD-B684-44BB-8F4D-37456D097F1B}"/>
-              </a:ext>
-            </a:extLst>
-          </p:cNvPr>
-          <p:cNvSpPr>
-            <a:spLocks noGrp="1"/>
-          </p:cNvSpPr>
-          <p:nvPr>
-            <p:ph type="title"/>
-          </p:nvPr>
-        </p:nvSpPr>
-        <p:spPr/>
-        <p:txBody>
-          <a:bodyPr/>
-          <a:lstStyle/>
-          <a:p>
-            <a:r>
-              <a:rPr lang="en-US" dirty="0"/>
-              <a:t>Insert page title (sentence case)</a:t>
-            </a:r>
-          </a:p>
-        </p:txBody>
-      </p:sp>
-    </p:spTree>
-    <p:extLst>
-      <p:ext uri="{BB962C8B-B14F-4D97-AF65-F5344CB8AC3E}">
-        <p14:creationId xmlns:p14="http://schemas.microsoft.com/office/powerpoint/2010/main" val="4007524871"/>
-      </p:ext>
-    </p:extLst>
-  </p:cSld>
-  <p:clrMapOvr>
-    <a:masterClrMapping/>
-  </p:clrMapOvr>
-</p:sld>
-</file>
-
-<file path=ppt/slides/slide19.xml><?xml version="1.0" encoding="utf-8"?>
-<p:sld xmlns:a="http://schemas.openxmlformats.org/drawingml/2006/main" xmlns:r="http://schemas.openxmlformats.org/officeDocument/2006/relationships" xmlns:p="http://schemas.openxmlformats.org/presentationml/2006/main">
-  <p:cSld>
-    <p:spTree>
-      <p:nvGrpSpPr>
-        <p:cNvPr id="1" name=""/>
-        <p:cNvGrpSpPr/>
-        <p:nvPr/>
-      </p:nvGrpSpPr>
-      <p:grpSpPr>
-        <a:xfrm>
-          <a:off x="0" y="0"/>
-          <a:ext cx="0" cy="0"/>
-          <a:chOff x="0" y="0"/>
-          <a:chExt cx="0" cy="0"/>
-        </a:xfrm>
-      </p:grpSpPr>
-      <p:sp>
-        <p:nvSpPr>
-          <p:cNvPr id="11" name="Text Placeholder"/>
-          <p:cNvSpPr>
-            <a:spLocks noGrp="1"/>
-          </p:cNvSpPr>
-          <p:nvPr>
-            <p:ph type="body" sz="quarter" idx="10"/>
-          </p:nvPr>
-        </p:nvSpPr>
-        <p:spPr bwMode="gray"/>
-        <p:txBody>
-          <a:bodyPr/>
-          <a:lstStyle/>
-          <a:p>
-            <a:pPr lvl="0"/>
-            <a:r>
-              <a:rPr lang="en-US" dirty="0"/>
-              <a:t>First level</a:t>
-            </a:r>
-          </a:p>
-          <a:p>
-            <a:pPr lvl="1"/>
-            <a:r>
-              <a:rPr lang="en-US" dirty="0"/>
-              <a:t>Second level</a:t>
-            </a:r>
-          </a:p>
-          <a:p>
-            <a:pPr lvl="2"/>
-            <a:r>
-              <a:rPr lang="en-US" dirty="0"/>
-              <a:t>Third level</a:t>
-            </a:r>
-          </a:p>
-        </p:txBody>
-      </p:sp>
-      <p:sp>
-        <p:nvSpPr>
-          <p:cNvPr id="4" name="Title"/>
-          <p:cNvSpPr>
-            <a:spLocks noGrp="1"/>
-          </p:cNvSpPr>
-          <p:nvPr>
-            <p:ph type="title"/>
-          </p:nvPr>
-        </p:nvSpPr>
-        <p:spPr bwMode="gray">
-          <a:xfrm>
-            <a:off x="504001" y="504000"/>
-            <a:ext cx="11186476" cy="646331"/>
-          </a:xfrm>
-        </p:spPr>
-        <p:txBody>
-          <a:bodyPr/>
-          <a:lstStyle/>
-          <a:p>
-            <a:r>
-              <a:rPr lang="en-US" dirty="0"/>
-              <a:t>Insert page title (sentence case)</a:t>
-            </a:r>
-            <a:br>
-              <a:rPr lang="en-US" dirty="0"/>
-            </a:br>
-            <a:r>
-              <a:rPr lang="en-US" sz="1800" b="0" dirty="0" err="1"/>
-              <a:t>Subheadline</a:t>
-            </a:r>
-            <a:endParaRPr lang="en-US" b="0" dirty="0"/>
-          </a:p>
-        </p:txBody>
-      </p:sp>
-    </p:spTree>
-    <p:extLst>
-      <p:ext uri="{BB962C8B-B14F-4D97-AF65-F5344CB8AC3E}">
-        <p14:creationId xmlns:p14="http://schemas.microsoft.com/office/powerpoint/2010/main" val="1196408533"/>
-      </p:ext>
-    </p:extLst>
-  </p:cSld>
-  <p:clrMapOvr>
-    <a:masterClrMapping/>
-  </p:clrMapOvr>
-</p:sld>
-</file>
-
-<file path=ppt/slides/slide2.xml><?xml version="1.0" encoding="utf-8"?>
-<p:sld xmlns:a="http://schemas.openxmlformats.org/drawingml/2006/main" xmlns:r="http://schemas.openxmlformats.org/officeDocument/2006/relationships" xmlns:p="http://schemas.openxmlformats.org/presentationml/2006/main">
-  <p:cSld>
-    <p:spTree>
-      <p:nvGrpSpPr>
-        <p:cNvPr id="1" name=""/>
-        <p:cNvGrpSpPr/>
-        <p:nvPr/>
-      </p:nvGrpSpPr>
-      <p:grpSpPr>
-        <a:xfrm>
-          <a:off x="0" y="0"/>
-          <a:ext cx="0" cy="0"/>
-          <a:chOff x="0" y="0"/>
-          <a:chExt cx="0" cy="0"/>
-        </a:xfrm>
-      </p:grpSpPr>
-      <p:sp>
-        <p:nvSpPr>
-          <p:cNvPr id="3" name="Agenda items"/>
-          <p:cNvSpPr>
-            <a:spLocks noGrp="1"/>
-          </p:cNvSpPr>
-          <p:nvPr>
-            <p:ph type="body" sz="quarter" idx="10"/>
-          </p:nvPr>
-        </p:nvSpPr>
-        <p:spPr bwMode="gray"/>
-        <p:txBody>
-          <a:bodyPr/>
-          <a:lstStyle/>
-          <a:p>
-            <a:r>
-              <a:rPr lang="en-US" b="1" dirty="0"/>
-              <a:t>Overview of </a:t>
-            </a:r>
-            <a:r>
-              <a:rPr lang="en-US" b="1" dirty="0" err="1"/>
-              <a:t>OpenTSDB</a:t>
-            </a:r>
-            <a:endParaRPr lang="en-US" b="1" dirty="0"/>
-          </a:p>
-          <a:p>
-            <a:pPr lvl="1"/>
-            <a:r>
-              <a:rPr lang="en-US" dirty="0"/>
-              <a:t>Details</a:t>
-            </a:r>
-          </a:p>
-          <a:p>
-            <a:r>
-              <a:rPr lang="en-US" dirty="0"/>
-              <a:t>Agenda item/divider headline</a:t>
-            </a:r>
-          </a:p>
-          <a:p>
-            <a:pPr lvl="1"/>
-            <a:r>
-              <a:rPr lang="en-US" dirty="0"/>
-              <a:t>Details</a:t>
-            </a:r>
-          </a:p>
-          <a:p>
-            <a:r>
-              <a:rPr lang="en-US" dirty="0"/>
-              <a:t>Agenda item/divider headline</a:t>
-            </a:r>
-          </a:p>
-          <a:p>
-            <a:pPr lvl="1"/>
-            <a:r>
-              <a:rPr lang="en-US" dirty="0"/>
-              <a:t>Details</a:t>
-            </a:r>
-          </a:p>
-          <a:p>
-            <a:r>
-              <a:rPr lang="en-US" dirty="0"/>
-              <a:t>Agenda item/divider headline</a:t>
-            </a:r>
-          </a:p>
-          <a:p>
-            <a:pPr lvl="1"/>
-            <a:r>
-              <a:rPr lang="en-US" dirty="0"/>
-              <a:t>Details</a:t>
-            </a:r>
-          </a:p>
-        </p:txBody>
-      </p:sp>
-      <p:sp>
-        <p:nvSpPr>
-          <p:cNvPr id="2" name="Agenda"/>
-          <p:cNvSpPr>
-            <a:spLocks noGrp="1"/>
-          </p:cNvSpPr>
-          <p:nvPr>
-            <p:ph type="title"/>
-          </p:nvPr>
-        </p:nvSpPr>
-        <p:spPr bwMode="gray"/>
-        <p:txBody>
-          <a:bodyPr/>
-          <a:lstStyle/>
-          <a:p>
-            <a:r>
-              <a:rPr lang="en-US" dirty="0"/>
-              <a:t>Content</a:t>
-            </a:r>
-          </a:p>
-        </p:txBody>
-      </p:sp>
-    </p:spTree>
-  </p:cSld>
-  <p:clrMapOvr>
-    <a:masterClrMapping/>
-  </p:clrMapOvr>
-</p:sld>
-</file>
-
-<file path=ppt/slides/slide20.xml><?xml version="1.0" encoding="utf-8"?>
-<p:sld xmlns:a="http://schemas.openxmlformats.org/drawingml/2006/main" xmlns:r="http://schemas.openxmlformats.org/officeDocument/2006/relationships" xmlns:p="http://schemas.openxmlformats.org/presentationml/2006/main">
-  <p:cSld>
-    <p:spTree>
-      <p:nvGrpSpPr>
-        <p:cNvPr id="1" name=""/>
-        <p:cNvGrpSpPr/>
-        <p:nvPr/>
-      </p:nvGrpSpPr>
-      <p:grpSpPr>
-        <a:xfrm>
-          <a:off x="0" y="0"/>
-          <a:ext cx="0" cy="0"/>
-          <a:chOff x="0" y="0"/>
-          <a:chExt cx="0" cy="0"/>
-        </a:xfrm>
-      </p:grpSpPr>
-      <p:sp>
-        <p:nvSpPr>
-          <p:cNvPr id="11" name="Quote placeholder"/>
-          <p:cNvSpPr>
-            <a:spLocks noGrp="1"/>
-          </p:cNvSpPr>
-          <p:nvPr>
-            <p:ph type="body" sz="quarter" idx="10"/>
-          </p:nvPr>
-        </p:nvSpPr>
-        <p:spPr bwMode="gray"/>
-        <p:txBody>
-          <a:bodyPr/>
-          <a:lstStyle/>
-          <a:p>
-            <a:pPr lvl="0"/>
-            <a:r>
-              <a:rPr lang="en-US" dirty="0"/>
-              <a:t>“Quote goes here and here </a:t>
-            </a:r>
-            <a:r>
-              <a:rPr lang="en-US" dirty="0">
-                <a:solidFill>
-                  <a:schemeClr val="accent1"/>
-                </a:solidFill>
-              </a:rPr>
-              <a:t>and here</a:t>
-            </a:r>
-            <a:r>
-              <a:rPr lang="en-US" dirty="0"/>
-              <a:t>.”</a:t>
-            </a:r>
-          </a:p>
-          <a:p>
-            <a:pPr lvl="1"/>
-            <a:r>
-              <a:rPr lang="en-US" dirty="0"/>
-              <a:t>Source</a:t>
-            </a:r>
-          </a:p>
-        </p:txBody>
-      </p:sp>
-    </p:spTree>
-    <p:extLst>
-      <p:ext uri="{BB962C8B-B14F-4D97-AF65-F5344CB8AC3E}">
-        <p14:creationId xmlns:p14="http://schemas.microsoft.com/office/powerpoint/2010/main" val="3295641251"/>
-      </p:ext>
-    </p:extLst>
-  </p:cSld>
-  <p:clrMapOvr>
-    <a:masterClrMapping/>
-  </p:clrMapOvr>
-</p:sld>
-</file>
-
-<file path=ppt/slides/slide21.xml><?xml version="1.0" encoding="utf-8"?>
-<p:sld xmlns:a="http://schemas.openxmlformats.org/drawingml/2006/main" xmlns:r="http://schemas.openxmlformats.org/officeDocument/2006/relationships" xmlns:p="http://schemas.openxmlformats.org/presentationml/2006/main">
-  <p:cSld>
-    <p:spTree>
-      <p:nvGrpSpPr>
-        <p:cNvPr id="1" name=""/>
-        <p:cNvGrpSpPr/>
-        <p:nvPr/>
-      </p:nvGrpSpPr>
-      <p:grpSpPr>
-        <a:xfrm>
-          <a:off x="0" y="0"/>
-          <a:ext cx="0" cy="0"/>
-          <a:chOff x="0" y="0"/>
-          <a:chExt cx="0" cy="0"/>
-        </a:xfrm>
-      </p:grpSpPr>
-      <p:sp>
-        <p:nvSpPr>
-          <p:cNvPr id="11" name="Quote placeholder"/>
-          <p:cNvSpPr>
-            <a:spLocks noGrp="1"/>
-          </p:cNvSpPr>
-          <p:nvPr>
-            <p:ph type="body" sz="quarter" idx="10"/>
-          </p:nvPr>
-        </p:nvSpPr>
-        <p:spPr bwMode="gray"/>
-        <p:txBody>
-          <a:bodyPr/>
-          <a:lstStyle/>
-          <a:p>
-            <a:pPr lvl="0"/>
-            <a:r>
-              <a:rPr lang="en-US" dirty="0"/>
-              <a:t>“Quote goes here and here </a:t>
-            </a:r>
-            <a:r>
-              <a:rPr lang="en-US" dirty="0">
-                <a:solidFill>
-                  <a:schemeClr val="accent1"/>
-                </a:solidFill>
-              </a:rPr>
-              <a:t>and here</a:t>
-            </a:r>
-            <a:r>
-              <a:rPr lang="en-US" dirty="0"/>
-              <a:t>.”</a:t>
-            </a:r>
-          </a:p>
-          <a:p>
-            <a:pPr lvl="1"/>
-            <a:r>
-              <a:rPr lang="en-US" dirty="0"/>
-              <a:t>Source</a:t>
-            </a:r>
-          </a:p>
-        </p:txBody>
-      </p:sp>
-    </p:spTree>
-    <p:extLst>
-      <p:ext uri="{BB962C8B-B14F-4D97-AF65-F5344CB8AC3E}">
-        <p14:creationId xmlns:p14="http://schemas.microsoft.com/office/powerpoint/2010/main" val="2010228457"/>
-      </p:ext>
-    </p:extLst>
-  </p:cSld>
-  <p:clrMapOvr>
-    <a:masterClrMapping/>
-  </p:clrMapOvr>
-</p:sld>
-</file>
-
 <file path=ppt/slides/slide22.xml><?xml version="1.0" encoding="utf-8"?>
 <p:sld xmlns:a="http://schemas.openxmlformats.org/drawingml/2006/main" xmlns:r="http://schemas.openxmlformats.org/officeDocument/2006/relationships" xmlns:p="http://schemas.openxmlformats.org/presentationml/2006/main">
   <p:cSld>
@@ -10131,27 +11045,21 @@
       </p:grpSpPr>
       <p:sp>
         <p:nvSpPr>
-          <p:cNvPr id="6" name="Picture Placeholder" descr="Placeholder for an image" title="Image placeholder content slide"/>
+          <p:cNvPr id="2" name="Text Placeholder">
+            <a:extLst>
+              <a:ext uri="{FF2B5EF4-FFF2-40B4-BE49-F238E27FC236}">
+                <a16:creationId xmlns:a16="http://schemas.microsoft.com/office/drawing/2014/main" id="{FD8B0406-B42D-4E48-A077-1006CEECE8B8}"/>
+              </a:ext>
+            </a:extLst>
+          </p:cNvPr>
           <p:cNvSpPr>
             <a:spLocks noGrp="1"/>
           </p:cNvSpPr>
           <p:nvPr>
-            <p:ph type="pic" sz="quarter" idx="10"/>
+            <p:ph type="body" sz="quarter" idx="10"/>
           </p:nvPr>
         </p:nvSpPr>
-        <p:spPr bwMode="gray"/>
-      </p:sp>
-      <p:sp>
-        <p:nvSpPr>
-          <p:cNvPr id="4" name="Text Placeholder"/>
-          <p:cNvSpPr>
-            <a:spLocks noGrp="1"/>
-          </p:cNvSpPr>
-          <p:nvPr>
-            <p:ph type="body" sz="quarter" idx="11"/>
-          </p:nvPr>
-        </p:nvSpPr>
-        <p:spPr bwMode="gray"/>
+        <p:spPr/>
         <p:txBody>
           <a:bodyPr/>
           <a:lstStyle/>
@@ -10180,7 +11088,13 @@
       </p:sp>
       <p:sp>
         <p:nvSpPr>
-          <p:cNvPr id="2" name="Title"/>
+          <p:cNvPr id="3" name="Title">
+            <a:extLst>
+              <a:ext uri="{FF2B5EF4-FFF2-40B4-BE49-F238E27FC236}">
+                <a16:creationId xmlns:a16="http://schemas.microsoft.com/office/drawing/2014/main" id="{D36C6BFD-B684-44BB-8F4D-37456D097F1B}"/>
+              </a:ext>
+            </a:extLst>
+          </p:cNvPr>
           <p:cNvSpPr>
             <a:spLocks noGrp="1"/>
           </p:cNvSpPr>
@@ -10188,7 +11102,7 @@
             <p:ph type="title"/>
           </p:nvPr>
         </p:nvSpPr>
-        <p:spPr bwMode="gray"/>
+        <p:spPr/>
         <p:txBody>
           <a:bodyPr/>
           <a:lstStyle/>
@@ -10203,7 +11117,7 @@
     </p:spTree>
     <p:extLst>
       <p:ext uri="{BB962C8B-B14F-4D97-AF65-F5344CB8AC3E}">
-        <p14:creationId xmlns:p14="http://schemas.microsoft.com/office/powerpoint/2010/main" val="2468716513"/>
+        <p14:creationId xmlns:p14="http://schemas.microsoft.com/office/powerpoint/2010/main" val="4007524871"/>
       </p:ext>
     </p:extLst>
   </p:cSld>
@@ -10232,24 +11146,12 @@
       </p:grpSpPr>
       <p:sp>
         <p:nvSpPr>
-          <p:cNvPr id="6" name="Picture Placeholder" descr="Placeholder for an image" title="Image placeholder content slide"/>
+          <p:cNvPr id="11" name="Text Placeholder"/>
           <p:cNvSpPr>
             <a:spLocks noGrp="1"/>
           </p:cNvSpPr>
           <p:nvPr>
-            <p:ph type="pic" sz="quarter" idx="10"/>
-          </p:nvPr>
-        </p:nvSpPr>
-        <p:spPr bwMode="gray"/>
-      </p:sp>
-      <p:sp>
-        <p:nvSpPr>
-          <p:cNvPr id="4" name="Text Placeholder"/>
-          <p:cNvSpPr>
-            <a:spLocks noGrp="1"/>
-          </p:cNvSpPr>
-          <p:nvPr>
-            <p:ph type="body" sz="quarter" idx="11"/>
+            <p:ph type="body" sz="quarter" idx="10"/>
           </p:nvPr>
         </p:nvSpPr>
         <p:spPr bwMode="gray"/>
@@ -10259,30 +11161,29 @@
           <a:p>
             <a:pPr lvl="0"/>
             <a:r>
-              <a:rPr lang="en-US"/>
+              <a:rPr lang="en-US" dirty="0"/>
               <a:t>First level</a:t>
             </a:r>
           </a:p>
           <a:p>
             <a:pPr lvl="1"/>
             <a:r>
-              <a:rPr lang="en-US"/>
+              <a:rPr lang="en-US" dirty="0"/>
               <a:t>Second level</a:t>
             </a:r>
           </a:p>
           <a:p>
             <a:pPr lvl="2"/>
             <a:r>
-              <a:rPr lang="en-US"/>
+              <a:rPr lang="en-US" dirty="0"/>
               <a:t>Third level</a:t>
             </a:r>
-            <a:endParaRPr lang="en-US" dirty="0"/>
           </a:p>
         </p:txBody>
       </p:sp>
       <p:sp>
         <p:nvSpPr>
-          <p:cNvPr id="2" name="Title"/>
+          <p:cNvPr id="4" name="Title"/>
           <p:cNvSpPr>
             <a:spLocks noGrp="1"/>
           </p:cNvSpPr>
@@ -10290,7 +11191,12 @@
             <p:ph type="title"/>
           </p:nvPr>
         </p:nvSpPr>
-        <p:spPr bwMode="gray"/>
+        <p:spPr bwMode="gray">
+          <a:xfrm>
+            <a:off x="504001" y="504000"/>
+            <a:ext cx="11186476" cy="646331"/>
+          </a:xfrm>
+        </p:spPr>
         <p:txBody>
           <a:bodyPr/>
           <a:lstStyle/>
@@ -10299,13 +11205,21 @@
               <a:rPr lang="en-US" dirty="0"/>
               <a:t>Insert page title (sentence case)</a:t>
             </a:r>
+            <a:br>
+              <a:rPr lang="en-US" dirty="0"/>
+            </a:br>
+            <a:r>
+              <a:rPr lang="en-US" sz="1800" b="0" dirty="0" err="1"/>
+              <a:t>Subheadline</a:t>
+            </a:r>
+            <a:endParaRPr lang="en-US" b="0" dirty="0"/>
           </a:p>
         </p:txBody>
       </p:sp>
     </p:spTree>
     <p:extLst>
       <p:ext uri="{BB962C8B-B14F-4D97-AF65-F5344CB8AC3E}">
-        <p14:creationId xmlns:p14="http://schemas.microsoft.com/office/powerpoint/2010/main" val="4154867534"/>
+        <p14:creationId xmlns:p14="http://schemas.microsoft.com/office/powerpoint/2010/main" val="1196408533"/>
       </p:ext>
     </p:extLst>
   </p:cSld>
@@ -10334,20 +11248,50 @@
       </p:grpSpPr>
       <p:sp>
         <p:nvSpPr>
-          <p:cNvPr id="8" name="Picture Placeholder 7" descr="Image Placeholder" title="Image Placeholder"/>
+          <p:cNvPr id="11" name="Quote placeholder"/>
           <p:cNvSpPr>
             <a:spLocks noGrp="1"/>
           </p:cNvSpPr>
           <p:nvPr>
-            <p:ph type="pic" sz="quarter" idx="10"/>
+            <p:ph type="body" sz="quarter" idx="10"/>
           </p:nvPr>
         </p:nvSpPr>
         <p:spPr bwMode="gray"/>
+        <p:txBody>
+          <a:bodyPr/>
+          <a:lstStyle/>
+          <a:p>
+            <a:pPr lvl="0"/>
+            <a:r>
+              <a:rPr lang="en-US" dirty="0"/>
+              <a:t>“Quote goes here and here </a:t>
+            </a:r>
+            <a:r>
+              <a:rPr lang="en-US" dirty="0">
+                <a:solidFill>
+                  <a:schemeClr val="accent1"/>
+                </a:solidFill>
+              </a:rPr>
+              <a:t>and here</a:t>
+            </a:r>
+            <a:r>
+              <a:rPr lang="en-US" dirty="0"/>
+              <a:t>.”</a:t>
+            </a:r>
+          </a:p>
+          <a:p>
+            <a:pPr lvl="1"/>
+            <a:r>
+              <a:rPr lang="en-US" dirty="0"/>
+              <a:t>Source</a:t>
+            </a:r>
+          </a:p>
+        </p:txBody>
       </p:sp>
     </p:spTree>
     <p:extLst>
       <p:ext uri="{BB962C8B-B14F-4D97-AF65-F5344CB8AC3E}">
-        <p14:creationId xmlns:p14="http://schemas.microsoft.com/office/powerpoint/2010/main" val="1840057824"/>
+        <p14:creationId xmlns:p14="http://schemas.microsoft.com/office/powerpoint/2010/main" val="3295641251"/>
       </p:ext>
     </p:extLst>
   </p:cSld>
@@ -10376,45 +11320,7 @@
       </p:grpSpPr>
       <p:sp>
         <p:nvSpPr>
-          <p:cNvPr id="9" name="Text Placeholder column 2"/>
-          <p:cNvSpPr>
-            <a:spLocks noGrp="1"/>
-          </p:cNvSpPr>
-          <p:nvPr>
-            <p:ph type="body" sz="quarter" idx="11"/>
-          </p:nvPr>
-        </p:nvSpPr>
-        <p:spPr bwMode="gray"/>
-        <p:txBody>
-          <a:bodyPr/>
-          <a:lstStyle/>
-          <a:p>
-            <a:pPr lvl="0"/>
-            <a:r>
-              <a:rPr lang="en-US"/>
-              <a:t>First level</a:t>
-            </a:r>
-          </a:p>
-          <a:p>
-            <a:pPr lvl="1"/>
-            <a:r>
-              <a:rPr lang="en-US"/>
-              <a:t>Second level</a:t>
-            </a:r>
-          </a:p>
-          <a:p>
-            <a:pPr lvl="2"/>
-            <a:r>
-              <a:rPr lang="en-US"/>
-              <a:t>Third level</a:t>
-            </a:r>
-            <a:endParaRPr lang="en-US" dirty="0"/>
-          </a:p>
-        </p:txBody>
-      </p:sp>
-      <p:sp>
-        <p:nvSpPr>
-          <p:cNvPr id="8" name="Text Placeholder column 1"/>
+          <p:cNvPr id="11" name="Quote placeholder"/>
           <p:cNvSpPr>
             <a:spLocks noGrp="1"/>
           </p:cNvSpPr>
@@ -10429,45 +11335,27 @@
           <a:p>
             <a:pPr lvl="0"/>
             <a:r>
-              <a:rPr lang="en-US"/>
-              <a:t>First level</a:t>
+              <a:rPr lang="en-US" dirty="0"/>
+              <a:t>“Quote goes here and here </a:t>
+            </a:r>
+            <a:r>
+              <a:rPr lang="en-US" dirty="0">
+                <a:solidFill>
+                  <a:schemeClr val="accent1"/>
+                </a:solidFill>
+              </a:rPr>
+              <a:t>and here</a:t>
+            </a:r>
+            <a:r>
+              <a:rPr lang="en-US" dirty="0"/>
+              <a:t>.”</a:t>
             </a:r>
           </a:p>
           <a:p>
             <a:pPr lvl="1"/>
             <a:r>
-              <a:rPr lang="en-US"/>
-              <a:t>Second level</a:t>
-            </a:r>
-          </a:p>
-          <a:p>
-            <a:pPr lvl="2"/>
-            <a:r>
-              <a:rPr lang="en-US"/>
-              <a:t>Third level</a:t>
-            </a:r>
-            <a:endParaRPr lang="en-US" dirty="0"/>
-          </a:p>
-        </p:txBody>
-      </p:sp>
-      <p:sp>
-        <p:nvSpPr>
-          <p:cNvPr id="7" name="Title"/>
-          <p:cNvSpPr>
-            <a:spLocks noGrp="1"/>
-          </p:cNvSpPr>
-          <p:nvPr>
-            <p:ph type="title"/>
-          </p:nvPr>
-        </p:nvSpPr>
-        <p:spPr bwMode="gray"/>
-        <p:txBody>
-          <a:bodyPr/>
-          <a:lstStyle/>
-          <a:p>
-            <a:r>
-              <a:rPr lang="en-US" dirty="0"/>
-              <a:t>Insert page title (sentence case)</a:t>
+              <a:rPr lang="en-US" dirty="0"/>
+              <a:t>Source</a:t>
             </a:r>
           </a:p>
         </p:txBody>
@@ -10475,7 +11363,7 @@
     </p:spTree>
     <p:extLst>
       <p:ext uri="{BB962C8B-B14F-4D97-AF65-F5344CB8AC3E}">
-        <p14:creationId xmlns:p14="http://schemas.microsoft.com/office/powerpoint/2010/main" val="854015491"/>
+        <p14:creationId xmlns:p14="http://schemas.microsoft.com/office/powerpoint/2010/main" val="2010228457"/>
       </p:ext>
     </p:extLst>
   </p:cSld>
@@ -10504,88 +11392,24 @@
       </p:grpSpPr>
       <p:sp>
         <p:nvSpPr>
-          <p:cNvPr id="5" name="Text Placeholder column 3"/>
+          <p:cNvPr id="6" name="Picture Placeholder" descr="Placeholder for an image" title="Image placeholder content slide"/>
           <p:cNvSpPr>
             <a:spLocks noGrp="1"/>
           </p:cNvSpPr>
           <p:nvPr>
-            <p:ph type="body" sz="quarter" idx="13"/>
+            <p:ph type="pic" sz="quarter" idx="10"/>
           </p:nvPr>
         </p:nvSpPr>
         <p:spPr bwMode="gray"/>
-        <p:txBody>
-          <a:bodyPr/>
-          <a:lstStyle/>
-          <a:p>
-            <a:pPr lvl="0"/>
-            <a:r>
-              <a:rPr lang="en-US"/>
-              <a:t>First level</a:t>
-            </a:r>
-          </a:p>
-          <a:p>
-            <a:pPr lvl="1"/>
-            <a:r>
-              <a:rPr lang="en-US"/>
-              <a:t>Second level</a:t>
-            </a:r>
-          </a:p>
-          <a:p>
-            <a:pPr lvl="2"/>
-            <a:r>
-              <a:rPr lang="en-US"/>
-              <a:t>Third level</a:t>
-            </a:r>
-            <a:endParaRPr lang="en-US" dirty="0"/>
-          </a:p>
-        </p:txBody>
-      </p:sp>
-      <p:sp>
-        <p:nvSpPr>
-          <p:cNvPr id="4" name="Text Placeholder column 2"/>
+      </p:sp>
+      <p:sp>
+        <p:nvSpPr>
+          <p:cNvPr id="4" name="Text Placeholder"/>
           <p:cNvSpPr>
             <a:spLocks noGrp="1"/>
           </p:cNvSpPr>
           <p:nvPr>
-            <p:ph type="body" sz="quarter" idx="12"/>
-          </p:nvPr>
-        </p:nvSpPr>
-        <p:spPr bwMode="gray"/>
-        <p:txBody>
-          <a:bodyPr/>
-          <a:lstStyle/>
-          <a:p>
-            <a:pPr lvl="0"/>
-            <a:r>
-              <a:rPr lang="en-US"/>
-              <a:t>First level</a:t>
-            </a:r>
-          </a:p>
-          <a:p>
-            <a:pPr lvl="1"/>
-            <a:r>
-              <a:rPr lang="en-US"/>
-              <a:t>Second level</a:t>
-            </a:r>
-          </a:p>
-          <a:p>
-            <a:pPr lvl="2"/>
-            <a:r>
-              <a:rPr lang="en-US"/>
-              <a:t>Third level</a:t>
-            </a:r>
-            <a:endParaRPr lang="en-US" dirty="0"/>
-          </a:p>
-        </p:txBody>
-      </p:sp>
-      <p:sp>
-        <p:nvSpPr>
-          <p:cNvPr id="3" name="Text Placeholder column 1"/>
-          <p:cNvSpPr>
-            <a:spLocks noGrp="1"/>
-          </p:cNvSpPr>
-          <p:nvPr>
-            <p:ph type="body" sz="quarter" idx="10"/>
+            <p:ph type="body" sz="quarter" idx="11"/>
           </p:nvPr>
         </p:nvSpPr>
         <p:spPr bwMode="gray"/>
@@ -10640,7 +11464,7 @@
     </p:spTree>
     <p:extLst>
       <p:ext uri="{BB962C8B-B14F-4D97-AF65-F5344CB8AC3E}">
-        <p14:creationId xmlns:p14="http://schemas.microsoft.com/office/powerpoint/2010/main" val="94846162"/>
+        <p14:creationId xmlns:p14="http://schemas.microsoft.com/office/powerpoint/2010/main" val="2468716513"/>
       </p:ext>
     </p:extLst>
   </p:cSld>
@@ -10669,12 +11493,24 @@
       </p:grpSpPr>
       <p:sp>
         <p:nvSpPr>
-          <p:cNvPr id="10" name="Text Placeholder column 2"/>
+          <p:cNvPr id="6" name="Picture Placeholder" descr="Placeholder for an image" title="Image placeholder content slide"/>
           <p:cNvSpPr>
             <a:spLocks noGrp="1"/>
           </p:cNvSpPr>
           <p:nvPr>
-            <p:ph type="body" sz="quarter" idx="13"/>
+            <p:ph type="pic" sz="quarter" idx="10"/>
+          </p:nvPr>
+        </p:nvSpPr>
+        <p:spPr bwMode="gray"/>
+      </p:sp>
+      <p:sp>
+        <p:nvSpPr>
+          <p:cNvPr id="4" name="Text Placeholder"/>
+          <p:cNvSpPr>
+            <a:spLocks noGrp="1"/>
+          </p:cNvSpPr>
+          <p:nvPr>
+            <p:ph type="body" sz="quarter" idx="11"/>
           </p:nvPr>
         </p:nvSpPr>
         <p:spPr bwMode="gray"/>
@@ -10684,76 +11520,30 @@
           <a:p>
             <a:pPr lvl="0"/>
             <a:r>
-              <a:rPr lang="en-US" dirty="0"/>
+              <a:rPr lang="en-US"/>
               <a:t>First level</a:t>
             </a:r>
           </a:p>
           <a:p>
             <a:pPr lvl="1"/>
             <a:r>
-              <a:rPr lang="en-US" dirty="0"/>
+              <a:rPr lang="en-US"/>
               <a:t>Second level</a:t>
             </a:r>
           </a:p>
+          <a:p>
+            <a:pPr lvl="2"/>
+            <a:r>
+              <a:rPr lang="en-US"/>
+              <a:t>Third level</a:t>
+            </a:r>
+            <a:endParaRPr lang="en-US" dirty="0"/>
+          </a:p>
         </p:txBody>
       </p:sp>
       <p:sp>
         <p:nvSpPr>
-          <p:cNvPr id="16" name="Picture Placeholder 2" descr="Image placeholder right" title="Image placeholder"/>
-          <p:cNvSpPr>
-            <a:spLocks noGrp="1"/>
-          </p:cNvSpPr>
-          <p:nvPr>
-            <p:ph type="pic" sz="quarter" idx="14"/>
-          </p:nvPr>
-        </p:nvSpPr>
-        <p:spPr bwMode="gray"/>
-      </p:sp>
-      <p:sp>
-        <p:nvSpPr>
-          <p:cNvPr id="3" name="Text Placeholder column 1"/>
-          <p:cNvSpPr>
-            <a:spLocks noGrp="1"/>
-          </p:cNvSpPr>
-          <p:nvPr>
-            <p:ph type="body" sz="quarter" idx="10"/>
-          </p:nvPr>
-        </p:nvSpPr>
-        <p:spPr bwMode="gray"/>
-        <p:txBody>
-          <a:bodyPr/>
-          <a:lstStyle/>
-          <a:p>
-            <a:pPr lvl="0"/>
-            <a:r>
-              <a:rPr lang="en-US" dirty="0"/>
-              <a:t>First level</a:t>
-            </a:r>
-          </a:p>
-          <a:p>
-            <a:pPr lvl="1"/>
-            <a:r>
-              <a:rPr lang="en-US" dirty="0"/>
-              <a:t>Second level</a:t>
-            </a:r>
-          </a:p>
-        </p:txBody>
-      </p:sp>
-      <p:sp>
-        <p:nvSpPr>
-          <p:cNvPr id="15" name="Picture Placeholder 1" descr="Image placeholder left" title="Image placeholde"/>
-          <p:cNvSpPr>
-            <a:spLocks noGrp="1"/>
-          </p:cNvSpPr>
-          <p:nvPr>
-            <p:ph type="pic" sz="quarter" idx="12"/>
-          </p:nvPr>
-        </p:nvSpPr>
-        <p:spPr bwMode="gray"/>
-      </p:sp>
-      <p:sp>
-        <p:nvSpPr>
-          <p:cNvPr id="8" name="Title"/>
+          <p:cNvPr id="2" name="Title"/>
           <p:cNvSpPr>
             <a:spLocks noGrp="1"/>
           </p:cNvSpPr>
@@ -10776,7 +11566,7 @@
     </p:spTree>
     <p:extLst>
       <p:ext uri="{BB962C8B-B14F-4D97-AF65-F5344CB8AC3E}">
-        <p14:creationId xmlns:p14="http://schemas.microsoft.com/office/powerpoint/2010/main" val="1504049518"/>
+        <p14:creationId xmlns:p14="http://schemas.microsoft.com/office/powerpoint/2010/main" val="4154867534"/>
       </p:ext>
     </p:extLst>
   </p:cSld>
@@ -10805,156 +11595,20 @@
       </p:grpSpPr>
       <p:sp>
         <p:nvSpPr>
-          <p:cNvPr id="12" name="Text Placeholder column 3"/>
+          <p:cNvPr id="8" name="Picture Placeholder 7" descr="Image Placeholder" title="Image Placeholder"/>
           <p:cNvSpPr>
             <a:spLocks noGrp="1"/>
           </p:cNvSpPr>
           <p:nvPr>
-            <p:ph type="body" sz="quarter" idx="13"/>
+            <p:ph type="pic" sz="quarter" idx="10"/>
           </p:nvPr>
         </p:nvSpPr>
         <p:spPr bwMode="gray"/>
-        <p:txBody>
-          <a:bodyPr/>
-          <a:lstStyle/>
-          <a:p>
-            <a:pPr lvl="0"/>
-            <a:r>
-              <a:rPr lang="en-US" dirty="0"/>
-              <a:t>First level</a:t>
-            </a:r>
-          </a:p>
-          <a:p>
-            <a:pPr lvl="1"/>
-            <a:r>
-              <a:rPr lang="en-US" dirty="0"/>
-              <a:t>Second level</a:t>
-            </a:r>
-          </a:p>
-        </p:txBody>
-      </p:sp>
-      <p:sp>
-        <p:nvSpPr>
-          <p:cNvPr id="13" name="Picture Placeholder 3" descr="Image placeholder 3/3" title="Image placeholder 3/3"/>
-          <p:cNvSpPr>
-            <a:spLocks noGrp="1"/>
-          </p:cNvSpPr>
-          <p:nvPr>
-            <p:ph type="pic" sz="quarter" idx="14"/>
-          </p:nvPr>
-        </p:nvSpPr>
-        <p:spPr bwMode="gray"/>
-      </p:sp>
-      <p:sp>
-        <p:nvSpPr>
-          <p:cNvPr id="14" name="Text Placeholder column 2"/>
-          <p:cNvSpPr>
-            <a:spLocks noGrp="1"/>
-          </p:cNvSpPr>
-          <p:nvPr>
-            <p:ph type="body" sz="quarter" idx="15"/>
-          </p:nvPr>
-        </p:nvSpPr>
-        <p:spPr bwMode="gray"/>
-        <p:txBody>
-          <a:bodyPr/>
-          <a:lstStyle/>
-          <a:p>
-            <a:pPr lvl="0"/>
-            <a:r>
-              <a:rPr lang="en-US" dirty="0"/>
-              <a:t>First level</a:t>
-            </a:r>
-          </a:p>
-          <a:p>
-            <a:pPr lvl="1"/>
-            <a:r>
-              <a:rPr lang="en-US" dirty="0"/>
-              <a:t>Second level</a:t>
-            </a:r>
-          </a:p>
-        </p:txBody>
-      </p:sp>
-      <p:sp>
-        <p:nvSpPr>
-          <p:cNvPr id="15" name="Picture Placeholder 2" descr="Image placeholder 2/3" title="Image placeholder 2/3"/>
-          <p:cNvSpPr>
-            <a:spLocks noGrp="1"/>
-          </p:cNvSpPr>
-          <p:nvPr>
-            <p:ph type="pic" sz="quarter" idx="16"/>
-          </p:nvPr>
-        </p:nvSpPr>
-        <p:spPr bwMode="gray"/>
-      </p:sp>
-      <p:sp>
-        <p:nvSpPr>
-          <p:cNvPr id="10" name="Text Placeholder column 1"/>
-          <p:cNvSpPr>
-            <a:spLocks noGrp="1"/>
-          </p:cNvSpPr>
-          <p:nvPr>
-            <p:ph type="body" sz="quarter" idx="10"/>
-          </p:nvPr>
-        </p:nvSpPr>
-        <p:spPr bwMode="gray"/>
-        <p:txBody>
-          <a:bodyPr/>
-          <a:lstStyle/>
-          <a:p>
-            <a:pPr lvl="0"/>
-            <a:r>
-              <a:rPr lang="en-US" dirty="0"/>
-              <a:t>First level</a:t>
-            </a:r>
-          </a:p>
-          <a:p>
-            <a:pPr lvl="1"/>
-            <a:r>
-              <a:rPr lang="en-US" dirty="0"/>
-              <a:t>Second level</a:t>
-            </a:r>
-          </a:p>
-        </p:txBody>
-      </p:sp>
-      <p:sp>
-        <p:nvSpPr>
-          <p:cNvPr id="11" name="Picture Placeholder 1" descr="Image placeholder 1/3" title="Image placeholder 1/3"/>
-          <p:cNvSpPr>
-            <a:spLocks noGrp="1"/>
-          </p:cNvSpPr>
-          <p:nvPr>
-            <p:ph type="pic" sz="quarter" idx="12"/>
-          </p:nvPr>
-        </p:nvSpPr>
-        <p:spPr bwMode="gray"/>
-      </p:sp>
-      <p:sp>
-        <p:nvSpPr>
-          <p:cNvPr id="2" name="Title"/>
-          <p:cNvSpPr>
-            <a:spLocks noGrp="1"/>
-          </p:cNvSpPr>
-          <p:nvPr>
-            <p:ph type="title"/>
-          </p:nvPr>
-        </p:nvSpPr>
-        <p:spPr bwMode="gray"/>
-        <p:txBody>
-          <a:bodyPr/>
-          <a:lstStyle/>
-          <a:p>
-            <a:r>
-              <a:rPr lang="en-US" dirty="0"/>
-              <a:t>Insert page title (sentence case)</a:t>
-            </a:r>
-          </a:p>
-        </p:txBody>
       </p:sp>
     </p:spTree>
     <p:extLst>
       <p:ext uri="{BB962C8B-B14F-4D97-AF65-F5344CB8AC3E}">
-        <p14:creationId xmlns:p14="http://schemas.microsoft.com/office/powerpoint/2010/main" val="1175416068"/>
+        <p14:creationId xmlns:p14="http://schemas.microsoft.com/office/powerpoint/2010/main" val="1840057824"/>
       </p:ext>
     </p:extLst>
   </p:cSld>
@@ -10983,60 +11637,45 @@
       </p:grpSpPr>
       <p:sp>
         <p:nvSpPr>
-          <p:cNvPr id="4" name="Placeholder Partner logo"/>
-          <p:cNvSpPr/>
-          <p:nvPr/>
-        </p:nvSpPr>
-        <p:spPr bwMode="gray">
-          <a:xfrm>
-            <a:off x="504000" y="5944029"/>
-            <a:ext cx="944661" cy="402796"/>
-          </a:xfrm>
-          <a:prstGeom prst="rect">
-            <a:avLst/>
-          </a:prstGeom>
-          <a:solidFill>
-            <a:schemeClr val="bg2"/>
-          </a:solidFill>
-          <a:ln w="6350" algn="ctr">
-            <a:noFill/>
-            <a:miter lim="800000"/>
-            <a:headEnd/>
-            <a:tailEnd/>
-          </a:ln>
-        </p:spPr>
+          <p:cNvPr id="9" name="Text Placeholder column 2"/>
+          <p:cNvSpPr>
+            <a:spLocks noGrp="1"/>
+          </p:cNvSpPr>
+          <p:nvPr>
+            <p:ph type="body" sz="quarter" idx="11"/>
+          </p:nvPr>
+        </p:nvSpPr>
+        <p:spPr bwMode="gray"/>
         <p:txBody>
-          <a:bodyPr lIns="89979" tIns="71983" rIns="89979" bIns="71983" rtlCol="0" anchor="ctr"/>
+          <a:bodyPr/>
           <a:lstStyle/>
           <a:p>
-            <a:pPr algn="ctr" defTabSz="914217" fontAlgn="base">
-              <a:spcBef>
-                <a:spcPct val="50000"/>
-              </a:spcBef>
-              <a:spcAft>
-                <a:spcPct val="0"/>
-              </a:spcAft>
-              <a:buClr>
-                <a:srgbClr val="F0AB00"/>
-              </a:buClr>
-              <a:buSzPct val="80000"/>
-            </a:pPr>
-            <a:r>
-              <a:rPr lang="en-US" sz="1100" kern="0" dirty="0">
-                <a:solidFill>
-                  <a:sysClr val="windowText" lastClr="000000"/>
-                </a:solidFill>
-                <a:ea typeface="Arial Unicode MS" pitchFamily="34" charset="-128"/>
-                <a:cs typeface="Arial Unicode MS" pitchFamily="34" charset="-128"/>
-              </a:rPr>
-              <a:t>Partner logo</a:t>
-            </a:r>
+            <a:pPr lvl="0"/>
+            <a:r>
+              <a:rPr lang="en-US"/>
+              <a:t>First level</a:t>
+            </a:r>
+          </a:p>
+          <a:p>
+            <a:pPr lvl="1"/>
+            <a:r>
+              <a:rPr lang="en-US"/>
+              <a:t>Second level</a:t>
+            </a:r>
+          </a:p>
+          <a:p>
+            <a:pPr lvl="2"/>
+            <a:r>
+              <a:rPr lang="en-US"/>
+              <a:t>Third level</a:t>
+            </a:r>
+            <a:endParaRPr lang="en-US" dirty="0"/>
           </a:p>
         </p:txBody>
       </p:sp>
       <p:sp>
         <p:nvSpPr>
-          <p:cNvPr id="3" name="Contact information"/>
+          <p:cNvPr id="8" name="Text Placeholder column 1"/>
           <p:cNvSpPr>
             <a:spLocks noGrp="1"/>
           </p:cNvSpPr>
@@ -11044,59 +11683,42 @@
             <p:ph type="body" sz="quarter" idx="10"/>
           </p:nvPr>
         </p:nvSpPr>
-        <p:spPr bwMode="gray">
-          <a:xfrm>
-            <a:off x="504000" y="2905487"/>
-            <a:ext cx="5593588" cy="2501010"/>
-          </a:xfrm>
-        </p:spPr>
+        <p:spPr bwMode="gray"/>
         <p:txBody>
           <a:bodyPr/>
           <a:lstStyle/>
           <a:p>
-            <a:r>
-              <a:rPr lang="en-US" dirty="0"/>
-              <a:t>Contact information:</a:t>
+            <a:pPr lvl="0"/>
+            <a:r>
+              <a:rPr lang="en-US"/>
+              <a:t>First level</a:t>
             </a:r>
           </a:p>
           <a:p>
             <a:pPr lvl="1"/>
             <a:r>
-              <a:rPr lang="en-US" b="1" dirty="0"/>
-              <a:t>F name L name</a:t>
-            </a:r>
-          </a:p>
-          <a:p>
-            <a:pPr lvl="1"/>
-            <a:r>
-              <a:rPr lang="en-US" dirty="0"/>
-              <a:t>Title</a:t>
-            </a:r>
-          </a:p>
-          <a:p>
-            <a:pPr lvl="1"/>
-            <a:r>
-              <a:rPr lang="en-US" dirty="0"/>
-              <a:t>Address</a:t>
-            </a:r>
-          </a:p>
-          <a:p>
-            <a:pPr lvl="1"/>
-            <a:r>
-              <a:rPr lang="en-US" dirty="0"/>
-              <a:t>Phone number</a:t>
-            </a:r>
+              <a:rPr lang="en-US"/>
+              <a:t>Second level</a:t>
+            </a:r>
+          </a:p>
+          <a:p>
+            <a:pPr lvl="2"/>
+            <a:r>
+              <a:rPr lang="en-US"/>
+              <a:t>Third level</a:t>
+            </a:r>
+            <a:endParaRPr lang="en-US" dirty="0"/>
           </a:p>
         </p:txBody>
       </p:sp>
       <p:sp>
         <p:nvSpPr>
-          <p:cNvPr id="2" name="Thank you"/>
+          <p:cNvPr id="7" name="Title"/>
           <p:cNvSpPr>
             <a:spLocks noGrp="1"/>
           </p:cNvSpPr>
           <p:nvPr>
-            <p:ph type="ctrTitle"/>
+            <p:ph type="title"/>
           </p:nvPr>
         </p:nvSpPr>
         <p:spPr bwMode="gray"/>
@@ -11106,7 +11728,7 @@
           <a:p>
             <a:r>
               <a:rPr lang="en-US" dirty="0"/>
-              <a:t>Thank you.</a:t>
+              <a:t>Insert page title (sentence case)</a:t>
             </a:r>
           </a:p>
         </p:txBody>
@@ -11114,7 +11736,7 @@
     </p:spTree>
     <p:extLst>
       <p:ext uri="{BB962C8B-B14F-4D97-AF65-F5344CB8AC3E}">
-        <p14:creationId xmlns:p14="http://schemas.microsoft.com/office/powerpoint/2010/main" val="1881851238"/>
+        <p14:creationId xmlns:p14="http://schemas.microsoft.com/office/powerpoint/2010/main" val="854015491"/>
       </p:ext>
     </p:extLst>
   </p:cSld>
@@ -11205,6 +11827,645 @@
 </file>
 
 <file path=ppt/slides/slide30.xml><?xml version="1.0" encoding="utf-8"?>
+<p:sld xmlns:a="http://schemas.openxmlformats.org/drawingml/2006/main" xmlns:r="http://schemas.openxmlformats.org/officeDocument/2006/relationships" xmlns:p="http://schemas.openxmlformats.org/presentationml/2006/main">
+  <p:cSld>
+    <p:spTree>
+      <p:nvGrpSpPr>
+        <p:cNvPr id="1" name=""/>
+        <p:cNvGrpSpPr/>
+        <p:nvPr/>
+      </p:nvGrpSpPr>
+      <p:grpSpPr>
+        <a:xfrm>
+          <a:off x="0" y="0"/>
+          <a:ext cx="0" cy="0"/>
+          <a:chOff x="0" y="0"/>
+          <a:chExt cx="0" cy="0"/>
+        </a:xfrm>
+      </p:grpSpPr>
+      <p:sp>
+        <p:nvSpPr>
+          <p:cNvPr id="5" name="Text Placeholder column 3"/>
+          <p:cNvSpPr>
+            <a:spLocks noGrp="1"/>
+          </p:cNvSpPr>
+          <p:nvPr>
+            <p:ph type="body" sz="quarter" idx="13"/>
+          </p:nvPr>
+        </p:nvSpPr>
+        <p:spPr bwMode="gray"/>
+        <p:txBody>
+          <a:bodyPr/>
+          <a:lstStyle/>
+          <a:p>
+            <a:pPr lvl="0"/>
+            <a:r>
+              <a:rPr lang="en-US"/>
+              <a:t>First level</a:t>
+            </a:r>
+          </a:p>
+          <a:p>
+            <a:pPr lvl="1"/>
+            <a:r>
+              <a:rPr lang="en-US"/>
+              <a:t>Second level</a:t>
+            </a:r>
+          </a:p>
+          <a:p>
+            <a:pPr lvl="2"/>
+            <a:r>
+              <a:rPr lang="en-US"/>
+              <a:t>Third level</a:t>
+            </a:r>
+            <a:endParaRPr lang="en-US" dirty="0"/>
+          </a:p>
+        </p:txBody>
+      </p:sp>
+      <p:sp>
+        <p:nvSpPr>
+          <p:cNvPr id="4" name="Text Placeholder column 2"/>
+          <p:cNvSpPr>
+            <a:spLocks noGrp="1"/>
+          </p:cNvSpPr>
+          <p:nvPr>
+            <p:ph type="body" sz="quarter" idx="12"/>
+          </p:nvPr>
+        </p:nvSpPr>
+        <p:spPr bwMode="gray"/>
+        <p:txBody>
+          <a:bodyPr/>
+          <a:lstStyle/>
+          <a:p>
+            <a:pPr lvl="0"/>
+            <a:r>
+              <a:rPr lang="en-US"/>
+              <a:t>First level</a:t>
+            </a:r>
+          </a:p>
+          <a:p>
+            <a:pPr lvl="1"/>
+            <a:r>
+              <a:rPr lang="en-US"/>
+              <a:t>Second level</a:t>
+            </a:r>
+          </a:p>
+          <a:p>
+            <a:pPr lvl="2"/>
+            <a:r>
+              <a:rPr lang="en-US"/>
+              <a:t>Third level</a:t>
+            </a:r>
+            <a:endParaRPr lang="en-US" dirty="0"/>
+          </a:p>
+        </p:txBody>
+      </p:sp>
+      <p:sp>
+        <p:nvSpPr>
+          <p:cNvPr id="3" name="Text Placeholder column 1"/>
+          <p:cNvSpPr>
+            <a:spLocks noGrp="1"/>
+          </p:cNvSpPr>
+          <p:nvPr>
+            <p:ph type="body" sz="quarter" idx="10"/>
+          </p:nvPr>
+        </p:nvSpPr>
+        <p:spPr bwMode="gray"/>
+        <p:txBody>
+          <a:bodyPr/>
+          <a:lstStyle/>
+          <a:p>
+            <a:pPr lvl="0"/>
+            <a:r>
+              <a:rPr lang="en-US" dirty="0"/>
+              <a:t>First level</a:t>
+            </a:r>
+          </a:p>
+          <a:p>
+            <a:pPr lvl="1"/>
+            <a:r>
+              <a:rPr lang="en-US" dirty="0"/>
+              <a:t>Second level</a:t>
+            </a:r>
+          </a:p>
+          <a:p>
+            <a:pPr lvl="2"/>
+            <a:r>
+              <a:rPr lang="en-US" dirty="0"/>
+              <a:t>Third level</a:t>
+            </a:r>
+          </a:p>
+        </p:txBody>
+      </p:sp>
+      <p:sp>
+        <p:nvSpPr>
+          <p:cNvPr id="2" name="Title"/>
+          <p:cNvSpPr>
+            <a:spLocks noGrp="1"/>
+          </p:cNvSpPr>
+          <p:nvPr>
+            <p:ph type="title"/>
+          </p:nvPr>
+        </p:nvSpPr>
+        <p:spPr bwMode="gray"/>
+        <p:txBody>
+          <a:bodyPr/>
+          <a:lstStyle/>
+          <a:p>
+            <a:r>
+              <a:rPr lang="en-US" dirty="0"/>
+              <a:t>Insert page title (sentence case)</a:t>
+            </a:r>
+          </a:p>
+        </p:txBody>
+      </p:sp>
+    </p:spTree>
+    <p:extLst>
+      <p:ext uri="{BB962C8B-B14F-4D97-AF65-F5344CB8AC3E}">
+        <p14:creationId xmlns:p14="http://schemas.microsoft.com/office/powerpoint/2010/main" val="94846162"/>
+      </p:ext>
+    </p:extLst>
+  </p:cSld>
+  <p:clrMapOvr>
+    <a:masterClrMapping/>
+  </p:clrMapOvr>
+</p:sld>
+</file>
+
+<file path=ppt/slides/slide31.xml><?xml version="1.0" encoding="utf-8"?>
+<p:sld xmlns:a="http://schemas.openxmlformats.org/drawingml/2006/main" xmlns:r="http://schemas.openxmlformats.org/officeDocument/2006/relationships" xmlns:p="http://schemas.openxmlformats.org/presentationml/2006/main">
+  <p:cSld>
+    <p:spTree>
+      <p:nvGrpSpPr>
+        <p:cNvPr id="1" name=""/>
+        <p:cNvGrpSpPr/>
+        <p:nvPr/>
+      </p:nvGrpSpPr>
+      <p:grpSpPr>
+        <a:xfrm>
+          <a:off x="0" y="0"/>
+          <a:ext cx="0" cy="0"/>
+          <a:chOff x="0" y="0"/>
+          <a:chExt cx="0" cy="0"/>
+        </a:xfrm>
+      </p:grpSpPr>
+      <p:sp>
+        <p:nvSpPr>
+          <p:cNvPr id="10" name="Text Placeholder column 2"/>
+          <p:cNvSpPr>
+            <a:spLocks noGrp="1"/>
+          </p:cNvSpPr>
+          <p:nvPr>
+            <p:ph type="body" sz="quarter" idx="13"/>
+          </p:nvPr>
+        </p:nvSpPr>
+        <p:spPr bwMode="gray"/>
+        <p:txBody>
+          <a:bodyPr/>
+          <a:lstStyle/>
+          <a:p>
+            <a:pPr lvl="0"/>
+            <a:r>
+              <a:rPr lang="en-US" dirty="0"/>
+              <a:t>First level</a:t>
+            </a:r>
+          </a:p>
+          <a:p>
+            <a:pPr lvl="1"/>
+            <a:r>
+              <a:rPr lang="en-US" dirty="0"/>
+              <a:t>Second level</a:t>
+            </a:r>
+          </a:p>
+        </p:txBody>
+      </p:sp>
+      <p:sp>
+        <p:nvSpPr>
+          <p:cNvPr id="16" name="Picture Placeholder 2" descr="Image placeholder right" title="Image placeholder"/>
+          <p:cNvSpPr>
+            <a:spLocks noGrp="1"/>
+          </p:cNvSpPr>
+          <p:nvPr>
+            <p:ph type="pic" sz="quarter" idx="14"/>
+          </p:nvPr>
+        </p:nvSpPr>
+        <p:spPr bwMode="gray"/>
+      </p:sp>
+      <p:sp>
+        <p:nvSpPr>
+          <p:cNvPr id="3" name="Text Placeholder column 1"/>
+          <p:cNvSpPr>
+            <a:spLocks noGrp="1"/>
+          </p:cNvSpPr>
+          <p:nvPr>
+            <p:ph type="body" sz="quarter" idx="10"/>
+          </p:nvPr>
+        </p:nvSpPr>
+        <p:spPr bwMode="gray"/>
+        <p:txBody>
+          <a:bodyPr/>
+          <a:lstStyle/>
+          <a:p>
+            <a:pPr lvl="0"/>
+            <a:r>
+              <a:rPr lang="en-US" dirty="0"/>
+              <a:t>First level</a:t>
+            </a:r>
+          </a:p>
+          <a:p>
+            <a:pPr lvl="1"/>
+            <a:r>
+              <a:rPr lang="en-US" dirty="0"/>
+              <a:t>Second level</a:t>
+            </a:r>
+          </a:p>
+        </p:txBody>
+      </p:sp>
+      <p:sp>
+        <p:nvSpPr>
+          <p:cNvPr id="15" name="Picture Placeholder 1" descr="Image placeholder left" title="Image placeholde"/>
+          <p:cNvSpPr>
+            <a:spLocks noGrp="1"/>
+          </p:cNvSpPr>
+          <p:nvPr>
+            <p:ph type="pic" sz="quarter" idx="12"/>
+          </p:nvPr>
+        </p:nvSpPr>
+        <p:spPr bwMode="gray"/>
+      </p:sp>
+      <p:sp>
+        <p:nvSpPr>
+          <p:cNvPr id="8" name="Title"/>
+          <p:cNvSpPr>
+            <a:spLocks noGrp="1"/>
+          </p:cNvSpPr>
+          <p:nvPr>
+            <p:ph type="title"/>
+          </p:nvPr>
+        </p:nvSpPr>
+        <p:spPr bwMode="gray"/>
+        <p:txBody>
+          <a:bodyPr/>
+          <a:lstStyle/>
+          <a:p>
+            <a:r>
+              <a:rPr lang="en-US" dirty="0"/>
+              <a:t>Insert page title (sentence case)</a:t>
+            </a:r>
+          </a:p>
+        </p:txBody>
+      </p:sp>
+    </p:spTree>
+    <p:extLst>
+      <p:ext uri="{BB962C8B-B14F-4D97-AF65-F5344CB8AC3E}">
+        <p14:creationId xmlns:p14="http://schemas.microsoft.com/office/powerpoint/2010/main" val="1504049518"/>
+      </p:ext>
+    </p:extLst>
+  </p:cSld>
+  <p:clrMapOvr>
+    <a:masterClrMapping/>
+  </p:clrMapOvr>
+</p:sld>
+</file>
+
+<file path=ppt/slides/slide32.xml><?xml version="1.0" encoding="utf-8"?>
+<p:sld xmlns:a="http://schemas.openxmlformats.org/drawingml/2006/main" xmlns:r="http://schemas.openxmlformats.org/officeDocument/2006/relationships" xmlns:p="http://schemas.openxmlformats.org/presentationml/2006/main">
+  <p:cSld>
+    <p:spTree>
+      <p:nvGrpSpPr>
+        <p:cNvPr id="1" name=""/>
+        <p:cNvGrpSpPr/>
+        <p:nvPr/>
+      </p:nvGrpSpPr>
+      <p:grpSpPr>
+        <a:xfrm>
+          <a:off x="0" y="0"/>
+          <a:ext cx="0" cy="0"/>
+          <a:chOff x="0" y="0"/>
+          <a:chExt cx="0" cy="0"/>
+        </a:xfrm>
+      </p:grpSpPr>
+      <p:sp>
+        <p:nvSpPr>
+          <p:cNvPr id="12" name="Text Placeholder column 3"/>
+          <p:cNvSpPr>
+            <a:spLocks noGrp="1"/>
+          </p:cNvSpPr>
+          <p:nvPr>
+            <p:ph type="body" sz="quarter" idx="13"/>
+          </p:nvPr>
+        </p:nvSpPr>
+        <p:spPr bwMode="gray"/>
+        <p:txBody>
+          <a:bodyPr/>
+          <a:lstStyle/>
+          <a:p>
+            <a:pPr lvl="0"/>
+            <a:r>
+              <a:rPr lang="en-US" dirty="0"/>
+              <a:t>First level</a:t>
+            </a:r>
+          </a:p>
+          <a:p>
+            <a:pPr lvl="1"/>
+            <a:r>
+              <a:rPr lang="en-US" dirty="0"/>
+              <a:t>Second level</a:t>
+            </a:r>
+          </a:p>
+        </p:txBody>
+      </p:sp>
+      <p:sp>
+        <p:nvSpPr>
+          <p:cNvPr id="13" name="Picture Placeholder 3" descr="Image placeholder 3/3" title="Image placeholder 3/3"/>
+          <p:cNvSpPr>
+            <a:spLocks noGrp="1"/>
+          </p:cNvSpPr>
+          <p:nvPr>
+            <p:ph type="pic" sz="quarter" idx="14"/>
+          </p:nvPr>
+        </p:nvSpPr>
+        <p:spPr bwMode="gray"/>
+      </p:sp>
+      <p:sp>
+        <p:nvSpPr>
+          <p:cNvPr id="14" name="Text Placeholder column 2"/>
+          <p:cNvSpPr>
+            <a:spLocks noGrp="1"/>
+          </p:cNvSpPr>
+          <p:nvPr>
+            <p:ph type="body" sz="quarter" idx="15"/>
+          </p:nvPr>
+        </p:nvSpPr>
+        <p:spPr bwMode="gray"/>
+        <p:txBody>
+          <a:bodyPr/>
+          <a:lstStyle/>
+          <a:p>
+            <a:pPr lvl="0"/>
+            <a:r>
+              <a:rPr lang="en-US" dirty="0"/>
+              <a:t>First level</a:t>
+            </a:r>
+          </a:p>
+          <a:p>
+            <a:pPr lvl="1"/>
+            <a:r>
+              <a:rPr lang="en-US" dirty="0"/>
+              <a:t>Second level</a:t>
+            </a:r>
+          </a:p>
+        </p:txBody>
+      </p:sp>
+      <p:sp>
+        <p:nvSpPr>
+          <p:cNvPr id="15" name="Picture Placeholder 2" descr="Image placeholder 2/3" title="Image placeholder 2/3"/>
+          <p:cNvSpPr>
+            <a:spLocks noGrp="1"/>
+          </p:cNvSpPr>
+          <p:nvPr>
+            <p:ph type="pic" sz="quarter" idx="16"/>
+          </p:nvPr>
+        </p:nvSpPr>
+        <p:spPr bwMode="gray"/>
+      </p:sp>
+      <p:sp>
+        <p:nvSpPr>
+          <p:cNvPr id="10" name="Text Placeholder column 1"/>
+          <p:cNvSpPr>
+            <a:spLocks noGrp="1"/>
+          </p:cNvSpPr>
+          <p:nvPr>
+            <p:ph type="body" sz="quarter" idx="10"/>
+          </p:nvPr>
+        </p:nvSpPr>
+        <p:spPr bwMode="gray"/>
+        <p:txBody>
+          <a:bodyPr/>
+          <a:lstStyle/>
+          <a:p>
+            <a:pPr lvl="0"/>
+            <a:r>
+              <a:rPr lang="en-US" dirty="0"/>
+              <a:t>First level</a:t>
+            </a:r>
+          </a:p>
+          <a:p>
+            <a:pPr lvl="1"/>
+            <a:r>
+              <a:rPr lang="en-US" dirty="0"/>
+              <a:t>Second level</a:t>
+            </a:r>
+          </a:p>
+        </p:txBody>
+      </p:sp>
+      <p:sp>
+        <p:nvSpPr>
+          <p:cNvPr id="11" name="Picture Placeholder 1" descr="Image placeholder 1/3" title="Image placeholder 1/3"/>
+          <p:cNvSpPr>
+            <a:spLocks noGrp="1"/>
+          </p:cNvSpPr>
+          <p:nvPr>
+            <p:ph type="pic" sz="quarter" idx="12"/>
+          </p:nvPr>
+        </p:nvSpPr>
+        <p:spPr bwMode="gray"/>
+      </p:sp>
+      <p:sp>
+        <p:nvSpPr>
+          <p:cNvPr id="2" name="Title"/>
+          <p:cNvSpPr>
+            <a:spLocks noGrp="1"/>
+          </p:cNvSpPr>
+          <p:nvPr>
+            <p:ph type="title"/>
+          </p:nvPr>
+        </p:nvSpPr>
+        <p:spPr bwMode="gray"/>
+        <p:txBody>
+          <a:bodyPr/>
+          <a:lstStyle/>
+          <a:p>
+            <a:r>
+              <a:rPr lang="en-US" dirty="0"/>
+              <a:t>Insert page title (sentence case)</a:t>
+            </a:r>
+          </a:p>
+        </p:txBody>
+      </p:sp>
+    </p:spTree>
+    <p:extLst>
+      <p:ext uri="{BB962C8B-B14F-4D97-AF65-F5344CB8AC3E}">
+        <p14:creationId xmlns:p14="http://schemas.microsoft.com/office/powerpoint/2010/main" val="1175416068"/>
+      </p:ext>
+    </p:extLst>
+  </p:cSld>
+  <p:clrMapOvr>
+    <a:masterClrMapping/>
+  </p:clrMapOvr>
+</p:sld>
+</file>
+
+<file path=ppt/slides/slide33.xml><?xml version="1.0" encoding="utf-8"?>
+<p:sld xmlns:a="http://schemas.openxmlformats.org/drawingml/2006/main" xmlns:r="http://schemas.openxmlformats.org/officeDocument/2006/relationships" xmlns:p="http://schemas.openxmlformats.org/presentationml/2006/main">
+  <p:cSld>
+    <p:spTree>
+      <p:nvGrpSpPr>
+        <p:cNvPr id="1" name=""/>
+        <p:cNvGrpSpPr/>
+        <p:nvPr/>
+      </p:nvGrpSpPr>
+      <p:grpSpPr>
+        <a:xfrm>
+          <a:off x="0" y="0"/>
+          <a:ext cx="0" cy="0"/>
+          <a:chOff x="0" y="0"/>
+          <a:chExt cx="0" cy="0"/>
+        </a:xfrm>
+      </p:grpSpPr>
+      <p:sp>
+        <p:nvSpPr>
+          <p:cNvPr id="4" name="Placeholder Partner logo"/>
+          <p:cNvSpPr/>
+          <p:nvPr/>
+        </p:nvSpPr>
+        <p:spPr bwMode="gray">
+          <a:xfrm>
+            <a:off x="504000" y="5944029"/>
+            <a:ext cx="944661" cy="402796"/>
+          </a:xfrm>
+          <a:prstGeom prst="rect">
+            <a:avLst/>
+          </a:prstGeom>
+          <a:solidFill>
+            <a:schemeClr val="bg2"/>
+          </a:solidFill>
+          <a:ln w="6350" algn="ctr">
+            <a:noFill/>
+            <a:miter lim="800000"/>
+            <a:headEnd/>
+            <a:tailEnd/>
+          </a:ln>
+        </p:spPr>
+        <p:txBody>
+          <a:bodyPr lIns="89979" tIns="71983" rIns="89979" bIns="71983" rtlCol="0" anchor="ctr"/>
+          <a:lstStyle/>
+          <a:p>
+            <a:pPr algn="ctr" defTabSz="914217" fontAlgn="base">
+              <a:spcBef>
+                <a:spcPct val="50000"/>
+              </a:spcBef>
+              <a:spcAft>
+                <a:spcPct val="0"/>
+              </a:spcAft>
+              <a:buClr>
+                <a:srgbClr val="F0AB00"/>
+              </a:buClr>
+              <a:buSzPct val="80000"/>
+            </a:pPr>
+            <a:r>
+              <a:rPr lang="en-US" sz="1100" kern="0" dirty="0">
+                <a:solidFill>
+                  <a:sysClr val="windowText" lastClr="000000"/>
+                </a:solidFill>
+                <a:ea typeface="Arial Unicode MS" pitchFamily="34" charset="-128"/>
+                <a:cs typeface="Arial Unicode MS" pitchFamily="34" charset="-128"/>
+              </a:rPr>
+              <a:t>Partner logo</a:t>
+            </a:r>
+          </a:p>
+        </p:txBody>
+      </p:sp>
+      <p:sp>
+        <p:nvSpPr>
+          <p:cNvPr id="3" name="Contact information"/>
+          <p:cNvSpPr>
+            <a:spLocks noGrp="1"/>
+          </p:cNvSpPr>
+          <p:nvPr>
+            <p:ph type="body" sz="quarter" idx="10"/>
+          </p:nvPr>
+        </p:nvSpPr>
+        <p:spPr bwMode="gray">
+          <a:xfrm>
+            <a:off x="504000" y="2905487"/>
+            <a:ext cx="5593588" cy="2501010"/>
+          </a:xfrm>
+        </p:spPr>
+        <p:txBody>
+          <a:bodyPr/>
+          <a:lstStyle/>
+          <a:p>
+            <a:r>
+              <a:rPr lang="en-US" dirty="0"/>
+              <a:t>Contact information:</a:t>
+            </a:r>
+          </a:p>
+          <a:p>
+            <a:pPr lvl="1"/>
+            <a:r>
+              <a:rPr lang="en-US" b="1" dirty="0"/>
+              <a:t>F name L name</a:t>
+            </a:r>
+          </a:p>
+          <a:p>
+            <a:pPr lvl="1"/>
+            <a:r>
+              <a:rPr lang="en-US" dirty="0"/>
+              <a:t>Title</a:t>
+            </a:r>
+          </a:p>
+          <a:p>
+            <a:pPr lvl="1"/>
+            <a:r>
+              <a:rPr lang="en-US" dirty="0"/>
+              <a:t>Address</a:t>
+            </a:r>
+          </a:p>
+          <a:p>
+            <a:pPr lvl="1"/>
+            <a:r>
+              <a:rPr lang="en-US" dirty="0"/>
+              <a:t>Phone number</a:t>
+            </a:r>
+          </a:p>
+        </p:txBody>
+      </p:sp>
+      <p:sp>
+        <p:nvSpPr>
+          <p:cNvPr id="2" name="Thank you"/>
+          <p:cNvSpPr>
+            <a:spLocks noGrp="1"/>
+          </p:cNvSpPr>
+          <p:nvPr>
+            <p:ph type="ctrTitle"/>
+          </p:nvPr>
+        </p:nvSpPr>
+        <p:spPr bwMode="gray"/>
+        <p:txBody>
+          <a:bodyPr/>
+          <a:lstStyle/>
+          <a:p>
+            <a:r>
+              <a:rPr lang="en-US" dirty="0"/>
+              <a:t>Thank you.</a:t>
+            </a:r>
+          </a:p>
+        </p:txBody>
+      </p:sp>
+    </p:spTree>
+    <p:extLst>
+      <p:ext uri="{BB962C8B-B14F-4D97-AF65-F5344CB8AC3E}">
+        <p14:creationId xmlns:p14="http://schemas.microsoft.com/office/powerpoint/2010/main" val="1881851238"/>
+      </p:ext>
+    </p:extLst>
+  </p:cSld>
+  <p:clrMapOvr>
+    <a:masterClrMapping/>
+  </p:clrMapOvr>
+</p:sld>
+</file>
+
+<file path=ppt/slides/slide34.xml><?xml version="1.0" encoding="utf-8"?>
 <p:sld xmlns:a="http://schemas.openxmlformats.org/drawingml/2006/main" xmlns:r="http://schemas.openxmlformats.org/officeDocument/2006/relationships" xmlns:p="http://schemas.openxmlformats.org/presentationml/2006/main" show="0">
   <p:cSld>
     <p:spTree>
@@ -11230,7 +12491,7 @@
 </p:sld>
 </file>
 
-<file path=ppt/slides/slide31.xml><?xml version="1.0" encoding="utf-8"?>
+<file path=ppt/slides/slide35.xml><?xml version="1.0" encoding="utf-8"?>
 <p:sld xmlns:a="http://schemas.openxmlformats.org/drawingml/2006/main" xmlns:r="http://schemas.openxmlformats.org/officeDocument/2006/relationships" xmlns:p="http://schemas.openxmlformats.org/presentationml/2006/main" show="0">
   <p:cSld>
     <p:spTree>
@@ -11319,7 +12580,7 @@
         </p:nvSpPr>
         <p:spPr>
           <a:xfrm>
-            <a:off x="636121" y="1493979"/>
+            <a:off x="663015" y="1296756"/>
             <a:ext cx="10711782" cy="4016484"/>
           </a:xfrm>
           <a:prstGeom prst="rect">
@@ -11623,26 +12884,89 @@
           <a:lstStyle/>
           <a:p>
             <a:r>
-              <a:rPr lang="en-US" dirty="0" err="1"/>
+              <a:rPr lang="en-US" altLang="zh-CN" dirty="0" err="1"/>
               <a:t>OpenTSDB</a:t>
             </a:r>
             <a:br>
-              <a:rPr lang="en-US" dirty="0"/>
+              <a:rPr lang="en-US" altLang="zh-CN" dirty="0"/>
             </a:br>
             <a:r>
-              <a:rPr lang="en-US" sz="1800" b="0" dirty="0"/>
-              <a:t>Techniques</a:t>
-            </a:r>
-            <a:endParaRPr lang="en-US" b="0" dirty="0"/>
+              <a:rPr lang="en-US" altLang="zh-CN" sz="1800" b="0" dirty="0"/>
+              <a:t>Writing and </a:t>
+            </a:r>
+            <a:r>
+              <a:rPr lang="en-US" altLang="zh-CN" sz="1800" b="0" dirty="0" err="1"/>
+              <a:t>Quering</a:t>
+            </a:r>
+            <a:endParaRPr lang="en-US" sz="1800" b="0" dirty="0"/>
           </a:p>
         </p:txBody>
       </p:sp>
-      <p:sp>
-        <p:nvSpPr>
-          <p:cNvPr id="3" name="文本框 2">
+      <p:pic>
+        <p:nvPicPr>
+          <p:cNvPr id="5" name="图片 4">
             <a:extLst>
               <a:ext uri="{FF2B5EF4-FFF2-40B4-BE49-F238E27FC236}">
-                <a16:creationId xmlns:a16="http://schemas.microsoft.com/office/drawing/2014/main" id="{EF2C64E3-0243-43DD-A317-2CEC58A4B0CD}"/>
+                <a16:creationId xmlns:a16="http://schemas.microsoft.com/office/drawing/2014/main" id="{70CB6561-3DCE-4BD8-A084-7F17FD1D16EE}"/>
+              </a:ext>
+            </a:extLst>
+          </p:cNvPr>
+          <p:cNvPicPr>
+            <a:picLocks noChangeAspect="1"/>
+          </p:cNvPicPr>
+          <p:nvPr/>
+        </p:nvPicPr>
+        <p:blipFill rotWithShape="1">
+          <a:blip r:embed="rId2"/>
+          <a:srcRect t="11487" r="32619" b="45455"/>
+          <a:stretch/>
+        </p:blipFill>
+        <p:spPr>
+          <a:xfrm>
+            <a:off x="5954224" y="2358524"/>
+            <a:ext cx="6245373" cy="2140952"/>
+          </a:xfrm>
+          <a:prstGeom prst="rect">
+            <a:avLst/>
+          </a:prstGeom>
+        </p:spPr>
+      </p:pic>
+      <p:pic>
+        <p:nvPicPr>
+          <p:cNvPr id="6" name="图片 5">
+            <a:extLst>
+              <a:ext uri="{FF2B5EF4-FFF2-40B4-BE49-F238E27FC236}">
+                <a16:creationId xmlns:a16="http://schemas.microsoft.com/office/drawing/2014/main" id="{B1BD978F-1434-421E-B14A-B5085B52FA51}"/>
+              </a:ext>
+            </a:extLst>
+          </p:cNvPr>
+          <p:cNvPicPr>
+            <a:picLocks noChangeAspect="1"/>
+          </p:cNvPicPr>
+          <p:nvPr/>
+        </p:nvPicPr>
+        <p:blipFill>
+          <a:blip r:embed="rId3"/>
+          <a:stretch>
+            <a:fillRect/>
+          </a:stretch>
+        </p:blipFill>
+        <p:spPr>
+          <a:xfrm>
+            <a:off x="800024" y="2251754"/>
+            <a:ext cx="5045338" cy="2354491"/>
+          </a:xfrm>
+          <a:prstGeom prst="rect">
+            <a:avLst/>
+          </a:prstGeom>
+        </p:spPr>
+      </p:pic>
+      <p:sp>
+        <p:nvSpPr>
+          <p:cNvPr id="2" name="文本框 1">
+            <a:extLst>
+              <a:ext uri="{FF2B5EF4-FFF2-40B4-BE49-F238E27FC236}">
+                <a16:creationId xmlns:a16="http://schemas.microsoft.com/office/drawing/2014/main" id="{0C8428E1-320A-4B68-B72D-694F7C73383D}"/>
               </a:ext>
             </a:extLst>
           </p:cNvPr>
@@ -11651,8 +12975,8 @@
         </p:nvSpPr>
         <p:spPr>
           <a:xfrm>
-            <a:off x="588527" y="1362106"/>
-            <a:ext cx="9738816" cy="3631763"/>
+            <a:off x="1864658" y="1818928"/>
+            <a:ext cx="3146612" cy="276999"/>
           </a:xfrm>
           <a:prstGeom prst="rect">
             <a:avLst/>
@@ -11665,7 +12989,7 @@
           </a:bodyPr>
           <a:lstStyle/>
           <a:p>
-            <a:pPr marL="285750" indent="-285750" fontAlgn="base">
+            <a:pPr fontAlgn="base">
               <a:spcBef>
                 <a:spcPct val="50000"/>
               </a:spcBef>
@@ -11676,19 +13000,50 @@
                 <a:srgbClr val="F0AB00"/>
               </a:buClr>
               <a:buSzPct val="80000"/>
-              <a:buFont typeface="Wingdings" panose="05000000000000000000" pitchFamily="2" charset="2"/>
-              <a:buChar char="n"/>
             </a:pPr>
             <a:r>
-              <a:rPr lang="en-US" altLang="zh-CN" sz="2000" b="1" kern="0" dirty="0">
+              <a:rPr lang="en-US" altLang="zh-CN" sz="1800" kern="0" dirty="0">
                 <a:ea typeface="Arial Unicode MS" pitchFamily="34" charset="-128"/>
                 <a:cs typeface="Arial Unicode MS" pitchFamily="34" charset="-128"/>
               </a:rPr>
-              <a:t>Compression: Naïve (Page-Level) Naïve (Record-Level)</a:t>
-            </a:r>
-          </a:p>
-          <a:p>
-            <a:pPr marL="830138" lvl="1" indent="-285750" fontAlgn="base">
+              <a:t>Writing By Http API</a:t>
+            </a:r>
+            <a:endParaRPr lang="zh-CN" altLang="en-US" sz="1800" kern="0" dirty="0" err="1">
+              <a:ea typeface="Arial Unicode MS" pitchFamily="34" charset="-128"/>
+              <a:cs typeface="Arial Unicode MS" pitchFamily="34" charset="-128"/>
+            </a:endParaRPr>
+          </a:p>
+        </p:txBody>
+      </p:sp>
+      <p:sp>
+        <p:nvSpPr>
+          <p:cNvPr id="7" name="文本框 6">
+            <a:extLst>
+              <a:ext uri="{FF2B5EF4-FFF2-40B4-BE49-F238E27FC236}">
+                <a16:creationId xmlns:a16="http://schemas.microsoft.com/office/drawing/2014/main" id="{6761FF8D-C9F9-4667-82B4-D5D433AD3B40}"/>
+              </a:ext>
+            </a:extLst>
+          </p:cNvPr>
+          <p:cNvSpPr txBox="1"/>
+          <p:nvPr/>
+        </p:nvSpPr>
+        <p:spPr>
+          <a:xfrm>
+            <a:off x="7503605" y="1424043"/>
+            <a:ext cx="3146612" cy="276999"/>
+          </a:xfrm>
+          <a:prstGeom prst="rect">
+            <a:avLst/>
+          </a:prstGeom>
+          <a:noFill/>
+        </p:spPr>
+        <p:txBody>
+          <a:bodyPr wrap="square" lIns="0" tIns="0" rIns="0" bIns="0" rtlCol="0">
+            <a:spAutoFit/>
+          </a:bodyPr>
+          <a:lstStyle/>
+          <a:p>
+            <a:pPr fontAlgn="base">
               <a:spcBef>
                 <a:spcPct val="50000"/>
               </a:spcBef>
@@ -11699,186 +13054,15 @@
                 <a:srgbClr val="F0AB00"/>
               </a:buClr>
               <a:buSzPct val="80000"/>
-              <a:buFont typeface="Wingdings" panose="05000000000000000000" pitchFamily="2" charset="2"/>
-              <a:buChar char="n"/>
             </a:pPr>
-            <a:r>
-              <a:rPr lang="en-US" altLang="zh-CN" sz="1800" kern="0" dirty="0" err="1">
-                <a:ea typeface="Arial Unicode MS" pitchFamily="34" charset="-128"/>
-                <a:cs typeface="Arial Unicode MS" pitchFamily="34" charset="-128"/>
-              </a:rPr>
-              <a:t>OpenTSDB</a:t>
-            </a:r>
             <a:r>
               <a:rPr lang="en-US" altLang="zh-CN" sz="1800" kern="0" dirty="0">
                 <a:ea typeface="Arial Unicode MS" pitchFamily="34" charset="-128"/>
                 <a:cs typeface="Arial Unicode MS" pitchFamily="34" charset="-128"/>
               </a:rPr>
-              <a:t> uses Row Compaction to compress data. </a:t>
-            </a:r>
-          </a:p>
-          <a:p>
-            <a:pPr marL="1374526" lvl="2" indent="-285750" fontAlgn="base">
-              <a:spcBef>
-                <a:spcPct val="50000"/>
-              </a:spcBef>
-              <a:spcAft>
-                <a:spcPct val="0"/>
-              </a:spcAft>
-              <a:buClr>
-                <a:srgbClr val="F0AB00"/>
-              </a:buClr>
-              <a:buFont typeface="Wingdings" panose="05000000000000000000" pitchFamily="2" charset="2"/>
-              <a:buChar char="n"/>
-            </a:pPr>
-            <a:r>
-              <a:rPr lang="en-US" altLang="zh-CN" sz="1400" kern="0" dirty="0">
-                <a:ea typeface="Arial Unicode MS" pitchFamily="34" charset="-128"/>
-                <a:cs typeface="Arial Unicode MS" pitchFamily="34" charset="-128"/>
-              </a:rPr>
-              <a:t>Whenever a cell is to be written, its row key is pushed into a compaction queue. </a:t>
-            </a:r>
-          </a:p>
-          <a:p>
-            <a:pPr marL="1374526" lvl="2" indent="-285750" fontAlgn="base">
-              <a:spcBef>
-                <a:spcPct val="50000"/>
-              </a:spcBef>
-              <a:spcAft>
-                <a:spcPct val="0"/>
-              </a:spcAft>
-              <a:buClr>
-                <a:srgbClr val="F0AB00"/>
-              </a:buClr>
-              <a:buFont typeface="Wingdings" panose="05000000000000000000" pitchFamily="2" charset="2"/>
-              <a:buChar char="n"/>
-            </a:pPr>
-            <a:r>
-              <a:rPr lang="en-US" altLang="zh-CN" sz="1400" kern="0" dirty="0">
-                <a:ea typeface="Arial Unicode MS" pitchFamily="34" charset="-128"/>
-                <a:cs typeface="Arial Unicode MS" pitchFamily="34" charset="-128"/>
-              </a:rPr>
-              <a:t>There is a separate thread that periodically goes through the queue and aggregate data with the same key into a big cell.</a:t>
-            </a:r>
-          </a:p>
-          <a:p>
-            <a:pPr marL="1374526" lvl="2" indent="-285750" fontAlgn="base">
-              <a:spcBef>
-                <a:spcPct val="50000"/>
-              </a:spcBef>
-              <a:spcAft>
-                <a:spcPct val="0"/>
-              </a:spcAft>
-              <a:buClr>
-                <a:srgbClr val="F0AB00"/>
-              </a:buClr>
-              <a:buFont typeface="Wingdings" panose="05000000000000000000" pitchFamily="2" charset="2"/>
-              <a:buChar char="n"/>
-            </a:pPr>
-            <a:r>
-              <a:rPr lang="en-US" altLang="zh-CN" sz="1400" kern="0" dirty="0">
-                <a:ea typeface="Arial Unicode MS" pitchFamily="34" charset="-128"/>
-                <a:cs typeface="Arial Unicode MS" pitchFamily="34" charset="-128"/>
-              </a:rPr>
-              <a:t> It then writes the big cell and deletes the individual cells in the queue. </a:t>
-            </a:r>
-          </a:p>
-          <a:p>
-            <a:pPr marL="1374526" lvl="2" indent="-285750" fontAlgn="base">
-              <a:spcBef>
-                <a:spcPct val="50000"/>
-              </a:spcBef>
-              <a:spcAft>
-                <a:spcPct val="0"/>
-              </a:spcAft>
-              <a:buClr>
-                <a:srgbClr val="F0AB00"/>
-              </a:buClr>
-              <a:buFont typeface="Wingdings" panose="05000000000000000000" pitchFamily="2" charset="2"/>
-              <a:buChar char="n"/>
-            </a:pPr>
-            <a:r>
-              <a:rPr lang="en-US" altLang="zh-CN" sz="1400" kern="0" dirty="0">
-                <a:ea typeface="Arial Unicode MS" pitchFamily="34" charset="-128"/>
-                <a:cs typeface="Arial Unicode MS" pitchFamily="34" charset="-128"/>
-              </a:rPr>
-              <a:t>This process is effective because in HBase the row key is repeated for every single cell, and there is no way to efficiently append byte at the end of a cell.</a:t>
-            </a:r>
-          </a:p>
-          <a:p>
-            <a:pPr marL="830138" lvl="1" indent="-285750" fontAlgn="base">
-              <a:spcBef>
-                <a:spcPct val="50000"/>
-              </a:spcBef>
-              <a:spcAft>
-                <a:spcPct val="0"/>
-              </a:spcAft>
-              <a:buClr>
-                <a:srgbClr val="F0AB00"/>
-              </a:buClr>
-              <a:buSzPct val="80000"/>
-              <a:buFont typeface="Wingdings" panose="05000000000000000000" pitchFamily="2" charset="2"/>
-              <a:buChar char="n"/>
-            </a:pPr>
-            <a:r>
-              <a:rPr lang="en-US" altLang="zh-CN" sz="1800" kern="0" dirty="0">
-                <a:ea typeface="Arial Unicode MS" pitchFamily="34" charset="-128"/>
-                <a:cs typeface="Arial Unicode MS" pitchFamily="34" charset="-128"/>
-              </a:rPr>
-              <a:t>At data level, </a:t>
-            </a:r>
-            <a:r>
-              <a:rPr lang="en-US" altLang="zh-CN" sz="1800" kern="0" dirty="0" err="1">
-                <a:ea typeface="Arial Unicode MS" pitchFamily="34" charset="-128"/>
-                <a:cs typeface="Arial Unicode MS" pitchFamily="34" charset="-128"/>
-              </a:rPr>
-              <a:t>OpenTSDB</a:t>
-            </a:r>
-            <a:r>
-              <a:rPr lang="en-US" altLang="zh-CN" sz="1800" kern="0" dirty="0">
-                <a:ea typeface="Arial Unicode MS" pitchFamily="34" charset="-128"/>
-                <a:cs typeface="Arial Unicode MS" pitchFamily="34" charset="-128"/>
-              </a:rPr>
-              <a:t> uses LZO compression algorithm.</a:t>
-            </a:r>
-          </a:p>
-          <a:p>
-            <a:pPr marL="285750" indent="-285750" fontAlgn="base">
-              <a:spcBef>
-                <a:spcPct val="50000"/>
-              </a:spcBef>
-              <a:spcAft>
-                <a:spcPct val="0"/>
-              </a:spcAft>
-              <a:buClr>
-                <a:srgbClr val="F0AB00"/>
-              </a:buClr>
-              <a:buSzPct val="80000"/>
-              <a:buFont typeface="Wingdings" panose="05000000000000000000" pitchFamily="2" charset="2"/>
-              <a:buChar char="n"/>
-            </a:pPr>
-            <a:r>
-              <a:rPr lang="en-US" altLang="zh-CN" sz="2000" kern="0" dirty="0">
-                <a:ea typeface="Arial Unicode MS" pitchFamily="34" charset="-128"/>
-                <a:cs typeface="Arial Unicode MS" pitchFamily="34" charset="-128"/>
-              </a:rPr>
-              <a:t>With these two techniques, </a:t>
-            </a:r>
-            <a:r>
-              <a:rPr lang="en-US" altLang="zh-CN" sz="2000" kern="0" dirty="0" err="1">
-                <a:ea typeface="Arial Unicode MS" pitchFamily="34" charset="-128"/>
-                <a:cs typeface="Arial Unicode MS" pitchFamily="34" charset="-128"/>
-              </a:rPr>
-              <a:t>OpenTSDB</a:t>
-            </a:r>
-            <a:r>
-              <a:rPr lang="en-US" altLang="zh-CN" sz="2000" kern="0" dirty="0">
-                <a:ea typeface="Arial Unicode MS" pitchFamily="34" charset="-128"/>
-                <a:cs typeface="Arial Unicode MS" pitchFamily="34" charset="-128"/>
-              </a:rPr>
-              <a:t> is able to reduce the average size of one data point from 12 bytes to 2-3 bytes.</a:t>
-            </a:r>
-            <a:endParaRPr lang="zh-CN" altLang="en-US" sz="2000" kern="0" dirty="0" err="1">
+              <a:t>Querying By Browser UI</a:t>
+            </a:r>
+            <a:endParaRPr lang="zh-CN" altLang="en-US" sz="1800" kern="0" dirty="0" err="1">
               <a:ea typeface="Arial Unicode MS" pitchFamily="34" charset="-128"/>
               <a:cs typeface="Arial Unicode MS" pitchFamily="34" charset="-128"/>
             </a:endParaRPr>
@@ -11888,7 +13072,7 @@
     </p:spTree>
     <p:extLst>
       <p:ext uri="{BB962C8B-B14F-4D97-AF65-F5344CB8AC3E}">
-        <p14:creationId xmlns:p14="http://schemas.microsoft.com/office/powerpoint/2010/main" val="203468643"/>
+        <p14:creationId xmlns:p14="http://schemas.microsoft.com/office/powerpoint/2010/main" val="101835413"/>
       </p:ext>
     </p:extLst>
   </p:cSld>
@@ -11964,8 +13148,8 @@
         </p:nvSpPr>
         <p:spPr>
           <a:xfrm>
-            <a:off x="669208" y="1488142"/>
-            <a:ext cx="10856759" cy="2769989"/>
+            <a:off x="588527" y="1362106"/>
+            <a:ext cx="9738816" cy="3631763"/>
           </a:xfrm>
           <a:prstGeom prst="rect">
             <a:avLst/>
@@ -11993,11 +13177,11 @@
               <a:buChar char="n"/>
             </a:pPr>
             <a:r>
-              <a:rPr lang="en-US" altLang="zh-CN" sz="1800" b="1" kern="0" dirty="0">
+              <a:rPr lang="en-US" altLang="zh-CN" sz="2000" b="1" kern="0" dirty="0">
                 <a:ea typeface="Arial Unicode MS" pitchFamily="34" charset="-128"/>
                 <a:cs typeface="Arial Unicode MS" pitchFamily="34" charset="-128"/>
               </a:rPr>
-              <a:t>Concurrency Control</a:t>
+              <a:t>Compression: Naïve (Page-Level) Naïve (Record-Level)</a:t>
             </a:r>
           </a:p>
           <a:p>
@@ -12016,6 +13200,319 @@
               <a:buChar char="n"/>
             </a:pPr>
             <a:r>
+              <a:rPr lang="en-US" altLang="zh-CN" sz="1800" kern="0" dirty="0" err="1">
+                <a:ea typeface="Arial Unicode MS" pitchFamily="34" charset="-128"/>
+                <a:cs typeface="Arial Unicode MS" pitchFamily="34" charset="-128"/>
+              </a:rPr>
+              <a:t>OpenTSDB</a:t>
+            </a:r>
+            <a:r>
+              <a:rPr lang="en-US" altLang="zh-CN" sz="1800" kern="0" dirty="0">
+                <a:ea typeface="Arial Unicode MS" pitchFamily="34" charset="-128"/>
+                <a:cs typeface="Arial Unicode MS" pitchFamily="34" charset="-128"/>
+              </a:rPr>
+              <a:t> uses Row Compaction to compress data. </a:t>
+            </a:r>
+          </a:p>
+          <a:p>
+            <a:pPr marL="1374526" lvl="2" indent="-285750" fontAlgn="base">
+              <a:spcBef>
+                <a:spcPct val="50000"/>
+              </a:spcBef>
+              <a:spcAft>
+                <a:spcPct val="0"/>
+              </a:spcAft>
+              <a:buClr>
+                <a:srgbClr val="F0AB00"/>
+              </a:buClr>
+              <a:buFont typeface="Wingdings" panose="05000000000000000000" pitchFamily="2" charset="2"/>
+              <a:buChar char="n"/>
+            </a:pPr>
+            <a:r>
+              <a:rPr lang="en-US" altLang="zh-CN" sz="1400" kern="0" dirty="0">
+                <a:ea typeface="Arial Unicode MS" pitchFamily="34" charset="-128"/>
+                <a:cs typeface="Arial Unicode MS" pitchFamily="34" charset="-128"/>
+              </a:rPr>
+              <a:t>Whenever a cell is to be written, its row key is pushed into a compaction queue. </a:t>
+            </a:r>
+          </a:p>
+          <a:p>
+            <a:pPr marL="1374526" lvl="2" indent="-285750" fontAlgn="base">
+              <a:spcBef>
+                <a:spcPct val="50000"/>
+              </a:spcBef>
+              <a:spcAft>
+                <a:spcPct val="0"/>
+              </a:spcAft>
+              <a:buClr>
+                <a:srgbClr val="F0AB00"/>
+              </a:buClr>
+              <a:buFont typeface="Wingdings" panose="05000000000000000000" pitchFamily="2" charset="2"/>
+              <a:buChar char="n"/>
+            </a:pPr>
+            <a:r>
+              <a:rPr lang="en-US" altLang="zh-CN" sz="1400" kern="0" dirty="0">
+                <a:ea typeface="Arial Unicode MS" pitchFamily="34" charset="-128"/>
+                <a:cs typeface="Arial Unicode MS" pitchFamily="34" charset="-128"/>
+              </a:rPr>
+              <a:t>There is a separate thread that periodically goes through the queue and aggregate data with the same key into a big cell.</a:t>
+            </a:r>
+          </a:p>
+          <a:p>
+            <a:pPr marL="1374526" lvl="2" indent="-285750" fontAlgn="base">
+              <a:spcBef>
+                <a:spcPct val="50000"/>
+              </a:spcBef>
+              <a:spcAft>
+                <a:spcPct val="0"/>
+              </a:spcAft>
+              <a:buClr>
+                <a:srgbClr val="F0AB00"/>
+              </a:buClr>
+              <a:buFont typeface="Wingdings" panose="05000000000000000000" pitchFamily="2" charset="2"/>
+              <a:buChar char="n"/>
+            </a:pPr>
+            <a:r>
+              <a:rPr lang="en-US" altLang="zh-CN" sz="1400" kern="0" dirty="0">
+                <a:ea typeface="Arial Unicode MS" pitchFamily="34" charset="-128"/>
+                <a:cs typeface="Arial Unicode MS" pitchFamily="34" charset="-128"/>
+              </a:rPr>
+              <a:t> It then writes the big cell and deletes the individual cells in the queue. </a:t>
+            </a:r>
+          </a:p>
+          <a:p>
+            <a:pPr marL="1374526" lvl="2" indent="-285750" fontAlgn="base">
+              <a:spcBef>
+                <a:spcPct val="50000"/>
+              </a:spcBef>
+              <a:spcAft>
+                <a:spcPct val="0"/>
+              </a:spcAft>
+              <a:buClr>
+                <a:srgbClr val="F0AB00"/>
+              </a:buClr>
+              <a:buFont typeface="Wingdings" panose="05000000000000000000" pitchFamily="2" charset="2"/>
+              <a:buChar char="n"/>
+            </a:pPr>
+            <a:r>
+              <a:rPr lang="en-US" altLang="zh-CN" sz="1400" kern="0" dirty="0">
+                <a:ea typeface="Arial Unicode MS" pitchFamily="34" charset="-128"/>
+                <a:cs typeface="Arial Unicode MS" pitchFamily="34" charset="-128"/>
+              </a:rPr>
+              <a:t>This process is effective because in HBase the row key is repeated for every single cell, and there is no way to efficiently append byte at the end of a cell.</a:t>
+            </a:r>
+          </a:p>
+          <a:p>
+            <a:pPr marL="830138" lvl="1" indent="-285750" fontAlgn="base">
+              <a:spcBef>
+                <a:spcPct val="50000"/>
+              </a:spcBef>
+              <a:spcAft>
+                <a:spcPct val="0"/>
+              </a:spcAft>
+              <a:buClr>
+                <a:srgbClr val="F0AB00"/>
+              </a:buClr>
+              <a:buSzPct val="80000"/>
+              <a:buFont typeface="Wingdings" panose="05000000000000000000" pitchFamily="2" charset="2"/>
+              <a:buChar char="n"/>
+            </a:pPr>
+            <a:r>
+              <a:rPr lang="en-US" altLang="zh-CN" sz="1800" kern="0" dirty="0">
+                <a:ea typeface="Arial Unicode MS" pitchFamily="34" charset="-128"/>
+                <a:cs typeface="Arial Unicode MS" pitchFamily="34" charset="-128"/>
+              </a:rPr>
+              <a:t>At data level, </a:t>
+            </a:r>
+            <a:r>
+              <a:rPr lang="en-US" altLang="zh-CN" sz="1800" kern="0" dirty="0" err="1">
+                <a:ea typeface="Arial Unicode MS" pitchFamily="34" charset="-128"/>
+                <a:cs typeface="Arial Unicode MS" pitchFamily="34" charset="-128"/>
+              </a:rPr>
+              <a:t>OpenTSDB</a:t>
+            </a:r>
+            <a:r>
+              <a:rPr lang="en-US" altLang="zh-CN" sz="1800" kern="0" dirty="0">
+                <a:ea typeface="Arial Unicode MS" pitchFamily="34" charset="-128"/>
+                <a:cs typeface="Arial Unicode MS" pitchFamily="34" charset="-128"/>
+              </a:rPr>
+              <a:t> uses LZO compression algorithm.</a:t>
+            </a:r>
+          </a:p>
+          <a:p>
+            <a:pPr marL="285750" indent="-285750" fontAlgn="base">
+              <a:spcBef>
+                <a:spcPct val="50000"/>
+              </a:spcBef>
+              <a:spcAft>
+                <a:spcPct val="0"/>
+              </a:spcAft>
+              <a:buClr>
+                <a:srgbClr val="F0AB00"/>
+              </a:buClr>
+              <a:buSzPct val="80000"/>
+              <a:buFont typeface="Wingdings" panose="05000000000000000000" pitchFamily="2" charset="2"/>
+              <a:buChar char="n"/>
+            </a:pPr>
+            <a:r>
+              <a:rPr lang="en-US" altLang="zh-CN" sz="2000" kern="0" dirty="0">
+                <a:ea typeface="Arial Unicode MS" pitchFamily="34" charset="-128"/>
+                <a:cs typeface="Arial Unicode MS" pitchFamily="34" charset="-128"/>
+              </a:rPr>
+              <a:t>With these two techniques, </a:t>
+            </a:r>
+            <a:r>
+              <a:rPr lang="en-US" altLang="zh-CN" sz="2000" kern="0" dirty="0" err="1">
+                <a:ea typeface="Arial Unicode MS" pitchFamily="34" charset="-128"/>
+                <a:cs typeface="Arial Unicode MS" pitchFamily="34" charset="-128"/>
+              </a:rPr>
+              <a:t>OpenTSDB</a:t>
+            </a:r>
+            <a:r>
+              <a:rPr lang="en-US" altLang="zh-CN" sz="2000" kern="0" dirty="0">
+                <a:ea typeface="Arial Unicode MS" pitchFamily="34" charset="-128"/>
+                <a:cs typeface="Arial Unicode MS" pitchFamily="34" charset="-128"/>
+              </a:rPr>
+              <a:t> is able to reduce the average size of one data point from 12 bytes to 2-3 bytes.</a:t>
+            </a:r>
+            <a:endParaRPr lang="zh-CN" altLang="en-US" sz="2000" kern="0" dirty="0" err="1">
+              <a:ea typeface="Arial Unicode MS" pitchFamily="34" charset="-128"/>
+              <a:cs typeface="Arial Unicode MS" pitchFamily="34" charset="-128"/>
+            </a:endParaRPr>
+          </a:p>
+        </p:txBody>
+      </p:sp>
+    </p:spTree>
+    <p:extLst>
+      <p:ext uri="{BB962C8B-B14F-4D97-AF65-F5344CB8AC3E}">
+        <p14:creationId xmlns:p14="http://schemas.microsoft.com/office/powerpoint/2010/main" val="203468643"/>
+      </p:ext>
+    </p:extLst>
+  </p:cSld>
+  <p:clrMapOvr>
+    <a:masterClrMapping/>
+  </p:clrMapOvr>
+</p:sld>
+</file>
+
+<file path=ppt/slides/slide7.xml><?xml version="1.0" encoding="utf-8"?>
+<p:sld xmlns:a="http://schemas.openxmlformats.org/drawingml/2006/main" xmlns:r="http://schemas.openxmlformats.org/officeDocument/2006/relationships" xmlns:p="http://schemas.openxmlformats.org/presentationml/2006/main">
+  <p:cSld>
+    <p:spTree>
+      <p:nvGrpSpPr>
+        <p:cNvPr id="1" name=""/>
+        <p:cNvGrpSpPr/>
+        <p:nvPr/>
+      </p:nvGrpSpPr>
+      <p:grpSpPr>
+        <a:xfrm>
+          <a:off x="0" y="0"/>
+          <a:ext cx="0" cy="0"/>
+          <a:chOff x="0" y="0"/>
+          <a:chExt cx="0" cy="0"/>
+        </a:xfrm>
+      </p:grpSpPr>
+      <p:sp>
+        <p:nvSpPr>
+          <p:cNvPr id="4" name="Title"/>
+          <p:cNvSpPr>
+            <a:spLocks noGrp="1"/>
+          </p:cNvSpPr>
+          <p:nvPr>
+            <p:ph type="title"/>
+          </p:nvPr>
+        </p:nvSpPr>
+        <p:spPr bwMode="gray">
+          <a:xfrm>
+            <a:off x="504001" y="504000"/>
+            <a:ext cx="11186476" cy="646331"/>
+          </a:xfrm>
+        </p:spPr>
+        <p:txBody>
+          <a:bodyPr/>
+          <a:lstStyle/>
+          <a:p>
+            <a:r>
+              <a:rPr lang="en-US" dirty="0" err="1"/>
+              <a:t>OpenTSDB</a:t>
+            </a:r>
+            <a:br>
+              <a:rPr lang="en-US" dirty="0"/>
+            </a:br>
+            <a:r>
+              <a:rPr lang="en-US" sz="1800" b="0" dirty="0"/>
+              <a:t>Techniques</a:t>
+            </a:r>
+            <a:endParaRPr lang="en-US" b="0" dirty="0"/>
+          </a:p>
+        </p:txBody>
+      </p:sp>
+      <p:sp>
+        <p:nvSpPr>
+          <p:cNvPr id="3" name="文本框 2">
+            <a:extLst>
+              <a:ext uri="{FF2B5EF4-FFF2-40B4-BE49-F238E27FC236}">
+                <a16:creationId xmlns:a16="http://schemas.microsoft.com/office/drawing/2014/main" id="{EF2C64E3-0243-43DD-A317-2CEC58A4B0CD}"/>
+              </a:ext>
+            </a:extLst>
+          </p:cNvPr>
+          <p:cNvSpPr txBox="1"/>
+          <p:nvPr/>
+        </p:nvSpPr>
+        <p:spPr>
+          <a:xfrm>
+            <a:off x="668859" y="1405465"/>
+            <a:ext cx="10856759" cy="3185487"/>
+          </a:xfrm>
+          <a:prstGeom prst="rect">
+            <a:avLst/>
+          </a:prstGeom>
+          <a:noFill/>
+        </p:spPr>
+        <p:txBody>
+          <a:bodyPr wrap="square" lIns="0" tIns="0" rIns="0" bIns="0" rtlCol="0">
+            <a:spAutoFit/>
+          </a:bodyPr>
+          <a:lstStyle/>
+          <a:p>
+            <a:pPr marL="285750" indent="-285750" fontAlgn="base">
+              <a:spcBef>
+                <a:spcPct val="50000"/>
+              </a:spcBef>
+              <a:spcAft>
+                <a:spcPct val="0"/>
+              </a:spcAft>
+              <a:buClr>
+                <a:srgbClr val="F0AB00"/>
+              </a:buClr>
+              <a:buSzPct val="80000"/>
+              <a:buFont typeface="Wingdings" panose="05000000000000000000" pitchFamily="2" charset="2"/>
+              <a:buChar char="n"/>
+            </a:pPr>
+            <a:r>
+              <a:rPr lang="en-US" altLang="zh-CN" sz="1800" b="1" kern="0" dirty="0">
+                <a:ea typeface="Arial Unicode MS" pitchFamily="34" charset="-128"/>
+                <a:cs typeface="Arial Unicode MS" pitchFamily="34" charset="-128"/>
+              </a:rPr>
+              <a:t>Concurrency Control</a:t>
+            </a:r>
+          </a:p>
+          <a:p>
+            <a:pPr marL="830138" lvl="1" indent="-285750" fontAlgn="base">
+              <a:spcBef>
+                <a:spcPct val="50000"/>
+              </a:spcBef>
+              <a:spcAft>
+                <a:spcPct val="0"/>
+              </a:spcAft>
+              <a:buClr>
+                <a:srgbClr val="F0AB00"/>
+              </a:buClr>
+              <a:buSzPct val="80000"/>
+              <a:buFont typeface="Wingdings" panose="05000000000000000000" pitchFamily="2" charset="2"/>
+              <a:buChar char="n"/>
+            </a:pPr>
+            <a:r>
               <a:rPr lang="en-US" altLang="zh-CN" sz="1800" kern="0" dirty="0">
                 <a:latin typeface="Arial" panose="020B0604020202020204" pitchFamily="34" charset="0"/>
                 <a:ea typeface="Arial Unicode MS" pitchFamily="34" charset="-128"/>
@@ -12026,7 +13523,32 @@
               <a:rPr lang="zh-CN" altLang="zh-CN" sz="1800" kern="0" dirty="0">
                 <a:latin typeface="Arial" panose="020B0604020202020204" pitchFamily="34" charset="0"/>
               </a:rPr>
-              <a:t>enTSDB allows concurrent writes without using locks. OpenTSDB avoids multiple writers creating duplicate rows in the case of writer restart by making writes idempotent. It enforces a fixed timestamp boundary for each row. When a write reconnects to HBase, it will always write to the appropriate row according to the timestamp instead of creating new rows. </a:t>
+              <a:t>enTSDB allows concurrent writes without using locks. </a:t>
+            </a:r>
+            <a:endParaRPr lang="en-US" altLang="zh-CN" sz="1800" kern="0" dirty="0">
+              <a:latin typeface="Arial" panose="020B0604020202020204" pitchFamily="34" charset="0"/>
+            </a:endParaRPr>
+          </a:p>
+          <a:p>
+            <a:pPr marL="830138" lvl="1" indent="-285750" fontAlgn="base">
+              <a:spcBef>
+                <a:spcPct val="50000"/>
+              </a:spcBef>
+              <a:spcAft>
+                <a:spcPct val="0"/>
+              </a:spcAft>
+              <a:buClr>
+                <a:srgbClr val="F0AB00"/>
+              </a:buClr>
+              <a:buSzPct val="80000"/>
+              <a:buFont typeface="Wingdings" panose="05000000000000000000" pitchFamily="2" charset="2"/>
+              <a:buChar char="n"/>
+            </a:pPr>
+            <a:r>
+              <a:rPr lang="zh-CN" altLang="zh-CN" sz="1800" kern="0" dirty="0">
+                <a:latin typeface="Arial" panose="020B0604020202020204" pitchFamily="34" charset="0"/>
+              </a:rPr>
+              <a:t>OpenTSDB avoids multiple writers creating duplicate rows in the case of writer restart by making writes idempotent. It enforces a fixed timestamp boundary for each row. When a write reconnects to HBase, it will always write to the appropriate row according to the timestamp instead of creating new rows. </a:t>
             </a:r>
             <a:endParaRPr lang="en-US" altLang="zh-CN" sz="1800" kern="0" dirty="0">
               <a:latin typeface="Arial" panose="020B0604020202020204" pitchFamily="34" charset="0"/>
@@ -12119,10 +13641,16 @@
           <p:cNvGraphicFramePr>
             <a:graphicFrameLocks noGrp="1"/>
           </p:cNvGraphicFramePr>
-          <p:nvPr/>
+          <p:nvPr>
+            <p:extLst>
+              <p:ext uri="{D42A27DB-BD31-4B8C-83A1-F6EECF244321}">
+                <p14:modId xmlns:p14="http://schemas.microsoft.com/office/powerpoint/2010/main" val="2732866032"/>
+              </p:ext>
+            </p:extLst>
+          </p:nvPr>
         </p:nvGraphicFramePr>
         <p:xfrm>
-          <a:off x="1992687" y="4595942"/>
+          <a:off x="1992687" y="4846087"/>
           <a:ext cx="8209104" cy="1463040"/>
         </p:xfrm>
         <a:graphic>
@@ -12432,231 +13960,6 @@
 </p:sld>
 </file>
 
-<file path=ppt/slides/slide7.xml><?xml version="1.0" encoding="utf-8"?>
-<p:sld xmlns:a="http://schemas.openxmlformats.org/drawingml/2006/main" xmlns:r="http://schemas.openxmlformats.org/officeDocument/2006/relationships" xmlns:p="http://schemas.openxmlformats.org/presentationml/2006/main">
-  <p:cSld>
-    <p:spTree>
-      <p:nvGrpSpPr>
-        <p:cNvPr id="1" name=""/>
-        <p:cNvGrpSpPr/>
-        <p:nvPr/>
-      </p:nvGrpSpPr>
-      <p:grpSpPr>
-        <a:xfrm>
-          <a:off x="0" y="0"/>
-          <a:ext cx="0" cy="0"/>
-          <a:chOff x="0" y="0"/>
-          <a:chExt cx="0" cy="0"/>
-        </a:xfrm>
-      </p:grpSpPr>
-      <p:sp>
-        <p:nvSpPr>
-          <p:cNvPr id="4" name="Title"/>
-          <p:cNvSpPr>
-            <a:spLocks noGrp="1"/>
-          </p:cNvSpPr>
-          <p:nvPr>
-            <p:ph type="title"/>
-          </p:nvPr>
-        </p:nvSpPr>
-        <p:spPr bwMode="gray">
-          <a:xfrm>
-            <a:off x="504001" y="504000"/>
-            <a:ext cx="11186476" cy="646331"/>
-          </a:xfrm>
-        </p:spPr>
-        <p:txBody>
-          <a:bodyPr/>
-          <a:lstStyle/>
-          <a:p>
-            <a:r>
-              <a:rPr lang="en-US" dirty="0" err="1"/>
-              <a:t>OpenTSDB</a:t>
-            </a:r>
-            <a:br>
-              <a:rPr lang="en-US" dirty="0"/>
-            </a:br>
-            <a:r>
-              <a:rPr lang="en-US" sz="1800" b="0" dirty="0"/>
-              <a:t>Techniques</a:t>
-            </a:r>
-            <a:endParaRPr lang="en-US" b="0" dirty="0"/>
-          </a:p>
-        </p:txBody>
-      </p:sp>
-      <p:sp>
-        <p:nvSpPr>
-          <p:cNvPr id="3" name="文本框 2">
-            <a:extLst>
-              <a:ext uri="{FF2B5EF4-FFF2-40B4-BE49-F238E27FC236}">
-                <a16:creationId xmlns:a16="http://schemas.microsoft.com/office/drawing/2014/main" id="{EF2C64E3-0243-43DD-A317-2CEC58A4B0CD}"/>
-              </a:ext>
-            </a:extLst>
-          </p:cNvPr>
-          <p:cNvSpPr txBox="1"/>
-          <p:nvPr/>
-        </p:nvSpPr>
-        <p:spPr>
-          <a:xfrm>
-            <a:off x="669208" y="1488142"/>
-            <a:ext cx="10856759" cy="2769989"/>
-          </a:xfrm>
-          <a:prstGeom prst="rect">
-            <a:avLst/>
-          </a:prstGeom>
-          <a:noFill/>
-        </p:spPr>
-        <p:txBody>
-          <a:bodyPr wrap="square" lIns="0" tIns="0" rIns="0" bIns="0" rtlCol="0">
-            <a:spAutoFit/>
-          </a:bodyPr>
-          <a:lstStyle/>
-          <a:p>
-            <a:pPr marL="285750" indent="-285750" fontAlgn="base">
-              <a:spcBef>
-                <a:spcPct val="50000"/>
-              </a:spcBef>
-              <a:spcAft>
-                <a:spcPct val="0"/>
-              </a:spcAft>
-              <a:buClr>
-                <a:srgbClr val="F0AB00"/>
-              </a:buClr>
-              <a:buSzPct val="80000"/>
-              <a:buFont typeface="Wingdings" panose="05000000000000000000" pitchFamily="2" charset="2"/>
-              <a:buChar char="n"/>
-            </a:pPr>
-            <a:r>
-              <a:rPr lang="en-US" altLang="zh-CN" sz="1800" b="1" kern="0" dirty="0">
-                <a:ea typeface="Arial Unicode MS" pitchFamily="34" charset="-128"/>
-                <a:cs typeface="Arial Unicode MS" pitchFamily="34" charset="-128"/>
-              </a:rPr>
-              <a:t>Query Interface</a:t>
-            </a:r>
-          </a:p>
-          <a:p>
-            <a:pPr marL="830138" lvl="1" indent="-285750" fontAlgn="base">
-              <a:spcBef>
-                <a:spcPct val="50000"/>
-              </a:spcBef>
-              <a:spcAft>
-                <a:spcPct val="0"/>
-              </a:spcAft>
-              <a:buClr>
-                <a:srgbClr val="F0AB00"/>
-              </a:buClr>
-              <a:buSzPct val="80000"/>
-              <a:buFont typeface="Wingdings" panose="05000000000000000000" pitchFamily="2" charset="2"/>
-              <a:buChar char="n"/>
-            </a:pPr>
-            <a:r>
-              <a:rPr lang="en-US" altLang="zh-CN" sz="1800" kern="0" dirty="0">
-                <a:latin typeface="Arial" panose="020B0604020202020204" pitchFamily="34" charset="0"/>
-              </a:rPr>
-              <a:t>There are 2 official supported query interfaces: HTTP/REST API and Telnet style command line API. </a:t>
-            </a:r>
-          </a:p>
-          <a:p>
-            <a:pPr marL="830138" lvl="1" indent="-285750" fontAlgn="base">
-              <a:spcBef>
-                <a:spcPct val="50000"/>
-              </a:spcBef>
-              <a:spcAft>
-                <a:spcPct val="0"/>
-              </a:spcAft>
-              <a:buClr>
-                <a:srgbClr val="F0AB00"/>
-              </a:buClr>
-              <a:buSzPct val="80000"/>
-              <a:buFont typeface="Wingdings" panose="05000000000000000000" pitchFamily="2" charset="2"/>
-              <a:buChar char="n"/>
-            </a:pPr>
-            <a:r>
-              <a:rPr lang="en-US" altLang="zh-CN" sz="1800" kern="0" dirty="0">
-                <a:latin typeface="Arial" panose="020B0604020202020204" pitchFamily="34" charset="0"/>
-              </a:rPr>
-              <a:t>Additionally, there are various open-source front-end clients that encapsulate the official APIs, including a Browser interface and Erlang/Java/Go/Python/R/Ruby clients.</a:t>
-            </a:r>
-          </a:p>
-          <a:p>
-            <a:pPr marL="285750" indent="-285750" fontAlgn="base">
-              <a:spcBef>
-                <a:spcPct val="50000"/>
-              </a:spcBef>
-              <a:spcAft>
-                <a:spcPct val="0"/>
-              </a:spcAft>
-              <a:buClr>
-                <a:srgbClr val="F0AB00"/>
-              </a:buClr>
-              <a:buSzPct val="80000"/>
-              <a:buFont typeface="Wingdings" panose="05000000000000000000" pitchFamily="2" charset="2"/>
-              <a:buChar char="n"/>
-            </a:pPr>
-            <a:r>
-              <a:rPr lang="en-US" altLang="zh-CN" sz="1800" b="1" kern="0" dirty="0">
-                <a:ea typeface="Arial Unicode MS" pitchFamily="34" charset="-128"/>
-                <a:cs typeface="Arial Unicode MS" pitchFamily="34" charset="-128"/>
-              </a:rPr>
-              <a:t>Storage Architecture</a:t>
-            </a:r>
-          </a:p>
-          <a:p>
-            <a:pPr marL="830138" lvl="1" indent="-285750" fontAlgn="base">
-              <a:spcBef>
-                <a:spcPct val="50000"/>
-              </a:spcBef>
-              <a:spcAft>
-                <a:spcPct val="0"/>
-              </a:spcAft>
-              <a:buClr>
-                <a:srgbClr val="F0AB00"/>
-              </a:buClr>
-              <a:buSzPct val="80000"/>
-              <a:buFont typeface="Wingdings" panose="05000000000000000000" pitchFamily="2" charset="2"/>
-              <a:buChar char="n"/>
-            </a:pPr>
-            <a:r>
-              <a:rPr lang="en-US" altLang="zh-CN" sz="1800" kern="0" dirty="0">
-                <a:latin typeface="Arial" panose="020B0604020202020204" pitchFamily="34" charset="0"/>
-                <a:ea typeface="Arial Unicode MS" pitchFamily="34" charset="-128"/>
-              </a:rPr>
-              <a:t>The back-end storage system is </a:t>
-            </a:r>
-            <a:r>
-              <a:rPr lang="en-US" altLang="zh-CN" sz="1800" kern="0" dirty="0" err="1">
-                <a:latin typeface="Arial" panose="020B0604020202020204" pitchFamily="34" charset="0"/>
-                <a:ea typeface="Arial Unicode MS" pitchFamily="34" charset="-128"/>
-              </a:rPr>
-              <a:t>Hbase</a:t>
-            </a:r>
-            <a:r>
-              <a:rPr lang="en-US" altLang="zh-CN" sz="1800" kern="0" dirty="0">
-                <a:latin typeface="Arial" panose="020B0604020202020204" pitchFamily="34" charset="0"/>
-                <a:ea typeface="Arial Unicode MS" pitchFamily="34" charset="-128"/>
-              </a:rPr>
-              <a:t>, an open-source non-relational disk-oriented distributed database. It also supports Google Bigtable as its backend.</a:t>
-            </a:r>
-            <a:endParaRPr lang="en-US" altLang="zh-CN" sz="1800" b="1" kern="0" dirty="0">
-              <a:ea typeface="Arial Unicode MS" pitchFamily="34" charset="-128"/>
-              <a:cs typeface="Arial Unicode MS" pitchFamily="34" charset="-128"/>
-            </a:endParaRPr>
-          </a:p>
-        </p:txBody>
-      </p:sp>
-    </p:spTree>
-    <p:extLst>
-      <p:ext uri="{BB962C8B-B14F-4D97-AF65-F5344CB8AC3E}">
-        <p14:creationId xmlns:p14="http://schemas.microsoft.com/office/powerpoint/2010/main" val="4214433377"/>
-      </p:ext>
-    </p:extLst>
-  </p:cSld>
-  <p:clrMapOvr>
-    <a:masterClrMapping/>
-  </p:clrMapOvr>
-</p:sld>
-</file>
-
 <file path=ppt/slides/slide8.xml><?xml version="1.0" encoding="utf-8"?>
 <p:sld xmlns:a="http://schemas.openxmlformats.org/drawingml/2006/main" xmlns:r="http://schemas.openxmlformats.org/officeDocument/2006/relationships" xmlns:p="http://schemas.openxmlformats.org/presentationml/2006/main">
   <p:cSld>
@@ -12711,27 +14014,28 @@
       </p:sp>
       <p:sp>
         <p:nvSpPr>
-          <p:cNvPr id="9" name="矩形 8">
+          <p:cNvPr id="3" name="文本框 2">
             <a:extLst>
               <a:ext uri="{FF2B5EF4-FFF2-40B4-BE49-F238E27FC236}">
-                <a16:creationId xmlns:a16="http://schemas.microsoft.com/office/drawing/2014/main" id="{FD2B6A5B-9857-4D4D-BF92-F5B9BF2D0601}"/>
+                <a16:creationId xmlns:a16="http://schemas.microsoft.com/office/drawing/2014/main" id="{EF2C64E3-0243-43DD-A317-2CEC58A4B0CD}"/>
               </a:ext>
             </a:extLst>
           </p:cNvPr>
-          <p:cNvSpPr/>
+          <p:cNvSpPr txBox="1"/>
           <p:nvPr/>
         </p:nvSpPr>
         <p:spPr>
           <a:xfrm>
-            <a:off x="501650" y="1737175"/>
-            <a:ext cx="10808034" cy="2616101"/>
+            <a:off x="669208" y="1488142"/>
+            <a:ext cx="10856759" cy="1661993"/>
           </a:xfrm>
           <a:prstGeom prst="rect">
             <a:avLst/>
           </a:prstGeom>
+          <a:noFill/>
         </p:spPr>
         <p:txBody>
-          <a:bodyPr wrap="square">
+          <a:bodyPr wrap="square" lIns="0" tIns="0" rIns="0" bIns="0" rtlCol="0">
             <a:spAutoFit/>
           </a:bodyPr>
           <a:lstStyle/>
@@ -12751,11 +14055,11 @@
               <a:buChar char="n"/>
             </a:pPr>
             <a:r>
-              <a:rPr lang="en-US" altLang="zh-CN" sz="2000" b="1" kern="0" dirty="0">
+              <a:rPr lang="en-US" altLang="zh-CN" sz="1800" b="1" kern="0" dirty="0">
                 <a:ea typeface="Arial Unicode MS" pitchFamily="34" charset="-128"/>
                 <a:cs typeface="Arial Unicode MS" pitchFamily="34" charset="-128"/>
               </a:rPr>
-              <a:t>System Architecture</a:t>
+              <a:t>Query Interface</a:t>
             </a:r>
           </a:p>
           <a:p>
@@ -12774,36 +14078,10 @@
               <a:buChar char="n"/>
             </a:pPr>
             <a:r>
-              <a:rPr lang="en-US" altLang="zh-CN" sz="1800" dirty="0" err="1"/>
-              <a:t>OpenTSDB</a:t>
-            </a:r>
-            <a:r>
-              <a:rPr lang="en-US" altLang="zh-CN" sz="1800" dirty="0"/>
-              <a:t> consists of three components: </a:t>
-            </a:r>
-            <a:r>
-              <a:rPr lang="en-US" altLang="zh-CN" sz="1800" dirty="0" err="1"/>
-              <a:t>tCollector</a:t>
-            </a:r>
-            <a:r>
-              <a:rPr lang="en-US" altLang="zh-CN" sz="1800" dirty="0"/>
-              <a:t>, Time Series Daemon (TSD), and HBase. One instance of </a:t>
-            </a:r>
-            <a:r>
-              <a:rPr lang="en-US" altLang="zh-CN" sz="1800" dirty="0" err="1"/>
-              <a:t>tCollector</a:t>
-            </a:r>
-            <a:r>
-              <a:rPr lang="en-US" altLang="zh-CN" sz="1800" dirty="0"/>
-              <a:t> is deployed on each server. It is responsible to periodically pull metrics data from processes running on the server and the operating system. TSDs receive data from the </a:t>
-            </a:r>
-            <a:r>
-              <a:rPr lang="en-US" altLang="zh-CN" sz="1800" dirty="0" err="1"/>
-              <a:t>tCollectors</a:t>
-            </a:r>
-            <a:r>
-              <a:rPr lang="en-US" altLang="zh-CN" sz="1800" dirty="0"/>
-              <a:t> and push data to the HBase backend storage system. Upon receiving queries, TSD scans HBase and retrieves relevant data.</a:t>
+              <a:rPr lang="en-US" altLang="zh-CN" sz="1800" kern="0" dirty="0">
+                <a:latin typeface="Arial" panose="020B0604020202020204" pitchFamily="34" charset="0"/>
+              </a:rPr>
+              <a:t>There are 2 official supported query interfaces: HTTP/REST API and Telnet style command line API. </a:t>
             </a:r>
           </a:p>
           <a:p>
@@ -12822,17 +14100,18 @@
               <a:buChar char="n"/>
             </a:pPr>
             <a:r>
-              <a:rPr lang="en-US" altLang="zh-CN" sz="1800" dirty="0"/>
-              <a:t>All communications are done via TSD RPC and Hadoop RPC, therefore all components are stateless. There can be as many TSDs as needed to handle the workload as the system scales.</a:t>
-            </a:r>
-            <a:endParaRPr lang="zh-CN" altLang="en-US" sz="1800" dirty="0"/>
+              <a:rPr lang="en-US" altLang="zh-CN" sz="1800" kern="0" dirty="0">
+                <a:latin typeface="Arial" panose="020B0604020202020204" pitchFamily="34" charset="0"/>
+              </a:rPr>
+              <a:t>Additionally, there are various open-source front-end clients that encapsulate the official APIs, including a Browser interface and Erlang/Java/Go/Python/R/Ruby clients.</a:t>
+            </a:r>
           </a:p>
         </p:txBody>
       </p:sp>
     </p:spTree>
     <p:extLst>
       <p:ext uri="{BB962C8B-B14F-4D97-AF65-F5344CB8AC3E}">
-        <p14:creationId xmlns:p14="http://schemas.microsoft.com/office/powerpoint/2010/main" val="1677716399"/>
+        <p14:creationId xmlns:p14="http://schemas.microsoft.com/office/powerpoint/2010/main" val="4214433377"/>
       </p:ext>
     </p:extLst>
   </p:cSld>
@@ -12861,7 +14140,7 @@
       </p:grpSpPr>
       <p:sp>
         <p:nvSpPr>
-          <p:cNvPr id="24" name="Title"/>
+          <p:cNvPr id="4" name="Title"/>
           <p:cNvSpPr>
             <a:spLocks noGrp="1"/>
           </p:cNvSpPr>
@@ -12869,7 +14148,12 @@
             <p:ph type="title"/>
           </p:nvPr>
         </p:nvSpPr>
-        <p:spPr bwMode="gray"/>
+        <p:spPr bwMode="gray">
+          <a:xfrm>
+            <a:off x="504001" y="504000"/>
+            <a:ext cx="11186476" cy="646331"/>
+          </a:xfrm>
+        </p:spPr>
         <p:txBody>
           <a:bodyPr/>
           <a:lstStyle/>
@@ -12878,37 +14162,40 @@
               <a:rPr lang="en-US" dirty="0" err="1"/>
               <a:t>OpenTSDB</a:t>
             </a:r>
-            <a:r>
-              <a:rPr lang="en-US" dirty="0"/>
-              <a:t> Use Cases</a:t>
-            </a:r>
+            <a:br>
+              <a:rPr lang="en-US" dirty="0"/>
+            </a:br>
+            <a:r>
+              <a:rPr lang="en-US" sz="1800" b="0" dirty="0"/>
+              <a:t>Techniques</a:t>
+            </a:r>
+            <a:endParaRPr lang="en-US" b="0" dirty="0"/>
           </a:p>
         </p:txBody>
       </p:sp>
       <p:sp>
         <p:nvSpPr>
-          <p:cNvPr id="2" name="文本框 1">
+          <p:cNvPr id="9" name="矩形 8">
             <a:extLst>
               <a:ext uri="{FF2B5EF4-FFF2-40B4-BE49-F238E27FC236}">
-                <a16:creationId xmlns:a16="http://schemas.microsoft.com/office/drawing/2014/main" id="{6232C037-C320-47B4-880E-568F289C04F1}"/>
+                <a16:creationId xmlns:a16="http://schemas.microsoft.com/office/drawing/2014/main" id="{FD2B6A5B-9857-4D4D-BF92-F5B9BF2D0601}"/>
               </a:ext>
             </a:extLst>
           </p:cNvPr>
-          <p:cNvSpPr txBox="1"/>
+          <p:cNvSpPr/>
           <p:nvPr/>
         </p:nvSpPr>
         <p:spPr>
           <a:xfrm>
-            <a:off x="749761" y="1171074"/>
-            <a:ext cx="10940716" cy="5109091"/>
+            <a:off x="501650" y="1737175"/>
+            <a:ext cx="10808034" cy="2616101"/>
           </a:xfrm>
           <a:prstGeom prst="rect">
             <a:avLst/>
           </a:prstGeom>
-          <a:noFill/>
         </p:spPr>
         <p:txBody>
-          <a:bodyPr wrap="square" lIns="0" tIns="0" rIns="0" bIns="0" rtlCol="0">
+          <a:bodyPr wrap="square">
             <a:spAutoFit/>
           </a:bodyPr>
           <a:lstStyle/>
@@ -12928,11 +14215,11 @@
               <a:buChar char="n"/>
             </a:pPr>
             <a:r>
-              <a:rPr lang="en-US" altLang="zh-CN" sz="2000" kern="0" dirty="0">
+              <a:rPr lang="en-US" altLang="zh-CN" sz="2000" b="1" kern="0" dirty="0">
                 <a:ea typeface="Arial Unicode MS" pitchFamily="34" charset="-128"/>
                 <a:cs typeface="Arial Unicode MS" pitchFamily="34" charset="-128"/>
               </a:rPr>
-              <a:t>Salesforce</a:t>
+              <a:t>System Architecture</a:t>
             </a:r>
           </a:p>
           <a:p>
@@ -12951,11 +14238,36 @@
               <a:buChar char="n"/>
             </a:pPr>
             <a:r>
-              <a:rPr lang="en-US" altLang="zh-CN" sz="1800" kern="0" dirty="0">
-                <a:ea typeface="Arial Unicode MS" pitchFamily="34" charset="-128"/>
-                <a:cs typeface="Arial Unicode MS" pitchFamily="34" charset="-128"/>
-              </a:rPr>
-              <a:t>Backing store for Argus: Open source monitoring and alerting system</a:t>
+              <a:rPr lang="en-US" altLang="zh-CN" sz="1800" dirty="0" err="1"/>
+              <a:t>OpenTSDB</a:t>
+            </a:r>
+            <a:r>
+              <a:rPr lang="en-US" altLang="zh-CN" sz="1800" dirty="0"/>
+              <a:t> consists of three components: </a:t>
+            </a:r>
+            <a:r>
+              <a:rPr lang="en-US" altLang="zh-CN" sz="1800" dirty="0" err="1"/>
+              <a:t>tCollector</a:t>
+            </a:r>
+            <a:r>
+              <a:rPr lang="en-US" altLang="zh-CN" sz="1800" dirty="0"/>
+              <a:t>, Time Series Daemon (TSD), and HBase. One instance of </a:t>
+            </a:r>
+            <a:r>
+              <a:rPr lang="en-US" altLang="zh-CN" sz="1800" dirty="0" err="1"/>
+              <a:t>tCollector</a:t>
+            </a:r>
+            <a:r>
+              <a:rPr lang="en-US" altLang="zh-CN" sz="1800" dirty="0"/>
+              <a:t> is deployed on each server. It is responsible to periodically pull metrics data from processes running on the server and the operating system. TSDs receive data from the </a:t>
+            </a:r>
+            <a:r>
+              <a:rPr lang="en-US" altLang="zh-CN" sz="1800" dirty="0" err="1"/>
+              <a:t>tCollectors</a:t>
+            </a:r>
+            <a:r>
+              <a:rPr lang="en-US" altLang="zh-CN" sz="1800" dirty="0"/>
+              <a:t> and push data to the HBase backend storage system. Upon receiving queries, TSD scans HBase and retrieves relevant data.</a:t>
             </a:r>
           </a:p>
           <a:p>
@@ -12974,223 +14286,17 @@
               <a:buChar char="n"/>
             </a:pPr>
             <a:r>
-              <a:rPr lang="en-US" altLang="zh-CN" sz="1800" kern="0" dirty="0">
-                <a:ea typeface="Arial Unicode MS" pitchFamily="34" charset="-128"/>
-                <a:cs typeface="Arial Unicode MS" pitchFamily="34" charset="-128"/>
-              </a:rPr>
-              <a:t>50M writes per minute. 23K queries per minute</a:t>
-            </a:r>
-          </a:p>
-          <a:p>
-            <a:pPr marL="285750" indent="-285750" fontAlgn="base">
-              <a:spcBef>
-                <a:spcPct val="50000"/>
-              </a:spcBef>
-              <a:spcAft>
-                <a:spcPct val="0"/>
-              </a:spcAft>
-              <a:buClr>
-                <a:srgbClr val="F0AB00"/>
-              </a:buClr>
-              <a:buSzPct val="80000"/>
-              <a:buFont typeface="Wingdings" panose="05000000000000000000" pitchFamily="2" charset="2"/>
-              <a:buChar char="n"/>
-            </a:pPr>
-            <a:r>
-              <a:rPr lang="en-US" altLang="zh-CN" sz="2000" kern="0" dirty="0">
-                <a:ea typeface="Arial Unicode MS" pitchFamily="34" charset="-128"/>
-                <a:cs typeface="Arial Unicode MS" pitchFamily="34" charset="-128"/>
-              </a:rPr>
-              <a:t>YAHOO</a:t>
-            </a:r>
-          </a:p>
-          <a:p>
-            <a:pPr marL="830138" lvl="1" indent="-285750" fontAlgn="base">
-              <a:spcBef>
-                <a:spcPct val="50000"/>
-              </a:spcBef>
-              <a:spcAft>
-                <a:spcPct val="0"/>
-              </a:spcAft>
-              <a:buClr>
-                <a:srgbClr val="F0AB00"/>
-              </a:buClr>
-              <a:buSzPct val="80000"/>
-              <a:buFont typeface="Wingdings" panose="05000000000000000000" pitchFamily="2" charset="2"/>
-              <a:buChar char="n"/>
-            </a:pPr>
-            <a:r>
-              <a:rPr lang="en-US" altLang="zh-CN" sz="1800" kern="0" dirty="0">
-                <a:ea typeface="Arial Unicode MS" pitchFamily="34" charset="-128"/>
-                <a:cs typeface="Arial Unicode MS" pitchFamily="34" charset="-128"/>
-              </a:rPr>
-              <a:t>Monitoring system, network and application performance and statistics.</a:t>
-            </a:r>
-          </a:p>
-          <a:p>
-            <a:pPr marL="830138" lvl="1" indent="-285750" fontAlgn="base">
-              <a:spcBef>
-                <a:spcPct val="50000"/>
-              </a:spcBef>
-              <a:spcAft>
-                <a:spcPct val="0"/>
-              </a:spcAft>
-              <a:buClr>
-                <a:srgbClr val="F0AB00"/>
-              </a:buClr>
-              <a:buSzPct val="80000"/>
-              <a:buFont typeface="Wingdings" panose="05000000000000000000" pitchFamily="2" charset="2"/>
-              <a:buChar char="n"/>
-            </a:pPr>
-            <a:r>
-              <a:rPr lang="en-US" altLang="zh-CN" sz="1800" kern="0" dirty="0">
-                <a:ea typeface="Arial Unicode MS" pitchFamily="34" charset="-128"/>
-                <a:cs typeface="Arial Unicode MS" pitchFamily="34" charset="-128"/>
-              </a:rPr>
-              <a:t>Central monitoring for all Yahoo properties</a:t>
-            </a:r>
-          </a:p>
-          <a:p>
-            <a:pPr marL="830138" lvl="1" indent="-285750" fontAlgn="base">
-              <a:spcBef>
-                <a:spcPct val="50000"/>
-              </a:spcBef>
-              <a:spcAft>
-                <a:spcPct val="0"/>
-              </a:spcAft>
-              <a:buClr>
-                <a:srgbClr val="F0AB00"/>
-              </a:buClr>
-              <a:buSzPct val="80000"/>
-              <a:buFont typeface="Wingdings" panose="05000000000000000000" pitchFamily="2" charset="2"/>
-              <a:buChar char="n"/>
-            </a:pPr>
-            <a:r>
-              <a:rPr lang="en-US" altLang="zh-CN" sz="1800" kern="0" dirty="0">
-                <a:ea typeface="Arial Unicode MS" pitchFamily="34" charset="-128"/>
-                <a:cs typeface="Arial Unicode MS" pitchFamily="34" charset="-128"/>
-              </a:rPr>
-              <a:t>Over 1 billion active time series served</a:t>
-            </a:r>
-          </a:p>
-          <a:p>
-            <a:pPr marL="285750" indent="-285750" fontAlgn="base">
-              <a:spcBef>
-                <a:spcPct val="50000"/>
-              </a:spcBef>
-              <a:spcAft>
-                <a:spcPct val="0"/>
-              </a:spcAft>
-              <a:buClr>
-                <a:srgbClr val="F0AB00"/>
-              </a:buClr>
-              <a:buSzPct val="80000"/>
-              <a:buFont typeface="Wingdings" panose="05000000000000000000" pitchFamily="2" charset="2"/>
-              <a:buChar char="n"/>
-            </a:pPr>
-            <a:r>
-              <a:rPr lang="en-US" altLang="zh-CN" sz="2000" kern="0" dirty="0">
-                <a:ea typeface="Arial Unicode MS" pitchFamily="34" charset="-128"/>
-                <a:cs typeface="Arial Unicode MS" pitchFamily="34" charset="-128"/>
-              </a:rPr>
-              <a:t>Others:</a:t>
-            </a:r>
-          </a:p>
-          <a:p>
-            <a:pPr marL="830138" lvl="1" indent="-285750" fontAlgn="base">
-              <a:spcBef>
-                <a:spcPct val="50000"/>
-              </a:spcBef>
-              <a:spcAft>
-                <a:spcPct val="0"/>
-              </a:spcAft>
-              <a:buClr>
-                <a:srgbClr val="F0AB00"/>
-              </a:buClr>
-              <a:buSzPct val="80000"/>
-              <a:buFont typeface="Wingdings" panose="05000000000000000000" pitchFamily="2" charset="2"/>
-              <a:buChar char="n"/>
-            </a:pPr>
-            <a:r>
-              <a:rPr lang="en-US" altLang="zh-CN" sz="1800" kern="0" dirty="0">
-                <a:ea typeface="Arial Unicode MS" pitchFamily="34" charset="-128"/>
-                <a:cs typeface="Arial Unicode MS" pitchFamily="34" charset="-128"/>
-              </a:rPr>
-              <a:t>Pinterest</a:t>
-            </a:r>
-          </a:p>
-          <a:p>
-            <a:pPr marL="830138" lvl="1" indent="-285750" fontAlgn="base">
-              <a:spcBef>
-                <a:spcPct val="50000"/>
-              </a:spcBef>
-              <a:spcAft>
-                <a:spcPct val="0"/>
-              </a:spcAft>
-              <a:buClr>
-                <a:srgbClr val="F0AB00"/>
-              </a:buClr>
-              <a:buSzPct val="80000"/>
-              <a:buFont typeface="Wingdings" panose="05000000000000000000" pitchFamily="2" charset="2"/>
-              <a:buChar char="n"/>
-            </a:pPr>
-            <a:r>
-              <a:rPr lang="en-US" altLang="zh-CN" sz="1800" kern="0" dirty="0">
-                <a:ea typeface="Arial Unicode MS" pitchFamily="34" charset="-128"/>
-                <a:cs typeface="Arial Unicode MS" pitchFamily="34" charset="-128"/>
-              </a:rPr>
-              <a:t>eBay</a:t>
-            </a:r>
-          </a:p>
-          <a:p>
-            <a:pPr marL="830138" lvl="1" indent="-285750" fontAlgn="base">
-              <a:spcBef>
-                <a:spcPct val="50000"/>
-              </a:spcBef>
-              <a:spcAft>
-                <a:spcPct val="0"/>
-              </a:spcAft>
-              <a:buClr>
-                <a:srgbClr val="F0AB00"/>
-              </a:buClr>
-              <a:buSzPct val="80000"/>
-              <a:buFont typeface="Wingdings" panose="05000000000000000000" pitchFamily="2" charset="2"/>
-              <a:buChar char="n"/>
-            </a:pPr>
-            <a:r>
-              <a:rPr lang="en-US" altLang="zh-CN" sz="1800" kern="0" dirty="0">
-                <a:ea typeface="Arial Unicode MS" pitchFamily="34" charset="-128"/>
-                <a:cs typeface="Arial Unicode MS" pitchFamily="34" charset="-128"/>
-              </a:rPr>
-              <a:t>And so on.</a:t>
-            </a:r>
-          </a:p>
-          <a:p>
-            <a:pPr marL="285750" indent="-285750" fontAlgn="base">
-              <a:spcBef>
-                <a:spcPct val="50000"/>
-              </a:spcBef>
-              <a:spcAft>
-                <a:spcPct val="0"/>
-              </a:spcAft>
-              <a:buClr>
-                <a:srgbClr val="F0AB00"/>
-              </a:buClr>
-              <a:buSzPct val="80000"/>
-              <a:buFont typeface="Wingdings" panose="05000000000000000000" pitchFamily="2" charset="2"/>
-              <a:buChar char="n"/>
-            </a:pPr>
-            <a:endParaRPr lang="zh-CN" altLang="en-US" sz="1800" kern="0" dirty="0" err="1">
-              <a:ea typeface="Arial Unicode MS" pitchFamily="34" charset="-128"/>
-              <a:cs typeface="Arial Unicode MS" pitchFamily="34" charset="-128"/>
-            </a:endParaRPr>
+              <a:rPr lang="en-US" altLang="zh-CN" sz="1800" dirty="0"/>
+              <a:t>All communications are done via TSD RPC and Hadoop RPC, therefore all components are stateless. There can be as many TSDs as needed to handle the workload as the system scales.</a:t>
+            </a:r>
+            <a:endParaRPr lang="zh-CN" altLang="en-US" sz="1800" dirty="0"/>
           </a:p>
         </p:txBody>
       </p:sp>
     </p:spTree>
     <p:extLst>
       <p:ext uri="{BB962C8B-B14F-4D97-AF65-F5344CB8AC3E}">
-        <p14:creationId xmlns:p14="http://schemas.microsoft.com/office/powerpoint/2010/main" val="1684075728"/>
+        <p14:creationId xmlns:p14="http://schemas.microsoft.com/office/powerpoint/2010/main" val="1677716399"/>
       </p:ext>
     </p:extLst>
   </p:cSld>
@@ -14156,18 +15262,18 @@
 </file>
 
 <file path=customXml/item1.xml><?xml version="1.0" encoding="utf-8"?>
-<p:properties xmlns:p="http://schemas.microsoft.com/office/2006/metadata/properties" xmlns:xsi="http://www.w3.org/2001/XMLSchema-instance" xmlns:pc="http://schemas.microsoft.com/office/infopath/2007/PartnerControls">
-  <documentManagement/>
-</p:properties>
-</file>
-
-<file path=customXml/item2.xml><?xml version="1.0" encoding="utf-8"?>
 <?mso-contentType ?>
 <FormTemplates xmlns="http://schemas.microsoft.com/sharepoint/v3/contenttype/forms">
   <Display>DocumentLibraryForm</Display>
   <Edit>DocumentLibraryForm</Edit>
   <New>DocumentLibraryForm</New>
 </FormTemplates>
+</file>
+
+<file path=customXml/item2.xml><?xml version="1.0" encoding="utf-8"?>
+<p:properties xmlns:p="http://schemas.microsoft.com/office/2006/metadata/properties" xmlns:xsi="http://www.w3.org/2001/XMLSchema-instance" xmlns:pc="http://schemas.microsoft.com/office/infopath/2007/PartnerControls">
+  <documentManagement/>
+</p:properties>
 </file>
 
 <file path=customXml/item3.xml><?xml version="1.0" encoding="utf-8"?>
@@ -14303,18 +15409,18 @@
 </file>
 
 <file path=customXml/itemProps1.xml><?xml version="1.0" encoding="utf-8"?>
-<ds:datastoreItem xmlns:ds="http://schemas.openxmlformats.org/officeDocument/2006/customXml" ds:itemID="{B5A61EA0-C632-450D-8732-FBE1B6CC6F01}">
+<ds:datastoreItem xmlns:ds="http://schemas.openxmlformats.org/officeDocument/2006/customXml" ds:itemID="{2DA81D51-CB8B-4E00-A304-5985D65D0CEC}">
   <ds:schemaRefs>
-    <ds:schemaRef ds:uri="http://schemas.microsoft.com/office/2006/metadata/properties"/>
-    <ds:schemaRef ds:uri="http://schemas.microsoft.com/office/infopath/2007/PartnerControls"/>
+    <ds:schemaRef ds:uri="http://schemas.microsoft.com/sharepoint/v3/contenttype/forms"/>
   </ds:schemaRefs>
 </ds:datastoreItem>
 </file>
 
 <file path=customXml/itemProps2.xml><?xml version="1.0" encoding="utf-8"?>
-<ds:datastoreItem xmlns:ds="http://schemas.openxmlformats.org/officeDocument/2006/customXml" ds:itemID="{2DA81D51-CB8B-4E00-A304-5985D65D0CEC}">
+<ds:datastoreItem xmlns:ds="http://schemas.openxmlformats.org/officeDocument/2006/customXml" ds:itemID="{B5A61EA0-C632-450D-8732-FBE1B6CC6F01}">
   <ds:schemaRefs>
-    <ds:schemaRef ds:uri="http://schemas.microsoft.com/sharepoint/v3/contenttype/forms"/>
+    <ds:schemaRef ds:uri="http://schemas.microsoft.com/office/2006/metadata/properties"/>
+    <ds:schemaRef ds:uri="http://schemas.microsoft.com/office/infopath/2007/PartnerControls"/>
   </ds:schemaRefs>
 </ds:datastoreItem>
 </file>
